--- a/Front_end_koolitus.pptx
+++ b/Front_end_koolitus.pptx
@@ -9,7 +9,7 @@
     <p:sldMasterId id="2147483734" r:id="rId5"/>
   </p:sldMasterIdLst>
   <p:notesMasterIdLst>
-    <p:notesMasterId r:id="rId17"/>
+    <p:notesMasterId r:id="rId20"/>
   </p:notesMasterIdLst>
   <p:sldIdLst>
     <p:sldId id="256" r:id="rId6"/>
@@ -18,11 +18,14 @@
     <p:sldId id="268" r:id="rId9"/>
     <p:sldId id="269" r:id="rId10"/>
     <p:sldId id="267" r:id="rId11"/>
-    <p:sldId id="262" r:id="rId12"/>
-    <p:sldId id="258" r:id="rId13"/>
-    <p:sldId id="259" r:id="rId14"/>
-    <p:sldId id="264" r:id="rId15"/>
-    <p:sldId id="257" r:id="rId16"/>
+    <p:sldId id="271" r:id="rId12"/>
+    <p:sldId id="270" r:id="rId13"/>
+    <p:sldId id="272" r:id="rId14"/>
+    <p:sldId id="262" r:id="rId15"/>
+    <p:sldId id="258" r:id="rId16"/>
+    <p:sldId id="259" r:id="rId17"/>
+    <p:sldId id="264" r:id="rId18"/>
+    <p:sldId id="257" r:id="rId19"/>
   </p:sldIdLst>
   <p:sldSz cx="12192000" cy="6858000"/>
   <p:notesSz cx="6858000" cy="9144000"/>
@@ -222,7 +225,7 @@
           <a:p>
             <a:fld id="{78BA5DDA-101F-47B9-BB86-50927C88677E}" type="datetimeFigureOut">
               <a:rPr lang="et-EE" smtClean="0"/>
-              <a:t>26.12.2016</a:t>
+              <a:t>19.04.2017</a:t>
             </a:fld>
             <a:endParaRPr lang="et-EE"/>
           </a:p>
@@ -581,6 +584,311 @@
 </p:notes>
 </file>
 
+<file path=ppt/notesSlides/notesSlide10.xml><?xml version="1.0" encoding="utf-8"?>
+<p:notes xmlns:a="http://schemas.openxmlformats.org/drawingml/2006/main" xmlns:r="http://schemas.openxmlformats.org/officeDocument/2006/relationships" xmlns:p="http://schemas.openxmlformats.org/presentationml/2006/main">
+  <p:cSld>
+    <p:spTree>
+      <p:nvGrpSpPr>
+        <p:cNvPr id="1" name=""/>
+        <p:cNvGrpSpPr/>
+        <p:nvPr/>
+      </p:nvGrpSpPr>
+      <p:grpSpPr>
+        <a:xfrm>
+          <a:off x="0" y="0"/>
+          <a:ext cx="0" cy="0"/>
+          <a:chOff x="0" y="0"/>
+          <a:chExt cx="0" cy="0"/>
+        </a:xfrm>
+      </p:grpSpPr>
+      <p:sp>
+        <p:nvSpPr>
+          <p:cNvPr id="2" name="Slaidi pildi kohatäide 1"/>
+          <p:cNvSpPr>
+            <a:spLocks noGrp="1" noRot="1" noChangeAspect="1"/>
+          </p:cNvSpPr>
+          <p:nvPr>
+            <p:ph type="sldImg"/>
+          </p:nvPr>
+        </p:nvSpPr>
+        <p:spPr/>
+      </p:sp>
+      <p:sp>
+        <p:nvSpPr>
+          <p:cNvPr id="3" name="Märkmete kohatäide 2"/>
+          <p:cNvSpPr>
+            <a:spLocks noGrp="1"/>
+          </p:cNvSpPr>
+          <p:nvPr>
+            <p:ph type="body" idx="1"/>
+          </p:nvPr>
+        </p:nvSpPr>
+        <p:spPr/>
+        <p:txBody>
+          <a:bodyPr/>
+          <a:lstStyle/>
+          <a:p>
+            <a:r>
+              <a:rPr lang="et-EE" dirty="0"/>
+              <a:t>Põgusalt</a:t>
+            </a:r>
+            <a:r>
+              <a:rPr lang="et-EE" baseline="0" dirty="0"/>
+              <a:t> koolituse teemad, mida koolitusel käsitletakse.</a:t>
+            </a:r>
+            <a:endParaRPr lang="et-EE" dirty="0"/>
+          </a:p>
+        </p:txBody>
+      </p:sp>
+      <p:sp>
+        <p:nvSpPr>
+          <p:cNvPr id="4" name="Slaidinumbri kohatäide 3"/>
+          <p:cNvSpPr>
+            <a:spLocks noGrp="1"/>
+          </p:cNvSpPr>
+          <p:nvPr>
+            <p:ph type="sldNum" sz="quarter" idx="10"/>
+          </p:nvPr>
+        </p:nvSpPr>
+        <p:spPr/>
+        <p:txBody>
+          <a:bodyPr/>
+          <a:lstStyle/>
+          <a:p>
+            <a:fld id="{AD07F44B-DE7D-44AB-B7CC-38DABBE12E79}" type="slidenum">
+              <a:rPr lang="et-EE" smtClean="0"/>
+              <a:t>11</a:t>
+            </a:fld>
+            <a:endParaRPr lang="et-EE"/>
+          </a:p>
+        </p:txBody>
+      </p:sp>
+    </p:spTree>
+    <p:extLst>
+      <p:ext uri="{BB962C8B-B14F-4D97-AF65-F5344CB8AC3E}">
+        <p14:creationId xmlns:p14="http://schemas.microsoft.com/office/powerpoint/2010/main" val="426076111"/>
+      </p:ext>
+    </p:extLst>
+  </p:cSld>
+  <p:clrMapOvr>
+    <a:masterClrMapping/>
+  </p:clrMapOvr>
+</p:notes>
+</file>
+
+<file path=ppt/notesSlides/notesSlide11.xml><?xml version="1.0" encoding="utf-8"?>
+<p:notes xmlns:a="http://schemas.openxmlformats.org/drawingml/2006/main" xmlns:r="http://schemas.openxmlformats.org/officeDocument/2006/relationships" xmlns:p="http://schemas.openxmlformats.org/presentationml/2006/main">
+  <p:cSld>
+    <p:spTree>
+      <p:nvGrpSpPr>
+        <p:cNvPr id="1" name=""/>
+        <p:cNvGrpSpPr/>
+        <p:nvPr/>
+      </p:nvGrpSpPr>
+      <p:grpSpPr>
+        <a:xfrm>
+          <a:off x="0" y="0"/>
+          <a:ext cx="0" cy="0"/>
+          <a:chOff x="0" y="0"/>
+          <a:chExt cx="0" cy="0"/>
+        </a:xfrm>
+      </p:grpSpPr>
+      <p:sp>
+        <p:nvSpPr>
+          <p:cNvPr id="2" name="Slide Image Placeholder 1"/>
+          <p:cNvSpPr>
+            <a:spLocks noGrp="1" noRot="1" noChangeAspect="1"/>
+          </p:cNvSpPr>
+          <p:nvPr>
+            <p:ph type="sldImg"/>
+          </p:nvPr>
+        </p:nvSpPr>
+        <p:spPr/>
+      </p:sp>
+      <p:sp>
+        <p:nvSpPr>
+          <p:cNvPr id="3" name="Notes Placeholder 2"/>
+          <p:cNvSpPr>
+            <a:spLocks noGrp="1"/>
+          </p:cNvSpPr>
+          <p:nvPr>
+            <p:ph type="body" idx="1"/>
+          </p:nvPr>
+        </p:nvSpPr>
+        <p:spPr/>
+        <p:txBody>
+          <a:bodyPr/>
+          <a:lstStyle/>
+          <a:p>
+            <a:r>
+              <a:rPr lang="et-EE" dirty="0"/>
+              <a:t>Lõunasüsteem on nii, et sekretär annab igal päeval talongid </a:t>
+            </a:r>
+            <a:r>
+              <a:rPr lang="et-EE" dirty="0" err="1"/>
+              <a:t>Sina+õppijate</a:t>
+            </a:r>
+            <a:r>
+              <a:rPr lang="et-EE" dirty="0"/>
+              <a:t> arv, talongi väärtus 6 </a:t>
+            </a:r>
+            <a:r>
+              <a:rPr lang="et-EE" dirty="0" err="1"/>
+              <a:t>eur</a:t>
+            </a:r>
+            <a:r>
+              <a:rPr lang="et-EE" dirty="0"/>
+              <a:t> ja kehtib lähedalasuvates söögikohtades.</a:t>
+            </a:r>
+          </a:p>
+          <a:p>
+            <a:r>
+              <a:rPr lang="et-EE" dirty="0"/>
+              <a:t>Suitsetamise koht on väljas maja nurgas, sees kusagil suitsu teha ei saa.</a:t>
+            </a:r>
+          </a:p>
+          <a:p>
+            <a:r>
+              <a:rPr lang="et-EE" dirty="0"/>
+              <a:t>Kohvi ja snäkke võib kööginurgast igal ajal julgelt võtta palju kulub ja </a:t>
+            </a:r>
+            <a:r>
+              <a:rPr lang="et-EE" dirty="0" err="1"/>
+              <a:t>ok</a:t>
+            </a:r>
+            <a:r>
+              <a:rPr lang="et-EE" dirty="0"/>
+              <a:t> on klassi kaasa võtta.</a:t>
+            </a:r>
+          </a:p>
+          <a:p>
+            <a:r>
+              <a:rPr lang="et-EE" dirty="0"/>
+              <a:t>Parklas EP90 on parkimine tasuta, aga tuleb iga päev autonumber meie juures terminali sisestada.</a:t>
+            </a:r>
+          </a:p>
+        </p:txBody>
+      </p:sp>
+      <p:sp>
+        <p:nvSpPr>
+          <p:cNvPr id="4" name="Slide Number Placeholder 3"/>
+          <p:cNvSpPr>
+            <a:spLocks noGrp="1"/>
+          </p:cNvSpPr>
+          <p:nvPr>
+            <p:ph type="sldNum" sz="quarter" idx="10"/>
+          </p:nvPr>
+        </p:nvSpPr>
+        <p:spPr/>
+        <p:txBody>
+          <a:bodyPr/>
+          <a:lstStyle/>
+          <a:p>
+            <a:fld id="{AD07F44B-DE7D-44AB-B7CC-38DABBE12E79}" type="slidenum">
+              <a:rPr lang="et-EE" smtClean="0"/>
+              <a:t>12</a:t>
+            </a:fld>
+            <a:endParaRPr lang="et-EE"/>
+          </a:p>
+        </p:txBody>
+      </p:sp>
+    </p:spTree>
+    <p:extLst>
+      <p:ext uri="{BB962C8B-B14F-4D97-AF65-F5344CB8AC3E}">
+        <p14:creationId xmlns:p14="http://schemas.microsoft.com/office/powerpoint/2010/main" val="1264257163"/>
+      </p:ext>
+    </p:extLst>
+  </p:cSld>
+  <p:clrMapOvr>
+    <a:masterClrMapping/>
+  </p:clrMapOvr>
+</p:notes>
+</file>
+
+<file path=ppt/notesSlides/notesSlide12.xml><?xml version="1.0" encoding="utf-8"?>
+<p:notes xmlns:a="http://schemas.openxmlformats.org/drawingml/2006/main" xmlns:r="http://schemas.openxmlformats.org/officeDocument/2006/relationships" xmlns:p="http://schemas.openxmlformats.org/presentationml/2006/main">
+  <p:cSld>
+    <p:spTree>
+      <p:nvGrpSpPr>
+        <p:cNvPr id="1" name=""/>
+        <p:cNvGrpSpPr/>
+        <p:nvPr/>
+      </p:nvGrpSpPr>
+      <p:grpSpPr>
+        <a:xfrm>
+          <a:off x="0" y="0"/>
+          <a:ext cx="0" cy="0"/>
+          <a:chOff x="0" y="0"/>
+          <a:chExt cx="0" cy="0"/>
+        </a:xfrm>
+      </p:grpSpPr>
+      <p:sp>
+        <p:nvSpPr>
+          <p:cNvPr id="2" name="Slide Image Placeholder 1"/>
+          <p:cNvSpPr>
+            <a:spLocks noGrp="1" noRot="1" noChangeAspect="1"/>
+          </p:cNvSpPr>
+          <p:nvPr>
+            <p:ph type="sldImg"/>
+          </p:nvPr>
+        </p:nvSpPr>
+        <p:spPr/>
+      </p:sp>
+      <p:sp>
+        <p:nvSpPr>
+          <p:cNvPr id="3" name="Notes Placeholder 2"/>
+          <p:cNvSpPr>
+            <a:spLocks noGrp="1"/>
+          </p:cNvSpPr>
+          <p:nvPr>
+            <p:ph type="body" idx="1"/>
+          </p:nvPr>
+        </p:nvSpPr>
+        <p:spPr/>
+        <p:txBody>
+          <a:bodyPr/>
+          <a:lstStyle/>
+          <a:p>
+            <a:endParaRPr lang="et-EE" dirty="0"/>
+          </a:p>
+        </p:txBody>
+      </p:sp>
+      <p:sp>
+        <p:nvSpPr>
+          <p:cNvPr id="4" name="Slide Number Placeholder 3"/>
+          <p:cNvSpPr>
+            <a:spLocks noGrp="1"/>
+          </p:cNvSpPr>
+          <p:nvPr>
+            <p:ph type="sldNum" sz="quarter" idx="10"/>
+          </p:nvPr>
+        </p:nvSpPr>
+        <p:spPr/>
+        <p:txBody>
+          <a:bodyPr/>
+          <a:lstStyle/>
+          <a:p>
+            <a:fld id="{AD07F44B-DE7D-44AB-B7CC-38DABBE12E79}" type="slidenum">
+              <a:rPr lang="et-EE" smtClean="0"/>
+              <a:t>13</a:t>
+            </a:fld>
+            <a:endParaRPr lang="et-EE"/>
+          </a:p>
+        </p:txBody>
+      </p:sp>
+    </p:spTree>
+    <p:extLst>
+      <p:ext uri="{BB962C8B-B14F-4D97-AF65-F5344CB8AC3E}">
+        <p14:creationId xmlns:p14="http://schemas.microsoft.com/office/powerpoint/2010/main" val="2405129712"/>
+      </p:ext>
+    </p:extLst>
+  </p:cSld>
+  <p:clrMapOvr>
+    <a:masterClrMapping/>
+  </p:clrMapOvr>
+</p:notes>
+</file>
+
 <file path=ppt/notesSlides/notesSlide2.xml><?xml version="1.0" encoding="utf-8"?>
 <p:notes xmlns:a="http://schemas.openxmlformats.org/drawingml/2006/main" xmlns:r="http://schemas.openxmlformats.org/officeDocument/2006/relationships" xmlns:p="http://schemas.openxmlformats.org/presentationml/2006/main">
   <p:cSld>
@@ -975,7 +1283,7 @@
           <a:p>
             <a:r>
               <a:rPr lang="et-EE" dirty="0"/>
-              <a:t>Hetkel slaidil meie nö vaikimisi päevaplaan</a:t>
+              <a:t>Koht, kus annad sõna osalejale – millist infot neilt enne koolituse algust soovid</a:t>
             </a:r>
           </a:p>
         </p:txBody>
@@ -1006,7 +1314,7 @@
     </p:spTree>
     <p:extLst>
       <p:ext uri="{BB962C8B-B14F-4D97-AF65-F5344CB8AC3E}">
-        <p14:creationId xmlns:p14="http://schemas.microsoft.com/office/powerpoint/2010/main" val="3217093813"/>
+        <p14:creationId xmlns:p14="http://schemas.microsoft.com/office/powerpoint/2010/main" val="1291082552"/>
       </p:ext>
     </p:extLst>
   </p:cSld>
@@ -1035,7 +1343,7 @@
       </p:grpSpPr>
       <p:sp>
         <p:nvSpPr>
-          <p:cNvPr id="2" name="Slaidi pildi kohatäide 1"/>
+          <p:cNvPr id="2" name="Slide Image Placeholder 1"/>
           <p:cNvSpPr>
             <a:spLocks noGrp="1" noRot="1" noChangeAspect="1"/>
           </p:cNvSpPr>
@@ -1047,7 +1355,7 @@
       </p:sp>
       <p:sp>
         <p:nvSpPr>
-          <p:cNvPr id="3" name="Märkmete kohatäide 2"/>
+          <p:cNvPr id="3" name="Notes Placeholder 2"/>
           <p:cNvSpPr>
             <a:spLocks noGrp="1"/>
           </p:cNvSpPr>
@@ -1062,19 +1370,14 @@
           <a:p>
             <a:r>
               <a:rPr lang="et-EE" dirty="0"/>
-              <a:t>Põgusalt</a:t>
-            </a:r>
-            <a:r>
-              <a:rPr lang="et-EE" baseline="0" dirty="0"/>
-              <a:t> koolituse teemad, mida koolitusel käsitletakse.</a:t>
-            </a:r>
-            <a:endParaRPr lang="et-EE" dirty="0"/>
-          </a:p>
-        </p:txBody>
-      </p:sp>
-      <p:sp>
-        <p:nvSpPr>
-          <p:cNvPr id="4" name="Slaidinumbri kohatäide 3"/>
+              <a:t>Koht, kus annad sõna osalejale – millist infot neilt enne koolituse algust soovid</a:t>
+            </a:r>
+          </a:p>
+        </p:txBody>
+      </p:sp>
+      <p:sp>
+        <p:nvSpPr>
+          <p:cNvPr id="4" name="Slide Number Placeholder 3"/>
           <p:cNvSpPr>
             <a:spLocks noGrp="1"/>
           </p:cNvSpPr>
@@ -1098,7 +1401,7 @@
     </p:spTree>
     <p:extLst>
       <p:ext uri="{BB962C8B-B14F-4D97-AF65-F5344CB8AC3E}">
-        <p14:creationId xmlns:p14="http://schemas.microsoft.com/office/powerpoint/2010/main" val="426076111"/>
+        <p14:creationId xmlns:p14="http://schemas.microsoft.com/office/powerpoint/2010/main" val="2003946278"/>
       </p:ext>
     </p:extLst>
   </p:cSld>
@@ -1154,49 +1457,7 @@
           <a:p>
             <a:r>
               <a:rPr lang="et-EE" dirty="0"/>
-              <a:t>Lõunasüsteem on nii, et sekretär annab igal päeval talongid </a:t>
-            </a:r>
-            <a:r>
-              <a:rPr lang="et-EE" dirty="0" err="1"/>
-              <a:t>Sina+õppijate</a:t>
-            </a:r>
-            <a:r>
-              <a:rPr lang="et-EE" dirty="0"/>
-              <a:t> arv, talongi väärtus 6 </a:t>
-            </a:r>
-            <a:r>
-              <a:rPr lang="et-EE" dirty="0" err="1"/>
-              <a:t>eur</a:t>
-            </a:r>
-            <a:r>
-              <a:rPr lang="et-EE" dirty="0"/>
-              <a:t> ja kehtib lähedalasuvates söögikohtades.</a:t>
-            </a:r>
-          </a:p>
-          <a:p>
-            <a:r>
-              <a:rPr lang="et-EE" dirty="0"/>
-              <a:t>Suitsetamise koht on väljas maja nurgas, sees kusagil suitsu teha ei saa.</a:t>
-            </a:r>
-          </a:p>
-          <a:p>
-            <a:r>
-              <a:rPr lang="et-EE" dirty="0"/>
-              <a:t>Kohvi ja snäkke võib kööginurgast igal ajal julgelt võtta palju kulub ja </a:t>
-            </a:r>
-            <a:r>
-              <a:rPr lang="et-EE" dirty="0" err="1"/>
-              <a:t>ok</a:t>
-            </a:r>
-            <a:r>
-              <a:rPr lang="et-EE" dirty="0"/>
-              <a:t> on klassi kaasa võtta.</a:t>
-            </a:r>
-          </a:p>
-          <a:p>
-            <a:r>
-              <a:rPr lang="et-EE" dirty="0"/>
-              <a:t>Parklas EP90 on parkimine tasuta, aga tuleb iga päev autonumber meie juures terminali sisestada.</a:t>
+              <a:t>Koht, kus annad sõna osalejale – millist infot neilt enne koolituse algust soovid</a:t>
             </a:r>
           </a:p>
         </p:txBody>
@@ -1227,7 +1488,7 @@
     </p:spTree>
     <p:extLst>
       <p:ext uri="{BB962C8B-B14F-4D97-AF65-F5344CB8AC3E}">
-        <p14:creationId xmlns:p14="http://schemas.microsoft.com/office/powerpoint/2010/main" val="1264257163"/>
+        <p14:creationId xmlns:p14="http://schemas.microsoft.com/office/powerpoint/2010/main" val="2474238035"/>
       </p:ext>
     </p:extLst>
   </p:cSld>
@@ -1281,7 +1542,10 @@
           <a:bodyPr/>
           <a:lstStyle/>
           <a:p>
-            <a:endParaRPr lang="et-EE" dirty="0"/>
+            <a:r>
+              <a:rPr lang="et-EE" dirty="0"/>
+              <a:t>Hetkel slaidil meie nö vaikimisi päevaplaan</a:t>
+            </a:r>
           </a:p>
         </p:txBody>
       </p:sp>
@@ -1311,7 +1575,7 @@
     </p:spTree>
     <p:extLst>
       <p:ext uri="{BB962C8B-B14F-4D97-AF65-F5344CB8AC3E}">
-        <p14:creationId xmlns:p14="http://schemas.microsoft.com/office/powerpoint/2010/main" val="2405129712"/>
+        <p14:creationId xmlns:p14="http://schemas.microsoft.com/office/powerpoint/2010/main" val="3217093813"/>
       </p:ext>
     </p:extLst>
   </p:cSld>
@@ -7261,7 +7525,7 @@
           <a:p>
             <a:fld id="{8317D6C5-ACA4-494E-BD08-94F30F55595F}" type="datetimeFigureOut">
               <a:rPr lang="et-EE" smtClean="0"/>
-              <a:t>26.12.2016</a:t>
+              <a:t>19.04.2017</a:t>
             </a:fld>
             <a:endParaRPr lang="et-EE"/>
           </a:p>
@@ -10909,6 +11173,404 @@
             <p:ph type="title"/>
           </p:nvPr>
         </p:nvSpPr>
+        <p:spPr/>
+        <p:txBody>
+          <a:bodyPr/>
+          <a:lstStyle/>
+          <a:p>
+            <a:r>
+              <a:rPr lang="et-EE" dirty="0"/>
+              <a:t>Päevaplaan</a:t>
+            </a:r>
+          </a:p>
+        </p:txBody>
+      </p:sp>
+      <p:sp>
+        <p:nvSpPr>
+          <p:cNvPr id="3" name="Content Placeholder 2"/>
+          <p:cNvSpPr>
+            <a:spLocks noGrp="1"/>
+          </p:cNvSpPr>
+          <p:nvPr>
+            <p:ph idx="1"/>
+          </p:nvPr>
+        </p:nvSpPr>
+        <p:spPr>
+          <a:xfrm>
+            <a:off x="481264" y="1825624"/>
+            <a:ext cx="11267712" cy="3889375"/>
+          </a:xfrm>
+        </p:spPr>
+        <p:txBody>
+          <a:bodyPr/>
+          <a:lstStyle/>
+          <a:p>
+            <a:r>
+              <a:rPr lang="et-EE" dirty="0"/>
+              <a:t>9:00 – 10:30 Koolitus</a:t>
+            </a:r>
+          </a:p>
+          <a:p>
+            <a:pPr lvl="1"/>
+            <a:r>
+              <a:rPr lang="et-EE" dirty="0"/>
+              <a:t>10:30 – 10:45 Paus</a:t>
+            </a:r>
+          </a:p>
+          <a:p>
+            <a:r>
+              <a:rPr lang="et-EE" dirty="0"/>
+              <a:t>10:45 – 12:15 Koolitus</a:t>
+            </a:r>
+          </a:p>
+          <a:p>
+            <a:pPr lvl="1"/>
+            <a:r>
+              <a:rPr lang="et-EE" dirty="0"/>
+              <a:t>12:15 </a:t>
+            </a:r>
+            <a:r>
+              <a:rPr lang="et-EE"/>
+              <a:t>– 13:00 </a:t>
+            </a:r>
+            <a:r>
+              <a:rPr lang="et-EE" dirty="0"/>
+              <a:t>Lõuna</a:t>
+            </a:r>
+          </a:p>
+          <a:p>
+            <a:r>
+              <a:rPr lang="et-EE" dirty="0"/>
+              <a:t>13:00 – 14:30 Koolitus</a:t>
+            </a:r>
+          </a:p>
+        </p:txBody>
+      </p:sp>
+    </p:spTree>
+    <p:extLst>
+      <p:ext uri="{BB962C8B-B14F-4D97-AF65-F5344CB8AC3E}">
+        <p14:creationId xmlns:p14="http://schemas.microsoft.com/office/powerpoint/2010/main" val="3378611255"/>
+      </p:ext>
+    </p:extLst>
+  </p:cSld>
+  <p:clrMapOvr>
+    <a:masterClrMapping/>
+  </p:clrMapOvr>
+</p:sld>
+</file>
+
+<file path=ppt/slides/slide11.xml><?xml version="1.0" encoding="utf-8"?>
+<p:sld xmlns:a="http://schemas.openxmlformats.org/drawingml/2006/main" xmlns:r="http://schemas.openxmlformats.org/officeDocument/2006/relationships" xmlns:p="http://schemas.openxmlformats.org/presentationml/2006/main">
+  <p:cSld>
+    <p:spTree>
+      <p:nvGrpSpPr>
+        <p:cNvPr id="1" name=""/>
+        <p:cNvGrpSpPr/>
+        <p:nvPr/>
+      </p:nvGrpSpPr>
+      <p:grpSpPr>
+        <a:xfrm>
+          <a:off x="0" y="0"/>
+          <a:ext cx="0" cy="0"/>
+          <a:chOff x="0" y="0"/>
+          <a:chExt cx="0" cy="0"/>
+        </a:xfrm>
+      </p:grpSpPr>
+      <p:sp>
+        <p:nvSpPr>
+          <p:cNvPr id="8" name="Title 7"/>
+          <p:cNvSpPr>
+            <a:spLocks noGrp="1"/>
+          </p:cNvSpPr>
+          <p:nvPr>
+            <p:ph type="title"/>
+          </p:nvPr>
+        </p:nvSpPr>
+        <p:spPr/>
+        <p:txBody>
+          <a:bodyPr/>
+          <a:lstStyle/>
+          <a:p>
+            <a:r>
+              <a:rPr lang="et-EE" dirty="0"/>
+              <a:t>Koolituse teemad</a:t>
+            </a:r>
+          </a:p>
+        </p:txBody>
+      </p:sp>
+      <p:sp>
+        <p:nvSpPr>
+          <p:cNvPr id="9" name="Content Placeholder 8"/>
+          <p:cNvSpPr>
+            <a:spLocks noGrp="1"/>
+          </p:cNvSpPr>
+          <p:nvPr>
+            <p:ph idx="1"/>
+          </p:nvPr>
+        </p:nvSpPr>
+        <p:spPr/>
+        <p:txBody>
+          <a:bodyPr>
+            <a:normAutofit fontScale="92500" lnSpcReduction="20000"/>
+          </a:bodyPr>
+          <a:lstStyle/>
+          <a:p>
+            <a:r>
+              <a:rPr lang="et-EE" dirty="0"/>
+              <a:t>Kodulehe struktuur, selle mõju </a:t>
+            </a:r>
+            <a:r>
+              <a:rPr lang="et-EE" dirty="0" err="1"/>
+              <a:t>SEO-le</a:t>
+            </a:r>
+            <a:r>
+              <a:rPr lang="et-EE" dirty="0"/>
+              <a:t> ja koodi haldamine.</a:t>
+            </a:r>
+          </a:p>
+          <a:p>
+            <a:r>
+              <a:rPr lang="et-EE" dirty="0"/>
+              <a:t>Kodulehe kujundamine, animeerimine ja </a:t>
+            </a:r>
+            <a:r>
+              <a:rPr lang="et-EE" dirty="0" err="1"/>
+              <a:t>responsive</a:t>
+            </a:r>
+            <a:r>
+              <a:rPr lang="et-EE" dirty="0"/>
+              <a:t> </a:t>
+            </a:r>
+            <a:r>
+              <a:rPr lang="et-EE" dirty="0" err="1"/>
+              <a:t>design</a:t>
+            </a:r>
+            <a:r>
+              <a:rPr lang="et-EE" dirty="0"/>
+              <a:t>.</a:t>
+            </a:r>
+          </a:p>
+          <a:p>
+            <a:r>
+              <a:rPr lang="et-EE" dirty="0" err="1"/>
+              <a:t>Programeerimine</a:t>
+            </a:r>
+            <a:r>
+              <a:rPr lang="et-EE" dirty="0"/>
+              <a:t> </a:t>
+            </a:r>
+            <a:r>
+              <a:rPr lang="et-EE" dirty="0" err="1"/>
+              <a:t>Javascriptis</a:t>
+            </a:r>
+            <a:r>
+              <a:rPr lang="et-EE" dirty="0"/>
+              <a:t> ja kodulehe dünaamiliseks loomine.</a:t>
+            </a:r>
+          </a:p>
+          <a:p>
+            <a:r>
+              <a:rPr lang="et-EE" dirty="0" err="1"/>
+              <a:t>Web</a:t>
+            </a:r>
+            <a:r>
+              <a:rPr lang="et-EE" dirty="0"/>
+              <a:t> APId, nende kasutusvõimalused ja muud veebi tehnoloogiad.</a:t>
+            </a:r>
+          </a:p>
+          <a:p>
+            <a:r>
+              <a:rPr lang="et-EE" dirty="0"/>
+              <a:t>Tööriistad veebiarenduses ja lokaalse serveri ülesseadmine.</a:t>
+            </a:r>
+          </a:p>
+          <a:p>
+            <a:r>
+              <a:rPr lang="et-EE" dirty="0"/>
+              <a:t>Kaasaaegne front-end arendus ja testimine.</a:t>
+            </a:r>
+          </a:p>
+          <a:p>
+            <a:r>
+              <a:rPr lang="et-EE" dirty="0"/>
+              <a:t>Veebi- ja tarkvaraarenduse metoodikad ja IT ettevõtete struktuurid.</a:t>
+            </a:r>
+          </a:p>
+          <a:p>
+            <a:pPr marL="0" indent="0">
+              <a:buNone/>
+            </a:pPr>
+            <a:r>
+              <a:rPr lang="et-EE" dirty="0"/>
+              <a:t>Märge: 3 ja 6 on 2-3 korda mahukamad kui teised.</a:t>
+            </a:r>
+          </a:p>
+        </p:txBody>
+      </p:sp>
+    </p:spTree>
+    <p:extLst>
+      <p:ext uri="{BB962C8B-B14F-4D97-AF65-F5344CB8AC3E}">
+        <p14:creationId xmlns:p14="http://schemas.microsoft.com/office/powerpoint/2010/main" val="2958212837"/>
+      </p:ext>
+    </p:extLst>
+  </p:cSld>
+  <p:clrMapOvr>
+    <a:masterClrMapping/>
+  </p:clrMapOvr>
+</p:sld>
+</file>
+
+<file path=ppt/slides/slide12.xml><?xml version="1.0" encoding="utf-8"?>
+<p:sld xmlns:a="http://schemas.openxmlformats.org/drawingml/2006/main" xmlns:r="http://schemas.openxmlformats.org/officeDocument/2006/relationships" xmlns:p="http://schemas.openxmlformats.org/presentationml/2006/main">
+  <p:cSld>
+    <p:spTree>
+      <p:nvGrpSpPr>
+        <p:cNvPr id="1" name=""/>
+        <p:cNvGrpSpPr/>
+        <p:nvPr/>
+      </p:nvGrpSpPr>
+      <p:grpSpPr>
+        <a:xfrm>
+          <a:off x="0" y="0"/>
+          <a:ext cx="0" cy="0"/>
+          <a:chOff x="0" y="0"/>
+          <a:chExt cx="0" cy="0"/>
+        </a:xfrm>
+      </p:grpSpPr>
+      <p:sp>
+        <p:nvSpPr>
+          <p:cNvPr id="4" name="Title 3"/>
+          <p:cNvSpPr>
+            <a:spLocks noGrp="1"/>
+          </p:cNvSpPr>
+          <p:nvPr>
+            <p:ph type="title"/>
+          </p:nvPr>
+        </p:nvSpPr>
+        <p:spPr/>
+        <p:txBody>
+          <a:bodyPr/>
+          <a:lstStyle/>
+          <a:p>
+            <a:r>
+              <a:rPr lang="et-EE" dirty="0"/>
+              <a:t>Kodukord</a:t>
+            </a:r>
+          </a:p>
+        </p:txBody>
+      </p:sp>
+      <p:sp>
+        <p:nvSpPr>
+          <p:cNvPr id="5" name="Content Placeholder 4"/>
+          <p:cNvSpPr>
+            <a:spLocks noGrp="1"/>
+          </p:cNvSpPr>
+          <p:nvPr>
+            <p:ph idx="1"/>
+          </p:nvPr>
+        </p:nvSpPr>
+        <p:spPr/>
+        <p:txBody>
+          <a:bodyPr/>
+          <a:lstStyle/>
+          <a:p>
+            <a:r>
+              <a:rPr lang="et-EE" dirty="0"/>
+              <a:t>Joogid ja näksimist</a:t>
+            </a:r>
+          </a:p>
+          <a:p>
+            <a:r>
+              <a:rPr lang="et-EE" dirty="0"/>
+              <a:t>Tualetid</a:t>
+            </a:r>
+          </a:p>
+          <a:p>
+            <a:r>
+              <a:rPr lang="et-EE" dirty="0"/>
+              <a:t>Suitsetamine</a:t>
+            </a:r>
+          </a:p>
+          <a:p>
+            <a:r>
+              <a:rPr lang="et-EE" dirty="0"/>
+              <a:t>Mobiiltelefonid</a:t>
+            </a:r>
+          </a:p>
+          <a:p>
+            <a:r>
+              <a:rPr lang="et-EE" dirty="0"/>
+              <a:t>Küsimused</a:t>
+            </a:r>
+          </a:p>
+          <a:p>
+            <a:r>
+              <a:rPr lang="et-EE" dirty="0"/>
+              <a:t>Lõuna</a:t>
+            </a:r>
+          </a:p>
+          <a:p>
+            <a:endParaRPr lang="et-EE" dirty="0"/>
+          </a:p>
+          <a:p>
+            <a:r>
+              <a:rPr lang="et-EE" dirty="0"/>
+              <a:t>NB! Autoga tulijad – kas </a:t>
+            </a:r>
+            <a:r>
+              <a:rPr lang="et-EE" dirty="0" err="1"/>
+              <a:t>autonr</a:t>
+            </a:r>
+            <a:r>
+              <a:rPr lang="et-EE" dirty="0"/>
+              <a:t> sai parkimissüsteemi sisestatud?</a:t>
+            </a:r>
+          </a:p>
+          <a:p>
+            <a:endParaRPr lang="et-EE" dirty="0"/>
+          </a:p>
+        </p:txBody>
+      </p:sp>
+    </p:spTree>
+    <p:extLst>
+      <p:ext uri="{BB962C8B-B14F-4D97-AF65-F5344CB8AC3E}">
+        <p14:creationId xmlns:p14="http://schemas.microsoft.com/office/powerpoint/2010/main" val="3867320996"/>
+      </p:ext>
+    </p:extLst>
+  </p:cSld>
+  <p:clrMapOvr>
+    <a:masterClrMapping/>
+  </p:clrMapOvr>
+</p:sld>
+</file>
+
+<file path=ppt/slides/slide13.xml><?xml version="1.0" encoding="utf-8"?>
+<p:sld xmlns:a="http://schemas.openxmlformats.org/drawingml/2006/main" xmlns:r="http://schemas.openxmlformats.org/officeDocument/2006/relationships" xmlns:p="http://schemas.openxmlformats.org/presentationml/2006/main">
+  <p:cSld>
+    <p:spTree>
+      <p:nvGrpSpPr>
+        <p:cNvPr id="1" name=""/>
+        <p:cNvGrpSpPr/>
+        <p:nvPr/>
+      </p:nvGrpSpPr>
+      <p:grpSpPr>
+        <a:xfrm>
+          <a:off x="0" y="0"/>
+          <a:ext cx="0" cy="0"/>
+          <a:chOff x="0" y="0"/>
+          <a:chExt cx="0" cy="0"/>
+        </a:xfrm>
+      </p:grpSpPr>
+      <p:sp>
+        <p:nvSpPr>
+          <p:cNvPr id="2" name="Title 1"/>
+          <p:cNvSpPr>
+            <a:spLocks noGrp="1"/>
+          </p:cNvSpPr>
+          <p:nvPr>
+            <p:ph type="title"/>
+          </p:nvPr>
+        </p:nvSpPr>
         <p:spPr>
           <a:xfrm>
             <a:off x="589547" y="365125"/>
@@ -11234,7 +11896,7 @@
 </p:sld>
 </file>
 
-<file path=ppt/slides/slide11.xml><?xml version="1.0" encoding="utf-8"?>
+<file path=ppt/slides/slide14.xml><?xml version="1.0" encoding="utf-8"?>
 <p:sld xmlns:a="http://schemas.openxmlformats.org/drawingml/2006/main" xmlns:r="http://schemas.openxmlformats.org/officeDocument/2006/relationships" xmlns:p="http://schemas.openxmlformats.org/presentationml/2006/main">
   <p:cSld>
     <p:spTree>
@@ -11561,9 +12223,10 @@
           <a:lstStyle/>
           <a:p>
             <a:r>
-              <a:rPr lang="et-EE" dirty="0"/>
-              <a:t>Nimi</a:t>
-            </a:r>
+              <a:rPr lang="et-EE" dirty="0" err="1"/>
+              <a:t>Andrjus</a:t>
+            </a:r>
+            <a:endParaRPr lang="et-EE" dirty="0"/>
           </a:p>
           <a:p>
             <a:r>
@@ -11651,7 +12314,7 @@
           <a:p>
             <a:r>
               <a:rPr lang="et-EE" dirty="0"/>
-              <a:t>Nimi</a:t>
+              <a:t>Henry</a:t>
             </a:r>
           </a:p>
           <a:p>
@@ -11740,7 +12403,7 @@
           <a:p>
             <a:r>
               <a:rPr lang="et-EE" dirty="0"/>
-              <a:t>Nimi</a:t>
+              <a:t>Rain</a:t>
             </a:r>
           </a:p>
           <a:p>
@@ -11807,7 +12470,7 @@
           <a:p>
             <a:r>
               <a:rPr lang="et-EE" dirty="0"/>
-              <a:t>Päevaplaan</a:t>
+              <a:t>Saame tuttavaks</a:t>
             </a:r>
           </a:p>
         </p:txBody>
@@ -11822,53 +12485,29 @@
             <p:ph idx="1"/>
           </p:nvPr>
         </p:nvSpPr>
-        <p:spPr>
-          <a:xfrm>
-            <a:off x="481264" y="1825624"/>
-            <a:ext cx="11267712" cy="3889375"/>
-          </a:xfrm>
-        </p:spPr>
+        <p:spPr/>
         <p:txBody>
           <a:bodyPr/>
           <a:lstStyle/>
           <a:p>
             <a:r>
               <a:rPr lang="et-EE" dirty="0"/>
-              <a:t>9:00 – 10:30 Koolitus</a:t>
-            </a:r>
-          </a:p>
-          <a:p>
-            <a:pPr lvl="1"/>
+              <a:t>Terje</a:t>
+            </a:r>
+          </a:p>
+          <a:p>
             <a:r>
               <a:rPr lang="et-EE" dirty="0"/>
-              <a:t>10:30 – 10:45 Paus</a:t>
-            </a:r>
+              <a:t>Varasem kogemus</a:t>
+            </a:r>
+          </a:p>
+          <a:p>
+            <a:endParaRPr lang="et-EE" dirty="0"/>
           </a:p>
           <a:p>
             <a:r>
               <a:rPr lang="et-EE" dirty="0"/>
-              <a:t>10:45 – 12:15 Koolitus</a:t>
-            </a:r>
-          </a:p>
-          <a:p>
-            <a:pPr lvl="1"/>
-            <a:r>
-              <a:rPr lang="et-EE" dirty="0"/>
-              <a:t>12:15 </a:t>
-            </a:r>
-            <a:r>
-              <a:rPr lang="et-EE"/>
-              <a:t>– 13:00 </a:t>
-            </a:r>
-            <a:r>
-              <a:rPr lang="et-EE" dirty="0"/>
-              <a:t>Lõuna</a:t>
-            </a:r>
-          </a:p>
-          <a:p>
-            <a:r>
-              <a:rPr lang="et-EE" dirty="0"/>
-              <a:t>13:00 – 14:30 Koolitus</a:t>
+              <a:t>Ootused</a:t>
             </a:r>
           </a:p>
         </p:txBody>
@@ -11876,7 +12515,7 @@
     </p:spTree>
     <p:extLst>
       <p:ext uri="{BB962C8B-B14F-4D97-AF65-F5344CB8AC3E}">
-        <p14:creationId xmlns:p14="http://schemas.microsoft.com/office/powerpoint/2010/main" val="3378611255"/>
+        <p14:creationId xmlns:p14="http://schemas.microsoft.com/office/powerpoint/2010/main" val="2659812859"/>
       </p:ext>
     </p:extLst>
   </p:cSld>
@@ -11905,7 +12544,7 @@
       </p:grpSpPr>
       <p:sp>
         <p:nvSpPr>
-          <p:cNvPr id="8" name="Title 7"/>
+          <p:cNvPr id="2" name="Title 1"/>
           <p:cNvSpPr>
             <a:spLocks noGrp="1"/>
           </p:cNvSpPr>
@@ -11920,14 +12559,14 @@
           <a:p>
             <a:r>
               <a:rPr lang="et-EE" dirty="0"/>
-              <a:t>Koolituse teemad</a:t>
-            </a:r>
-          </a:p>
-        </p:txBody>
-      </p:sp>
-      <p:sp>
-        <p:nvSpPr>
-          <p:cNvPr id="9" name="Content Placeholder 8"/>
+              <a:t>Saame tuttavaks</a:t>
+            </a:r>
+          </a:p>
+        </p:txBody>
+      </p:sp>
+      <p:sp>
+        <p:nvSpPr>
+          <p:cNvPr id="3" name="Content Placeholder 2"/>
           <p:cNvSpPr>
             <a:spLocks noGrp="1"/>
           </p:cNvSpPr>
@@ -11937,99 +12576,27 @@
         </p:nvSpPr>
         <p:spPr/>
         <p:txBody>
-          <a:bodyPr>
-            <a:normAutofit fontScale="92500" lnSpcReduction="20000"/>
-          </a:bodyPr>
+          <a:bodyPr/>
           <a:lstStyle/>
           <a:p>
             <a:r>
               <a:rPr lang="et-EE" dirty="0"/>
-              <a:t>Kodulehe struktuur, selle mõju </a:t>
-            </a:r>
-            <a:r>
-              <a:rPr lang="et-EE" dirty="0" err="1"/>
-              <a:t>SEO-le</a:t>
-            </a:r>
+              <a:t>Tuuli</a:t>
+            </a:r>
+          </a:p>
+          <a:p>
             <a:r>
               <a:rPr lang="et-EE" dirty="0"/>
-              <a:t> ja koodi haldamine.</a:t>
-            </a:r>
+              <a:t>Varasem kogemus</a:t>
+            </a:r>
+          </a:p>
+          <a:p>
+            <a:endParaRPr lang="et-EE" dirty="0"/>
           </a:p>
           <a:p>
             <a:r>
               <a:rPr lang="et-EE" dirty="0"/>
-              <a:t>Kodulehe kujundamine, animeerimine ja </a:t>
-            </a:r>
-            <a:r>
-              <a:rPr lang="et-EE" dirty="0" err="1"/>
-              <a:t>responsive</a:t>
-            </a:r>
-            <a:r>
-              <a:rPr lang="et-EE" dirty="0"/>
-              <a:t> </a:t>
-            </a:r>
-            <a:r>
-              <a:rPr lang="et-EE" dirty="0" err="1"/>
-              <a:t>design</a:t>
-            </a:r>
-            <a:r>
-              <a:rPr lang="et-EE" dirty="0"/>
-              <a:t>.</a:t>
-            </a:r>
-          </a:p>
-          <a:p>
-            <a:r>
-              <a:rPr lang="et-EE" dirty="0" err="1"/>
-              <a:t>Programeerimine</a:t>
-            </a:r>
-            <a:r>
-              <a:rPr lang="et-EE" dirty="0"/>
-              <a:t> </a:t>
-            </a:r>
-            <a:r>
-              <a:rPr lang="et-EE" dirty="0" err="1"/>
-              <a:t>Javascriptis</a:t>
-            </a:r>
-            <a:r>
-              <a:rPr lang="et-EE" dirty="0"/>
-              <a:t> ja kodulehe dünaamiliseks loomine.</a:t>
-            </a:r>
-          </a:p>
-          <a:p>
-            <a:r>
-              <a:rPr lang="et-EE" dirty="0" err="1"/>
-              <a:t>Web</a:t>
-            </a:r>
-            <a:r>
-              <a:rPr lang="et-EE" dirty="0"/>
-              <a:t> APId, nende kasutusvõimalused ja muud veebi tehnoloogiad.</a:t>
-            </a:r>
-          </a:p>
-          <a:p>
-            <a:r>
-              <a:rPr lang="et-EE" dirty="0"/>
-              <a:t>Tööriistad veebiarenduses ja lokaalse serveri ülesseadmine.</a:t>
-            </a:r>
-          </a:p>
-          <a:p>
-            <a:r>
-              <a:rPr lang="et-EE" dirty="0"/>
-              <a:t>Kaasaaegne front-end arendus ja testimine.</a:t>
-            </a:r>
-          </a:p>
-          <a:p>
-            <a:r>
-              <a:rPr lang="et-EE" dirty="0"/>
-              <a:t>Veebi- ja tarkvaraarenduse metoodikad ja IT ettevõtete struktuurid.</a:t>
-            </a:r>
-          </a:p>
-          <a:p>
-            <a:pPr marL="0" indent="0">
-              <a:buNone/>
-            </a:pPr>
-            <a:r>
-              <a:rPr lang="et-EE" dirty="0"/>
-              <a:t>Märge: 3 ja 6 on 2-3 korda mahukamad kui teised.</a:t>
+              <a:t>Ootused</a:t>
             </a:r>
           </a:p>
         </p:txBody>
@@ -12037,7 +12604,7 @@
     </p:spTree>
     <p:extLst>
       <p:ext uri="{BB962C8B-B14F-4D97-AF65-F5344CB8AC3E}">
-        <p14:creationId xmlns:p14="http://schemas.microsoft.com/office/powerpoint/2010/main" val="2958212837"/>
+        <p14:creationId xmlns:p14="http://schemas.microsoft.com/office/powerpoint/2010/main" val="540816337"/>
       </p:ext>
     </p:extLst>
   </p:cSld>
@@ -12066,7 +12633,7 @@
       </p:grpSpPr>
       <p:sp>
         <p:nvSpPr>
-          <p:cNvPr id="4" name="Title 3"/>
+          <p:cNvPr id="2" name="Title 1"/>
           <p:cNvSpPr>
             <a:spLocks noGrp="1"/>
           </p:cNvSpPr>
@@ -12081,14 +12648,14 @@
           <a:p>
             <a:r>
               <a:rPr lang="et-EE" dirty="0"/>
-              <a:t>Kodukord</a:t>
-            </a:r>
-          </a:p>
-        </p:txBody>
-      </p:sp>
-      <p:sp>
-        <p:nvSpPr>
-          <p:cNvPr id="5" name="Content Placeholder 4"/>
+              <a:t>Saame tuttavaks</a:t>
+            </a:r>
+          </a:p>
+        </p:txBody>
+      </p:sp>
+      <p:sp>
+        <p:nvSpPr>
+          <p:cNvPr id="3" name="Content Placeholder 2"/>
           <p:cNvSpPr>
             <a:spLocks noGrp="1"/>
           </p:cNvSpPr>
@@ -12102,66 +12669,32 @@
           <a:lstStyle/>
           <a:p>
             <a:r>
+              <a:rPr lang="et-EE"/>
+              <a:t>Mona-Liisa</a:t>
+            </a:r>
+            <a:endParaRPr lang="et-EE" dirty="0"/>
+          </a:p>
+          <a:p>
+            <a:r>
               <a:rPr lang="et-EE" dirty="0"/>
-              <a:t>Joogid ja näksimist</a:t>
-            </a:r>
+              <a:t>Varasem kogemus</a:t>
+            </a:r>
+          </a:p>
+          <a:p>
+            <a:endParaRPr lang="et-EE" dirty="0"/>
           </a:p>
           <a:p>
             <a:r>
               <a:rPr lang="et-EE" dirty="0"/>
-              <a:t>Tualetid</a:t>
-            </a:r>
-          </a:p>
-          <a:p>
-            <a:r>
-              <a:rPr lang="et-EE" dirty="0"/>
-              <a:t>Suitsetamine</a:t>
-            </a:r>
-          </a:p>
-          <a:p>
-            <a:r>
-              <a:rPr lang="et-EE" dirty="0"/>
-              <a:t>Mobiiltelefonid</a:t>
-            </a:r>
-          </a:p>
-          <a:p>
-            <a:r>
-              <a:rPr lang="et-EE" dirty="0"/>
-              <a:t>Küsimused</a:t>
-            </a:r>
-          </a:p>
-          <a:p>
-            <a:r>
-              <a:rPr lang="et-EE" dirty="0"/>
-              <a:t>Lõuna</a:t>
-            </a:r>
-          </a:p>
-          <a:p>
-            <a:endParaRPr lang="et-EE" dirty="0"/>
-          </a:p>
-          <a:p>
-            <a:r>
-              <a:rPr lang="et-EE" dirty="0"/>
-              <a:t>NB! Autoga tulijad – kas </a:t>
-            </a:r>
-            <a:r>
-              <a:rPr lang="et-EE" dirty="0" err="1"/>
-              <a:t>autonr</a:t>
-            </a:r>
-            <a:r>
-              <a:rPr lang="et-EE" dirty="0"/>
-              <a:t> sai parkimissüsteemi sisestatud?</a:t>
-            </a:r>
-          </a:p>
-          <a:p>
-            <a:endParaRPr lang="et-EE" dirty="0"/>
+              <a:t>Ootused</a:t>
+            </a:r>
           </a:p>
         </p:txBody>
       </p:sp>
     </p:spTree>
     <p:extLst>
       <p:ext uri="{BB962C8B-B14F-4D97-AF65-F5344CB8AC3E}">
-        <p14:creationId xmlns:p14="http://schemas.microsoft.com/office/powerpoint/2010/main" val="3867320996"/>
+        <p14:creationId xmlns:p14="http://schemas.microsoft.com/office/powerpoint/2010/main" val="701962721"/>
       </p:ext>
     </p:extLst>
   </p:cSld>

--- a/Front_end_koolitus.pptx
+++ b/Front_end_koolitus.pptx
@@ -12134,15 +12134,37 @@
           <a:lstStyle/>
           <a:p>
             <a:r>
+              <a:rPr lang="et-EE" dirty="0" smtClean="0"/>
+              <a:t>Nimi</a:t>
+            </a:r>
+            <a:r>
+              <a:rPr lang="en-US" dirty="0" smtClean="0"/>
+              <a:t>: Rain </a:t>
+            </a:r>
+            <a:r>
+              <a:rPr lang="en-US" dirty="0" err="1" smtClean="0"/>
+              <a:t>Sirendi</a:t>
+            </a:r>
+            <a:endParaRPr lang="et-EE" dirty="0"/>
+          </a:p>
+          <a:p>
+            <a:r>
               <a:rPr lang="et-EE" dirty="0"/>
-              <a:t>Nimi</a:t>
-            </a:r>
-          </a:p>
-          <a:p>
-            <a:r>
-              <a:rPr lang="et-EE" dirty="0"/>
-              <a:t>Varasem kogemus</a:t>
-            </a:r>
+              <a:t>Varasem </a:t>
+            </a:r>
+            <a:r>
+              <a:rPr lang="et-EE" dirty="0" smtClean="0"/>
+              <a:t>kogemus</a:t>
+            </a:r>
+            <a:r>
+              <a:rPr lang="en-US" dirty="0" smtClean="0"/>
+              <a:t>: </a:t>
+            </a:r>
+            <a:r>
+              <a:rPr lang="en-US" smtClean="0"/>
+              <a:t>vähene</a:t>
+            </a:r>
+            <a:endParaRPr lang="et-EE" dirty="0"/>
           </a:p>
           <a:p>
             <a:endParaRPr lang="et-EE" dirty="0"/>

--- a/Front_end_koolitus.pptx
+++ b/Front_end_koolitus.pptx
@@ -12591,13 +12591,58 @@
             </a:r>
           </a:p>
           <a:p>
+            <a:pPr lvl="1"/>
+            <a:r>
+              <a:rPr lang="et-EE" dirty="0" smtClean="0"/>
+              <a:t>Haridustehnoloogia, interaktsiooni disain, digitaalsed õppematerjalid</a:t>
+            </a:r>
             <a:endParaRPr lang="et-EE" dirty="0"/>
           </a:p>
           <a:p>
             <a:r>
+              <a:rPr lang="et-EE" dirty="0" smtClean="0"/>
+              <a:t>Ootused</a:t>
+            </a:r>
+          </a:p>
+          <a:p>
+            <a:pPr lvl="1"/>
+            <a:r>
+              <a:rPr lang="et-EE" dirty="0" smtClean="0"/>
+              <a:t>Endale kodulehte luua, osata </a:t>
+            </a:r>
+            <a:r>
+              <a:rPr lang="et-EE" dirty="0" err="1" smtClean="0"/>
+              <a:t>responsive</a:t>
+            </a:r>
+            <a:r>
+              <a:rPr lang="et-EE" dirty="0" smtClean="0"/>
+              <a:t> digitaalseid </a:t>
+            </a:r>
+            <a:r>
               <a:rPr lang="et-EE" dirty="0"/>
-              <a:t>Ootused</a:t>
-            </a:r>
+              <a:t>õppematerjale </a:t>
+            </a:r>
+            <a:r>
+              <a:rPr lang="et-EE" dirty="0" smtClean="0"/>
+              <a:t>luua, saada aru </a:t>
+            </a:r>
+            <a:r>
+              <a:rPr lang="et-EE" dirty="0" err="1" smtClean="0"/>
+              <a:t>API’dest</a:t>
+            </a:r>
+            <a:r>
+              <a:rPr lang="et-EE" dirty="0" smtClean="0"/>
+              <a:t> </a:t>
+            </a:r>
+            <a:r>
+              <a:rPr lang="et-EE" dirty="0" err="1" smtClean="0"/>
+              <a:t>õpianalüütika</a:t>
+            </a:r>
+            <a:r>
+              <a:rPr lang="et-EE" smtClean="0"/>
+              <a:t> kontekstis</a:t>
+            </a:r>
+            <a:endParaRPr lang="et-EE" dirty="0"/>
           </a:p>
         </p:txBody>
       </p:sp>

--- a/Front_end_koolitus.pptx
+++ b/Front_end_koolitus.pptx
@@ -222,7 +222,7 @@
           <a:p>
             <a:fld id="{78BA5DDA-101F-47B9-BB86-50927C88677E}" type="datetimeFigureOut">
               <a:rPr lang="et-EE" smtClean="0"/>
-              <a:t>26.12.2016</a:t>
+              <a:t>19.04.2017</a:t>
             </a:fld>
             <a:endParaRPr lang="et-EE"/>
           </a:p>
@@ -7261,7 +7261,7 @@
           <a:p>
             <a:fld id="{8317D6C5-ACA4-494E-BD08-94F30F55595F}" type="datetimeFigureOut">
               <a:rPr lang="et-EE" smtClean="0"/>
-              <a:t>26.12.2016</a:t>
+              <a:t>19.04.2017</a:t>
             </a:fld>
             <a:endParaRPr lang="et-EE"/>
           </a:p>
@@ -11468,28 +11468,188 @@
         </p:nvSpPr>
         <p:spPr/>
         <p:txBody>
-          <a:bodyPr/>
+          <a:bodyPr>
+            <a:normAutofit lnSpcReduction="10000"/>
+          </a:bodyPr>
           <a:lstStyle/>
           <a:p>
             <a:r>
+              <a:rPr lang="et-EE" dirty="0" smtClean="0"/>
+              <a:t>Nimi</a:t>
+            </a:r>
+            <a:r>
+              <a:rPr lang="en-US" dirty="0" smtClean="0"/>
+              <a:t>: Mona-</a:t>
+            </a:r>
+            <a:r>
+              <a:rPr lang="en-US" dirty="0" err="1" smtClean="0"/>
+              <a:t>Liisa</a:t>
+            </a:r>
+            <a:r>
+              <a:rPr lang="en-US" dirty="0" smtClean="0"/>
+              <a:t> Lille</a:t>
+            </a:r>
+            <a:endParaRPr lang="et-EE" dirty="0"/>
+          </a:p>
+          <a:p>
+            <a:r>
               <a:rPr lang="et-EE" dirty="0"/>
-              <a:t>Nimi</a:t>
-            </a:r>
-          </a:p>
-          <a:p>
-            <a:r>
-              <a:rPr lang="et-EE" dirty="0"/>
-              <a:t>Varasem kogemus</a:t>
-            </a:r>
-          </a:p>
-          <a:p>
+              <a:t>Varasem </a:t>
+            </a:r>
+            <a:r>
+              <a:rPr lang="et-EE" dirty="0" smtClean="0"/>
+              <a:t>kogemus</a:t>
+            </a:r>
+            <a:r>
+              <a:rPr lang="en-US" dirty="0" smtClean="0"/>
+              <a:t>: </a:t>
+            </a:r>
+          </a:p>
+          <a:p>
+            <a:r>
+              <a:rPr lang="en-US" dirty="0" err="1" smtClean="0"/>
+              <a:t>Mäkitorppa</a:t>
+            </a:r>
+            <a:r>
+              <a:rPr lang="en-US" dirty="0" smtClean="0"/>
+              <a:t>/Elisa </a:t>
+            </a:r>
+            <a:r>
+              <a:rPr lang="en-US" dirty="0" err="1" smtClean="0"/>
+              <a:t>mobiiltelefonide</a:t>
+            </a:r>
+            <a:r>
+              <a:rPr lang="en-US" dirty="0" smtClean="0"/>
+              <a:t> </a:t>
+            </a:r>
+            <a:r>
+              <a:rPr lang="en-US" dirty="0" err="1" smtClean="0"/>
+              <a:t>jaemüük</a:t>
+            </a:r>
+            <a:r>
+              <a:rPr lang="en-US" dirty="0" smtClean="0"/>
+              <a:t> 1996-2005</a:t>
+            </a:r>
+          </a:p>
+          <a:p>
+            <a:r>
+              <a:rPr lang="en-US" dirty="0" smtClean="0"/>
+              <a:t>SEO usability e-</a:t>
+            </a:r>
+            <a:r>
+              <a:rPr lang="en-US" dirty="0" err="1" smtClean="0"/>
+              <a:t>turunduse</a:t>
+            </a:r>
+            <a:r>
+              <a:rPr lang="en-US" dirty="0" smtClean="0"/>
+              <a:t> </a:t>
+            </a:r>
+            <a:r>
+              <a:rPr lang="en-US" dirty="0" err="1" smtClean="0"/>
+              <a:t>praktika</a:t>
+            </a:r>
+            <a:r>
+              <a:rPr lang="en-US" dirty="0" smtClean="0"/>
+              <a:t> 2006 </a:t>
+            </a:r>
+            <a:r>
+              <a:rPr lang="en-US" dirty="0" err="1" smtClean="0"/>
+              <a:t>aprill</a:t>
+            </a:r>
+            <a:r>
+              <a:rPr lang="en-US" dirty="0" smtClean="0"/>
+              <a:t>-august </a:t>
+            </a:r>
+            <a:r>
+              <a:rPr lang="en-US" dirty="0" err="1" smtClean="0"/>
+              <a:t>altex</a:t>
+            </a:r>
+            <a:r>
+              <a:rPr lang="en-US" dirty="0" smtClean="0"/>
+              <a:t> </a:t>
+            </a:r>
+            <a:r>
+              <a:rPr lang="en-US" dirty="0" err="1" smtClean="0"/>
+              <a:t>oü</a:t>
+            </a:r>
+            <a:endParaRPr lang="en-US" dirty="0" smtClean="0"/>
+          </a:p>
+          <a:p>
+            <a:r>
+              <a:rPr lang="en-US" dirty="0" err="1" smtClean="0"/>
+              <a:t>Tieto</a:t>
+            </a:r>
+            <a:r>
+              <a:rPr lang="en-US" dirty="0" smtClean="0"/>
+              <a:t> Service desk support 2016-2017</a:t>
+            </a:r>
             <a:endParaRPr lang="et-EE" dirty="0"/>
           </a:p>
           <a:p>
-            <a:r>
-              <a:rPr lang="et-EE" dirty="0"/>
+            <a:endParaRPr lang="et-EE" dirty="0"/>
+          </a:p>
+          <a:p>
+            <a:r>
+              <a:rPr lang="et-EE" dirty="0" smtClean="0"/>
               <a:t>Ootused</a:t>
             </a:r>
+            <a:r>
+              <a:rPr lang="en-US" dirty="0" smtClean="0"/>
+              <a:t>: web </a:t>
+            </a:r>
+            <a:r>
+              <a:rPr lang="en-US" dirty="0" err="1" smtClean="0"/>
+              <a:t>arendus</a:t>
+            </a:r>
+            <a:r>
+              <a:rPr lang="en-US" dirty="0" smtClean="0"/>
+              <a:t>, </a:t>
+            </a:r>
+            <a:r>
+              <a:rPr lang="en-US" dirty="0" err="1" smtClean="0"/>
+              <a:t>testimine</a:t>
+            </a:r>
+            <a:r>
+              <a:rPr lang="en-US" dirty="0" smtClean="0"/>
+              <a:t>, </a:t>
+            </a:r>
+            <a:r>
+              <a:rPr lang="en-US" dirty="0" err="1" smtClean="0"/>
+              <a:t>kaasaegsed</a:t>
+            </a:r>
+            <a:r>
+              <a:rPr lang="en-US" dirty="0" smtClean="0"/>
+              <a:t> </a:t>
+            </a:r>
+            <a:r>
+              <a:rPr lang="en-US" dirty="0" err="1" smtClean="0"/>
+              <a:t>appid</a:t>
+            </a:r>
+            <a:r>
+              <a:rPr lang="en-US" dirty="0" smtClean="0"/>
+              <a:t> </a:t>
+            </a:r>
+            <a:r>
+              <a:rPr lang="en-US" dirty="0" err="1" smtClean="0"/>
+              <a:t>veebis</a:t>
+            </a:r>
+            <a:r>
+              <a:rPr lang="en-US" dirty="0" smtClean="0"/>
+              <a:t>/</a:t>
+            </a:r>
+            <a:r>
+              <a:rPr lang="en-US" dirty="0" err="1" smtClean="0"/>
+              <a:t>mobiilis</a:t>
+            </a:r>
+            <a:r>
+              <a:rPr lang="en-US" smtClean="0"/>
+              <a:t>, java</a:t>
+            </a:r>
+            <a:r>
+              <a:rPr lang="en-US" dirty="0" smtClean="0"/>
+              <a:t>.</a:t>
+            </a:r>
+            <a:endParaRPr lang="et-EE" dirty="0"/>
           </a:p>
         </p:txBody>
       </p:sp>

--- a/Front_end_koolitus.pptx
+++ b/Front_end_koolitus.pptx
@@ -120,6 +120,11 @@
       </a:defRPr>
     </a:lvl9pPr>
   </p:defaultTextStyle>
+  <p:extLst>
+    <p:ext uri="{EFAFB233-063F-42B5-8137-9DF3F51BA10A}">
+      <p15:sldGuideLst xmlns:p15="http://schemas.microsoft.com/office/powerpoint/2012/main"/>
+    </p:ext>
+  </p:extLst>
 </p:presentation>
 </file>
 
@@ -359,6 +364,11 @@
         </p:txBody>
       </p:sp>
     </p:spTree>
+    <p:extLst>
+      <p:ext uri="{BB962C8B-B14F-4D97-AF65-F5344CB8AC3E}">
+        <p14:creationId xmlns:p14="http://schemas.microsoft.com/office/powerpoint/2010/main" val="39672553"/>
+      </p:ext>
+    </p:extLst>
   </p:cSld>
   <p:clrMap bg1="lt1" tx1="dk1" bg2="lt2" tx2="dk2" accent1="accent1" accent2="accent2" accent3="accent3" accent4="accent4" accent5="accent5" accent6="accent6" hlink="hlink" folHlink="folHlink"/>
   <p:notesStyle>
@@ -583,6 +593,11 @@
         </p:txBody>
       </p:sp>
     </p:spTree>
+    <p:extLst>
+      <p:ext uri="{BB962C8B-B14F-4D97-AF65-F5344CB8AC3E}">
+        <p14:creationId xmlns:p14="http://schemas.microsoft.com/office/powerpoint/2010/main" val="1728493671"/>
+      </p:ext>
+    </p:extLst>
   </p:cSld>
   <p:clrMapOvr>
     <a:masterClrMapping/>
@@ -717,6 +732,11 @@
         </p:txBody>
       </p:sp>
     </p:spTree>
+    <p:extLst>
+      <p:ext uri="{BB962C8B-B14F-4D97-AF65-F5344CB8AC3E}">
+        <p14:creationId xmlns:p14="http://schemas.microsoft.com/office/powerpoint/2010/main" val="3315849432"/>
+      </p:ext>
+    </p:extLst>
   </p:cSld>
   <p:clrMapOvr>
     <a:masterClrMapping/>
@@ -851,6 +871,11 @@
         </p:txBody>
       </p:sp>
     </p:spTree>
+    <p:extLst>
+      <p:ext uri="{BB962C8B-B14F-4D97-AF65-F5344CB8AC3E}">
+        <p14:creationId xmlns:p14="http://schemas.microsoft.com/office/powerpoint/2010/main" val="4195881372"/>
+      </p:ext>
+    </p:extLst>
   </p:cSld>
   <p:clrMapOvr>
     <a:masterClrMapping/>
@@ -985,6 +1010,11 @@
         </p:txBody>
       </p:sp>
     </p:spTree>
+    <p:extLst>
+      <p:ext uri="{BB962C8B-B14F-4D97-AF65-F5344CB8AC3E}">
+        <p14:creationId xmlns:p14="http://schemas.microsoft.com/office/powerpoint/2010/main" val="1806827947"/>
+      </p:ext>
+    </p:extLst>
   </p:cSld>
   <p:clrMapOvr>
     <a:masterClrMapping/>
@@ -1119,6 +1149,11 @@
         </p:txBody>
       </p:sp>
     </p:spTree>
+    <p:extLst>
+      <p:ext uri="{BB962C8B-B14F-4D97-AF65-F5344CB8AC3E}">
+        <p14:creationId xmlns:p14="http://schemas.microsoft.com/office/powerpoint/2010/main" val="392307661"/>
+      </p:ext>
+    </p:extLst>
   </p:cSld>
   <p:clrMapOvr>
     <a:masterClrMapping/>
@@ -1253,6 +1288,11 @@
         </p:txBody>
       </p:sp>
     </p:spTree>
+    <p:extLst>
+      <p:ext uri="{BB962C8B-B14F-4D97-AF65-F5344CB8AC3E}">
+        <p14:creationId xmlns:p14="http://schemas.microsoft.com/office/powerpoint/2010/main" val="193537136"/>
+      </p:ext>
+    </p:extLst>
   </p:cSld>
   <p:clrMapOvr>
     <a:masterClrMapping/>
@@ -1435,6 +1475,11 @@
         </p:txBody>
       </p:sp>
     </p:spTree>
+    <p:extLst>
+      <p:ext uri="{BB962C8B-B14F-4D97-AF65-F5344CB8AC3E}">
+        <p14:creationId xmlns:p14="http://schemas.microsoft.com/office/powerpoint/2010/main" val="371318902"/>
+      </p:ext>
+    </p:extLst>
   </p:cSld>
   <p:clrMapOvr>
     <a:masterClrMapping/>
@@ -1566,6 +1611,11 @@
         </p:txBody>
       </p:sp>
     </p:spTree>
+    <p:extLst>
+      <p:ext uri="{BB962C8B-B14F-4D97-AF65-F5344CB8AC3E}">
+        <p14:creationId xmlns:p14="http://schemas.microsoft.com/office/powerpoint/2010/main" val="953662406"/>
+      </p:ext>
+    </p:extLst>
   </p:cSld>
   <p:clrMapOvr>
     <a:masterClrMapping/>
@@ -14872,6 +14922,72 @@
           <a:bodyPr lIns="90000" tIns="45000" rIns="90000" bIns="45000"/>
           <a:lstStyle/>
           <a:p>
+            <a:pPr marL="720">
+              <a:lnSpc>
+                <a:spcPct val="90000"/>
+              </a:lnSpc>
+              <a:spcBef>
+                <a:spcPts val="1001"/>
+              </a:spcBef>
+              <a:buClr>
+                <a:srgbClr val="595959"/>
+              </a:buClr>
+            </a:pPr>
+            <a:r>
+              <a:rPr lang="en-US" sz="2800" b="0" strike="noStrike" spc="-1" dirty="0" err="1" smtClean="0">
+                <a:solidFill>
+                  <a:srgbClr val="595959"/>
+                </a:solidFill>
+                <a:uFill>
+                  <a:solidFill>
+                    <a:srgbClr val="FFFFFF"/>
+                  </a:solidFill>
+                </a:uFill>
+                <a:latin typeface="Calibri"/>
+              </a:rPr>
+              <a:t>Nimi</a:t>
+            </a:r>
+            <a:r>
+              <a:rPr lang="en-US" sz="2800" b="0" strike="noStrike" spc="-1" dirty="0" smtClean="0">
+                <a:solidFill>
+                  <a:srgbClr val="595959"/>
+                </a:solidFill>
+                <a:uFill>
+                  <a:solidFill>
+                    <a:srgbClr val="FFFFFF"/>
+                  </a:solidFill>
+                </a:uFill>
+                <a:latin typeface="Calibri"/>
+              </a:rPr>
+              <a:t>: Mona-</a:t>
+            </a:r>
+            <a:r>
+              <a:rPr lang="en-US" sz="2800" b="0" strike="noStrike" spc="-1" dirty="0" err="1" smtClean="0">
+                <a:solidFill>
+                  <a:srgbClr val="595959"/>
+                </a:solidFill>
+                <a:uFill>
+                  <a:solidFill>
+                    <a:srgbClr val="FFFFFF"/>
+                  </a:solidFill>
+                </a:uFill>
+                <a:latin typeface="Calibri"/>
+              </a:rPr>
+              <a:t>Liisa</a:t>
+            </a:r>
+            <a:endParaRPr lang="en-US" sz="2800" b="0" strike="noStrike" spc="-1" dirty="0">
+              <a:solidFill>
+                <a:srgbClr val="000000"/>
+              </a:solidFill>
+              <a:uFill>
+                <a:solidFill>
+                  <a:srgbClr val="FFFFFF"/>
+                </a:solidFill>
+              </a:uFill>
+              <a:latin typeface="DejaVu Sans"/>
+            </a:endParaRPr>
+          </a:p>
+          <a:p>
             <a:pPr marL="228600" indent="-227880">
               <a:lnSpc>
                 <a:spcPct val="90000"/>
@@ -14886,7 +15002,7 @@
               <a:buChar char="•"/>
             </a:pPr>
             <a:r>
-              <a:rPr lang="en-US" sz="2800" b="0" strike="noStrike" spc="-1">
+              <a:rPr lang="en-US" sz="2800" b="0" strike="noStrike" spc="-1" dirty="0" err="1">
                 <a:solidFill>
                   <a:srgbClr val="595959"/>
                 </a:solidFill>
@@ -14897,9 +15013,72 @@
                 </a:uFill>
                 <a:latin typeface="Calibri"/>
               </a:rPr>
-              <a:t>Nimi</a:t>
+              <a:t>Varasem</a:t>
             </a:r>
-            <a:endParaRPr lang="en-US" sz="2800" b="0" strike="noStrike" spc="-1">
+            <a:r>
+              <a:rPr lang="en-US" sz="2800" b="0" strike="noStrike" spc="-1" dirty="0">
+                <a:solidFill>
+                  <a:srgbClr val="595959"/>
+                </a:solidFill>
+                <a:uFill>
+                  <a:solidFill>
+                    <a:srgbClr val="FFFFFF"/>
+                  </a:solidFill>
+                </a:uFill>
+                <a:latin typeface="Calibri"/>
+              </a:rPr>
+              <a:t> </a:t>
+            </a:r>
+            <a:r>
+              <a:rPr lang="en-US" sz="2800" b="0" strike="noStrike" spc="-1" dirty="0" err="1" smtClean="0">
+                <a:solidFill>
+                  <a:srgbClr val="595959"/>
+                </a:solidFill>
+                <a:uFill>
+                  <a:solidFill>
+                    <a:srgbClr val="FFFFFF"/>
+                  </a:solidFill>
+                </a:uFill>
+                <a:latin typeface="Calibri"/>
+              </a:rPr>
+              <a:t>kogemus</a:t>
+            </a:r>
+            <a:r>
+              <a:rPr lang="en-US" sz="2800" b="0" strike="noStrike" spc="-1" dirty="0" smtClean="0">
+                <a:solidFill>
+                  <a:srgbClr val="595959"/>
+                </a:solidFill>
+                <a:uFill>
+                  <a:solidFill>
+                    <a:srgbClr val="FFFFFF"/>
+                  </a:solidFill>
+                </a:uFill>
+                <a:latin typeface="Calibri"/>
+              </a:rPr>
+              <a:t>: SQL basic, C++ basic</a:t>
+            </a:r>
+            <a:endParaRPr lang="en-US" sz="2800" b="0" strike="noStrike" spc="-1" dirty="0">
+              <a:solidFill>
+                <a:srgbClr val="000000"/>
+              </a:solidFill>
+              <a:uFill>
+                <a:solidFill>
+                  <a:srgbClr val="FFFFFF"/>
+                </a:solidFill>
+              </a:uFill>
+              <a:latin typeface="DejaVu Sans"/>
+            </a:endParaRPr>
+          </a:p>
+          <a:p>
+            <a:pPr>
+              <a:lnSpc>
+                <a:spcPct val="90000"/>
+              </a:lnSpc>
+              <a:spcBef>
+                <a:spcPts val="1001"/>
+              </a:spcBef>
+            </a:pPr>
+            <a:endParaRPr lang="en-US" sz="2800" b="0" strike="noStrike" spc="-1" dirty="0">
               <a:solidFill>
                 <a:srgbClr val="000000"/>
               </a:solidFill>
@@ -14926,68 +15105,7 @@
               <a:buChar char="•"/>
             </a:pPr>
             <a:r>
-              <a:rPr lang="en-US" sz="2800" b="0" strike="noStrike" spc="-1">
-                <a:solidFill>
-                  <a:srgbClr val="595959"/>
-                </a:solidFill>
-                <a:uFill>
-                  <a:solidFill>
-                    <a:srgbClr val="FFFFFF"/>
-                  </a:solidFill>
-                </a:uFill>
-                <a:latin typeface="Calibri"/>
-              </a:rPr>
-              <a:t>Varasem kogemus</a:t>
-            </a:r>
-            <a:endParaRPr lang="en-US" sz="2800" b="0" strike="noStrike" spc="-1">
-              <a:solidFill>
-                <a:srgbClr val="000000"/>
-              </a:solidFill>
-              <a:uFill>
-                <a:solidFill>
-                  <a:srgbClr val="FFFFFF"/>
-                </a:solidFill>
-              </a:uFill>
-              <a:latin typeface="DejaVu Sans"/>
-            </a:endParaRPr>
-          </a:p>
-          <a:p>
-            <a:pPr>
-              <a:lnSpc>
-                <a:spcPct val="90000"/>
-              </a:lnSpc>
-              <a:spcBef>
-                <a:spcPts val="1001"/>
-              </a:spcBef>
-            </a:pPr>
-            <a:endParaRPr lang="en-US" sz="2800" b="0" strike="noStrike" spc="-1">
-              <a:solidFill>
-                <a:srgbClr val="000000"/>
-              </a:solidFill>
-              <a:uFill>
-                <a:solidFill>
-                  <a:srgbClr val="FFFFFF"/>
-                </a:solidFill>
-              </a:uFill>
-              <a:latin typeface="DejaVu Sans"/>
-            </a:endParaRPr>
-          </a:p>
-          <a:p>
-            <a:pPr marL="228600" indent="-227880">
-              <a:lnSpc>
-                <a:spcPct val="90000"/>
-              </a:lnSpc>
-              <a:spcBef>
-                <a:spcPts val="1001"/>
-              </a:spcBef>
-              <a:buClr>
-                <a:srgbClr val="595959"/>
-              </a:buClr>
-              <a:buFont typeface="Arial"/>
-              <a:buChar char="•"/>
-            </a:pPr>
-            <a:r>
-              <a:rPr lang="en-US" sz="2800" b="0" strike="noStrike" spc="-1">
+              <a:rPr lang="en-US" sz="2800" b="0" strike="noStrike" spc="-1" dirty="0" err="1" smtClean="0">
                 <a:solidFill>
                   <a:srgbClr val="595959"/>
                 </a:solidFill>
@@ -15000,7 +15118,35 @@
               </a:rPr>
               <a:t>Ootused</a:t>
             </a:r>
-            <a:endParaRPr lang="en-US" sz="2800" b="0" strike="noStrike" spc="-1">
+            <a:r>
+              <a:rPr lang="en-US" sz="2800" b="0" strike="noStrike" spc="-1" dirty="0" smtClean="0">
+                <a:solidFill>
+                  <a:srgbClr val="595959"/>
+                </a:solidFill>
+                <a:uFill>
+                  <a:solidFill>
+                    <a:srgbClr val="FFFFFF"/>
+                  </a:solidFill>
+                </a:uFill>
+                <a:latin typeface="Calibri"/>
+              </a:rPr>
+              <a:t> web </a:t>
+            </a:r>
+            <a:r>
+              <a:rPr lang="en-US" sz="2800" b="0" strike="noStrike" spc="-1" smtClean="0">
+                <a:solidFill>
+                  <a:srgbClr val="595959"/>
+                </a:solidFill>
+                <a:uFill>
+                  <a:solidFill>
+                    <a:srgbClr val="FFFFFF"/>
+                  </a:solidFill>
+                </a:uFill>
+                <a:latin typeface="Calibri"/>
+              </a:rPr>
+              <a:t>kasutusmugavus</a:t>
+            </a:r>
+            <a:endParaRPr lang="en-US" sz="2800" b="0" strike="noStrike" spc="-1" dirty="0">
               <a:solidFill>
                 <a:srgbClr val="000000"/>
               </a:solidFill>

--- a/Front_end_koolitus.pptx
+++ b/Front_end_koolitus.pptx
@@ -9,7 +9,7 @@
     <p:sldMasterId id="2147483700" r:id="rId5"/>
   </p:sldMasterIdLst>
   <p:notesMasterIdLst>
-    <p:notesMasterId r:id="rId16"/>
+    <p:notesMasterId r:id="rId17"/>
   </p:notesMasterIdLst>
   <p:sldIdLst>
     <p:sldId id="256" r:id="rId6"/>
@@ -17,11 +17,12 @@
     <p:sldId id="258" r:id="rId8"/>
     <p:sldId id="259" r:id="rId9"/>
     <p:sldId id="260" r:id="rId10"/>
-    <p:sldId id="261" r:id="rId11"/>
-    <p:sldId id="262" r:id="rId12"/>
-    <p:sldId id="263" r:id="rId13"/>
-    <p:sldId id="264" r:id="rId14"/>
-    <p:sldId id="265" r:id="rId15"/>
+    <p:sldId id="266" r:id="rId11"/>
+    <p:sldId id="261" r:id="rId12"/>
+    <p:sldId id="262" r:id="rId13"/>
+    <p:sldId id="263" r:id="rId14"/>
+    <p:sldId id="264" r:id="rId15"/>
+    <p:sldId id="265" r:id="rId16"/>
   </p:sldIdLst>
   <p:sldSz cx="12192000" cy="6858000"/>
   <p:notesSz cx="6858000" cy="9144000"/>
@@ -1041,7 +1042,7 @@
       </p:grpSpPr>
       <p:sp>
         <p:nvSpPr>
-          <p:cNvPr id="240" name="PlaceHolder 1"/>
+          <p:cNvPr id="238" name="PlaceHolder 1"/>
           <p:cNvSpPr>
             <a:spLocks noGrp="1"/>
           </p:cNvSpPr>
@@ -1074,14 +1075,14 @@
                 </a:uFill>
                 <a:latin typeface="DejaVu Sans"/>
               </a:rPr>
-              <a:t>Hetkel slaidil meie nö vaikimisi päevaplaan</a:t>
+              <a:t>Koht, kus annad sõna osalejale – millist infot neilt enne koolituse algust soovid</a:t>
             </a:r>
           </a:p>
         </p:txBody>
       </p:sp>
       <p:sp>
         <p:nvSpPr>
-          <p:cNvPr id="241" name="CustomShape 2"/>
+          <p:cNvPr id="239" name="CustomShape 2"/>
           <p:cNvSpPr/>
           <p:nvPr/>
         </p:nvSpPr>
@@ -1119,7 +1120,7 @@
                 <a:spcPct val="100000"/>
               </a:lnSpc>
             </a:pPr>
-            <a:fld id="{9A65CC69-6773-42CC-A584-C943A68AD7F4}" type="slidenum">
+            <a:fld id="{359CF65B-057D-467C-8418-0E38A90564D0}" type="slidenum">
               <a:rPr lang="en-US" sz="1200" b="0" strike="noStrike" spc="-1">
                 <a:solidFill>
                   <a:srgbClr val="000000"/>
@@ -1151,7 +1152,7 @@
     </p:spTree>
     <p:extLst>
       <p:ext uri="{BB962C8B-B14F-4D97-AF65-F5344CB8AC3E}">
-        <p14:creationId xmlns:p14="http://schemas.microsoft.com/office/powerpoint/2010/main" val="392307661"/>
+        <p14:creationId xmlns:p14="http://schemas.microsoft.com/office/powerpoint/2010/main" val="3535457683"/>
       </p:ext>
     </p:extLst>
   </p:cSld>
@@ -1180,7 +1181,7 @@
       </p:grpSpPr>
       <p:sp>
         <p:nvSpPr>
-          <p:cNvPr id="242" name="PlaceHolder 1"/>
+          <p:cNvPr id="240" name="PlaceHolder 1"/>
           <p:cNvSpPr>
             <a:spLocks noGrp="1"/>
           </p:cNvSpPr>
@@ -1213,14 +1214,14 @@
                 </a:uFill>
                 <a:latin typeface="DejaVu Sans"/>
               </a:rPr>
-              <a:t>Põgusalt koolituse teemad, mida koolitusel käsitletakse.</a:t>
+              <a:t>Hetkel slaidil meie nö vaikimisi päevaplaan</a:t>
             </a:r>
           </a:p>
         </p:txBody>
       </p:sp>
       <p:sp>
         <p:nvSpPr>
-          <p:cNvPr id="243" name="CustomShape 2"/>
+          <p:cNvPr id="241" name="CustomShape 2"/>
           <p:cNvSpPr/>
           <p:nvPr/>
         </p:nvSpPr>
@@ -1258,7 +1259,7 @@
                 <a:spcPct val="100000"/>
               </a:lnSpc>
             </a:pPr>
-            <a:fld id="{BA1D8E63-3816-4B55-8AF3-CA0E0432D9BF}" type="slidenum">
+            <a:fld id="{9A65CC69-6773-42CC-A584-C943A68AD7F4}" type="slidenum">
               <a:rPr lang="en-US" sz="1200" b="0" strike="noStrike" spc="-1">
                 <a:solidFill>
                   <a:srgbClr val="000000"/>
@@ -1290,7 +1291,7 @@
     </p:spTree>
     <p:extLst>
       <p:ext uri="{BB962C8B-B14F-4D97-AF65-F5344CB8AC3E}">
-        <p14:creationId xmlns:p14="http://schemas.microsoft.com/office/powerpoint/2010/main" val="193537136"/>
+        <p14:creationId xmlns:p14="http://schemas.microsoft.com/office/powerpoint/2010/main" val="392307661"/>
       </p:ext>
     </p:extLst>
   </p:cSld>
@@ -1319,7 +1320,7 @@
       </p:grpSpPr>
       <p:sp>
         <p:nvSpPr>
-          <p:cNvPr id="244" name="PlaceHolder 1"/>
+          <p:cNvPr id="242" name="PlaceHolder 1"/>
           <p:cNvSpPr>
             <a:spLocks noGrp="1"/>
           </p:cNvSpPr>
@@ -1352,62 +1353,14 @@
                 </a:uFill>
                 <a:latin typeface="DejaVu Sans"/>
               </a:rPr>
-              <a:t>Lõunasüsteem on nii, et sekretär annab igal päeval talongid Sina+õppijate arv, talongi väärtus 6 eur ja kehtib lähedalasuvates söögikohtades.</a:t>
+              <a:t>Põgusalt koolituse teemad, mida koolitusel käsitletakse.</a:t>
             </a:r>
           </a:p>
-          <a:p>
-            <a:r>
-              <a:rPr lang="en-US" sz="2000" b="0" strike="noStrike" spc="-1">
-                <a:solidFill>
-                  <a:srgbClr val="000000"/>
-                </a:solidFill>
-                <a:uFill>
-                  <a:solidFill>
-                    <a:srgbClr val="FFFFFF"/>
-                  </a:solidFill>
-                </a:uFill>
-                <a:latin typeface="DejaVu Sans"/>
-              </a:rPr>
-              <a:t>Suitsetamise koht on väljas maja nurgas, sees kusagil suitsu teha ei saa.</a:t>
-            </a:r>
-          </a:p>
-          <a:p>
-            <a:r>
-              <a:rPr lang="en-US" sz="2000" b="0" strike="noStrike" spc="-1">
-                <a:solidFill>
-                  <a:srgbClr val="000000"/>
-                </a:solidFill>
-                <a:uFill>
-                  <a:solidFill>
-                    <a:srgbClr val="FFFFFF"/>
-                  </a:solidFill>
-                </a:uFill>
-                <a:latin typeface="DejaVu Sans"/>
-              </a:rPr>
-              <a:t>Kohvi ja snäkke võib kööginurgast igal ajal julgelt võtta palju kulub ja ok on klassi kaasa võtta.</a:t>
-            </a:r>
-          </a:p>
-          <a:p>
-            <a:r>
-              <a:rPr lang="en-US" sz="2000" b="0" strike="noStrike" spc="-1">
-                <a:solidFill>
-                  <a:srgbClr val="000000"/>
-                </a:solidFill>
-                <a:uFill>
-                  <a:solidFill>
-                    <a:srgbClr val="FFFFFF"/>
-                  </a:solidFill>
-                </a:uFill>
-                <a:latin typeface="DejaVu Sans"/>
-              </a:rPr>
-              <a:t>Parklas EP90 on parkimine tasuta, aga tuleb iga päev autonumber meie juures terminali sisestada.</a:t>
-            </a:r>
-          </a:p>
-        </p:txBody>
-      </p:sp>
-      <p:sp>
-        <p:nvSpPr>
-          <p:cNvPr id="245" name="CustomShape 2"/>
+        </p:txBody>
+      </p:sp>
+      <p:sp>
+        <p:nvSpPr>
+          <p:cNvPr id="243" name="CustomShape 2"/>
           <p:cNvSpPr/>
           <p:nvPr/>
         </p:nvSpPr>
@@ -1445,7 +1398,7 @@
                 <a:spcPct val="100000"/>
               </a:lnSpc>
             </a:pPr>
-            <a:fld id="{DDFC10E9-96C9-4E54-B1BA-C96A8B01ED7C}" type="slidenum">
+            <a:fld id="{BA1D8E63-3816-4B55-8AF3-CA0E0432D9BF}" type="slidenum">
               <a:rPr lang="en-US" sz="1200" b="0" strike="noStrike" spc="-1">
                 <a:solidFill>
                   <a:srgbClr val="000000"/>
@@ -1477,7 +1430,7 @@
     </p:spTree>
     <p:extLst>
       <p:ext uri="{BB962C8B-B14F-4D97-AF65-F5344CB8AC3E}">
-        <p14:creationId xmlns:p14="http://schemas.microsoft.com/office/powerpoint/2010/main" val="371318902"/>
+        <p14:creationId xmlns:p14="http://schemas.microsoft.com/office/powerpoint/2010/main" val="193537136"/>
       </p:ext>
     </p:extLst>
   </p:cSld>
@@ -1506,7 +1459,7 @@
       </p:grpSpPr>
       <p:sp>
         <p:nvSpPr>
-          <p:cNvPr id="246" name="PlaceHolder 1"/>
+          <p:cNvPr id="244" name="PlaceHolder 1"/>
           <p:cNvSpPr>
             <a:spLocks noGrp="1"/>
           </p:cNvSpPr>
@@ -1527,23 +1480,74 @@
           <a:bodyPr lIns="0" tIns="0" rIns="0" bIns="0"/>
           <a:lstStyle/>
           <a:p>
-            <a:endParaRPr lang="en-US" sz="2000" b="0" strike="noStrike" spc="-1">
-              <a:solidFill>
-                <a:srgbClr val="000000"/>
-              </a:solidFill>
-              <a:uFill>
-                <a:solidFill>
-                  <a:srgbClr val="FFFFFF"/>
-                </a:solidFill>
-              </a:uFill>
-              <a:latin typeface="DejaVu Sans"/>
-            </a:endParaRPr>
-          </a:p>
-        </p:txBody>
-      </p:sp>
-      <p:sp>
-        <p:nvSpPr>
-          <p:cNvPr id="247" name="CustomShape 2"/>
+            <a:r>
+              <a:rPr lang="en-US" sz="2000" b="0" strike="noStrike" spc="-1">
+                <a:solidFill>
+                  <a:srgbClr val="000000"/>
+                </a:solidFill>
+                <a:uFill>
+                  <a:solidFill>
+                    <a:srgbClr val="FFFFFF"/>
+                  </a:solidFill>
+                </a:uFill>
+                <a:latin typeface="DejaVu Sans"/>
+              </a:rPr>
+              <a:t>Lõunasüsteem on nii, et sekretär annab igal päeval talongid Sina+õppijate arv, talongi väärtus 6 eur ja kehtib lähedalasuvates söögikohtades.</a:t>
+            </a:r>
+          </a:p>
+          <a:p>
+            <a:r>
+              <a:rPr lang="en-US" sz="2000" b="0" strike="noStrike" spc="-1">
+                <a:solidFill>
+                  <a:srgbClr val="000000"/>
+                </a:solidFill>
+                <a:uFill>
+                  <a:solidFill>
+                    <a:srgbClr val="FFFFFF"/>
+                  </a:solidFill>
+                </a:uFill>
+                <a:latin typeface="DejaVu Sans"/>
+              </a:rPr>
+              <a:t>Suitsetamise koht on väljas maja nurgas, sees kusagil suitsu teha ei saa.</a:t>
+            </a:r>
+          </a:p>
+          <a:p>
+            <a:r>
+              <a:rPr lang="en-US" sz="2000" b="0" strike="noStrike" spc="-1">
+                <a:solidFill>
+                  <a:srgbClr val="000000"/>
+                </a:solidFill>
+                <a:uFill>
+                  <a:solidFill>
+                    <a:srgbClr val="FFFFFF"/>
+                  </a:solidFill>
+                </a:uFill>
+                <a:latin typeface="DejaVu Sans"/>
+              </a:rPr>
+              <a:t>Kohvi ja snäkke võib kööginurgast igal ajal julgelt võtta palju kulub ja ok on klassi kaasa võtta.</a:t>
+            </a:r>
+          </a:p>
+          <a:p>
+            <a:r>
+              <a:rPr lang="en-US" sz="2000" b="0" strike="noStrike" spc="-1">
+                <a:solidFill>
+                  <a:srgbClr val="000000"/>
+                </a:solidFill>
+                <a:uFill>
+                  <a:solidFill>
+                    <a:srgbClr val="FFFFFF"/>
+                  </a:solidFill>
+                </a:uFill>
+                <a:latin typeface="DejaVu Sans"/>
+              </a:rPr>
+              <a:t>Parklas EP90 on parkimine tasuta, aga tuleb iga päev autonumber meie juures terminali sisestada.</a:t>
+            </a:r>
+          </a:p>
+        </p:txBody>
+      </p:sp>
+      <p:sp>
+        <p:nvSpPr>
+          <p:cNvPr id="245" name="CustomShape 2"/>
           <p:cNvSpPr/>
           <p:nvPr/>
         </p:nvSpPr>
@@ -1581,7 +1585,7 @@
                 <a:spcPct val="100000"/>
               </a:lnSpc>
             </a:pPr>
-            <a:fld id="{B388AB4D-0B8A-416A-A191-0F7AA3B281B2}" type="slidenum">
+            <a:fld id="{DDFC10E9-96C9-4E54-B1BA-C96A8B01ED7C}" type="slidenum">
               <a:rPr lang="en-US" sz="1200" b="0" strike="noStrike" spc="-1">
                 <a:solidFill>
                   <a:srgbClr val="000000"/>
@@ -1595,6 +1599,142 @@
                 <a:ea typeface="+mn-ea"/>
               </a:rPr>
               <a:t>9</a:t>
+            </a:fld>
+            <a:endParaRPr lang="en-US" sz="1200" b="0" strike="noStrike" spc="-1">
+              <a:solidFill>
+                <a:srgbClr val="000000"/>
+              </a:solidFill>
+              <a:uFill>
+                <a:solidFill>
+                  <a:srgbClr val="FFFFFF"/>
+                </a:solidFill>
+              </a:uFill>
+              <a:latin typeface="DejaVu Sans"/>
+            </a:endParaRPr>
+          </a:p>
+        </p:txBody>
+      </p:sp>
+    </p:spTree>
+    <p:extLst>
+      <p:ext uri="{BB962C8B-B14F-4D97-AF65-F5344CB8AC3E}">
+        <p14:creationId xmlns:p14="http://schemas.microsoft.com/office/powerpoint/2010/main" val="371318902"/>
+      </p:ext>
+    </p:extLst>
+  </p:cSld>
+  <p:clrMapOvr>
+    <a:masterClrMapping/>
+  </p:clrMapOvr>
+</p:notes>
+</file>
+
+<file path=ppt/notesSlides/notesSlide9.xml><?xml version="1.0" encoding="utf-8"?>
+<p:notes xmlns:a="http://schemas.openxmlformats.org/drawingml/2006/main" xmlns:r="http://schemas.openxmlformats.org/officeDocument/2006/relationships" xmlns:p="http://schemas.openxmlformats.org/presentationml/2006/main">
+  <p:cSld>
+    <p:spTree>
+      <p:nvGrpSpPr>
+        <p:cNvPr id="1" name=""/>
+        <p:cNvGrpSpPr/>
+        <p:nvPr/>
+      </p:nvGrpSpPr>
+      <p:grpSpPr>
+        <a:xfrm>
+          <a:off x="0" y="0"/>
+          <a:ext cx="0" cy="0"/>
+          <a:chOff x="0" y="0"/>
+          <a:chExt cx="0" cy="0"/>
+        </a:xfrm>
+      </p:grpSpPr>
+      <p:sp>
+        <p:nvSpPr>
+          <p:cNvPr id="246" name="PlaceHolder 1"/>
+          <p:cNvSpPr>
+            <a:spLocks noGrp="1"/>
+          </p:cNvSpPr>
+          <p:nvPr>
+            <p:ph type="body"/>
+          </p:nvPr>
+        </p:nvSpPr>
+        <p:spPr>
+          <a:xfrm>
+            <a:off x="685800" y="4400640"/>
+            <a:ext cx="5485680" cy="3599640"/>
+          </a:xfrm>
+          <a:prstGeom prst="rect">
+            <a:avLst/>
+          </a:prstGeom>
+        </p:spPr>
+        <p:txBody>
+          <a:bodyPr lIns="0" tIns="0" rIns="0" bIns="0"/>
+          <a:lstStyle/>
+          <a:p>
+            <a:endParaRPr lang="en-US" sz="2000" b="0" strike="noStrike" spc="-1">
+              <a:solidFill>
+                <a:srgbClr val="000000"/>
+              </a:solidFill>
+              <a:uFill>
+                <a:solidFill>
+                  <a:srgbClr val="FFFFFF"/>
+                </a:solidFill>
+              </a:uFill>
+              <a:latin typeface="DejaVu Sans"/>
+            </a:endParaRPr>
+          </a:p>
+        </p:txBody>
+      </p:sp>
+      <p:sp>
+        <p:nvSpPr>
+          <p:cNvPr id="247" name="CustomShape 2"/>
+          <p:cNvSpPr/>
+          <p:nvPr/>
+        </p:nvSpPr>
+        <p:spPr>
+          <a:xfrm>
+            <a:off x="3884760" y="8685360"/>
+            <a:ext cx="2971080" cy="457920"/>
+          </a:xfrm>
+          <a:prstGeom prst="rect">
+            <a:avLst/>
+          </a:prstGeom>
+          <a:noFill/>
+          <a:ln>
+            <a:noFill/>
+          </a:ln>
+        </p:spPr>
+        <p:style>
+          <a:lnRef idx="0">
+            <a:scrgbClr r="0" g="0" b="0"/>
+          </a:lnRef>
+          <a:fillRef idx="0">
+            <a:scrgbClr r="0" g="0" b="0"/>
+          </a:fillRef>
+          <a:effectRef idx="0">
+            <a:scrgbClr r="0" g="0" b="0"/>
+          </a:effectRef>
+          <a:fontRef idx="minor"/>
+        </p:style>
+        <p:txBody>
+          <a:bodyPr lIns="90000" tIns="45000" rIns="90000" bIns="45000" anchor="b"/>
+          <a:lstStyle/>
+          <a:p>
+            <a:pPr algn="r">
+              <a:lnSpc>
+                <a:spcPct val="100000"/>
+              </a:lnSpc>
+            </a:pPr>
+            <a:fld id="{B388AB4D-0B8A-416A-A191-0F7AA3B281B2}" type="slidenum">
+              <a:rPr lang="en-US" sz="1200" b="0" strike="noStrike" spc="-1">
+                <a:solidFill>
+                  <a:srgbClr val="000000"/>
+                </a:solidFill>
+                <a:uFill>
+                  <a:solidFill>
+                    <a:srgbClr val="FFFFFF"/>
+                  </a:solidFill>
+                </a:uFill>
+                <a:latin typeface="+mn-lt"/>
+                <a:ea typeface="+mn-ea"/>
+              </a:rPr>
+              <a:t>10</a:t>
             </a:fld>
             <a:endParaRPr lang="en-US" sz="1200" b="0" strike="noStrike" spc="-1">
               <a:solidFill>
@@ -13715,6 +13855,529 @@
       </p:grpSpPr>
       <p:sp>
         <p:nvSpPr>
+          <p:cNvPr id="224" name="CustomShape 1"/>
+          <p:cNvSpPr/>
+          <p:nvPr/>
+        </p:nvSpPr>
+        <p:spPr>
+          <a:xfrm>
+            <a:off x="589680" y="365040"/>
+            <a:ext cx="11158560" cy="776160"/>
+          </a:xfrm>
+          <a:prstGeom prst="rect">
+            <a:avLst/>
+          </a:prstGeom>
+          <a:noFill/>
+          <a:ln>
+            <a:noFill/>
+          </a:ln>
+        </p:spPr>
+        <p:style>
+          <a:lnRef idx="0">
+            <a:scrgbClr r="0" g="0" b="0"/>
+          </a:lnRef>
+          <a:fillRef idx="0">
+            <a:scrgbClr r="0" g="0" b="0"/>
+          </a:fillRef>
+          <a:effectRef idx="0">
+            <a:scrgbClr r="0" g="0" b="0"/>
+          </a:effectRef>
+          <a:fontRef idx="minor"/>
+        </p:style>
+        <p:txBody>
+          <a:bodyPr lIns="90000" tIns="45000" rIns="90000" bIns="45000" anchor="ctr">
+            <a:normAutofit/>
+          </a:bodyPr>
+          <a:lstStyle/>
+          <a:p>
+            <a:pPr>
+              <a:lnSpc>
+                <a:spcPct val="90000"/>
+              </a:lnSpc>
+            </a:pPr>
+            <a:r>
+              <a:rPr lang="en-US" sz="3600" b="0" strike="noStrike" spc="-1">
+                <a:solidFill>
+                  <a:srgbClr val="FC0D1B"/>
+                </a:solidFill>
+                <a:uFill>
+                  <a:solidFill>
+                    <a:srgbClr val="FFFFFF"/>
+                  </a:solidFill>
+                </a:uFill>
+                <a:latin typeface="Calibri Light"/>
+              </a:rPr>
+              <a:t>Lõuna restoranis Viktoria või Dvigatel või Sketch House</a:t>
+            </a:r>
+            <a:endParaRPr lang="en-US" sz="3600" b="0" strike="noStrike" spc="-1">
+              <a:solidFill>
+                <a:srgbClr val="000000"/>
+              </a:solidFill>
+              <a:uFill>
+                <a:solidFill>
+                  <a:srgbClr val="FFFFFF"/>
+                </a:solidFill>
+              </a:uFill>
+              <a:latin typeface="DejaVu Sans"/>
+            </a:endParaRPr>
+          </a:p>
+        </p:txBody>
+      </p:sp>
+      <p:pic>
+        <p:nvPicPr>
+          <p:cNvPr id="225" name="Pilt 2"/>
+          <p:cNvPicPr/>
+          <p:nvPr/>
+        </p:nvPicPr>
+        <p:blipFill>
+          <a:blip r:embed="rId3"/>
+          <a:srcRect l="14341" t="24666" r="9019" b="11113"/>
+          <a:stretch/>
+        </p:blipFill>
+        <p:spPr>
+          <a:xfrm>
+            <a:off x="1279800" y="1309320"/>
+            <a:ext cx="9520920" cy="4776480"/>
+          </a:xfrm>
+          <a:prstGeom prst="rect">
+            <a:avLst/>
+          </a:prstGeom>
+          <a:ln>
+            <a:noFill/>
+          </a:ln>
+        </p:spPr>
+      </p:pic>
+      <p:sp>
+        <p:nvSpPr>
+          <p:cNvPr id="226" name="CustomShape 2"/>
+          <p:cNvSpPr/>
+          <p:nvPr/>
+        </p:nvSpPr>
+        <p:spPr>
+          <a:xfrm>
+            <a:off x="6159600" y="3406320"/>
+            <a:ext cx="1130760" cy="547920"/>
+          </a:xfrm>
+          <a:prstGeom prst="wedgeEllipseCallout">
+            <a:avLst>
+              <a:gd name="adj1" fmla="val -62247"/>
+              <a:gd name="adj2" fmla="val 62500"/>
+            </a:avLst>
+          </a:prstGeom>
+          <a:solidFill>
+            <a:srgbClr val="FF0000"/>
+          </a:solidFill>
+          <a:ln>
+            <a:round/>
+          </a:ln>
+        </p:spPr>
+        <p:style>
+          <a:lnRef idx="2">
+            <a:schemeClr val="accent1">
+              <a:shade val="50000"/>
+            </a:schemeClr>
+          </a:lnRef>
+          <a:fillRef idx="1">
+            <a:schemeClr val="accent1"/>
+          </a:fillRef>
+          <a:effectRef idx="0">
+            <a:schemeClr val="accent1"/>
+          </a:effectRef>
+          <a:fontRef idx="minor"/>
+        </p:style>
+        <p:txBody>
+          <a:bodyPr lIns="90000" tIns="45000" rIns="90000" bIns="45000" anchor="ctr"/>
+          <a:lstStyle/>
+          <a:p>
+            <a:pPr algn="ctr">
+              <a:lnSpc>
+                <a:spcPct val="100000"/>
+              </a:lnSpc>
+            </a:pPr>
+            <a:r>
+              <a:rPr lang="en-US" sz="1350" b="0" strike="noStrike" spc="-1">
+                <a:solidFill>
+                  <a:srgbClr val="FFFFFF"/>
+                </a:solidFill>
+                <a:uFill>
+                  <a:solidFill>
+                    <a:srgbClr val="FFFFFF"/>
+                  </a:solidFill>
+                </a:uFill>
+                <a:latin typeface="Calibri"/>
+                <a:ea typeface="DejaVu Sans"/>
+              </a:rPr>
+              <a:t>Viktoria</a:t>
+            </a:r>
+            <a:endParaRPr lang="en-US" sz="1350" b="0" strike="noStrike" spc="-1">
+              <a:solidFill>
+                <a:srgbClr val="000000"/>
+              </a:solidFill>
+              <a:uFill>
+                <a:solidFill>
+                  <a:srgbClr val="FFFFFF"/>
+                </a:solidFill>
+              </a:uFill>
+              <a:latin typeface="DejaVu Sans"/>
+            </a:endParaRPr>
+          </a:p>
+        </p:txBody>
+      </p:sp>
+      <p:sp>
+        <p:nvSpPr>
+          <p:cNvPr id="227" name="CustomShape 3"/>
+          <p:cNvSpPr/>
+          <p:nvPr/>
+        </p:nvSpPr>
+        <p:spPr>
+          <a:xfrm>
+            <a:off x="6886440" y="4414680"/>
+            <a:ext cx="1130760" cy="547920"/>
+          </a:xfrm>
+          <a:prstGeom prst="wedgeEllipseCallout">
+            <a:avLst>
+              <a:gd name="adj1" fmla="val -62247"/>
+              <a:gd name="adj2" fmla="val 62500"/>
+            </a:avLst>
+          </a:prstGeom>
+          <a:solidFill>
+            <a:srgbClr val="FF0000"/>
+          </a:solidFill>
+          <a:ln>
+            <a:round/>
+          </a:ln>
+        </p:spPr>
+        <p:style>
+          <a:lnRef idx="2">
+            <a:schemeClr val="accent1">
+              <a:shade val="50000"/>
+            </a:schemeClr>
+          </a:lnRef>
+          <a:fillRef idx="1">
+            <a:schemeClr val="accent1"/>
+          </a:fillRef>
+          <a:effectRef idx="0">
+            <a:schemeClr val="accent1"/>
+          </a:effectRef>
+          <a:fontRef idx="minor"/>
+        </p:style>
+        <p:txBody>
+          <a:bodyPr lIns="90000" tIns="45000" rIns="90000" bIns="45000" anchor="ctr"/>
+          <a:lstStyle/>
+          <a:p>
+            <a:pPr algn="ctr">
+              <a:lnSpc>
+                <a:spcPct val="100000"/>
+              </a:lnSpc>
+            </a:pPr>
+            <a:r>
+              <a:rPr lang="en-US" sz="1350" b="0" strike="noStrike" spc="-1">
+                <a:solidFill>
+                  <a:srgbClr val="FFFFFF"/>
+                </a:solidFill>
+                <a:uFill>
+                  <a:solidFill>
+                    <a:srgbClr val="FFFFFF"/>
+                  </a:solidFill>
+                </a:uFill>
+                <a:latin typeface="Calibri"/>
+                <a:ea typeface="DejaVu Sans"/>
+              </a:rPr>
+              <a:t>IT Koolitus</a:t>
+            </a:r>
+            <a:endParaRPr lang="en-US" sz="1350" b="0" strike="noStrike" spc="-1">
+              <a:solidFill>
+                <a:srgbClr val="000000"/>
+              </a:solidFill>
+              <a:uFill>
+                <a:solidFill>
+                  <a:srgbClr val="FFFFFF"/>
+                </a:solidFill>
+              </a:uFill>
+              <a:latin typeface="DejaVu Sans"/>
+            </a:endParaRPr>
+          </a:p>
+        </p:txBody>
+      </p:sp>
+      <p:sp>
+        <p:nvSpPr>
+          <p:cNvPr id="228" name="CustomShape 4"/>
+          <p:cNvSpPr/>
+          <p:nvPr/>
+        </p:nvSpPr>
+        <p:spPr>
+          <a:xfrm>
+            <a:off x="2211840" y="3343320"/>
+            <a:ext cx="1290960" cy="673560"/>
+          </a:xfrm>
+          <a:prstGeom prst="ellipse">
+            <a:avLst/>
+          </a:prstGeom>
+          <a:solidFill>
+            <a:srgbClr val="FF0000"/>
+          </a:solidFill>
+          <a:ln>
+            <a:round/>
+          </a:ln>
+        </p:spPr>
+        <p:style>
+          <a:lnRef idx="2">
+            <a:schemeClr val="accent1">
+              <a:shade val="50000"/>
+            </a:schemeClr>
+          </a:lnRef>
+          <a:fillRef idx="1">
+            <a:schemeClr val="accent1"/>
+          </a:fillRef>
+          <a:effectRef idx="0">
+            <a:schemeClr val="accent1"/>
+          </a:effectRef>
+          <a:fontRef idx="minor"/>
+        </p:style>
+        <p:txBody>
+          <a:bodyPr lIns="90000" tIns="45000" rIns="90000" bIns="45000" anchor="ctr"/>
+          <a:lstStyle/>
+          <a:p>
+            <a:pPr algn="ctr">
+              <a:lnSpc>
+                <a:spcPct val="100000"/>
+              </a:lnSpc>
+            </a:pPr>
+            <a:r>
+              <a:rPr lang="en-US" sz="1350" b="0" strike="noStrike" spc="-1">
+                <a:solidFill>
+                  <a:srgbClr val="FFFFFF"/>
+                </a:solidFill>
+                <a:uFill>
+                  <a:solidFill>
+                    <a:srgbClr val="FFFFFF"/>
+                  </a:solidFill>
+                </a:uFill>
+                <a:latin typeface="Calibri"/>
+                <a:ea typeface="DejaVu Sans"/>
+              </a:rPr>
+              <a:t>Ülemiste keskus</a:t>
+            </a:r>
+            <a:endParaRPr lang="en-US" sz="1350" b="0" strike="noStrike" spc="-1">
+              <a:solidFill>
+                <a:srgbClr val="000000"/>
+              </a:solidFill>
+              <a:uFill>
+                <a:solidFill>
+                  <a:srgbClr val="FFFFFF"/>
+                </a:solidFill>
+              </a:uFill>
+              <a:latin typeface="DejaVu Sans"/>
+            </a:endParaRPr>
+          </a:p>
+        </p:txBody>
+      </p:sp>
+      <p:sp>
+        <p:nvSpPr>
+          <p:cNvPr id="229" name="CustomShape 5"/>
+          <p:cNvSpPr/>
+          <p:nvPr/>
+        </p:nvSpPr>
+        <p:spPr>
+          <a:xfrm>
+            <a:off x="7808760" y="3519000"/>
+            <a:ext cx="1130760" cy="547920"/>
+          </a:xfrm>
+          <a:prstGeom prst="wedgeEllipseCallout">
+            <a:avLst>
+              <a:gd name="adj1" fmla="val -62247"/>
+              <a:gd name="adj2" fmla="val 62500"/>
+            </a:avLst>
+          </a:prstGeom>
+          <a:solidFill>
+            <a:srgbClr val="FF0000"/>
+          </a:solidFill>
+          <a:ln>
+            <a:round/>
+          </a:ln>
+        </p:spPr>
+        <p:style>
+          <a:lnRef idx="2">
+            <a:schemeClr val="accent1">
+              <a:shade val="50000"/>
+            </a:schemeClr>
+          </a:lnRef>
+          <a:fillRef idx="1">
+            <a:schemeClr val="accent1"/>
+          </a:fillRef>
+          <a:effectRef idx="0">
+            <a:schemeClr val="accent1"/>
+          </a:effectRef>
+          <a:fontRef idx="minor"/>
+        </p:style>
+        <p:txBody>
+          <a:bodyPr lIns="90000" tIns="45000" rIns="90000" bIns="45000" anchor="ctr"/>
+          <a:lstStyle/>
+          <a:p>
+            <a:pPr algn="ctr">
+              <a:lnSpc>
+                <a:spcPct val="100000"/>
+              </a:lnSpc>
+            </a:pPr>
+            <a:r>
+              <a:rPr lang="en-US" sz="1350" b="0" strike="noStrike" spc="-1">
+                <a:solidFill>
+                  <a:srgbClr val="FFFFFF"/>
+                </a:solidFill>
+                <a:uFill>
+                  <a:solidFill>
+                    <a:srgbClr val="FFFFFF"/>
+                  </a:solidFill>
+                </a:uFill>
+                <a:latin typeface="Calibri"/>
+                <a:ea typeface="DejaVu Sans"/>
+              </a:rPr>
+              <a:t>Dvigatel</a:t>
+            </a:r>
+            <a:endParaRPr lang="en-US" sz="1350" b="0" strike="noStrike" spc="-1">
+              <a:solidFill>
+                <a:srgbClr val="000000"/>
+              </a:solidFill>
+              <a:uFill>
+                <a:solidFill>
+                  <a:srgbClr val="FFFFFF"/>
+                </a:solidFill>
+              </a:uFill>
+              <a:latin typeface="DejaVu Sans"/>
+            </a:endParaRPr>
+          </a:p>
+        </p:txBody>
+      </p:sp>
+      <p:sp>
+        <p:nvSpPr>
+          <p:cNvPr id="230" name="CustomShape 6"/>
+          <p:cNvSpPr/>
+          <p:nvPr/>
+        </p:nvSpPr>
+        <p:spPr>
+          <a:xfrm>
+            <a:off x="7104960" y="2121120"/>
+            <a:ext cx="1130760" cy="547920"/>
+          </a:xfrm>
+          <a:prstGeom prst="wedgeEllipseCallout">
+            <a:avLst>
+              <a:gd name="adj1" fmla="val -63930"/>
+              <a:gd name="adj2" fmla="val -46875"/>
+            </a:avLst>
+          </a:prstGeom>
+          <a:solidFill>
+            <a:srgbClr val="FF0000"/>
+          </a:solidFill>
+          <a:ln>
+            <a:round/>
+          </a:ln>
+        </p:spPr>
+        <p:style>
+          <a:lnRef idx="2">
+            <a:schemeClr val="accent1">
+              <a:shade val="50000"/>
+            </a:schemeClr>
+          </a:lnRef>
+          <a:fillRef idx="1">
+            <a:schemeClr val="accent1"/>
+          </a:fillRef>
+          <a:effectRef idx="0">
+            <a:schemeClr val="accent1"/>
+          </a:effectRef>
+          <a:fontRef idx="minor"/>
+        </p:style>
+        <p:txBody>
+          <a:bodyPr lIns="90000" tIns="45000" rIns="90000" bIns="45000" anchor="ctr"/>
+          <a:lstStyle/>
+          <a:p>
+            <a:pPr algn="ctr">
+              <a:lnSpc>
+                <a:spcPct val="100000"/>
+              </a:lnSpc>
+            </a:pPr>
+            <a:r>
+              <a:rPr lang="en-US" sz="1350" b="0" strike="noStrike" spc="-1">
+                <a:solidFill>
+                  <a:srgbClr val="FFFFFF"/>
+                </a:solidFill>
+                <a:uFill>
+                  <a:solidFill>
+                    <a:srgbClr val="FFFFFF"/>
+                  </a:solidFill>
+                </a:uFill>
+                <a:latin typeface="Calibri"/>
+                <a:ea typeface="DejaVu Sans"/>
+              </a:rPr>
+              <a:t>Scetch House</a:t>
+            </a:r>
+            <a:endParaRPr lang="en-US" sz="1350" b="0" strike="noStrike" spc="-1">
+              <a:solidFill>
+                <a:srgbClr val="000000"/>
+              </a:solidFill>
+              <a:uFill>
+                <a:solidFill>
+                  <a:srgbClr val="FFFFFF"/>
+                </a:solidFill>
+              </a:uFill>
+              <a:latin typeface="DejaVu Sans"/>
+            </a:endParaRPr>
+          </a:p>
+        </p:txBody>
+      </p:sp>
+    </p:spTree>
+  </p:cSld>
+  <p:clrMapOvr>
+    <a:masterClrMapping/>
+  </p:clrMapOvr>
+  <p:timing>
+    <p:tnLst>
+      <p:par>
+        <p:cTn id="1" dur="indefinite" restart="never" nodeType="tmRoot">
+          <p:childTnLst>
+            <p:seq>
+              <p:cTn id="2" nodeType="mainSeq"/>
+              <p:prevCondLst>
+                <p:cond evt="onPrev" delay="0">
+                  <p:tgtEl>
+                    <p:sldTgt/>
+                  </p:tgtEl>
+                </p:cond>
+              </p:prevCondLst>
+              <p:nextCondLst>
+                <p:cond evt="onNext" delay="0">
+                  <p:tgtEl>
+                    <p:sldTgt/>
+                  </p:tgtEl>
+                </p:cond>
+              </p:nextCondLst>
+            </p:seq>
+          </p:childTnLst>
+        </p:cTn>
+      </p:par>
+    </p:tnLst>
+  </p:timing>
+</p:sld>
+</file>
+
+<file path=ppt/slides/slide11.xml><?xml version="1.0" encoding="utf-8"?>
+<p:sld xmlns:a="http://schemas.openxmlformats.org/drawingml/2006/main" xmlns:r="http://schemas.openxmlformats.org/officeDocument/2006/relationships" xmlns:p="http://schemas.openxmlformats.org/presentationml/2006/main">
+  <p:cSld>
+    <p:spTree>
+      <p:nvGrpSpPr>
+        <p:cNvPr id="1" name=""/>
+        <p:cNvGrpSpPr/>
+        <p:nvPr/>
+      </p:nvGrpSpPr>
+      <p:grpSpPr>
+        <a:xfrm>
+          <a:off x="0" y="0"/>
+          <a:ext cx="0" cy="0"/>
+          <a:chOff x="0" y="0"/>
+          <a:chExt cx="0" cy="0"/>
+        </a:xfrm>
+      </p:grpSpPr>
+      <p:sp>
+        <p:nvSpPr>
           <p:cNvPr id="231" name="CustomShape 1"/>
           <p:cNvSpPr/>
           <p:nvPr/>
@@ -15214,7 +15877,7 @@
       </p:grpSpPr>
       <p:sp>
         <p:nvSpPr>
-          <p:cNvPr id="218" name="CustomShape 1"/>
+          <p:cNvPr id="216" name="CustomShape 1"/>
           <p:cNvSpPr/>
           <p:nvPr/>
         </p:nvSpPr>
@@ -15264,7 +15927,7 @@
                 </a:uFill>
                 <a:latin typeface="Calibri Light"/>
               </a:rPr>
-              <a:t>Päevaplaan</a:t>
+              <a:t>Saame tuttavaks</a:t>
             </a:r>
             <a:endParaRPr lang="en-US" sz="4400" b="0" strike="noStrike" spc="-1">
               <a:solidFill>
@@ -15282,14 +15945,14 @@
       </p:sp>
       <p:sp>
         <p:nvSpPr>
-          <p:cNvPr id="219" name="CustomShape 2"/>
+          <p:cNvPr id="217" name="CustomShape 2"/>
           <p:cNvSpPr/>
           <p:nvPr/>
         </p:nvSpPr>
         <p:spPr>
           <a:xfrm>
             <a:off x="481320" y="1825560"/>
-            <a:ext cx="11266920" cy="3888720"/>
+            <a:ext cx="11266920" cy="3372120"/>
           </a:xfrm>
           <a:prstGeom prst="rect">
             <a:avLst/>
@@ -15314,6 +15977,72 @@
         <p:txBody>
           <a:bodyPr lIns="90000" tIns="45000" rIns="90000" bIns="45000"/>
           <a:lstStyle/>
+          <a:p>
+            <a:pPr marL="720">
+              <a:lnSpc>
+                <a:spcPct val="90000"/>
+              </a:lnSpc>
+              <a:spcBef>
+                <a:spcPts val="1001"/>
+              </a:spcBef>
+              <a:buClr>
+                <a:srgbClr val="595959"/>
+              </a:buClr>
+            </a:pPr>
+            <a:r>
+              <a:rPr lang="en-US" sz="2800" b="0" strike="noStrike" spc="-1" dirty="0" err="1" smtClean="0">
+                <a:solidFill>
+                  <a:srgbClr val="595959"/>
+                </a:solidFill>
+                <a:uFill>
+                  <a:solidFill>
+                    <a:srgbClr val="FFFFFF"/>
+                  </a:solidFill>
+                </a:uFill>
+                <a:latin typeface="Calibri"/>
+              </a:rPr>
+              <a:t>Nimi</a:t>
+            </a:r>
+            <a:r>
+              <a:rPr lang="en-US" sz="2800" b="0" strike="noStrike" spc="-1" dirty="0" smtClean="0">
+                <a:solidFill>
+                  <a:srgbClr val="595959"/>
+                </a:solidFill>
+                <a:uFill>
+                  <a:solidFill>
+                    <a:srgbClr val="FFFFFF"/>
+                  </a:solidFill>
+                </a:uFill>
+                <a:latin typeface="Calibri"/>
+              </a:rPr>
+              <a:t>: </a:t>
+            </a:r>
+            <a:r>
+              <a:rPr lang="et-EE" sz="2800" b="0" strike="noStrike" spc="-1" dirty="0" smtClean="0">
+                <a:solidFill>
+                  <a:srgbClr val="595959"/>
+                </a:solidFill>
+                <a:uFill>
+                  <a:solidFill>
+                    <a:srgbClr val="FFFFFF"/>
+                  </a:solidFill>
+                </a:uFill>
+                <a:latin typeface="Calibri"/>
+              </a:rPr>
+              <a:t>Tuuli </a:t>
+            </a:r>
+            <a:endParaRPr lang="en-US" sz="2800" b="0" strike="noStrike" spc="-1" dirty="0">
+              <a:solidFill>
+                <a:srgbClr val="000000"/>
+              </a:solidFill>
+              <a:uFill>
+                <a:solidFill>
+                  <a:srgbClr val="FFFFFF"/>
+                </a:solidFill>
+              </a:uFill>
+              <a:latin typeface="DejaVu Sans"/>
+            </a:endParaRPr>
+          </a:p>
           <a:p>
             <a:pPr marL="228600" indent="-227880">
               <a:lnSpc>
@@ -15329,7 +16058,7 @@
               <a:buChar char="•"/>
             </a:pPr>
             <a:r>
-              <a:rPr lang="en-US" sz="2800" b="0" strike="noStrike" spc="-1">
+              <a:rPr lang="en-US" sz="2800" b="0" strike="noStrike" spc="-1" dirty="0" err="1">
                 <a:solidFill>
                   <a:srgbClr val="595959"/>
                 </a:solidFill>
@@ -15340,38 +16069,12 @@
                 </a:uFill>
                 <a:latin typeface="Calibri"/>
               </a:rPr>
-              <a:t>9:00 – 10:30 Koolitus</a:t>
+              <a:t>Varasem</a:t>
             </a:r>
-            <a:endParaRPr lang="en-US" sz="2800" b="0" strike="noStrike" spc="-1">
-              <a:solidFill>
-                <a:srgbClr val="000000"/>
-              </a:solidFill>
-              <a:uFill>
-                <a:solidFill>
-                  <a:srgbClr val="FFFFFF"/>
-                </a:solidFill>
-              </a:uFill>
-              <a:latin typeface="DejaVu Sans"/>
-            </a:endParaRPr>
-          </a:p>
-          <a:p>
-            <a:pPr marL="685800" lvl="1" indent="-227880">
-              <a:lnSpc>
-                <a:spcPct val="100000"/>
-              </a:lnSpc>
-              <a:spcBef>
-                <a:spcPts val="499"/>
-              </a:spcBef>
-              <a:buClr>
-                <a:srgbClr val="939393"/>
-              </a:buClr>
-              <a:buFont typeface="Arial"/>
-              <a:buChar char="•"/>
-            </a:pPr>
             <a:r>
-              <a:rPr lang="en-US" sz="2400" b="0" strike="noStrike" spc="-1">
-                <a:solidFill>
-                  <a:srgbClr val="939393"/>
+              <a:rPr lang="en-US" sz="2800" b="0" strike="noStrike" spc="-1" dirty="0">
+                <a:solidFill>
+                  <a:srgbClr val="595959"/>
                 </a:solidFill>
                 <a:uFill>
                   <a:solidFill>
@@ -15380,9 +16083,72 @@
                 </a:uFill>
                 <a:latin typeface="Calibri"/>
               </a:rPr>
-              <a:t>10:30 – 10:45 Paus</a:t>
+              <a:t> </a:t>
             </a:r>
-            <a:endParaRPr lang="en-US" sz="2400" b="0" strike="noStrike" spc="-1">
+            <a:r>
+              <a:rPr lang="en-US" sz="2800" b="0" strike="noStrike" spc="-1" dirty="0" err="1" smtClean="0">
+                <a:solidFill>
+                  <a:srgbClr val="595959"/>
+                </a:solidFill>
+                <a:uFill>
+                  <a:solidFill>
+                    <a:srgbClr val="FFFFFF"/>
+                  </a:solidFill>
+                </a:uFill>
+                <a:latin typeface="Calibri"/>
+              </a:rPr>
+              <a:t>kogemus</a:t>
+            </a:r>
+            <a:r>
+              <a:rPr lang="en-US" sz="2800" b="0" strike="noStrike" spc="-1" dirty="0" smtClean="0">
+                <a:solidFill>
+                  <a:srgbClr val="595959"/>
+                </a:solidFill>
+                <a:uFill>
+                  <a:solidFill>
+                    <a:srgbClr val="FFFFFF"/>
+                  </a:solidFill>
+                </a:uFill>
+                <a:latin typeface="Calibri"/>
+              </a:rPr>
+              <a:t>: </a:t>
+            </a:r>
+            <a:r>
+              <a:rPr lang="et-EE" sz="2800" b="0" strike="noStrike" spc="-1" dirty="0" smtClean="0">
+                <a:solidFill>
+                  <a:srgbClr val="595959"/>
+                </a:solidFill>
+                <a:uFill>
+                  <a:solidFill>
+                    <a:srgbClr val="FFFFFF"/>
+                  </a:solidFill>
+                </a:uFill>
+                <a:latin typeface="Calibri"/>
+              </a:rPr>
+              <a:t>Interaktsioonidisain, autorvahendid</a:t>
+            </a:r>
+            <a:endParaRPr lang="en-US" sz="2800" b="0" strike="noStrike" spc="-1" dirty="0">
+              <a:solidFill>
+                <a:srgbClr val="000000"/>
+              </a:solidFill>
+              <a:uFill>
+                <a:solidFill>
+                  <a:srgbClr val="FFFFFF"/>
+                </a:solidFill>
+              </a:uFill>
+              <a:latin typeface="DejaVu Sans"/>
+            </a:endParaRPr>
+          </a:p>
+          <a:p>
+            <a:pPr>
+              <a:lnSpc>
+                <a:spcPct val="90000"/>
+              </a:lnSpc>
+              <a:spcBef>
+                <a:spcPts val="1001"/>
+              </a:spcBef>
+            </a:pPr>
+            <a:endParaRPr lang="en-US" sz="2800" b="0" strike="noStrike" spc="-1" dirty="0">
               <a:solidFill>
                 <a:srgbClr val="000000"/>
               </a:solidFill>
@@ -15409,7 +16175,7 @@
               <a:buChar char="•"/>
             </a:pPr>
             <a:r>
-              <a:rPr lang="en-US" sz="2800" b="0" strike="noStrike" spc="-1">
+              <a:rPr lang="en-US" sz="2800" b="0" strike="noStrike" spc="-1" dirty="0" err="1" smtClean="0">
                 <a:solidFill>
                   <a:srgbClr val="595959"/>
                 </a:solidFill>
@@ -15420,38 +16186,12 @@
                 </a:uFill>
                 <a:latin typeface="Calibri"/>
               </a:rPr>
-              <a:t>10:45 – 12:15 Koolitus</a:t>
+              <a:t>Ootused</a:t>
             </a:r>
-            <a:endParaRPr lang="en-US" sz="2800" b="0" strike="noStrike" spc="-1">
-              <a:solidFill>
-                <a:srgbClr val="000000"/>
-              </a:solidFill>
-              <a:uFill>
-                <a:solidFill>
-                  <a:srgbClr val="FFFFFF"/>
-                </a:solidFill>
-              </a:uFill>
-              <a:latin typeface="DejaVu Sans"/>
-            </a:endParaRPr>
-          </a:p>
-          <a:p>
-            <a:pPr marL="685800" lvl="1" indent="-227880">
-              <a:lnSpc>
-                <a:spcPct val="100000"/>
-              </a:lnSpc>
-              <a:spcBef>
-                <a:spcPts val="499"/>
-              </a:spcBef>
-              <a:buClr>
-                <a:srgbClr val="939393"/>
-              </a:buClr>
-              <a:buFont typeface="Arial"/>
-              <a:buChar char="•"/>
-            </a:pPr>
             <a:r>
-              <a:rPr lang="en-US" sz="2400" b="0" strike="noStrike" spc="-1">
-                <a:solidFill>
-                  <a:srgbClr val="939393"/>
+              <a:rPr lang="en-US" sz="2800" b="0" strike="noStrike" spc="-1" dirty="0" smtClean="0">
+                <a:solidFill>
+                  <a:srgbClr val="595959"/>
                 </a:solidFill>
                 <a:uFill>
                   <a:solidFill>
@@ -15460,36 +16200,10 @@
                 </a:uFill>
                 <a:latin typeface="Calibri"/>
               </a:rPr>
-              <a:t>12:15 – 13:00 Lõuna</a:t>
+              <a:t> web </a:t>
             </a:r>
-            <a:endParaRPr lang="en-US" sz="2400" b="0" strike="noStrike" spc="-1">
-              <a:solidFill>
-                <a:srgbClr val="000000"/>
-              </a:solidFill>
-              <a:uFill>
-                <a:solidFill>
-                  <a:srgbClr val="FFFFFF"/>
-                </a:solidFill>
-              </a:uFill>
-              <a:latin typeface="DejaVu Sans"/>
-            </a:endParaRPr>
-          </a:p>
-          <a:p>
-            <a:pPr marL="228600" indent="-227880">
-              <a:lnSpc>
-                <a:spcPct val="90000"/>
-              </a:lnSpc>
-              <a:spcBef>
-                <a:spcPts val="1001"/>
-              </a:spcBef>
-              <a:buClr>
-                <a:srgbClr val="595959"/>
-              </a:buClr>
-              <a:buFont typeface="Arial"/>
-              <a:buChar char="•"/>
-            </a:pPr>
             <a:r>
-              <a:rPr lang="en-US" sz="2800" b="0" strike="noStrike" spc="-1">
+              <a:rPr lang="en-US" sz="2800" b="0" strike="noStrike" spc="-1" dirty="0" err="1" smtClean="0">
                 <a:solidFill>
                   <a:srgbClr val="595959"/>
                 </a:solidFill>
@@ -15500,9 +16214,37 @@
                 </a:uFill>
                 <a:latin typeface="Calibri"/>
               </a:rPr>
-              <a:t>13:00 – 14:30 Koolitus</a:t>
+              <a:t>kasutusmugavus</a:t>
             </a:r>
-            <a:endParaRPr lang="en-US" sz="2800" b="0" strike="noStrike" spc="-1">
+            <a:r>
+              <a:rPr lang="et-EE" sz="2800" b="0" strike="noStrike" spc="-1" dirty="0" smtClean="0">
+                <a:solidFill>
+                  <a:srgbClr val="595959"/>
+                </a:solidFill>
+                <a:uFill>
+                  <a:solidFill>
+                    <a:srgbClr val="FFFFFF"/>
+                  </a:solidFill>
+                </a:uFill>
+                <a:latin typeface="Calibri"/>
+              </a:rPr>
+              <a:t>, </a:t>
+            </a:r>
+            <a:r>
+              <a:rPr lang="et-EE" sz="2800" b="0" strike="noStrike" spc="-1" smtClean="0">
+                <a:solidFill>
+                  <a:srgbClr val="595959"/>
+                </a:solidFill>
+                <a:uFill>
+                  <a:solidFill>
+                    <a:srgbClr val="FFFFFF"/>
+                  </a:solidFill>
+                </a:uFill>
+                <a:latin typeface="Calibri"/>
+              </a:rPr>
+              <a:t>veebilehe loomne</a:t>
+            </a:r>
+            <a:endParaRPr lang="en-US" sz="2800" b="0" strike="noStrike" spc="-1" dirty="0">
               <a:solidFill>
                 <a:srgbClr val="000000"/>
               </a:solidFill>
@@ -15517,6 +16259,11 @@
         </p:txBody>
       </p:sp>
     </p:spTree>
+    <p:extLst>
+      <p:ext uri="{BB962C8B-B14F-4D97-AF65-F5344CB8AC3E}">
+        <p14:creationId xmlns:p14="http://schemas.microsoft.com/office/powerpoint/2010/main" val="3637243231"/>
+      </p:ext>
+    </p:extLst>
   </p:cSld>
   <p:clrMapOvr>
     <a:masterClrMapping/>
@@ -15570,7 +16317,7 @@
       </p:grpSpPr>
       <p:sp>
         <p:nvSpPr>
-          <p:cNvPr id="220" name="CustomShape 1"/>
+          <p:cNvPr id="218" name="CustomShape 1"/>
           <p:cNvSpPr/>
           <p:nvPr/>
         </p:nvSpPr>
@@ -15620,7 +16367,7 @@
                 </a:uFill>
                 <a:latin typeface="Calibri Light"/>
               </a:rPr>
-              <a:t>Koolituse teemad</a:t>
+              <a:t>Päevaplaan</a:t>
             </a:r>
             <a:endParaRPr lang="en-US" sz="4400" b="0" strike="noStrike" spc="-1">
               <a:solidFill>
@@ -15638,14 +16385,14 @@
       </p:sp>
       <p:sp>
         <p:nvSpPr>
-          <p:cNvPr id="221" name="CustomShape 2"/>
+          <p:cNvPr id="219" name="CustomShape 2"/>
           <p:cNvSpPr/>
           <p:nvPr/>
         </p:nvSpPr>
         <p:spPr>
           <a:xfrm>
             <a:off x="481320" y="1825560"/>
-            <a:ext cx="11266920" cy="3372120"/>
+            <a:ext cx="11266920" cy="3888720"/>
           </a:xfrm>
           <a:prstGeom prst="rect">
             <a:avLst/>
@@ -15668,9 +16415,7 @@
           <a:fontRef idx="minor"/>
         </p:style>
         <p:txBody>
-          <a:bodyPr lIns="90000" tIns="45000" rIns="90000" bIns="45000">
-            <a:normAutofit fontScale="92500" lnSpcReduction="20000"/>
-          </a:bodyPr>
+          <a:bodyPr lIns="90000" tIns="45000" rIns="90000" bIns="45000"/>
           <a:lstStyle/>
           <a:p>
             <a:pPr marL="228600" indent="-227880">
@@ -15698,9 +16443,49 @@
                 </a:uFill>
                 <a:latin typeface="Calibri"/>
               </a:rPr>
-              <a:t>Kodulehe struktuur, selle mõju SEO-le ja koodi haldamine.</a:t>
+              <a:t>9:00 – 10:30 Koolitus</a:t>
             </a:r>
             <a:endParaRPr lang="en-US" sz="2800" b="0" strike="noStrike" spc="-1">
+              <a:solidFill>
+                <a:srgbClr val="000000"/>
+              </a:solidFill>
+              <a:uFill>
+                <a:solidFill>
+                  <a:srgbClr val="FFFFFF"/>
+                </a:solidFill>
+              </a:uFill>
+              <a:latin typeface="DejaVu Sans"/>
+            </a:endParaRPr>
+          </a:p>
+          <a:p>
+            <a:pPr marL="685800" lvl="1" indent="-227880">
+              <a:lnSpc>
+                <a:spcPct val="100000"/>
+              </a:lnSpc>
+              <a:spcBef>
+                <a:spcPts val="499"/>
+              </a:spcBef>
+              <a:buClr>
+                <a:srgbClr val="939393"/>
+              </a:buClr>
+              <a:buFont typeface="Arial"/>
+              <a:buChar char="•"/>
+            </a:pPr>
+            <a:r>
+              <a:rPr lang="en-US" sz="2400" b="0" strike="noStrike" spc="-1">
+                <a:solidFill>
+                  <a:srgbClr val="939393"/>
+                </a:solidFill>
+                <a:uFill>
+                  <a:solidFill>
+                    <a:srgbClr val="FFFFFF"/>
+                  </a:solidFill>
+                </a:uFill>
+                <a:latin typeface="Calibri"/>
+              </a:rPr>
+              <a:t>10:30 – 10:45 Paus</a:t>
+            </a:r>
+            <a:endParaRPr lang="en-US" sz="2400" b="0" strike="noStrike" spc="-1">
               <a:solidFill>
                 <a:srgbClr val="000000"/>
               </a:solidFill>
@@ -15738,9 +16523,49 @@
                 </a:uFill>
                 <a:latin typeface="Calibri"/>
               </a:rPr>
-              <a:t>Kodulehe kujundamine, animeerimine ja responsive design.</a:t>
+              <a:t>10:45 – 12:15 Koolitus</a:t>
             </a:r>
             <a:endParaRPr lang="en-US" sz="2800" b="0" strike="noStrike" spc="-1">
+              <a:solidFill>
+                <a:srgbClr val="000000"/>
+              </a:solidFill>
+              <a:uFill>
+                <a:solidFill>
+                  <a:srgbClr val="FFFFFF"/>
+                </a:solidFill>
+              </a:uFill>
+              <a:latin typeface="DejaVu Sans"/>
+            </a:endParaRPr>
+          </a:p>
+          <a:p>
+            <a:pPr marL="685800" lvl="1" indent="-227880">
+              <a:lnSpc>
+                <a:spcPct val="100000"/>
+              </a:lnSpc>
+              <a:spcBef>
+                <a:spcPts val="499"/>
+              </a:spcBef>
+              <a:buClr>
+                <a:srgbClr val="939393"/>
+              </a:buClr>
+              <a:buFont typeface="Arial"/>
+              <a:buChar char="•"/>
+            </a:pPr>
+            <a:r>
+              <a:rPr lang="en-US" sz="2400" b="0" strike="noStrike" spc="-1">
+                <a:solidFill>
+                  <a:srgbClr val="939393"/>
+                </a:solidFill>
+                <a:uFill>
+                  <a:solidFill>
+                    <a:srgbClr val="FFFFFF"/>
+                  </a:solidFill>
+                </a:uFill>
+                <a:latin typeface="Calibri"/>
+              </a:rPr>
+              <a:t>12:15 – 13:00 Lõuna</a:t>
+            </a:r>
+            <a:endParaRPr lang="en-US" sz="2400" b="0" strike="noStrike" spc="-1">
               <a:solidFill>
                 <a:srgbClr val="000000"/>
               </a:solidFill>
@@ -15778,202 +16603,7 @@
                 </a:uFill>
                 <a:latin typeface="Calibri"/>
               </a:rPr>
-              <a:t>Programeerimine Javascriptis ja kodulehe dünaamiliseks loomine.</a:t>
-            </a:r>
-            <a:endParaRPr lang="en-US" sz="2800" b="0" strike="noStrike" spc="-1">
-              <a:solidFill>
-                <a:srgbClr val="000000"/>
-              </a:solidFill>
-              <a:uFill>
-                <a:solidFill>
-                  <a:srgbClr val="FFFFFF"/>
-                </a:solidFill>
-              </a:uFill>
-              <a:latin typeface="DejaVu Sans"/>
-            </a:endParaRPr>
-          </a:p>
-          <a:p>
-            <a:pPr marL="228600" indent="-227880">
-              <a:lnSpc>
-                <a:spcPct val="90000"/>
-              </a:lnSpc>
-              <a:spcBef>
-                <a:spcPts val="1001"/>
-              </a:spcBef>
-              <a:buClr>
-                <a:srgbClr val="595959"/>
-              </a:buClr>
-              <a:buFont typeface="Arial"/>
-              <a:buChar char="•"/>
-            </a:pPr>
-            <a:r>
-              <a:rPr lang="en-US" sz="2800" b="0" strike="noStrike" spc="-1">
-                <a:solidFill>
-                  <a:srgbClr val="595959"/>
-                </a:solidFill>
-                <a:uFill>
-                  <a:solidFill>
-                    <a:srgbClr val="FFFFFF"/>
-                  </a:solidFill>
-                </a:uFill>
-                <a:latin typeface="Calibri"/>
-              </a:rPr>
-              <a:t>Web APId, nende kasutusvõimalused ja muud veebi tehnoloogiad.</a:t>
-            </a:r>
-            <a:endParaRPr lang="en-US" sz="2800" b="0" strike="noStrike" spc="-1">
-              <a:solidFill>
-                <a:srgbClr val="000000"/>
-              </a:solidFill>
-              <a:uFill>
-                <a:solidFill>
-                  <a:srgbClr val="FFFFFF"/>
-                </a:solidFill>
-              </a:uFill>
-              <a:latin typeface="DejaVu Sans"/>
-            </a:endParaRPr>
-          </a:p>
-          <a:p>
-            <a:pPr marL="228600" indent="-227880">
-              <a:lnSpc>
-                <a:spcPct val="90000"/>
-              </a:lnSpc>
-              <a:spcBef>
-                <a:spcPts val="1001"/>
-              </a:spcBef>
-              <a:buClr>
-                <a:srgbClr val="595959"/>
-              </a:buClr>
-              <a:buFont typeface="Arial"/>
-              <a:buChar char="•"/>
-            </a:pPr>
-            <a:r>
-              <a:rPr lang="en-US" sz="2800" b="0" strike="noStrike" spc="-1">
-                <a:solidFill>
-                  <a:srgbClr val="595959"/>
-                </a:solidFill>
-                <a:uFill>
-                  <a:solidFill>
-                    <a:srgbClr val="FFFFFF"/>
-                  </a:solidFill>
-                </a:uFill>
-                <a:latin typeface="Calibri"/>
-              </a:rPr>
-              <a:t>Tööriistad veebiarenduses ja lokaalse serveri ülesseadmine.</a:t>
-            </a:r>
-            <a:endParaRPr lang="en-US" sz="2800" b="0" strike="noStrike" spc="-1">
-              <a:solidFill>
-                <a:srgbClr val="000000"/>
-              </a:solidFill>
-              <a:uFill>
-                <a:solidFill>
-                  <a:srgbClr val="FFFFFF"/>
-                </a:solidFill>
-              </a:uFill>
-              <a:latin typeface="DejaVu Sans"/>
-            </a:endParaRPr>
-          </a:p>
-          <a:p>
-            <a:pPr marL="228600" indent="-227880">
-              <a:lnSpc>
-                <a:spcPct val="90000"/>
-              </a:lnSpc>
-              <a:spcBef>
-                <a:spcPts val="1001"/>
-              </a:spcBef>
-              <a:buClr>
-                <a:srgbClr val="595959"/>
-              </a:buClr>
-              <a:buFont typeface="Arial"/>
-              <a:buChar char="•"/>
-            </a:pPr>
-            <a:r>
-              <a:rPr lang="en-US" sz="2800" b="0" strike="noStrike" spc="-1">
-                <a:solidFill>
-                  <a:srgbClr val="595959"/>
-                </a:solidFill>
-                <a:uFill>
-                  <a:solidFill>
-                    <a:srgbClr val="FFFFFF"/>
-                  </a:solidFill>
-                </a:uFill>
-                <a:latin typeface="Calibri"/>
-              </a:rPr>
-              <a:t>Kaasaaegne front-end arendus ja testimine.</a:t>
-            </a:r>
-            <a:endParaRPr lang="en-US" sz="2800" b="0" strike="noStrike" spc="-1">
-              <a:solidFill>
-                <a:srgbClr val="000000"/>
-              </a:solidFill>
-              <a:uFill>
-                <a:solidFill>
-                  <a:srgbClr val="FFFFFF"/>
-                </a:solidFill>
-              </a:uFill>
-              <a:latin typeface="DejaVu Sans"/>
-            </a:endParaRPr>
-          </a:p>
-          <a:p>
-            <a:pPr marL="228600" indent="-227880">
-              <a:lnSpc>
-                <a:spcPct val="90000"/>
-              </a:lnSpc>
-              <a:spcBef>
-                <a:spcPts val="1001"/>
-              </a:spcBef>
-              <a:buClr>
-                <a:srgbClr val="595959"/>
-              </a:buClr>
-              <a:buFont typeface="Arial"/>
-              <a:buChar char="•"/>
-            </a:pPr>
-            <a:r>
-              <a:rPr lang="en-US" sz="2800" b="0" strike="noStrike" spc="-1">
-                <a:solidFill>
-                  <a:srgbClr val="595959"/>
-                </a:solidFill>
-                <a:uFill>
-                  <a:solidFill>
-                    <a:srgbClr val="FFFFFF"/>
-                  </a:solidFill>
-                </a:uFill>
-                <a:latin typeface="Calibri"/>
-              </a:rPr>
-              <a:t>Veebi- ja tarkvaraarenduse metoodikad ja IT ettevõtete struktuurid.</a:t>
-            </a:r>
-            <a:endParaRPr lang="en-US" sz="2800" b="0" strike="noStrike" spc="-1">
-              <a:solidFill>
-                <a:srgbClr val="000000"/>
-              </a:solidFill>
-              <a:uFill>
-                <a:solidFill>
-                  <a:srgbClr val="FFFFFF"/>
-                </a:solidFill>
-              </a:uFill>
-              <a:latin typeface="DejaVu Sans"/>
-            </a:endParaRPr>
-          </a:p>
-          <a:p>
-            <a:pPr>
-              <a:lnSpc>
-                <a:spcPct val="100000"/>
-              </a:lnSpc>
-              <a:spcBef>
-                <a:spcPts val="1001"/>
-              </a:spcBef>
-            </a:pPr>
-            <a:r>
-              <a:rPr lang="en-US" sz="2800" b="0" strike="noStrike" spc="-1">
-                <a:solidFill>
-                  <a:srgbClr val="595959"/>
-                </a:solidFill>
-                <a:uFill>
-                  <a:solidFill>
-                    <a:srgbClr val="FFFFFF"/>
-                  </a:solidFill>
-                </a:uFill>
-                <a:latin typeface="Calibri"/>
-              </a:rPr>
-              <a:t>Märge: 3 ja 6 on 2-3 korda mahukamad kui teised.</a:t>
+              <a:t>13:00 – 14:30 Koolitus</a:t>
             </a:r>
             <a:endParaRPr lang="en-US" sz="2800" b="0" strike="noStrike" spc="-1">
               <a:solidFill>
@@ -16043,14 +16673,14 @@
       </p:grpSpPr>
       <p:sp>
         <p:nvSpPr>
-          <p:cNvPr id="222" name="CustomShape 1"/>
+          <p:cNvPr id="220" name="CustomShape 1"/>
           <p:cNvSpPr/>
           <p:nvPr/>
         </p:nvSpPr>
         <p:spPr>
           <a:xfrm>
-            <a:off x="589680" y="365040"/>
-            <a:ext cx="11158560" cy="1324800"/>
+            <a:off x="481320" y="365040"/>
+            <a:ext cx="11266920" cy="1324800"/>
           </a:xfrm>
           <a:prstGeom prst="rect">
             <a:avLst/>
@@ -16093,7 +16723,7 @@
                 </a:uFill>
                 <a:latin typeface="Calibri Light"/>
               </a:rPr>
-              <a:t>Kodukord</a:t>
+              <a:t>Koolituse teemad</a:t>
             </a:r>
             <a:endParaRPr lang="en-US" sz="4400" b="0" strike="noStrike" spc="-1">
               <a:solidFill>
@@ -16111,14 +16741,14 @@
       </p:sp>
       <p:sp>
         <p:nvSpPr>
-          <p:cNvPr id="223" name="CustomShape 2"/>
+          <p:cNvPr id="221" name="CustomShape 2"/>
           <p:cNvSpPr/>
           <p:nvPr/>
         </p:nvSpPr>
         <p:spPr>
           <a:xfrm>
-            <a:off x="589680" y="1825560"/>
-            <a:ext cx="11158560" cy="4143600"/>
+            <a:off x="481320" y="1825560"/>
+            <a:ext cx="11266920" cy="3372120"/>
           </a:xfrm>
           <a:prstGeom prst="rect">
             <a:avLst/>
@@ -16141,7 +16771,9 @@
           <a:fontRef idx="minor"/>
         </p:style>
         <p:txBody>
-          <a:bodyPr lIns="90000" tIns="45000" rIns="90000" bIns="45000"/>
+          <a:bodyPr lIns="90000" tIns="45000" rIns="90000" bIns="45000">
+            <a:normAutofit fontScale="92500" lnSpcReduction="20000"/>
+          </a:bodyPr>
           <a:lstStyle/>
           <a:p>
             <a:pPr marL="228600" indent="-227880">
@@ -16169,7 +16801,7 @@
                 </a:uFill>
                 <a:latin typeface="Calibri"/>
               </a:rPr>
-              <a:t>Joogid ja näksimist</a:t>
+              <a:t>Kodulehe struktuur, selle mõju SEO-le ja koodi haldamine.</a:t>
             </a:r>
             <a:endParaRPr lang="en-US" sz="2800" b="0" strike="noStrike" spc="-1">
               <a:solidFill>
@@ -16209,7 +16841,7 @@
                 </a:uFill>
                 <a:latin typeface="Calibri"/>
               </a:rPr>
-              <a:t>Tualetid</a:t>
+              <a:t>Kodulehe kujundamine, animeerimine ja responsive design.</a:t>
             </a:r>
             <a:endParaRPr lang="en-US" sz="2800" b="0" strike="noStrike" spc="-1">
               <a:solidFill>
@@ -16249,7 +16881,7 @@
                 </a:uFill>
                 <a:latin typeface="Calibri"/>
               </a:rPr>
-              <a:t>Suitsetamine</a:t>
+              <a:t>Programeerimine Javascriptis ja kodulehe dünaamiliseks loomine.</a:t>
             </a:r>
             <a:endParaRPr lang="en-US" sz="2800" b="0" strike="noStrike" spc="-1">
               <a:solidFill>
@@ -16289,7 +16921,7 @@
                 </a:uFill>
                 <a:latin typeface="Calibri"/>
               </a:rPr>
-              <a:t>Mobiiltelefonid</a:t>
+              <a:t>Web APId, nende kasutusvõimalused ja muud veebi tehnoloogiad.</a:t>
             </a:r>
             <a:endParaRPr lang="en-US" sz="2800" b="0" strike="noStrike" spc="-1">
               <a:solidFill>
@@ -16329,7 +16961,7 @@
                 </a:uFill>
                 <a:latin typeface="Calibri"/>
               </a:rPr>
-              <a:t>Küsimused</a:t>
+              <a:t>Tööriistad veebiarenduses ja lokaalse serveri ülesseadmine.</a:t>
             </a:r>
             <a:endParaRPr lang="en-US" sz="2800" b="0" strike="noStrike" spc="-1">
               <a:solidFill>
@@ -16369,29 +17001,8 @@
                 </a:uFill>
                 <a:latin typeface="Calibri"/>
               </a:rPr>
-              <a:t>Lõuna</a:t>
+              <a:t>Kaasaaegne front-end arendus ja testimine.</a:t>
             </a:r>
-            <a:endParaRPr lang="en-US" sz="2800" b="0" strike="noStrike" spc="-1">
-              <a:solidFill>
-                <a:srgbClr val="000000"/>
-              </a:solidFill>
-              <a:uFill>
-                <a:solidFill>
-                  <a:srgbClr val="FFFFFF"/>
-                </a:solidFill>
-              </a:uFill>
-              <a:latin typeface="DejaVu Sans"/>
-            </a:endParaRPr>
-          </a:p>
-          <a:p>
-            <a:pPr>
-              <a:lnSpc>
-                <a:spcPct val="90000"/>
-              </a:lnSpc>
-              <a:spcBef>
-                <a:spcPts val="1001"/>
-              </a:spcBef>
-            </a:pPr>
             <a:endParaRPr lang="en-US" sz="2800" b="0" strike="noStrike" spc="-1">
               <a:solidFill>
                 <a:srgbClr val="000000"/>
@@ -16430,7 +17041,7 @@
                 </a:uFill>
                 <a:latin typeface="Calibri"/>
               </a:rPr>
-              <a:t>NB! Autoga tulijad – kas autonr sai parkimissüsteemi sisestatud?</a:t>
+              <a:t>Veebi- ja tarkvaraarenduse metoodikad ja IT ettevõtete struktuurid.</a:t>
             </a:r>
             <a:endParaRPr lang="en-US" sz="2800" b="0" strike="noStrike" spc="-1">
               <a:solidFill>
@@ -16447,12 +17058,26 @@
           <a:p>
             <a:pPr>
               <a:lnSpc>
-                <a:spcPct val="90000"/>
+                <a:spcPct val="100000"/>
               </a:lnSpc>
               <a:spcBef>
                 <a:spcPts val="1001"/>
               </a:spcBef>
             </a:pPr>
+            <a:r>
+              <a:rPr lang="en-US" sz="2800" b="0" strike="noStrike" spc="-1">
+                <a:solidFill>
+                  <a:srgbClr val="595959"/>
+                </a:solidFill>
+                <a:uFill>
+                  <a:solidFill>
+                    <a:srgbClr val="FFFFFF"/>
+                  </a:solidFill>
+                </a:uFill>
+                <a:latin typeface="Calibri"/>
+              </a:rPr>
+              <a:t>Märge: 3 ja 6 on 2-3 korda mahukamad kui teised.</a:t>
+            </a:r>
             <a:endParaRPr lang="en-US" sz="2800" b="0" strike="noStrike" spc="-1">
               <a:solidFill>
                 <a:srgbClr val="000000"/>
@@ -16521,14 +17146,14 @@
       </p:grpSpPr>
       <p:sp>
         <p:nvSpPr>
-          <p:cNvPr id="224" name="CustomShape 1"/>
+          <p:cNvPr id="222" name="CustomShape 1"/>
           <p:cNvSpPr/>
           <p:nvPr/>
         </p:nvSpPr>
         <p:spPr>
           <a:xfrm>
             <a:off x="589680" y="365040"/>
-            <a:ext cx="11158560" cy="776160"/>
+            <a:ext cx="11158560" cy="1324800"/>
           </a:xfrm>
           <a:prstGeom prst="rect">
             <a:avLst/>
@@ -16551,9 +17176,7 @@
           <a:fontRef idx="minor"/>
         </p:style>
         <p:txBody>
-          <a:bodyPr lIns="90000" tIns="45000" rIns="90000" bIns="45000" anchor="ctr">
-            <a:normAutofit/>
-          </a:bodyPr>
+          <a:bodyPr lIns="90000" tIns="45000" rIns="90000" bIns="45000" anchor="ctr"/>
           <a:lstStyle/>
           <a:p>
             <a:pPr>
@@ -16562,7 +17185,7 @@
               </a:lnSpc>
             </a:pPr>
             <a:r>
-              <a:rPr lang="en-US" sz="3600" b="0" strike="noStrike" spc="-1">
+              <a:rPr lang="en-US" sz="4400" b="0" strike="noStrike" spc="-1">
                 <a:solidFill>
                   <a:srgbClr val="FC0D1B"/>
                 </a:solidFill>
@@ -16573,97 +17196,74 @@
                 </a:uFill>
                 <a:latin typeface="Calibri Light"/>
               </a:rPr>
-              <a:t>Lõuna restoranis Viktoria või Dvigatel või Sketch House</a:t>
+              <a:t>Kodukord</a:t>
             </a:r>
-            <a:endParaRPr lang="en-US" sz="3600" b="0" strike="noStrike" spc="-1">
-              <a:solidFill>
-                <a:srgbClr val="000000"/>
-              </a:solidFill>
-              <a:uFill>
-                <a:solidFill>
-                  <a:srgbClr val="FFFFFF"/>
-                </a:solidFill>
-              </a:uFill>
-              <a:latin typeface="DejaVu Sans"/>
-            </a:endParaRPr>
-          </a:p>
-        </p:txBody>
-      </p:sp>
-      <p:pic>
-        <p:nvPicPr>
-          <p:cNvPr id="225" name="Pilt 2"/>
-          <p:cNvPicPr/>
+            <a:endParaRPr lang="en-US" sz="4400" b="0" strike="noStrike" spc="-1">
+              <a:solidFill>
+                <a:srgbClr val="000000"/>
+              </a:solidFill>
+              <a:uFill>
+                <a:solidFill>
+                  <a:srgbClr val="FFFFFF"/>
+                </a:solidFill>
+              </a:uFill>
+              <a:latin typeface="DejaVu Sans"/>
+            </a:endParaRPr>
+          </a:p>
+        </p:txBody>
+      </p:sp>
+      <p:sp>
+        <p:nvSpPr>
+          <p:cNvPr id="223" name="CustomShape 2"/>
+          <p:cNvSpPr/>
           <p:nvPr/>
-        </p:nvPicPr>
-        <p:blipFill>
-          <a:blip r:embed="rId3"/>
-          <a:srcRect l="14341" t="24666" r="9019" b="11113"/>
-          <a:stretch/>
-        </p:blipFill>
-        <p:spPr>
-          <a:xfrm>
-            <a:off x="1279800" y="1309320"/>
-            <a:ext cx="9520920" cy="4776480"/>
-          </a:xfrm>
-          <a:prstGeom prst="rect">
-            <a:avLst/>
-          </a:prstGeom>
+        </p:nvSpPr>
+        <p:spPr>
+          <a:xfrm>
+            <a:off x="589680" y="1825560"/>
+            <a:ext cx="11158560" cy="4143600"/>
+          </a:xfrm>
+          <a:prstGeom prst="rect">
+            <a:avLst/>
+          </a:prstGeom>
+          <a:noFill/>
           <a:ln>
             <a:noFill/>
           </a:ln>
         </p:spPr>
-      </p:pic>
-      <p:sp>
-        <p:nvSpPr>
-          <p:cNvPr id="226" name="CustomShape 2"/>
-          <p:cNvSpPr/>
-          <p:nvPr/>
-        </p:nvSpPr>
-        <p:spPr>
-          <a:xfrm>
-            <a:off x="6159600" y="3406320"/>
-            <a:ext cx="1130760" cy="547920"/>
-          </a:xfrm>
-          <a:prstGeom prst="wedgeEllipseCallout">
-            <a:avLst>
-              <a:gd name="adj1" fmla="val -62247"/>
-              <a:gd name="adj2" fmla="val 62500"/>
-            </a:avLst>
-          </a:prstGeom>
-          <a:solidFill>
-            <a:srgbClr val="FF0000"/>
-          </a:solidFill>
-          <a:ln>
-            <a:round/>
-          </a:ln>
-        </p:spPr>
         <p:style>
-          <a:lnRef idx="2">
-            <a:schemeClr val="accent1">
-              <a:shade val="50000"/>
-            </a:schemeClr>
+          <a:lnRef idx="0">
+            <a:scrgbClr r="0" g="0" b="0"/>
           </a:lnRef>
-          <a:fillRef idx="1">
-            <a:schemeClr val="accent1"/>
+          <a:fillRef idx="0">
+            <a:scrgbClr r="0" g="0" b="0"/>
           </a:fillRef>
           <a:effectRef idx="0">
-            <a:schemeClr val="accent1"/>
+            <a:scrgbClr r="0" g="0" b="0"/>
           </a:effectRef>
           <a:fontRef idx="minor"/>
         </p:style>
         <p:txBody>
-          <a:bodyPr lIns="90000" tIns="45000" rIns="90000" bIns="45000" anchor="ctr"/>
-          <a:lstStyle/>
-          <a:p>
-            <a:pPr algn="ctr">
+          <a:bodyPr lIns="90000" tIns="45000" rIns="90000" bIns="45000"/>
+          <a:lstStyle/>
+          <a:p>
+            <a:pPr marL="228600" indent="-227880">
               <a:lnSpc>
-                <a:spcPct val="100000"/>
+                <a:spcPct val="90000"/>
               </a:lnSpc>
+              <a:spcBef>
+                <a:spcPts val="1001"/>
+              </a:spcBef>
+              <a:buClr>
+                <a:srgbClr val="595959"/>
+              </a:buClr>
+              <a:buFont typeface="Arial"/>
+              <a:buChar char="•"/>
             </a:pPr>
             <a:r>
-              <a:rPr lang="en-US" sz="1350" b="0" strike="noStrike" spc="-1">
-                <a:solidFill>
-                  <a:srgbClr val="FFFFFF"/>
+              <a:rPr lang="en-US" sz="2800" b="0" strike="noStrike" spc="-1">
+                <a:solidFill>
+                  <a:srgbClr val="595959"/>
                 </a:solidFill>
                 <a:uFill>
                   <a:solidFill>
@@ -16671,75 +17271,39 @@
                   </a:solidFill>
                 </a:uFill>
                 <a:latin typeface="Calibri"/>
-                <a:ea typeface="DejaVu Sans"/>
               </a:rPr>
-              <a:t>Viktoria</a:t>
+              <a:t>Joogid ja näksimist</a:t>
             </a:r>
-            <a:endParaRPr lang="en-US" sz="1350" b="0" strike="noStrike" spc="-1">
-              <a:solidFill>
-                <a:srgbClr val="000000"/>
-              </a:solidFill>
-              <a:uFill>
-                <a:solidFill>
-                  <a:srgbClr val="FFFFFF"/>
-                </a:solidFill>
-              </a:uFill>
-              <a:latin typeface="DejaVu Sans"/>
-            </a:endParaRPr>
-          </a:p>
-        </p:txBody>
-      </p:sp>
-      <p:sp>
-        <p:nvSpPr>
-          <p:cNvPr id="227" name="CustomShape 3"/>
-          <p:cNvSpPr/>
-          <p:nvPr/>
-        </p:nvSpPr>
-        <p:spPr>
-          <a:xfrm>
-            <a:off x="6886440" y="4414680"/>
-            <a:ext cx="1130760" cy="547920"/>
-          </a:xfrm>
-          <a:prstGeom prst="wedgeEllipseCallout">
-            <a:avLst>
-              <a:gd name="adj1" fmla="val -62247"/>
-              <a:gd name="adj2" fmla="val 62500"/>
-            </a:avLst>
-          </a:prstGeom>
-          <a:solidFill>
-            <a:srgbClr val="FF0000"/>
-          </a:solidFill>
-          <a:ln>
-            <a:round/>
-          </a:ln>
-        </p:spPr>
-        <p:style>
-          <a:lnRef idx="2">
-            <a:schemeClr val="accent1">
-              <a:shade val="50000"/>
-            </a:schemeClr>
-          </a:lnRef>
-          <a:fillRef idx="1">
-            <a:schemeClr val="accent1"/>
-          </a:fillRef>
-          <a:effectRef idx="0">
-            <a:schemeClr val="accent1"/>
-          </a:effectRef>
-          <a:fontRef idx="minor"/>
-        </p:style>
-        <p:txBody>
-          <a:bodyPr lIns="90000" tIns="45000" rIns="90000" bIns="45000" anchor="ctr"/>
-          <a:lstStyle/>
-          <a:p>
-            <a:pPr algn="ctr">
+            <a:endParaRPr lang="en-US" sz="2800" b="0" strike="noStrike" spc="-1">
+              <a:solidFill>
+                <a:srgbClr val="000000"/>
+              </a:solidFill>
+              <a:uFill>
+                <a:solidFill>
+                  <a:srgbClr val="FFFFFF"/>
+                </a:solidFill>
+              </a:uFill>
+              <a:latin typeface="DejaVu Sans"/>
+            </a:endParaRPr>
+          </a:p>
+          <a:p>
+            <a:pPr marL="228600" indent="-227880">
               <a:lnSpc>
-                <a:spcPct val="100000"/>
+                <a:spcPct val="90000"/>
               </a:lnSpc>
+              <a:spcBef>
+                <a:spcPts val="1001"/>
+              </a:spcBef>
+              <a:buClr>
+                <a:srgbClr val="595959"/>
+              </a:buClr>
+              <a:buFont typeface="Arial"/>
+              <a:buChar char="•"/>
             </a:pPr>
             <a:r>
-              <a:rPr lang="en-US" sz="1350" b="0" strike="noStrike" spc="-1">
-                <a:solidFill>
-                  <a:srgbClr val="FFFFFF"/>
+              <a:rPr lang="en-US" sz="2800" b="0" strike="noStrike" spc="-1">
+                <a:solidFill>
+                  <a:srgbClr val="595959"/>
                 </a:solidFill>
                 <a:uFill>
                   <a:solidFill>
@@ -16747,72 +17311,39 @@
                   </a:solidFill>
                 </a:uFill>
                 <a:latin typeface="Calibri"/>
-                <a:ea typeface="DejaVu Sans"/>
               </a:rPr>
-              <a:t>IT Koolitus</a:t>
+              <a:t>Tualetid</a:t>
             </a:r>
-            <a:endParaRPr lang="en-US" sz="1350" b="0" strike="noStrike" spc="-1">
-              <a:solidFill>
-                <a:srgbClr val="000000"/>
-              </a:solidFill>
-              <a:uFill>
-                <a:solidFill>
-                  <a:srgbClr val="FFFFFF"/>
-                </a:solidFill>
-              </a:uFill>
-              <a:latin typeface="DejaVu Sans"/>
-            </a:endParaRPr>
-          </a:p>
-        </p:txBody>
-      </p:sp>
-      <p:sp>
-        <p:nvSpPr>
-          <p:cNvPr id="228" name="CustomShape 4"/>
-          <p:cNvSpPr/>
-          <p:nvPr/>
-        </p:nvSpPr>
-        <p:spPr>
-          <a:xfrm>
-            <a:off x="2211840" y="3343320"/>
-            <a:ext cx="1290960" cy="673560"/>
-          </a:xfrm>
-          <a:prstGeom prst="ellipse">
-            <a:avLst/>
-          </a:prstGeom>
-          <a:solidFill>
-            <a:srgbClr val="FF0000"/>
-          </a:solidFill>
-          <a:ln>
-            <a:round/>
-          </a:ln>
-        </p:spPr>
-        <p:style>
-          <a:lnRef idx="2">
-            <a:schemeClr val="accent1">
-              <a:shade val="50000"/>
-            </a:schemeClr>
-          </a:lnRef>
-          <a:fillRef idx="1">
-            <a:schemeClr val="accent1"/>
-          </a:fillRef>
-          <a:effectRef idx="0">
-            <a:schemeClr val="accent1"/>
-          </a:effectRef>
-          <a:fontRef idx="minor"/>
-        </p:style>
-        <p:txBody>
-          <a:bodyPr lIns="90000" tIns="45000" rIns="90000" bIns="45000" anchor="ctr"/>
-          <a:lstStyle/>
-          <a:p>
-            <a:pPr algn="ctr">
+            <a:endParaRPr lang="en-US" sz="2800" b="0" strike="noStrike" spc="-1">
+              <a:solidFill>
+                <a:srgbClr val="000000"/>
+              </a:solidFill>
+              <a:uFill>
+                <a:solidFill>
+                  <a:srgbClr val="FFFFFF"/>
+                </a:solidFill>
+              </a:uFill>
+              <a:latin typeface="DejaVu Sans"/>
+            </a:endParaRPr>
+          </a:p>
+          <a:p>
+            <a:pPr marL="228600" indent="-227880">
               <a:lnSpc>
-                <a:spcPct val="100000"/>
+                <a:spcPct val="90000"/>
               </a:lnSpc>
+              <a:spcBef>
+                <a:spcPts val="1001"/>
+              </a:spcBef>
+              <a:buClr>
+                <a:srgbClr val="595959"/>
+              </a:buClr>
+              <a:buFont typeface="Arial"/>
+              <a:buChar char="•"/>
             </a:pPr>
             <a:r>
-              <a:rPr lang="en-US" sz="1350" b="0" strike="noStrike" spc="-1">
-                <a:solidFill>
-                  <a:srgbClr val="FFFFFF"/>
+              <a:rPr lang="en-US" sz="2800" b="0" strike="noStrike" spc="-1">
+                <a:solidFill>
+                  <a:srgbClr val="595959"/>
                 </a:solidFill>
                 <a:uFill>
                   <a:solidFill>
@@ -16820,75 +17351,39 @@
                   </a:solidFill>
                 </a:uFill>
                 <a:latin typeface="Calibri"/>
-                <a:ea typeface="DejaVu Sans"/>
               </a:rPr>
-              <a:t>Ülemiste keskus</a:t>
+              <a:t>Suitsetamine</a:t>
             </a:r>
-            <a:endParaRPr lang="en-US" sz="1350" b="0" strike="noStrike" spc="-1">
-              <a:solidFill>
-                <a:srgbClr val="000000"/>
-              </a:solidFill>
-              <a:uFill>
-                <a:solidFill>
-                  <a:srgbClr val="FFFFFF"/>
-                </a:solidFill>
-              </a:uFill>
-              <a:latin typeface="DejaVu Sans"/>
-            </a:endParaRPr>
-          </a:p>
-        </p:txBody>
-      </p:sp>
-      <p:sp>
-        <p:nvSpPr>
-          <p:cNvPr id="229" name="CustomShape 5"/>
-          <p:cNvSpPr/>
-          <p:nvPr/>
-        </p:nvSpPr>
-        <p:spPr>
-          <a:xfrm>
-            <a:off x="7808760" y="3519000"/>
-            <a:ext cx="1130760" cy="547920"/>
-          </a:xfrm>
-          <a:prstGeom prst="wedgeEllipseCallout">
-            <a:avLst>
-              <a:gd name="adj1" fmla="val -62247"/>
-              <a:gd name="adj2" fmla="val 62500"/>
-            </a:avLst>
-          </a:prstGeom>
-          <a:solidFill>
-            <a:srgbClr val="FF0000"/>
-          </a:solidFill>
-          <a:ln>
-            <a:round/>
-          </a:ln>
-        </p:spPr>
-        <p:style>
-          <a:lnRef idx="2">
-            <a:schemeClr val="accent1">
-              <a:shade val="50000"/>
-            </a:schemeClr>
-          </a:lnRef>
-          <a:fillRef idx="1">
-            <a:schemeClr val="accent1"/>
-          </a:fillRef>
-          <a:effectRef idx="0">
-            <a:schemeClr val="accent1"/>
-          </a:effectRef>
-          <a:fontRef idx="minor"/>
-        </p:style>
-        <p:txBody>
-          <a:bodyPr lIns="90000" tIns="45000" rIns="90000" bIns="45000" anchor="ctr"/>
-          <a:lstStyle/>
-          <a:p>
-            <a:pPr algn="ctr">
+            <a:endParaRPr lang="en-US" sz="2800" b="0" strike="noStrike" spc="-1">
+              <a:solidFill>
+                <a:srgbClr val="000000"/>
+              </a:solidFill>
+              <a:uFill>
+                <a:solidFill>
+                  <a:srgbClr val="FFFFFF"/>
+                </a:solidFill>
+              </a:uFill>
+              <a:latin typeface="DejaVu Sans"/>
+            </a:endParaRPr>
+          </a:p>
+          <a:p>
+            <a:pPr marL="228600" indent="-227880">
               <a:lnSpc>
-                <a:spcPct val="100000"/>
+                <a:spcPct val="90000"/>
               </a:lnSpc>
+              <a:spcBef>
+                <a:spcPts val="1001"/>
+              </a:spcBef>
+              <a:buClr>
+                <a:srgbClr val="595959"/>
+              </a:buClr>
+              <a:buFont typeface="Arial"/>
+              <a:buChar char="•"/>
             </a:pPr>
             <a:r>
-              <a:rPr lang="en-US" sz="1350" b="0" strike="noStrike" spc="-1">
-                <a:solidFill>
-                  <a:srgbClr val="FFFFFF"/>
+              <a:rPr lang="en-US" sz="2800" b="0" strike="noStrike" spc="-1">
+                <a:solidFill>
+                  <a:srgbClr val="595959"/>
                 </a:solidFill>
                 <a:uFill>
                   <a:solidFill>
@@ -16896,75 +17391,39 @@
                   </a:solidFill>
                 </a:uFill>
                 <a:latin typeface="Calibri"/>
-                <a:ea typeface="DejaVu Sans"/>
               </a:rPr>
-              <a:t>Dvigatel</a:t>
+              <a:t>Mobiiltelefonid</a:t>
             </a:r>
-            <a:endParaRPr lang="en-US" sz="1350" b="0" strike="noStrike" spc="-1">
-              <a:solidFill>
-                <a:srgbClr val="000000"/>
-              </a:solidFill>
-              <a:uFill>
-                <a:solidFill>
-                  <a:srgbClr val="FFFFFF"/>
-                </a:solidFill>
-              </a:uFill>
-              <a:latin typeface="DejaVu Sans"/>
-            </a:endParaRPr>
-          </a:p>
-        </p:txBody>
-      </p:sp>
-      <p:sp>
-        <p:nvSpPr>
-          <p:cNvPr id="230" name="CustomShape 6"/>
-          <p:cNvSpPr/>
-          <p:nvPr/>
-        </p:nvSpPr>
-        <p:spPr>
-          <a:xfrm>
-            <a:off x="7104960" y="2121120"/>
-            <a:ext cx="1130760" cy="547920"/>
-          </a:xfrm>
-          <a:prstGeom prst="wedgeEllipseCallout">
-            <a:avLst>
-              <a:gd name="adj1" fmla="val -63930"/>
-              <a:gd name="adj2" fmla="val -46875"/>
-            </a:avLst>
-          </a:prstGeom>
-          <a:solidFill>
-            <a:srgbClr val="FF0000"/>
-          </a:solidFill>
-          <a:ln>
-            <a:round/>
-          </a:ln>
-        </p:spPr>
-        <p:style>
-          <a:lnRef idx="2">
-            <a:schemeClr val="accent1">
-              <a:shade val="50000"/>
-            </a:schemeClr>
-          </a:lnRef>
-          <a:fillRef idx="1">
-            <a:schemeClr val="accent1"/>
-          </a:fillRef>
-          <a:effectRef idx="0">
-            <a:schemeClr val="accent1"/>
-          </a:effectRef>
-          <a:fontRef idx="minor"/>
-        </p:style>
-        <p:txBody>
-          <a:bodyPr lIns="90000" tIns="45000" rIns="90000" bIns="45000" anchor="ctr"/>
-          <a:lstStyle/>
-          <a:p>
-            <a:pPr algn="ctr">
+            <a:endParaRPr lang="en-US" sz="2800" b="0" strike="noStrike" spc="-1">
+              <a:solidFill>
+                <a:srgbClr val="000000"/>
+              </a:solidFill>
+              <a:uFill>
+                <a:solidFill>
+                  <a:srgbClr val="FFFFFF"/>
+                </a:solidFill>
+              </a:uFill>
+              <a:latin typeface="DejaVu Sans"/>
+            </a:endParaRPr>
+          </a:p>
+          <a:p>
+            <a:pPr marL="228600" indent="-227880">
               <a:lnSpc>
-                <a:spcPct val="100000"/>
+                <a:spcPct val="90000"/>
               </a:lnSpc>
+              <a:spcBef>
+                <a:spcPts val="1001"/>
+              </a:spcBef>
+              <a:buClr>
+                <a:srgbClr val="595959"/>
+              </a:buClr>
+              <a:buFont typeface="Arial"/>
+              <a:buChar char="•"/>
             </a:pPr>
             <a:r>
-              <a:rPr lang="en-US" sz="1350" b="0" strike="noStrike" spc="-1">
-                <a:solidFill>
-                  <a:srgbClr val="FFFFFF"/>
+              <a:rPr lang="en-US" sz="2800" b="0" strike="noStrike" spc="-1">
+                <a:solidFill>
+                  <a:srgbClr val="595959"/>
                 </a:solidFill>
                 <a:uFill>
                   <a:solidFill>
@@ -16972,11 +17431,132 @@
                   </a:solidFill>
                 </a:uFill>
                 <a:latin typeface="Calibri"/>
-                <a:ea typeface="DejaVu Sans"/>
               </a:rPr>
-              <a:t>Scetch House</a:t>
+              <a:t>Küsimused</a:t>
             </a:r>
-            <a:endParaRPr lang="en-US" sz="1350" b="0" strike="noStrike" spc="-1">
+            <a:endParaRPr lang="en-US" sz="2800" b="0" strike="noStrike" spc="-1">
+              <a:solidFill>
+                <a:srgbClr val="000000"/>
+              </a:solidFill>
+              <a:uFill>
+                <a:solidFill>
+                  <a:srgbClr val="FFFFFF"/>
+                </a:solidFill>
+              </a:uFill>
+              <a:latin typeface="DejaVu Sans"/>
+            </a:endParaRPr>
+          </a:p>
+          <a:p>
+            <a:pPr marL="228600" indent="-227880">
+              <a:lnSpc>
+                <a:spcPct val="90000"/>
+              </a:lnSpc>
+              <a:spcBef>
+                <a:spcPts val="1001"/>
+              </a:spcBef>
+              <a:buClr>
+                <a:srgbClr val="595959"/>
+              </a:buClr>
+              <a:buFont typeface="Arial"/>
+              <a:buChar char="•"/>
+            </a:pPr>
+            <a:r>
+              <a:rPr lang="en-US" sz="2800" b="0" strike="noStrike" spc="-1">
+                <a:solidFill>
+                  <a:srgbClr val="595959"/>
+                </a:solidFill>
+                <a:uFill>
+                  <a:solidFill>
+                    <a:srgbClr val="FFFFFF"/>
+                  </a:solidFill>
+                </a:uFill>
+                <a:latin typeface="Calibri"/>
+              </a:rPr>
+              <a:t>Lõuna</a:t>
+            </a:r>
+            <a:endParaRPr lang="en-US" sz="2800" b="0" strike="noStrike" spc="-1">
+              <a:solidFill>
+                <a:srgbClr val="000000"/>
+              </a:solidFill>
+              <a:uFill>
+                <a:solidFill>
+                  <a:srgbClr val="FFFFFF"/>
+                </a:solidFill>
+              </a:uFill>
+              <a:latin typeface="DejaVu Sans"/>
+            </a:endParaRPr>
+          </a:p>
+          <a:p>
+            <a:pPr>
+              <a:lnSpc>
+                <a:spcPct val="90000"/>
+              </a:lnSpc>
+              <a:spcBef>
+                <a:spcPts val="1001"/>
+              </a:spcBef>
+            </a:pPr>
+            <a:endParaRPr lang="en-US" sz="2800" b="0" strike="noStrike" spc="-1">
+              <a:solidFill>
+                <a:srgbClr val="000000"/>
+              </a:solidFill>
+              <a:uFill>
+                <a:solidFill>
+                  <a:srgbClr val="FFFFFF"/>
+                </a:solidFill>
+              </a:uFill>
+              <a:latin typeface="DejaVu Sans"/>
+            </a:endParaRPr>
+          </a:p>
+          <a:p>
+            <a:pPr marL="228600" indent="-227880">
+              <a:lnSpc>
+                <a:spcPct val="90000"/>
+              </a:lnSpc>
+              <a:spcBef>
+                <a:spcPts val="1001"/>
+              </a:spcBef>
+              <a:buClr>
+                <a:srgbClr val="595959"/>
+              </a:buClr>
+              <a:buFont typeface="Arial"/>
+              <a:buChar char="•"/>
+            </a:pPr>
+            <a:r>
+              <a:rPr lang="en-US" sz="2800" b="0" strike="noStrike" spc="-1">
+                <a:solidFill>
+                  <a:srgbClr val="595959"/>
+                </a:solidFill>
+                <a:uFill>
+                  <a:solidFill>
+                    <a:srgbClr val="FFFFFF"/>
+                  </a:solidFill>
+                </a:uFill>
+                <a:latin typeface="Calibri"/>
+              </a:rPr>
+              <a:t>NB! Autoga tulijad – kas autonr sai parkimissüsteemi sisestatud?</a:t>
+            </a:r>
+            <a:endParaRPr lang="en-US" sz="2800" b="0" strike="noStrike" spc="-1">
+              <a:solidFill>
+                <a:srgbClr val="000000"/>
+              </a:solidFill>
+              <a:uFill>
+                <a:solidFill>
+                  <a:srgbClr val="FFFFFF"/>
+                </a:solidFill>
+              </a:uFill>
+              <a:latin typeface="DejaVu Sans"/>
+            </a:endParaRPr>
+          </a:p>
+          <a:p>
+            <a:pPr>
+              <a:lnSpc>
+                <a:spcPct val="90000"/>
+              </a:lnSpc>
+              <a:spcBef>
+                <a:spcPts val="1001"/>
+              </a:spcBef>
+            </a:pPr>
+            <a:endParaRPr lang="en-US" sz="2800" b="0" strike="noStrike" spc="-1">
               <a:solidFill>
                 <a:srgbClr val="000000"/>
               </a:solidFill>

--- a/Front_end_koolitus.pptx
+++ b/Front_end_koolitus.pptx
@@ -9,7 +9,7 @@
     <p:sldMasterId id="2147483700" r:id="rId5"/>
   </p:sldMasterIdLst>
   <p:notesMasterIdLst>
-    <p:notesMasterId r:id="rId17"/>
+    <p:notesMasterId r:id="rId18"/>
   </p:notesMasterIdLst>
   <p:sldIdLst>
     <p:sldId id="256" r:id="rId6"/>
@@ -18,11 +18,12 @@
     <p:sldId id="259" r:id="rId9"/>
     <p:sldId id="260" r:id="rId10"/>
     <p:sldId id="266" r:id="rId11"/>
-    <p:sldId id="261" r:id="rId12"/>
-    <p:sldId id="262" r:id="rId13"/>
-    <p:sldId id="263" r:id="rId14"/>
-    <p:sldId id="264" r:id="rId15"/>
-    <p:sldId id="265" r:id="rId16"/>
+    <p:sldId id="267" r:id="rId12"/>
+    <p:sldId id="261" r:id="rId13"/>
+    <p:sldId id="262" r:id="rId14"/>
+    <p:sldId id="263" r:id="rId15"/>
+    <p:sldId id="264" r:id="rId16"/>
+    <p:sldId id="265" r:id="rId17"/>
   </p:sldIdLst>
   <p:sldSz cx="12192000" cy="6858000"/>
   <p:notesSz cx="6858000" cy="9144000"/>
@@ -606,6 +607,142 @@
 </p:notes>
 </file>
 
+<file path=ppt/notesSlides/notesSlide10.xml><?xml version="1.0" encoding="utf-8"?>
+<p:notes xmlns:a="http://schemas.openxmlformats.org/drawingml/2006/main" xmlns:r="http://schemas.openxmlformats.org/officeDocument/2006/relationships" xmlns:p="http://schemas.openxmlformats.org/presentationml/2006/main">
+  <p:cSld>
+    <p:spTree>
+      <p:nvGrpSpPr>
+        <p:cNvPr id="1" name=""/>
+        <p:cNvGrpSpPr/>
+        <p:nvPr/>
+      </p:nvGrpSpPr>
+      <p:grpSpPr>
+        <a:xfrm>
+          <a:off x="0" y="0"/>
+          <a:ext cx="0" cy="0"/>
+          <a:chOff x="0" y="0"/>
+          <a:chExt cx="0" cy="0"/>
+        </a:xfrm>
+      </p:grpSpPr>
+      <p:sp>
+        <p:nvSpPr>
+          <p:cNvPr id="246" name="PlaceHolder 1"/>
+          <p:cNvSpPr>
+            <a:spLocks noGrp="1"/>
+          </p:cNvSpPr>
+          <p:nvPr>
+            <p:ph type="body"/>
+          </p:nvPr>
+        </p:nvSpPr>
+        <p:spPr>
+          <a:xfrm>
+            <a:off x="685800" y="4400640"/>
+            <a:ext cx="5485680" cy="3599640"/>
+          </a:xfrm>
+          <a:prstGeom prst="rect">
+            <a:avLst/>
+          </a:prstGeom>
+        </p:spPr>
+        <p:txBody>
+          <a:bodyPr lIns="0" tIns="0" rIns="0" bIns="0"/>
+          <a:lstStyle/>
+          <a:p>
+            <a:endParaRPr lang="en-US" sz="2000" b="0" strike="noStrike" spc="-1">
+              <a:solidFill>
+                <a:srgbClr val="000000"/>
+              </a:solidFill>
+              <a:uFill>
+                <a:solidFill>
+                  <a:srgbClr val="FFFFFF"/>
+                </a:solidFill>
+              </a:uFill>
+              <a:latin typeface="DejaVu Sans"/>
+            </a:endParaRPr>
+          </a:p>
+        </p:txBody>
+      </p:sp>
+      <p:sp>
+        <p:nvSpPr>
+          <p:cNvPr id="247" name="CustomShape 2"/>
+          <p:cNvSpPr/>
+          <p:nvPr/>
+        </p:nvSpPr>
+        <p:spPr>
+          <a:xfrm>
+            <a:off x="3884760" y="8685360"/>
+            <a:ext cx="2971080" cy="457920"/>
+          </a:xfrm>
+          <a:prstGeom prst="rect">
+            <a:avLst/>
+          </a:prstGeom>
+          <a:noFill/>
+          <a:ln>
+            <a:noFill/>
+          </a:ln>
+        </p:spPr>
+        <p:style>
+          <a:lnRef idx="0">
+            <a:scrgbClr r="0" g="0" b="0"/>
+          </a:lnRef>
+          <a:fillRef idx="0">
+            <a:scrgbClr r="0" g="0" b="0"/>
+          </a:fillRef>
+          <a:effectRef idx="0">
+            <a:scrgbClr r="0" g="0" b="0"/>
+          </a:effectRef>
+          <a:fontRef idx="minor"/>
+        </p:style>
+        <p:txBody>
+          <a:bodyPr lIns="90000" tIns="45000" rIns="90000" bIns="45000" anchor="b"/>
+          <a:lstStyle/>
+          <a:p>
+            <a:pPr algn="r">
+              <a:lnSpc>
+                <a:spcPct val="100000"/>
+              </a:lnSpc>
+            </a:pPr>
+            <a:fld id="{B388AB4D-0B8A-416A-A191-0F7AA3B281B2}" type="slidenum">
+              <a:rPr lang="en-US" sz="1200" b="0" strike="noStrike" spc="-1">
+                <a:solidFill>
+                  <a:srgbClr val="000000"/>
+                </a:solidFill>
+                <a:uFill>
+                  <a:solidFill>
+                    <a:srgbClr val="FFFFFF"/>
+                  </a:solidFill>
+                </a:uFill>
+                <a:latin typeface="+mn-lt"/>
+                <a:ea typeface="+mn-ea"/>
+              </a:rPr>
+              <a:t>11</a:t>
+            </a:fld>
+            <a:endParaRPr lang="en-US" sz="1200" b="0" strike="noStrike" spc="-1">
+              <a:solidFill>
+                <a:srgbClr val="000000"/>
+              </a:solidFill>
+              <a:uFill>
+                <a:solidFill>
+                  <a:srgbClr val="FFFFFF"/>
+                </a:solidFill>
+              </a:uFill>
+              <a:latin typeface="DejaVu Sans"/>
+            </a:endParaRPr>
+          </a:p>
+        </p:txBody>
+      </p:sp>
+    </p:spTree>
+    <p:extLst>
+      <p:ext uri="{BB962C8B-B14F-4D97-AF65-F5344CB8AC3E}">
+        <p14:creationId xmlns:p14="http://schemas.microsoft.com/office/powerpoint/2010/main" val="953662406"/>
+      </p:ext>
+    </p:extLst>
+  </p:cSld>
+  <p:clrMapOvr>
+    <a:masterClrMapping/>
+  </p:clrMapOvr>
+</p:notes>
+</file>
+
 <file path=ppt/notesSlides/notesSlide2.xml><?xml version="1.0" encoding="utf-8"?>
 <p:notes xmlns:a="http://schemas.openxmlformats.org/drawingml/2006/main" xmlns:r="http://schemas.openxmlformats.org/officeDocument/2006/relationships" xmlns:p="http://schemas.openxmlformats.org/presentationml/2006/main">
   <p:cSld>
@@ -1181,7 +1318,7 @@
       </p:grpSpPr>
       <p:sp>
         <p:nvSpPr>
-          <p:cNvPr id="240" name="PlaceHolder 1"/>
+          <p:cNvPr id="238" name="PlaceHolder 1"/>
           <p:cNvSpPr>
             <a:spLocks noGrp="1"/>
           </p:cNvSpPr>
@@ -1214,14 +1351,14 @@
                 </a:uFill>
                 <a:latin typeface="DejaVu Sans"/>
               </a:rPr>
-              <a:t>Hetkel slaidil meie nö vaikimisi päevaplaan</a:t>
+              <a:t>Koht, kus annad sõna osalejale – millist infot neilt enne koolituse algust soovid</a:t>
             </a:r>
           </a:p>
         </p:txBody>
       </p:sp>
       <p:sp>
         <p:nvSpPr>
-          <p:cNvPr id="241" name="CustomShape 2"/>
+          <p:cNvPr id="239" name="CustomShape 2"/>
           <p:cNvSpPr/>
           <p:nvPr/>
         </p:nvSpPr>
@@ -1259,7 +1396,7 @@
                 <a:spcPct val="100000"/>
               </a:lnSpc>
             </a:pPr>
-            <a:fld id="{9A65CC69-6773-42CC-A584-C943A68AD7F4}" type="slidenum">
+            <a:fld id="{359CF65B-057D-467C-8418-0E38A90564D0}" type="slidenum">
               <a:rPr lang="en-US" sz="1200" b="0" strike="noStrike" spc="-1">
                 <a:solidFill>
                   <a:srgbClr val="000000"/>
@@ -1291,7 +1428,7 @@
     </p:spTree>
     <p:extLst>
       <p:ext uri="{BB962C8B-B14F-4D97-AF65-F5344CB8AC3E}">
-        <p14:creationId xmlns:p14="http://schemas.microsoft.com/office/powerpoint/2010/main" val="392307661"/>
+        <p14:creationId xmlns:p14="http://schemas.microsoft.com/office/powerpoint/2010/main" val="1537415598"/>
       </p:ext>
     </p:extLst>
   </p:cSld>
@@ -1320,7 +1457,7 @@
       </p:grpSpPr>
       <p:sp>
         <p:nvSpPr>
-          <p:cNvPr id="242" name="PlaceHolder 1"/>
+          <p:cNvPr id="240" name="PlaceHolder 1"/>
           <p:cNvSpPr>
             <a:spLocks noGrp="1"/>
           </p:cNvSpPr>
@@ -1353,14 +1490,14 @@
                 </a:uFill>
                 <a:latin typeface="DejaVu Sans"/>
               </a:rPr>
-              <a:t>Põgusalt koolituse teemad, mida koolitusel käsitletakse.</a:t>
+              <a:t>Hetkel slaidil meie nö vaikimisi päevaplaan</a:t>
             </a:r>
           </a:p>
         </p:txBody>
       </p:sp>
       <p:sp>
         <p:nvSpPr>
-          <p:cNvPr id="243" name="CustomShape 2"/>
+          <p:cNvPr id="241" name="CustomShape 2"/>
           <p:cNvSpPr/>
           <p:nvPr/>
         </p:nvSpPr>
@@ -1398,7 +1535,7 @@
                 <a:spcPct val="100000"/>
               </a:lnSpc>
             </a:pPr>
-            <a:fld id="{BA1D8E63-3816-4B55-8AF3-CA0E0432D9BF}" type="slidenum">
+            <a:fld id="{9A65CC69-6773-42CC-A584-C943A68AD7F4}" type="slidenum">
               <a:rPr lang="en-US" sz="1200" b="0" strike="noStrike" spc="-1">
                 <a:solidFill>
                   <a:srgbClr val="000000"/>
@@ -1430,7 +1567,7 @@
     </p:spTree>
     <p:extLst>
       <p:ext uri="{BB962C8B-B14F-4D97-AF65-F5344CB8AC3E}">
-        <p14:creationId xmlns:p14="http://schemas.microsoft.com/office/powerpoint/2010/main" val="193537136"/>
+        <p14:creationId xmlns:p14="http://schemas.microsoft.com/office/powerpoint/2010/main" val="392307661"/>
       </p:ext>
     </p:extLst>
   </p:cSld>
@@ -1459,7 +1596,7 @@
       </p:grpSpPr>
       <p:sp>
         <p:nvSpPr>
-          <p:cNvPr id="244" name="PlaceHolder 1"/>
+          <p:cNvPr id="242" name="PlaceHolder 1"/>
           <p:cNvSpPr>
             <a:spLocks noGrp="1"/>
           </p:cNvSpPr>
@@ -1492,62 +1629,14 @@
                 </a:uFill>
                 <a:latin typeface="DejaVu Sans"/>
               </a:rPr>
-              <a:t>Lõunasüsteem on nii, et sekretär annab igal päeval talongid Sina+õppijate arv, talongi väärtus 6 eur ja kehtib lähedalasuvates söögikohtades.</a:t>
+              <a:t>Põgusalt koolituse teemad, mida koolitusel käsitletakse.</a:t>
             </a:r>
           </a:p>
-          <a:p>
-            <a:r>
-              <a:rPr lang="en-US" sz="2000" b="0" strike="noStrike" spc="-1">
-                <a:solidFill>
-                  <a:srgbClr val="000000"/>
-                </a:solidFill>
-                <a:uFill>
-                  <a:solidFill>
-                    <a:srgbClr val="FFFFFF"/>
-                  </a:solidFill>
-                </a:uFill>
-                <a:latin typeface="DejaVu Sans"/>
-              </a:rPr>
-              <a:t>Suitsetamise koht on väljas maja nurgas, sees kusagil suitsu teha ei saa.</a:t>
-            </a:r>
-          </a:p>
-          <a:p>
-            <a:r>
-              <a:rPr lang="en-US" sz="2000" b="0" strike="noStrike" spc="-1">
-                <a:solidFill>
-                  <a:srgbClr val="000000"/>
-                </a:solidFill>
-                <a:uFill>
-                  <a:solidFill>
-                    <a:srgbClr val="FFFFFF"/>
-                  </a:solidFill>
-                </a:uFill>
-                <a:latin typeface="DejaVu Sans"/>
-              </a:rPr>
-              <a:t>Kohvi ja snäkke võib kööginurgast igal ajal julgelt võtta palju kulub ja ok on klassi kaasa võtta.</a:t>
-            </a:r>
-          </a:p>
-          <a:p>
-            <a:r>
-              <a:rPr lang="en-US" sz="2000" b="0" strike="noStrike" spc="-1">
-                <a:solidFill>
-                  <a:srgbClr val="000000"/>
-                </a:solidFill>
-                <a:uFill>
-                  <a:solidFill>
-                    <a:srgbClr val="FFFFFF"/>
-                  </a:solidFill>
-                </a:uFill>
-                <a:latin typeface="DejaVu Sans"/>
-              </a:rPr>
-              <a:t>Parklas EP90 on parkimine tasuta, aga tuleb iga päev autonumber meie juures terminali sisestada.</a:t>
-            </a:r>
-          </a:p>
-        </p:txBody>
-      </p:sp>
-      <p:sp>
-        <p:nvSpPr>
-          <p:cNvPr id="245" name="CustomShape 2"/>
+        </p:txBody>
+      </p:sp>
+      <p:sp>
+        <p:nvSpPr>
+          <p:cNvPr id="243" name="CustomShape 2"/>
           <p:cNvSpPr/>
           <p:nvPr/>
         </p:nvSpPr>
@@ -1585,7 +1674,7 @@
                 <a:spcPct val="100000"/>
               </a:lnSpc>
             </a:pPr>
-            <a:fld id="{DDFC10E9-96C9-4E54-B1BA-C96A8B01ED7C}" type="slidenum">
+            <a:fld id="{BA1D8E63-3816-4B55-8AF3-CA0E0432D9BF}" type="slidenum">
               <a:rPr lang="en-US" sz="1200" b="0" strike="noStrike" spc="-1">
                 <a:solidFill>
                   <a:srgbClr val="000000"/>
@@ -1617,7 +1706,7 @@
     </p:spTree>
     <p:extLst>
       <p:ext uri="{BB962C8B-B14F-4D97-AF65-F5344CB8AC3E}">
-        <p14:creationId xmlns:p14="http://schemas.microsoft.com/office/powerpoint/2010/main" val="371318902"/>
+        <p14:creationId xmlns:p14="http://schemas.microsoft.com/office/powerpoint/2010/main" val="193537136"/>
       </p:ext>
     </p:extLst>
   </p:cSld>
@@ -1646,7 +1735,7 @@
       </p:grpSpPr>
       <p:sp>
         <p:nvSpPr>
-          <p:cNvPr id="246" name="PlaceHolder 1"/>
+          <p:cNvPr id="244" name="PlaceHolder 1"/>
           <p:cNvSpPr>
             <a:spLocks noGrp="1"/>
           </p:cNvSpPr>
@@ -1667,23 +1756,74 @@
           <a:bodyPr lIns="0" tIns="0" rIns="0" bIns="0"/>
           <a:lstStyle/>
           <a:p>
-            <a:endParaRPr lang="en-US" sz="2000" b="0" strike="noStrike" spc="-1">
-              <a:solidFill>
-                <a:srgbClr val="000000"/>
-              </a:solidFill>
-              <a:uFill>
-                <a:solidFill>
-                  <a:srgbClr val="FFFFFF"/>
-                </a:solidFill>
-              </a:uFill>
-              <a:latin typeface="DejaVu Sans"/>
-            </a:endParaRPr>
-          </a:p>
-        </p:txBody>
-      </p:sp>
-      <p:sp>
-        <p:nvSpPr>
-          <p:cNvPr id="247" name="CustomShape 2"/>
+            <a:r>
+              <a:rPr lang="en-US" sz="2000" b="0" strike="noStrike" spc="-1">
+                <a:solidFill>
+                  <a:srgbClr val="000000"/>
+                </a:solidFill>
+                <a:uFill>
+                  <a:solidFill>
+                    <a:srgbClr val="FFFFFF"/>
+                  </a:solidFill>
+                </a:uFill>
+                <a:latin typeface="DejaVu Sans"/>
+              </a:rPr>
+              <a:t>Lõunasüsteem on nii, et sekretär annab igal päeval talongid Sina+õppijate arv, talongi väärtus 6 eur ja kehtib lähedalasuvates söögikohtades.</a:t>
+            </a:r>
+          </a:p>
+          <a:p>
+            <a:r>
+              <a:rPr lang="en-US" sz="2000" b="0" strike="noStrike" spc="-1">
+                <a:solidFill>
+                  <a:srgbClr val="000000"/>
+                </a:solidFill>
+                <a:uFill>
+                  <a:solidFill>
+                    <a:srgbClr val="FFFFFF"/>
+                  </a:solidFill>
+                </a:uFill>
+                <a:latin typeface="DejaVu Sans"/>
+              </a:rPr>
+              <a:t>Suitsetamise koht on väljas maja nurgas, sees kusagil suitsu teha ei saa.</a:t>
+            </a:r>
+          </a:p>
+          <a:p>
+            <a:r>
+              <a:rPr lang="en-US" sz="2000" b="0" strike="noStrike" spc="-1">
+                <a:solidFill>
+                  <a:srgbClr val="000000"/>
+                </a:solidFill>
+                <a:uFill>
+                  <a:solidFill>
+                    <a:srgbClr val="FFFFFF"/>
+                  </a:solidFill>
+                </a:uFill>
+                <a:latin typeface="DejaVu Sans"/>
+              </a:rPr>
+              <a:t>Kohvi ja snäkke võib kööginurgast igal ajal julgelt võtta palju kulub ja ok on klassi kaasa võtta.</a:t>
+            </a:r>
+          </a:p>
+          <a:p>
+            <a:r>
+              <a:rPr lang="en-US" sz="2000" b="0" strike="noStrike" spc="-1">
+                <a:solidFill>
+                  <a:srgbClr val="000000"/>
+                </a:solidFill>
+                <a:uFill>
+                  <a:solidFill>
+                    <a:srgbClr val="FFFFFF"/>
+                  </a:solidFill>
+                </a:uFill>
+                <a:latin typeface="DejaVu Sans"/>
+              </a:rPr>
+              <a:t>Parklas EP90 on parkimine tasuta, aga tuleb iga päev autonumber meie juures terminali sisestada.</a:t>
+            </a:r>
+          </a:p>
+        </p:txBody>
+      </p:sp>
+      <p:sp>
+        <p:nvSpPr>
+          <p:cNvPr id="245" name="CustomShape 2"/>
           <p:cNvSpPr/>
           <p:nvPr/>
         </p:nvSpPr>
@@ -1721,7 +1861,7 @@
                 <a:spcPct val="100000"/>
               </a:lnSpc>
             </a:pPr>
-            <a:fld id="{B388AB4D-0B8A-416A-A191-0F7AA3B281B2}" type="slidenum">
+            <a:fld id="{DDFC10E9-96C9-4E54-B1BA-C96A8B01ED7C}" type="slidenum">
               <a:rPr lang="en-US" sz="1200" b="0" strike="noStrike" spc="-1">
                 <a:solidFill>
                   <a:srgbClr val="000000"/>
@@ -1753,7 +1893,7 @@
     </p:spTree>
     <p:extLst>
       <p:ext uri="{BB962C8B-B14F-4D97-AF65-F5344CB8AC3E}">
-        <p14:creationId xmlns:p14="http://schemas.microsoft.com/office/powerpoint/2010/main" val="953662406"/>
+        <p14:creationId xmlns:p14="http://schemas.microsoft.com/office/powerpoint/2010/main" val="371318902"/>
       </p:ext>
     </p:extLst>
   </p:cSld>
@@ -13855,14 +13995,14 @@
       </p:grpSpPr>
       <p:sp>
         <p:nvSpPr>
-          <p:cNvPr id="224" name="CustomShape 1"/>
+          <p:cNvPr id="222" name="CustomShape 1"/>
           <p:cNvSpPr/>
           <p:nvPr/>
         </p:nvSpPr>
         <p:spPr>
           <a:xfrm>
             <a:off x="589680" y="365040"/>
-            <a:ext cx="11158560" cy="776160"/>
+            <a:ext cx="11158560" cy="1324800"/>
           </a:xfrm>
           <a:prstGeom prst="rect">
             <a:avLst/>
@@ -13885,9 +14025,7 @@
           <a:fontRef idx="minor"/>
         </p:style>
         <p:txBody>
-          <a:bodyPr lIns="90000" tIns="45000" rIns="90000" bIns="45000" anchor="ctr">
-            <a:normAutofit/>
-          </a:bodyPr>
+          <a:bodyPr lIns="90000" tIns="45000" rIns="90000" bIns="45000" anchor="ctr"/>
           <a:lstStyle/>
           <a:p>
             <a:pPr>
@@ -13896,7 +14034,7 @@
               </a:lnSpc>
             </a:pPr>
             <a:r>
-              <a:rPr lang="en-US" sz="3600" b="0" strike="noStrike" spc="-1">
+              <a:rPr lang="en-US" sz="4400" b="0" strike="noStrike" spc="-1">
                 <a:solidFill>
                   <a:srgbClr val="FC0D1B"/>
                 </a:solidFill>
@@ -13907,97 +14045,74 @@
                 </a:uFill>
                 <a:latin typeface="Calibri Light"/>
               </a:rPr>
-              <a:t>Lõuna restoranis Viktoria või Dvigatel või Sketch House</a:t>
+              <a:t>Kodukord</a:t>
             </a:r>
-            <a:endParaRPr lang="en-US" sz="3600" b="0" strike="noStrike" spc="-1">
-              <a:solidFill>
-                <a:srgbClr val="000000"/>
-              </a:solidFill>
-              <a:uFill>
-                <a:solidFill>
-                  <a:srgbClr val="FFFFFF"/>
-                </a:solidFill>
-              </a:uFill>
-              <a:latin typeface="DejaVu Sans"/>
-            </a:endParaRPr>
-          </a:p>
-        </p:txBody>
-      </p:sp>
-      <p:pic>
-        <p:nvPicPr>
-          <p:cNvPr id="225" name="Pilt 2"/>
-          <p:cNvPicPr/>
+            <a:endParaRPr lang="en-US" sz="4400" b="0" strike="noStrike" spc="-1">
+              <a:solidFill>
+                <a:srgbClr val="000000"/>
+              </a:solidFill>
+              <a:uFill>
+                <a:solidFill>
+                  <a:srgbClr val="FFFFFF"/>
+                </a:solidFill>
+              </a:uFill>
+              <a:latin typeface="DejaVu Sans"/>
+            </a:endParaRPr>
+          </a:p>
+        </p:txBody>
+      </p:sp>
+      <p:sp>
+        <p:nvSpPr>
+          <p:cNvPr id="223" name="CustomShape 2"/>
+          <p:cNvSpPr/>
           <p:nvPr/>
-        </p:nvPicPr>
-        <p:blipFill>
-          <a:blip r:embed="rId3"/>
-          <a:srcRect l="14341" t="24666" r="9019" b="11113"/>
-          <a:stretch/>
-        </p:blipFill>
-        <p:spPr>
-          <a:xfrm>
-            <a:off x="1279800" y="1309320"/>
-            <a:ext cx="9520920" cy="4776480"/>
-          </a:xfrm>
-          <a:prstGeom prst="rect">
-            <a:avLst/>
-          </a:prstGeom>
+        </p:nvSpPr>
+        <p:spPr>
+          <a:xfrm>
+            <a:off x="589680" y="1825560"/>
+            <a:ext cx="11158560" cy="4143600"/>
+          </a:xfrm>
+          <a:prstGeom prst="rect">
+            <a:avLst/>
+          </a:prstGeom>
+          <a:noFill/>
           <a:ln>
             <a:noFill/>
           </a:ln>
         </p:spPr>
-      </p:pic>
-      <p:sp>
-        <p:nvSpPr>
-          <p:cNvPr id="226" name="CustomShape 2"/>
-          <p:cNvSpPr/>
-          <p:nvPr/>
-        </p:nvSpPr>
-        <p:spPr>
-          <a:xfrm>
-            <a:off x="6159600" y="3406320"/>
-            <a:ext cx="1130760" cy="547920"/>
-          </a:xfrm>
-          <a:prstGeom prst="wedgeEllipseCallout">
-            <a:avLst>
-              <a:gd name="adj1" fmla="val -62247"/>
-              <a:gd name="adj2" fmla="val 62500"/>
-            </a:avLst>
-          </a:prstGeom>
-          <a:solidFill>
-            <a:srgbClr val="FF0000"/>
-          </a:solidFill>
-          <a:ln>
-            <a:round/>
-          </a:ln>
-        </p:spPr>
         <p:style>
-          <a:lnRef idx="2">
-            <a:schemeClr val="accent1">
-              <a:shade val="50000"/>
-            </a:schemeClr>
+          <a:lnRef idx="0">
+            <a:scrgbClr r="0" g="0" b="0"/>
           </a:lnRef>
-          <a:fillRef idx="1">
-            <a:schemeClr val="accent1"/>
+          <a:fillRef idx="0">
+            <a:scrgbClr r="0" g="0" b="0"/>
           </a:fillRef>
           <a:effectRef idx="0">
-            <a:schemeClr val="accent1"/>
+            <a:scrgbClr r="0" g="0" b="0"/>
           </a:effectRef>
           <a:fontRef idx="minor"/>
         </p:style>
         <p:txBody>
-          <a:bodyPr lIns="90000" tIns="45000" rIns="90000" bIns="45000" anchor="ctr"/>
-          <a:lstStyle/>
-          <a:p>
-            <a:pPr algn="ctr">
+          <a:bodyPr lIns="90000" tIns="45000" rIns="90000" bIns="45000"/>
+          <a:lstStyle/>
+          <a:p>
+            <a:pPr marL="228600" indent="-227880">
               <a:lnSpc>
-                <a:spcPct val="100000"/>
+                <a:spcPct val="90000"/>
               </a:lnSpc>
+              <a:spcBef>
+                <a:spcPts val="1001"/>
+              </a:spcBef>
+              <a:buClr>
+                <a:srgbClr val="595959"/>
+              </a:buClr>
+              <a:buFont typeface="Arial"/>
+              <a:buChar char="•"/>
             </a:pPr>
             <a:r>
-              <a:rPr lang="en-US" sz="1350" b="0" strike="noStrike" spc="-1">
-                <a:solidFill>
-                  <a:srgbClr val="FFFFFF"/>
+              <a:rPr lang="en-US" sz="2800" b="0" strike="noStrike" spc="-1">
+                <a:solidFill>
+                  <a:srgbClr val="595959"/>
                 </a:solidFill>
                 <a:uFill>
                   <a:solidFill>
@@ -14005,75 +14120,39 @@
                   </a:solidFill>
                 </a:uFill>
                 <a:latin typeface="Calibri"/>
-                <a:ea typeface="DejaVu Sans"/>
               </a:rPr>
-              <a:t>Viktoria</a:t>
+              <a:t>Joogid ja näksimist</a:t>
             </a:r>
-            <a:endParaRPr lang="en-US" sz="1350" b="0" strike="noStrike" spc="-1">
-              <a:solidFill>
-                <a:srgbClr val="000000"/>
-              </a:solidFill>
-              <a:uFill>
-                <a:solidFill>
-                  <a:srgbClr val="FFFFFF"/>
-                </a:solidFill>
-              </a:uFill>
-              <a:latin typeface="DejaVu Sans"/>
-            </a:endParaRPr>
-          </a:p>
-        </p:txBody>
-      </p:sp>
-      <p:sp>
-        <p:nvSpPr>
-          <p:cNvPr id="227" name="CustomShape 3"/>
-          <p:cNvSpPr/>
-          <p:nvPr/>
-        </p:nvSpPr>
-        <p:spPr>
-          <a:xfrm>
-            <a:off x="6886440" y="4414680"/>
-            <a:ext cx="1130760" cy="547920"/>
-          </a:xfrm>
-          <a:prstGeom prst="wedgeEllipseCallout">
-            <a:avLst>
-              <a:gd name="adj1" fmla="val -62247"/>
-              <a:gd name="adj2" fmla="val 62500"/>
-            </a:avLst>
-          </a:prstGeom>
-          <a:solidFill>
-            <a:srgbClr val="FF0000"/>
-          </a:solidFill>
-          <a:ln>
-            <a:round/>
-          </a:ln>
-        </p:spPr>
-        <p:style>
-          <a:lnRef idx="2">
-            <a:schemeClr val="accent1">
-              <a:shade val="50000"/>
-            </a:schemeClr>
-          </a:lnRef>
-          <a:fillRef idx="1">
-            <a:schemeClr val="accent1"/>
-          </a:fillRef>
-          <a:effectRef idx="0">
-            <a:schemeClr val="accent1"/>
-          </a:effectRef>
-          <a:fontRef idx="minor"/>
-        </p:style>
-        <p:txBody>
-          <a:bodyPr lIns="90000" tIns="45000" rIns="90000" bIns="45000" anchor="ctr"/>
-          <a:lstStyle/>
-          <a:p>
-            <a:pPr algn="ctr">
+            <a:endParaRPr lang="en-US" sz="2800" b="0" strike="noStrike" spc="-1">
+              <a:solidFill>
+                <a:srgbClr val="000000"/>
+              </a:solidFill>
+              <a:uFill>
+                <a:solidFill>
+                  <a:srgbClr val="FFFFFF"/>
+                </a:solidFill>
+              </a:uFill>
+              <a:latin typeface="DejaVu Sans"/>
+            </a:endParaRPr>
+          </a:p>
+          <a:p>
+            <a:pPr marL="228600" indent="-227880">
               <a:lnSpc>
-                <a:spcPct val="100000"/>
+                <a:spcPct val="90000"/>
               </a:lnSpc>
+              <a:spcBef>
+                <a:spcPts val="1001"/>
+              </a:spcBef>
+              <a:buClr>
+                <a:srgbClr val="595959"/>
+              </a:buClr>
+              <a:buFont typeface="Arial"/>
+              <a:buChar char="•"/>
             </a:pPr>
             <a:r>
-              <a:rPr lang="en-US" sz="1350" b="0" strike="noStrike" spc="-1">
-                <a:solidFill>
-                  <a:srgbClr val="FFFFFF"/>
+              <a:rPr lang="en-US" sz="2800" b="0" strike="noStrike" spc="-1">
+                <a:solidFill>
+                  <a:srgbClr val="595959"/>
                 </a:solidFill>
                 <a:uFill>
                   <a:solidFill>
@@ -14081,72 +14160,39 @@
                   </a:solidFill>
                 </a:uFill>
                 <a:latin typeface="Calibri"/>
-                <a:ea typeface="DejaVu Sans"/>
               </a:rPr>
-              <a:t>IT Koolitus</a:t>
+              <a:t>Tualetid</a:t>
             </a:r>
-            <a:endParaRPr lang="en-US" sz="1350" b="0" strike="noStrike" spc="-1">
-              <a:solidFill>
-                <a:srgbClr val="000000"/>
-              </a:solidFill>
-              <a:uFill>
-                <a:solidFill>
-                  <a:srgbClr val="FFFFFF"/>
-                </a:solidFill>
-              </a:uFill>
-              <a:latin typeface="DejaVu Sans"/>
-            </a:endParaRPr>
-          </a:p>
-        </p:txBody>
-      </p:sp>
-      <p:sp>
-        <p:nvSpPr>
-          <p:cNvPr id="228" name="CustomShape 4"/>
-          <p:cNvSpPr/>
-          <p:nvPr/>
-        </p:nvSpPr>
-        <p:spPr>
-          <a:xfrm>
-            <a:off x="2211840" y="3343320"/>
-            <a:ext cx="1290960" cy="673560"/>
-          </a:xfrm>
-          <a:prstGeom prst="ellipse">
-            <a:avLst/>
-          </a:prstGeom>
-          <a:solidFill>
-            <a:srgbClr val="FF0000"/>
-          </a:solidFill>
-          <a:ln>
-            <a:round/>
-          </a:ln>
-        </p:spPr>
-        <p:style>
-          <a:lnRef idx="2">
-            <a:schemeClr val="accent1">
-              <a:shade val="50000"/>
-            </a:schemeClr>
-          </a:lnRef>
-          <a:fillRef idx="1">
-            <a:schemeClr val="accent1"/>
-          </a:fillRef>
-          <a:effectRef idx="0">
-            <a:schemeClr val="accent1"/>
-          </a:effectRef>
-          <a:fontRef idx="minor"/>
-        </p:style>
-        <p:txBody>
-          <a:bodyPr lIns="90000" tIns="45000" rIns="90000" bIns="45000" anchor="ctr"/>
-          <a:lstStyle/>
-          <a:p>
-            <a:pPr algn="ctr">
+            <a:endParaRPr lang="en-US" sz="2800" b="0" strike="noStrike" spc="-1">
+              <a:solidFill>
+                <a:srgbClr val="000000"/>
+              </a:solidFill>
+              <a:uFill>
+                <a:solidFill>
+                  <a:srgbClr val="FFFFFF"/>
+                </a:solidFill>
+              </a:uFill>
+              <a:latin typeface="DejaVu Sans"/>
+            </a:endParaRPr>
+          </a:p>
+          <a:p>
+            <a:pPr marL="228600" indent="-227880">
               <a:lnSpc>
-                <a:spcPct val="100000"/>
+                <a:spcPct val="90000"/>
               </a:lnSpc>
+              <a:spcBef>
+                <a:spcPts val="1001"/>
+              </a:spcBef>
+              <a:buClr>
+                <a:srgbClr val="595959"/>
+              </a:buClr>
+              <a:buFont typeface="Arial"/>
+              <a:buChar char="•"/>
             </a:pPr>
             <a:r>
-              <a:rPr lang="en-US" sz="1350" b="0" strike="noStrike" spc="-1">
-                <a:solidFill>
-                  <a:srgbClr val="FFFFFF"/>
+              <a:rPr lang="en-US" sz="2800" b="0" strike="noStrike" spc="-1">
+                <a:solidFill>
+                  <a:srgbClr val="595959"/>
                 </a:solidFill>
                 <a:uFill>
                   <a:solidFill>
@@ -14154,75 +14200,39 @@
                   </a:solidFill>
                 </a:uFill>
                 <a:latin typeface="Calibri"/>
-                <a:ea typeface="DejaVu Sans"/>
               </a:rPr>
-              <a:t>Ülemiste keskus</a:t>
+              <a:t>Suitsetamine</a:t>
             </a:r>
-            <a:endParaRPr lang="en-US" sz="1350" b="0" strike="noStrike" spc="-1">
-              <a:solidFill>
-                <a:srgbClr val="000000"/>
-              </a:solidFill>
-              <a:uFill>
-                <a:solidFill>
-                  <a:srgbClr val="FFFFFF"/>
-                </a:solidFill>
-              </a:uFill>
-              <a:latin typeface="DejaVu Sans"/>
-            </a:endParaRPr>
-          </a:p>
-        </p:txBody>
-      </p:sp>
-      <p:sp>
-        <p:nvSpPr>
-          <p:cNvPr id="229" name="CustomShape 5"/>
-          <p:cNvSpPr/>
-          <p:nvPr/>
-        </p:nvSpPr>
-        <p:spPr>
-          <a:xfrm>
-            <a:off x="7808760" y="3519000"/>
-            <a:ext cx="1130760" cy="547920"/>
-          </a:xfrm>
-          <a:prstGeom prst="wedgeEllipseCallout">
-            <a:avLst>
-              <a:gd name="adj1" fmla="val -62247"/>
-              <a:gd name="adj2" fmla="val 62500"/>
-            </a:avLst>
-          </a:prstGeom>
-          <a:solidFill>
-            <a:srgbClr val="FF0000"/>
-          </a:solidFill>
-          <a:ln>
-            <a:round/>
-          </a:ln>
-        </p:spPr>
-        <p:style>
-          <a:lnRef idx="2">
-            <a:schemeClr val="accent1">
-              <a:shade val="50000"/>
-            </a:schemeClr>
-          </a:lnRef>
-          <a:fillRef idx="1">
-            <a:schemeClr val="accent1"/>
-          </a:fillRef>
-          <a:effectRef idx="0">
-            <a:schemeClr val="accent1"/>
-          </a:effectRef>
-          <a:fontRef idx="minor"/>
-        </p:style>
-        <p:txBody>
-          <a:bodyPr lIns="90000" tIns="45000" rIns="90000" bIns="45000" anchor="ctr"/>
-          <a:lstStyle/>
-          <a:p>
-            <a:pPr algn="ctr">
+            <a:endParaRPr lang="en-US" sz="2800" b="0" strike="noStrike" spc="-1">
+              <a:solidFill>
+                <a:srgbClr val="000000"/>
+              </a:solidFill>
+              <a:uFill>
+                <a:solidFill>
+                  <a:srgbClr val="FFFFFF"/>
+                </a:solidFill>
+              </a:uFill>
+              <a:latin typeface="DejaVu Sans"/>
+            </a:endParaRPr>
+          </a:p>
+          <a:p>
+            <a:pPr marL="228600" indent="-227880">
               <a:lnSpc>
-                <a:spcPct val="100000"/>
+                <a:spcPct val="90000"/>
               </a:lnSpc>
+              <a:spcBef>
+                <a:spcPts val="1001"/>
+              </a:spcBef>
+              <a:buClr>
+                <a:srgbClr val="595959"/>
+              </a:buClr>
+              <a:buFont typeface="Arial"/>
+              <a:buChar char="•"/>
             </a:pPr>
             <a:r>
-              <a:rPr lang="en-US" sz="1350" b="0" strike="noStrike" spc="-1">
-                <a:solidFill>
-                  <a:srgbClr val="FFFFFF"/>
+              <a:rPr lang="en-US" sz="2800" b="0" strike="noStrike" spc="-1">
+                <a:solidFill>
+                  <a:srgbClr val="595959"/>
                 </a:solidFill>
                 <a:uFill>
                   <a:solidFill>
@@ -14230,75 +14240,39 @@
                   </a:solidFill>
                 </a:uFill>
                 <a:latin typeface="Calibri"/>
-                <a:ea typeface="DejaVu Sans"/>
               </a:rPr>
-              <a:t>Dvigatel</a:t>
+              <a:t>Mobiiltelefonid</a:t>
             </a:r>
-            <a:endParaRPr lang="en-US" sz="1350" b="0" strike="noStrike" spc="-1">
-              <a:solidFill>
-                <a:srgbClr val="000000"/>
-              </a:solidFill>
-              <a:uFill>
-                <a:solidFill>
-                  <a:srgbClr val="FFFFFF"/>
-                </a:solidFill>
-              </a:uFill>
-              <a:latin typeface="DejaVu Sans"/>
-            </a:endParaRPr>
-          </a:p>
-        </p:txBody>
-      </p:sp>
-      <p:sp>
-        <p:nvSpPr>
-          <p:cNvPr id="230" name="CustomShape 6"/>
-          <p:cNvSpPr/>
-          <p:nvPr/>
-        </p:nvSpPr>
-        <p:spPr>
-          <a:xfrm>
-            <a:off x="7104960" y="2121120"/>
-            <a:ext cx="1130760" cy="547920"/>
-          </a:xfrm>
-          <a:prstGeom prst="wedgeEllipseCallout">
-            <a:avLst>
-              <a:gd name="adj1" fmla="val -63930"/>
-              <a:gd name="adj2" fmla="val -46875"/>
-            </a:avLst>
-          </a:prstGeom>
-          <a:solidFill>
-            <a:srgbClr val="FF0000"/>
-          </a:solidFill>
-          <a:ln>
-            <a:round/>
-          </a:ln>
-        </p:spPr>
-        <p:style>
-          <a:lnRef idx="2">
-            <a:schemeClr val="accent1">
-              <a:shade val="50000"/>
-            </a:schemeClr>
-          </a:lnRef>
-          <a:fillRef idx="1">
-            <a:schemeClr val="accent1"/>
-          </a:fillRef>
-          <a:effectRef idx="0">
-            <a:schemeClr val="accent1"/>
-          </a:effectRef>
-          <a:fontRef idx="minor"/>
-        </p:style>
-        <p:txBody>
-          <a:bodyPr lIns="90000" tIns="45000" rIns="90000" bIns="45000" anchor="ctr"/>
-          <a:lstStyle/>
-          <a:p>
-            <a:pPr algn="ctr">
+            <a:endParaRPr lang="en-US" sz="2800" b="0" strike="noStrike" spc="-1">
+              <a:solidFill>
+                <a:srgbClr val="000000"/>
+              </a:solidFill>
+              <a:uFill>
+                <a:solidFill>
+                  <a:srgbClr val="FFFFFF"/>
+                </a:solidFill>
+              </a:uFill>
+              <a:latin typeface="DejaVu Sans"/>
+            </a:endParaRPr>
+          </a:p>
+          <a:p>
+            <a:pPr marL="228600" indent="-227880">
               <a:lnSpc>
-                <a:spcPct val="100000"/>
+                <a:spcPct val="90000"/>
               </a:lnSpc>
+              <a:spcBef>
+                <a:spcPts val="1001"/>
+              </a:spcBef>
+              <a:buClr>
+                <a:srgbClr val="595959"/>
+              </a:buClr>
+              <a:buFont typeface="Arial"/>
+              <a:buChar char="•"/>
             </a:pPr>
             <a:r>
-              <a:rPr lang="en-US" sz="1350" b="0" strike="noStrike" spc="-1">
-                <a:solidFill>
-                  <a:srgbClr val="FFFFFF"/>
+              <a:rPr lang="en-US" sz="2800" b="0" strike="noStrike" spc="-1">
+                <a:solidFill>
+                  <a:srgbClr val="595959"/>
                 </a:solidFill>
                 <a:uFill>
                   <a:solidFill>
@@ -14306,11 +14280,132 @@
                   </a:solidFill>
                 </a:uFill>
                 <a:latin typeface="Calibri"/>
-                <a:ea typeface="DejaVu Sans"/>
               </a:rPr>
-              <a:t>Scetch House</a:t>
+              <a:t>Küsimused</a:t>
             </a:r>
-            <a:endParaRPr lang="en-US" sz="1350" b="0" strike="noStrike" spc="-1">
+            <a:endParaRPr lang="en-US" sz="2800" b="0" strike="noStrike" spc="-1">
+              <a:solidFill>
+                <a:srgbClr val="000000"/>
+              </a:solidFill>
+              <a:uFill>
+                <a:solidFill>
+                  <a:srgbClr val="FFFFFF"/>
+                </a:solidFill>
+              </a:uFill>
+              <a:latin typeface="DejaVu Sans"/>
+            </a:endParaRPr>
+          </a:p>
+          <a:p>
+            <a:pPr marL="228600" indent="-227880">
+              <a:lnSpc>
+                <a:spcPct val="90000"/>
+              </a:lnSpc>
+              <a:spcBef>
+                <a:spcPts val="1001"/>
+              </a:spcBef>
+              <a:buClr>
+                <a:srgbClr val="595959"/>
+              </a:buClr>
+              <a:buFont typeface="Arial"/>
+              <a:buChar char="•"/>
+            </a:pPr>
+            <a:r>
+              <a:rPr lang="en-US" sz="2800" b="0" strike="noStrike" spc="-1">
+                <a:solidFill>
+                  <a:srgbClr val="595959"/>
+                </a:solidFill>
+                <a:uFill>
+                  <a:solidFill>
+                    <a:srgbClr val="FFFFFF"/>
+                  </a:solidFill>
+                </a:uFill>
+                <a:latin typeface="Calibri"/>
+              </a:rPr>
+              <a:t>Lõuna</a:t>
+            </a:r>
+            <a:endParaRPr lang="en-US" sz="2800" b="0" strike="noStrike" spc="-1">
+              <a:solidFill>
+                <a:srgbClr val="000000"/>
+              </a:solidFill>
+              <a:uFill>
+                <a:solidFill>
+                  <a:srgbClr val="FFFFFF"/>
+                </a:solidFill>
+              </a:uFill>
+              <a:latin typeface="DejaVu Sans"/>
+            </a:endParaRPr>
+          </a:p>
+          <a:p>
+            <a:pPr>
+              <a:lnSpc>
+                <a:spcPct val="90000"/>
+              </a:lnSpc>
+              <a:spcBef>
+                <a:spcPts val="1001"/>
+              </a:spcBef>
+            </a:pPr>
+            <a:endParaRPr lang="en-US" sz="2800" b="0" strike="noStrike" spc="-1">
+              <a:solidFill>
+                <a:srgbClr val="000000"/>
+              </a:solidFill>
+              <a:uFill>
+                <a:solidFill>
+                  <a:srgbClr val="FFFFFF"/>
+                </a:solidFill>
+              </a:uFill>
+              <a:latin typeface="DejaVu Sans"/>
+            </a:endParaRPr>
+          </a:p>
+          <a:p>
+            <a:pPr marL="228600" indent="-227880">
+              <a:lnSpc>
+                <a:spcPct val="90000"/>
+              </a:lnSpc>
+              <a:spcBef>
+                <a:spcPts val="1001"/>
+              </a:spcBef>
+              <a:buClr>
+                <a:srgbClr val="595959"/>
+              </a:buClr>
+              <a:buFont typeface="Arial"/>
+              <a:buChar char="•"/>
+            </a:pPr>
+            <a:r>
+              <a:rPr lang="en-US" sz="2800" b="0" strike="noStrike" spc="-1">
+                <a:solidFill>
+                  <a:srgbClr val="595959"/>
+                </a:solidFill>
+                <a:uFill>
+                  <a:solidFill>
+                    <a:srgbClr val="FFFFFF"/>
+                  </a:solidFill>
+                </a:uFill>
+                <a:latin typeface="Calibri"/>
+              </a:rPr>
+              <a:t>NB! Autoga tulijad – kas autonr sai parkimissüsteemi sisestatud?</a:t>
+            </a:r>
+            <a:endParaRPr lang="en-US" sz="2800" b="0" strike="noStrike" spc="-1">
+              <a:solidFill>
+                <a:srgbClr val="000000"/>
+              </a:solidFill>
+              <a:uFill>
+                <a:solidFill>
+                  <a:srgbClr val="FFFFFF"/>
+                </a:solidFill>
+              </a:uFill>
+              <a:latin typeface="DejaVu Sans"/>
+            </a:endParaRPr>
+          </a:p>
+          <a:p>
+            <a:pPr>
+              <a:lnSpc>
+                <a:spcPct val="90000"/>
+              </a:lnSpc>
+              <a:spcBef>
+                <a:spcPts val="1001"/>
+              </a:spcBef>
+            </a:pPr>
+            <a:endParaRPr lang="en-US" sz="2800" b="0" strike="noStrike" spc="-1">
               <a:solidFill>
                 <a:srgbClr val="000000"/>
               </a:solidFill>
@@ -14360,6 +14455,529 @@
 </file>
 
 <file path=ppt/slides/slide11.xml><?xml version="1.0" encoding="utf-8"?>
+<p:sld xmlns:a="http://schemas.openxmlformats.org/drawingml/2006/main" xmlns:r="http://schemas.openxmlformats.org/officeDocument/2006/relationships" xmlns:p="http://schemas.openxmlformats.org/presentationml/2006/main">
+  <p:cSld>
+    <p:spTree>
+      <p:nvGrpSpPr>
+        <p:cNvPr id="1" name=""/>
+        <p:cNvGrpSpPr/>
+        <p:nvPr/>
+      </p:nvGrpSpPr>
+      <p:grpSpPr>
+        <a:xfrm>
+          <a:off x="0" y="0"/>
+          <a:ext cx="0" cy="0"/>
+          <a:chOff x="0" y="0"/>
+          <a:chExt cx="0" cy="0"/>
+        </a:xfrm>
+      </p:grpSpPr>
+      <p:sp>
+        <p:nvSpPr>
+          <p:cNvPr id="224" name="CustomShape 1"/>
+          <p:cNvSpPr/>
+          <p:nvPr/>
+        </p:nvSpPr>
+        <p:spPr>
+          <a:xfrm>
+            <a:off x="589680" y="365040"/>
+            <a:ext cx="11158560" cy="776160"/>
+          </a:xfrm>
+          <a:prstGeom prst="rect">
+            <a:avLst/>
+          </a:prstGeom>
+          <a:noFill/>
+          <a:ln>
+            <a:noFill/>
+          </a:ln>
+        </p:spPr>
+        <p:style>
+          <a:lnRef idx="0">
+            <a:scrgbClr r="0" g="0" b="0"/>
+          </a:lnRef>
+          <a:fillRef idx="0">
+            <a:scrgbClr r="0" g="0" b="0"/>
+          </a:fillRef>
+          <a:effectRef idx="0">
+            <a:scrgbClr r="0" g="0" b="0"/>
+          </a:effectRef>
+          <a:fontRef idx="minor"/>
+        </p:style>
+        <p:txBody>
+          <a:bodyPr lIns="90000" tIns="45000" rIns="90000" bIns="45000" anchor="ctr">
+            <a:normAutofit/>
+          </a:bodyPr>
+          <a:lstStyle/>
+          <a:p>
+            <a:pPr>
+              <a:lnSpc>
+                <a:spcPct val="90000"/>
+              </a:lnSpc>
+            </a:pPr>
+            <a:r>
+              <a:rPr lang="en-US" sz="3600" b="0" strike="noStrike" spc="-1">
+                <a:solidFill>
+                  <a:srgbClr val="FC0D1B"/>
+                </a:solidFill>
+                <a:uFill>
+                  <a:solidFill>
+                    <a:srgbClr val="FFFFFF"/>
+                  </a:solidFill>
+                </a:uFill>
+                <a:latin typeface="Calibri Light"/>
+              </a:rPr>
+              <a:t>Lõuna restoranis Viktoria või Dvigatel või Sketch House</a:t>
+            </a:r>
+            <a:endParaRPr lang="en-US" sz="3600" b="0" strike="noStrike" spc="-1">
+              <a:solidFill>
+                <a:srgbClr val="000000"/>
+              </a:solidFill>
+              <a:uFill>
+                <a:solidFill>
+                  <a:srgbClr val="FFFFFF"/>
+                </a:solidFill>
+              </a:uFill>
+              <a:latin typeface="DejaVu Sans"/>
+            </a:endParaRPr>
+          </a:p>
+        </p:txBody>
+      </p:sp>
+      <p:pic>
+        <p:nvPicPr>
+          <p:cNvPr id="225" name="Pilt 2"/>
+          <p:cNvPicPr/>
+          <p:nvPr/>
+        </p:nvPicPr>
+        <p:blipFill>
+          <a:blip r:embed="rId3"/>
+          <a:srcRect l="14341" t="24666" r="9019" b="11113"/>
+          <a:stretch/>
+        </p:blipFill>
+        <p:spPr>
+          <a:xfrm>
+            <a:off x="1279800" y="1309320"/>
+            <a:ext cx="9520920" cy="4776480"/>
+          </a:xfrm>
+          <a:prstGeom prst="rect">
+            <a:avLst/>
+          </a:prstGeom>
+          <a:ln>
+            <a:noFill/>
+          </a:ln>
+        </p:spPr>
+      </p:pic>
+      <p:sp>
+        <p:nvSpPr>
+          <p:cNvPr id="226" name="CustomShape 2"/>
+          <p:cNvSpPr/>
+          <p:nvPr/>
+        </p:nvSpPr>
+        <p:spPr>
+          <a:xfrm>
+            <a:off x="6159600" y="3406320"/>
+            <a:ext cx="1130760" cy="547920"/>
+          </a:xfrm>
+          <a:prstGeom prst="wedgeEllipseCallout">
+            <a:avLst>
+              <a:gd name="adj1" fmla="val -62247"/>
+              <a:gd name="adj2" fmla="val 62500"/>
+            </a:avLst>
+          </a:prstGeom>
+          <a:solidFill>
+            <a:srgbClr val="FF0000"/>
+          </a:solidFill>
+          <a:ln>
+            <a:round/>
+          </a:ln>
+        </p:spPr>
+        <p:style>
+          <a:lnRef idx="2">
+            <a:schemeClr val="accent1">
+              <a:shade val="50000"/>
+            </a:schemeClr>
+          </a:lnRef>
+          <a:fillRef idx="1">
+            <a:schemeClr val="accent1"/>
+          </a:fillRef>
+          <a:effectRef idx="0">
+            <a:schemeClr val="accent1"/>
+          </a:effectRef>
+          <a:fontRef idx="minor"/>
+        </p:style>
+        <p:txBody>
+          <a:bodyPr lIns="90000" tIns="45000" rIns="90000" bIns="45000" anchor="ctr"/>
+          <a:lstStyle/>
+          <a:p>
+            <a:pPr algn="ctr">
+              <a:lnSpc>
+                <a:spcPct val="100000"/>
+              </a:lnSpc>
+            </a:pPr>
+            <a:r>
+              <a:rPr lang="en-US" sz="1350" b="0" strike="noStrike" spc="-1">
+                <a:solidFill>
+                  <a:srgbClr val="FFFFFF"/>
+                </a:solidFill>
+                <a:uFill>
+                  <a:solidFill>
+                    <a:srgbClr val="FFFFFF"/>
+                  </a:solidFill>
+                </a:uFill>
+                <a:latin typeface="Calibri"/>
+                <a:ea typeface="DejaVu Sans"/>
+              </a:rPr>
+              <a:t>Viktoria</a:t>
+            </a:r>
+            <a:endParaRPr lang="en-US" sz="1350" b="0" strike="noStrike" spc="-1">
+              <a:solidFill>
+                <a:srgbClr val="000000"/>
+              </a:solidFill>
+              <a:uFill>
+                <a:solidFill>
+                  <a:srgbClr val="FFFFFF"/>
+                </a:solidFill>
+              </a:uFill>
+              <a:latin typeface="DejaVu Sans"/>
+            </a:endParaRPr>
+          </a:p>
+        </p:txBody>
+      </p:sp>
+      <p:sp>
+        <p:nvSpPr>
+          <p:cNvPr id="227" name="CustomShape 3"/>
+          <p:cNvSpPr/>
+          <p:nvPr/>
+        </p:nvSpPr>
+        <p:spPr>
+          <a:xfrm>
+            <a:off x="6886440" y="4414680"/>
+            <a:ext cx="1130760" cy="547920"/>
+          </a:xfrm>
+          <a:prstGeom prst="wedgeEllipseCallout">
+            <a:avLst>
+              <a:gd name="adj1" fmla="val -62247"/>
+              <a:gd name="adj2" fmla="val 62500"/>
+            </a:avLst>
+          </a:prstGeom>
+          <a:solidFill>
+            <a:srgbClr val="FF0000"/>
+          </a:solidFill>
+          <a:ln>
+            <a:round/>
+          </a:ln>
+        </p:spPr>
+        <p:style>
+          <a:lnRef idx="2">
+            <a:schemeClr val="accent1">
+              <a:shade val="50000"/>
+            </a:schemeClr>
+          </a:lnRef>
+          <a:fillRef idx="1">
+            <a:schemeClr val="accent1"/>
+          </a:fillRef>
+          <a:effectRef idx="0">
+            <a:schemeClr val="accent1"/>
+          </a:effectRef>
+          <a:fontRef idx="minor"/>
+        </p:style>
+        <p:txBody>
+          <a:bodyPr lIns="90000" tIns="45000" rIns="90000" bIns="45000" anchor="ctr"/>
+          <a:lstStyle/>
+          <a:p>
+            <a:pPr algn="ctr">
+              <a:lnSpc>
+                <a:spcPct val="100000"/>
+              </a:lnSpc>
+            </a:pPr>
+            <a:r>
+              <a:rPr lang="en-US" sz="1350" b="0" strike="noStrike" spc="-1">
+                <a:solidFill>
+                  <a:srgbClr val="FFFFFF"/>
+                </a:solidFill>
+                <a:uFill>
+                  <a:solidFill>
+                    <a:srgbClr val="FFFFFF"/>
+                  </a:solidFill>
+                </a:uFill>
+                <a:latin typeface="Calibri"/>
+                <a:ea typeface="DejaVu Sans"/>
+              </a:rPr>
+              <a:t>IT Koolitus</a:t>
+            </a:r>
+            <a:endParaRPr lang="en-US" sz="1350" b="0" strike="noStrike" spc="-1">
+              <a:solidFill>
+                <a:srgbClr val="000000"/>
+              </a:solidFill>
+              <a:uFill>
+                <a:solidFill>
+                  <a:srgbClr val="FFFFFF"/>
+                </a:solidFill>
+              </a:uFill>
+              <a:latin typeface="DejaVu Sans"/>
+            </a:endParaRPr>
+          </a:p>
+        </p:txBody>
+      </p:sp>
+      <p:sp>
+        <p:nvSpPr>
+          <p:cNvPr id="228" name="CustomShape 4"/>
+          <p:cNvSpPr/>
+          <p:nvPr/>
+        </p:nvSpPr>
+        <p:spPr>
+          <a:xfrm>
+            <a:off x="2211840" y="3343320"/>
+            <a:ext cx="1290960" cy="673560"/>
+          </a:xfrm>
+          <a:prstGeom prst="ellipse">
+            <a:avLst/>
+          </a:prstGeom>
+          <a:solidFill>
+            <a:srgbClr val="FF0000"/>
+          </a:solidFill>
+          <a:ln>
+            <a:round/>
+          </a:ln>
+        </p:spPr>
+        <p:style>
+          <a:lnRef idx="2">
+            <a:schemeClr val="accent1">
+              <a:shade val="50000"/>
+            </a:schemeClr>
+          </a:lnRef>
+          <a:fillRef idx="1">
+            <a:schemeClr val="accent1"/>
+          </a:fillRef>
+          <a:effectRef idx="0">
+            <a:schemeClr val="accent1"/>
+          </a:effectRef>
+          <a:fontRef idx="minor"/>
+        </p:style>
+        <p:txBody>
+          <a:bodyPr lIns="90000" tIns="45000" rIns="90000" bIns="45000" anchor="ctr"/>
+          <a:lstStyle/>
+          <a:p>
+            <a:pPr algn="ctr">
+              <a:lnSpc>
+                <a:spcPct val="100000"/>
+              </a:lnSpc>
+            </a:pPr>
+            <a:r>
+              <a:rPr lang="en-US" sz="1350" b="0" strike="noStrike" spc="-1">
+                <a:solidFill>
+                  <a:srgbClr val="FFFFFF"/>
+                </a:solidFill>
+                <a:uFill>
+                  <a:solidFill>
+                    <a:srgbClr val="FFFFFF"/>
+                  </a:solidFill>
+                </a:uFill>
+                <a:latin typeface="Calibri"/>
+                <a:ea typeface="DejaVu Sans"/>
+              </a:rPr>
+              <a:t>Ülemiste keskus</a:t>
+            </a:r>
+            <a:endParaRPr lang="en-US" sz="1350" b="0" strike="noStrike" spc="-1">
+              <a:solidFill>
+                <a:srgbClr val="000000"/>
+              </a:solidFill>
+              <a:uFill>
+                <a:solidFill>
+                  <a:srgbClr val="FFFFFF"/>
+                </a:solidFill>
+              </a:uFill>
+              <a:latin typeface="DejaVu Sans"/>
+            </a:endParaRPr>
+          </a:p>
+        </p:txBody>
+      </p:sp>
+      <p:sp>
+        <p:nvSpPr>
+          <p:cNvPr id="229" name="CustomShape 5"/>
+          <p:cNvSpPr/>
+          <p:nvPr/>
+        </p:nvSpPr>
+        <p:spPr>
+          <a:xfrm>
+            <a:off x="7808760" y="3519000"/>
+            <a:ext cx="1130760" cy="547920"/>
+          </a:xfrm>
+          <a:prstGeom prst="wedgeEllipseCallout">
+            <a:avLst>
+              <a:gd name="adj1" fmla="val -62247"/>
+              <a:gd name="adj2" fmla="val 62500"/>
+            </a:avLst>
+          </a:prstGeom>
+          <a:solidFill>
+            <a:srgbClr val="FF0000"/>
+          </a:solidFill>
+          <a:ln>
+            <a:round/>
+          </a:ln>
+        </p:spPr>
+        <p:style>
+          <a:lnRef idx="2">
+            <a:schemeClr val="accent1">
+              <a:shade val="50000"/>
+            </a:schemeClr>
+          </a:lnRef>
+          <a:fillRef idx="1">
+            <a:schemeClr val="accent1"/>
+          </a:fillRef>
+          <a:effectRef idx="0">
+            <a:schemeClr val="accent1"/>
+          </a:effectRef>
+          <a:fontRef idx="minor"/>
+        </p:style>
+        <p:txBody>
+          <a:bodyPr lIns="90000" tIns="45000" rIns="90000" bIns="45000" anchor="ctr"/>
+          <a:lstStyle/>
+          <a:p>
+            <a:pPr algn="ctr">
+              <a:lnSpc>
+                <a:spcPct val="100000"/>
+              </a:lnSpc>
+            </a:pPr>
+            <a:r>
+              <a:rPr lang="en-US" sz="1350" b="0" strike="noStrike" spc="-1">
+                <a:solidFill>
+                  <a:srgbClr val="FFFFFF"/>
+                </a:solidFill>
+                <a:uFill>
+                  <a:solidFill>
+                    <a:srgbClr val="FFFFFF"/>
+                  </a:solidFill>
+                </a:uFill>
+                <a:latin typeface="Calibri"/>
+                <a:ea typeface="DejaVu Sans"/>
+              </a:rPr>
+              <a:t>Dvigatel</a:t>
+            </a:r>
+            <a:endParaRPr lang="en-US" sz="1350" b="0" strike="noStrike" spc="-1">
+              <a:solidFill>
+                <a:srgbClr val="000000"/>
+              </a:solidFill>
+              <a:uFill>
+                <a:solidFill>
+                  <a:srgbClr val="FFFFFF"/>
+                </a:solidFill>
+              </a:uFill>
+              <a:latin typeface="DejaVu Sans"/>
+            </a:endParaRPr>
+          </a:p>
+        </p:txBody>
+      </p:sp>
+      <p:sp>
+        <p:nvSpPr>
+          <p:cNvPr id="230" name="CustomShape 6"/>
+          <p:cNvSpPr/>
+          <p:nvPr/>
+        </p:nvSpPr>
+        <p:spPr>
+          <a:xfrm>
+            <a:off x="7104960" y="2121120"/>
+            <a:ext cx="1130760" cy="547920"/>
+          </a:xfrm>
+          <a:prstGeom prst="wedgeEllipseCallout">
+            <a:avLst>
+              <a:gd name="adj1" fmla="val -63930"/>
+              <a:gd name="adj2" fmla="val -46875"/>
+            </a:avLst>
+          </a:prstGeom>
+          <a:solidFill>
+            <a:srgbClr val="FF0000"/>
+          </a:solidFill>
+          <a:ln>
+            <a:round/>
+          </a:ln>
+        </p:spPr>
+        <p:style>
+          <a:lnRef idx="2">
+            <a:schemeClr val="accent1">
+              <a:shade val="50000"/>
+            </a:schemeClr>
+          </a:lnRef>
+          <a:fillRef idx="1">
+            <a:schemeClr val="accent1"/>
+          </a:fillRef>
+          <a:effectRef idx="0">
+            <a:schemeClr val="accent1"/>
+          </a:effectRef>
+          <a:fontRef idx="minor"/>
+        </p:style>
+        <p:txBody>
+          <a:bodyPr lIns="90000" tIns="45000" rIns="90000" bIns="45000" anchor="ctr"/>
+          <a:lstStyle/>
+          <a:p>
+            <a:pPr algn="ctr">
+              <a:lnSpc>
+                <a:spcPct val="100000"/>
+              </a:lnSpc>
+            </a:pPr>
+            <a:r>
+              <a:rPr lang="en-US" sz="1350" b="0" strike="noStrike" spc="-1">
+                <a:solidFill>
+                  <a:srgbClr val="FFFFFF"/>
+                </a:solidFill>
+                <a:uFill>
+                  <a:solidFill>
+                    <a:srgbClr val="FFFFFF"/>
+                  </a:solidFill>
+                </a:uFill>
+                <a:latin typeface="Calibri"/>
+                <a:ea typeface="DejaVu Sans"/>
+              </a:rPr>
+              <a:t>Scetch House</a:t>
+            </a:r>
+            <a:endParaRPr lang="en-US" sz="1350" b="0" strike="noStrike" spc="-1">
+              <a:solidFill>
+                <a:srgbClr val="000000"/>
+              </a:solidFill>
+              <a:uFill>
+                <a:solidFill>
+                  <a:srgbClr val="FFFFFF"/>
+                </a:solidFill>
+              </a:uFill>
+              <a:latin typeface="DejaVu Sans"/>
+            </a:endParaRPr>
+          </a:p>
+        </p:txBody>
+      </p:sp>
+    </p:spTree>
+  </p:cSld>
+  <p:clrMapOvr>
+    <a:masterClrMapping/>
+  </p:clrMapOvr>
+  <p:timing>
+    <p:tnLst>
+      <p:par>
+        <p:cTn id="1" dur="indefinite" restart="never" nodeType="tmRoot">
+          <p:childTnLst>
+            <p:seq>
+              <p:cTn id="2" nodeType="mainSeq"/>
+              <p:prevCondLst>
+                <p:cond evt="onPrev" delay="0">
+                  <p:tgtEl>
+                    <p:sldTgt/>
+                  </p:tgtEl>
+                </p:cond>
+              </p:prevCondLst>
+              <p:nextCondLst>
+                <p:cond evt="onNext" delay="0">
+                  <p:tgtEl>
+                    <p:sldTgt/>
+                  </p:tgtEl>
+                </p:cond>
+              </p:nextCondLst>
+            </p:seq>
+          </p:childTnLst>
+        </p:cTn>
+      </p:par>
+    </p:tnLst>
+  </p:timing>
+</p:sld>
+</file>
+
+<file path=ppt/slides/slide12.xml><?xml version="1.0" encoding="utf-8"?>
 <p:sld xmlns:a="http://schemas.openxmlformats.org/drawingml/2006/main" xmlns:r="http://schemas.openxmlformats.org/officeDocument/2006/relationships" xmlns:p="http://schemas.openxmlformats.org/presentationml/2006/main">
   <p:cSld>
     <p:spTree>
@@ -16317,7 +16935,7 @@
       </p:grpSpPr>
       <p:sp>
         <p:nvSpPr>
-          <p:cNvPr id="218" name="CustomShape 1"/>
+          <p:cNvPr id="216" name="CustomShape 1"/>
           <p:cNvSpPr/>
           <p:nvPr/>
         </p:nvSpPr>
@@ -16367,7 +16985,7 @@
                 </a:uFill>
                 <a:latin typeface="Calibri Light"/>
               </a:rPr>
-              <a:t>Päevaplaan</a:t>
+              <a:t>Saame tuttavaks</a:t>
             </a:r>
             <a:endParaRPr lang="en-US" sz="4400" b="0" strike="noStrike" spc="-1">
               <a:solidFill>
@@ -16385,14 +17003,14 @@
       </p:sp>
       <p:sp>
         <p:nvSpPr>
-          <p:cNvPr id="219" name="CustomShape 2"/>
+          <p:cNvPr id="217" name="CustomShape 2"/>
           <p:cNvSpPr/>
           <p:nvPr/>
         </p:nvSpPr>
         <p:spPr>
           <a:xfrm>
             <a:off x="481320" y="1825560"/>
-            <a:ext cx="11266920" cy="3888720"/>
+            <a:ext cx="11266920" cy="3372120"/>
           </a:xfrm>
           <a:prstGeom prst="rect">
             <a:avLst/>
@@ -16417,6 +17035,72 @@
         <p:txBody>
           <a:bodyPr lIns="90000" tIns="45000" rIns="90000" bIns="45000"/>
           <a:lstStyle/>
+          <a:p>
+            <a:pPr marL="720">
+              <a:lnSpc>
+                <a:spcPct val="90000"/>
+              </a:lnSpc>
+              <a:spcBef>
+                <a:spcPts val="1001"/>
+              </a:spcBef>
+              <a:buClr>
+                <a:srgbClr val="595959"/>
+              </a:buClr>
+            </a:pPr>
+            <a:r>
+              <a:rPr lang="en-US" sz="2800" b="0" strike="noStrike" spc="-1" dirty="0" err="1" smtClean="0">
+                <a:solidFill>
+                  <a:srgbClr val="595959"/>
+                </a:solidFill>
+                <a:uFill>
+                  <a:solidFill>
+                    <a:srgbClr val="FFFFFF"/>
+                  </a:solidFill>
+                </a:uFill>
+                <a:latin typeface="Calibri"/>
+              </a:rPr>
+              <a:t>Nimi</a:t>
+            </a:r>
+            <a:r>
+              <a:rPr lang="en-US" sz="2800" b="0" strike="noStrike" spc="-1" dirty="0" smtClean="0">
+                <a:solidFill>
+                  <a:srgbClr val="595959"/>
+                </a:solidFill>
+                <a:uFill>
+                  <a:solidFill>
+                    <a:srgbClr val="FFFFFF"/>
+                  </a:solidFill>
+                </a:uFill>
+                <a:latin typeface="Calibri"/>
+              </a:rPr>
+              <a:t>: </a:t>
+            </a:r>
+            <a:r>
+              <a:rPr lang="et-EE" sz="2800" b="0" strike="noStrike" spc="-1" dirty="0" smtClean="0">
+                <a:solidFill>
+                  <a:srgbClr val="595959"/>
+                </a:solidFill>
+                <a:uFill>
+                  <a:solidFill>
+                    <a:srgbClr val="FFFFFF"/>
+                  </a:solidFill>
+                </a:uFill>
+                <a:latin typeface="Calibri"/>
+              </a:rPr>
+              <a:t>Tuuli </a:t>
+            </a:r>
+            <a:endParaRPr lang="en-US" sz="2800" b="0" strike="noStrike" spc="-1" dirty="0">
+              <a:solidFill>
+                <a:srgbClr val="000000"/>
+              </a:solidFill>
+              <a:uFill>
+                <a:solidFill>
+                  <a:srgbClr val="FFFFFF"/>
+                </a:solidFill>
+              </a:uFill>
+              <a:latin typeface="DejaVu Sans"/>
+            </a:endParaRPr>
+          </a:p>
           <a:p>
             <a:pPr marL="228600" indent="-227880">
               <a:lnSpc>
@@ -16432,7 +17116,7 @@
               <a:buChar char="•"/>
             </a:pPr>
             <a:r>
-              <a:rPr lang="en-US" sz="2800" b="0" strike="noStrike" spc="-1">
+              <a:rPr lang="en-US" sz="2800" b="0" strike="noStrike" spc="-1" dirty="0" err="1">
                 <a:solidFill>
                   <a:srgbClr val="595959"/>
                 </a:solidFill>
@@ -16443,38 +17127,12 @@
                 </a:uFill>
                 <a:latin typeface="Calibri"/>
               </a:rPr>
-              <a:t>9:00 – 10:30 Koolitus</a:t>
+              <a:t>Varasem</a:t>
             </a:r>
-            <a:endParaRPr lang="en-US" sz="2800" b="0" strike="noStrike" spc="-1">
-              <a:solidFill>
-                <a:srgbClr val="000000"/>
-              </a:solidFill>
-              <a:uFill>
-                <a:solidFill>
-                  <a:srgbClr val="FFFFFF"/>
-                </a:solidFill>
-              </a:uFill>
-              <a:latin typeface="DejaVu Sans"/>
-            </a:endParaRPr>
-          </a:p>
-          <a:p>
-            <a:pPr marL="685800" lvl="1" indent="-227880">
-              <a:lnSpc>
-                <a:spcPct val="100000"/>
-              </a:lnSpc>
-              <a:spcBef>
-                <a:spcPts val="499"/>
-              </a:spcBef>
-              <a:buClr>
-                <a:srgbClr val="939393"/>
-              </a:buClr>
-              <a:buFont typeface="Arial"/>
-              <a:buChar char="•"/>
-            </a:pPr>
             <a:r>
-              <a:rPr lang="en-US" sz="2400" b="0" strike="noStrike" spc="-1">
-                <a:solidFill>
-                  <a:srgbClr val="939393"/>
+              <a:rPr lang="en-US" sz="2800" b="0" strike="noStrike" spc="-1" dirty="0">
+                <a:solidFill>
+                  <a:srgbClr val="595959"/>
                 </a:solidFill>
                 <a:uFill>
                   <a:solidFill>
@@ -16483,9 +17141,72 @@
                 </a:uFill>
                 <a:latin typeface="Calibri"/>
               </a:rPr>
-              <a:t>10:30 – 10:45 Paus</a:t>
+              <a:t> </a:t>
             </a:r>
-            <a:endParaRPr lang="en-US" sz="2400" b="0" strike="noStrike" spc="-1">
+            <a:r>
+              <a:rPr lang="en-US" sz="2800" b="0" strike="noStrike" spc="-1" dirty="0" err="1" smtClean="0">
+                <a:solidFill>
+                  <a:srgbClr val="595959"/>
+                </a:solidFill>
+                <a:uFill>
+                  <a:solidFill>
+                    <a:srgbClr val="FFFFFF"/>
+                  </a:solidFill>
+                </a:uFill>
+                <a:latin typeface="Calibri"/>
+              </a:rPr>
+              <a:t>kogemus</a:t>
+            </a:r>
+            <a:r>
+              <a:rPr lang="en-US" sz="2800" b="0" strike="noStrike" spc="-1" dirty="0" smtClean="0">
+                <a:solidFill>
+                  <a:srgbClr val="595959"/>
+                </a:solidFill>
+                <a:uFill>
+                  <a:solidFill>
+                    <a:srgbClr val="FFFFFF"/>
+                  </a:solidFill>
+                </a:uFill>
+                <a:latin typeface="Calibri"/>
+              </a:rPr>
+              <a:t>: </a:t>
+            </a:r>
+            <a:r>
+              <a:rPr lang="et-EE" sz="2800" b="0" strike="noStrike" spc="-1" dirty="0" smtClean="0">
+                <a:solidFill>
+                  <a:srgbClr val="595959"/>
+                </a:solidFill>
+                <a:uFill>
+                  <a:solidFill>
+                    <a:srgbClr val="FFFFFF"/>
+                  </a:solidFill>
+                </a:uFill>
+                <a:latin typeface="Calibri"/>
+              </a:rPr>
+              <a:t>Interaktsioonidisain, autorvahendid</a:t>
+            </a:r>
+            <a:endParaRPr lang="en-US" sz="2800" b="0" strike="noStrike" spc="-1" dirty="0">
+              <a:solidFill>
+                <a:srgbClr val="000000"/>
+              </a:solidFill>
+              <a:uFill>
+                <a:solidFill>
+                  <a:srgbClr val="FFFFFF"/>
+                </a:solidFill>
+              </a:uFill>
+              <a:latin typeface="DejaVu Sans"/>
+            </a:endParaRPr>
+          </a:p>
+          <a:p>
+            <a:pPr>
+              <a:lnSpc>
+                <a:spcPct val="90000"/>
+              </a:lnSpc>
+              <a:spcBef>
+                <a:spcPts val="1001"/>
+              </a:spcBef>
+            </a:pPr>
+            <a:endParaRPr lang="en-US" sz="2800" b="0" strike="noStrike" spc="-1" dirty="0">
               <a:solidFill>
                 <a:srgbClr val="000000"/>
               </a:solidFill>
@@ -16512,7 +17233,7 @@
               <a:buChar char="•"/>
             </a:pPr>
             <a:r>
-              <a:rPr lang="en-US" sz="2800" b="0" strike="noStrike" spc="-1">
+              <a:rPr lang="en-US" sz="2800" b="0" strike="noStrike" spc="-1" dirty="0" err="1" smtClean="0">
                 <a:solidFill>
                   <a:srgbClr val="595959"/>
                 </a:solidFill>
@@ -16523,38 +17244,12 @@
                 </a:uFill>
                 <a:latin typeface="Calibri"/>
               </a:rPr>
-              <a:t>10:45 – 12:15 Koolitus</a:t>
+              <a:t>Ootused</a:t>
             </a:r>
-            <a:endParaRPr lang="en-US" sz="2800" b="0" strike="noStrike" spc="-1">
-              <a:solidFill>
-                <a:srgbClr val="000000"/>
-              </a:solidFill>
-              <a:uFill>
-                <a:solidFill>
-                  <a:srgbClr val="FFFFFF"/>
-                </a:solidFill>
-              </a:uFill>
-              <a:latin typeface="DejaVu Sans"/>
-            </a:endParaRPr>
-          </a:p>
-          <a:p>
-            <a:pPr marL="685800" lvl="1" indent="-227880">
-              <a:lnSpc>
-                <a:spcPct val="100000"/>
-              </a:lnSpc>
-              <a:spcBef>
-                <a:spcPts val="499"/>
-              </a:spcBef>
-              <a:buClr>
-                <a:srgbClr val="939393"/>
-              </a:buClr>
-              <a:buFont typeface="Arial"/>
-              <a:buChar char="•"/>
-            </a:pPr>
             <a:r>
-              <a:rPr lang="en-US" sz="2400" b="0" strike="noStrike" spc="-1">
-                <a:solidFill>
-                  <a:srgbClr val="939393"/>
+              <a:rPr lang="en-US" sz="2800" b="0" strike="noStrike" spc="-1" dirty="0" smtClean="0">
+                <a:solidFill>
+                  <a:srgbClr val="595959"/>
                 </a:solidFill>
                 <a:uFill>
                   <a:solidFill>
@@ -16563,36 +17258,10 @@
                 </a:uFill>
                 <a:latin typeface="Calibri"/>
               </a:rPr>
-              <a:t>12:15 – 13:00 Lõuna</a:t>
+              <a:t> web </a:t>
             </a:r>
-            <a:endParaRPr lang="en-US" sz="2400" b="0" strike="noStrike" spc="-1">
-              <a:solidFill>
-                <a:srgbClr val="000000"/>
-              </a:solidFill>
-              <a:uFill>
-                <a:solidFill>
-                  <a:srgbClr val="FFFFFF"/>
-                </a:solidFill>
-              </a:uFill>
-              <a:latin typeface="DejaVu Sans"/>
-            </a:endParaRPr>
-          </a:p>
-          <a:p>
-            <a:pPr marL="228600" indent="-227880">
-              <a:lnSpc>
-                <a:spcPct val="90000"/>
-              </a:lnSpc>
-              <a:spcBef>
-                <a:spcPts val="1001"/>
-              </a:spcBef>
-              <a:buClr>
-                <a:srgbClr val="595959"/>
-              </a:buClr>
-              <a:buFont typeface="Arial"/>
-              <a:buChar char="•"/>
-            </a:pPr>
             <a:r>
-              <a:rPr lang="en-US" sz="2800" b="0" strike="noStrike" spc="-1">
+              <a:rPr lang="en-US" sz="2800" b="0" strike="noStrike" spc="-1" dirty="0" err="1" smtClean="0">
                 <a:solidFill>
                   <a:srgbClr val="595959"/>
                 </a:solidFill>
@@ -16603,9 +17272,37 @@
                 </a:uFill>
                 <a:latin typeface="Calibri"/>
               </a:rPr>
-              <a:t>13:00 – 14:30 Koolitus</a:t>
+              <a:t>kasutusmugavus</a:t>
             </a:r>
-            <a:endParaRPr lang="en-US" sz="2800" b="0" strike="noStrike" spc="-1">
+            <a:r>
+              <a:rPr lang="et-EE" sz="2800" b="0" strike="noStrike" spc="-1" dirty="0" smtClean="0">
+                <a:solidFill>
+                  <a:srgbClr val="595959"/>
+                </a:solidFill>
+                <a:uFill>
+                  <a:solidFill>
+                    <a:srgbClr val="FFFFFF"/>
+                  </a:solidFill>
+                </a:uFill>
+                <a:latin typeface="Calibri"/>
+              </a:rPr>
+              <a:t>, </a:t>
+            </a:r>
+            <a:r>
+              <a:rPr lang="et-EE" sz="2800" b="0" strike="noStrike" spc="-1" smtClean="0">
+                <a:solidFill>
+                  <a:srgbClr val="595959"/>
+                </a:solidFill>
+                <a:uFill>
+                  <a:solidFill>
+                    <a:srgbClr val="FFFFFF"/>
+                  </a:solidFill>
+                </a:uFill>
+                <a:latin typeface="Calibri"/>
+              </a:rPr>
+              <a:t>veebilehe loomne</a:t>
+            </a:r>
+            <a:endParaRPr lang="en-US" sz="2800" b="0" strike="noStrike" spc="-1" dirty="0">
               <a:solidFill>
                 <a:srgbClr val="000000"/>
               </a:solidFill>
@@ -16620,6 +17317,11 @@
         </p:txBody>
       </p:sp>
     </p:spTree>
+    <p:extLst>
+      <p:ext uri="{BB962C8B-B14F-4D97-AF65-F5344CB8AC3E}">
+        <p14:creationId xmlns:p14="http://schemas.microsoft.com/office/powerpoint/2010/main" val="1947543668"/>
+      </p:ext>
+    </p:extLst>
   </p:cSld>
   <p:clrMapOvr>
     <a:masterClrMapping/>
@@ -16673,7 +17375,7 @@
       </p:grpSpPr>
       <p:sp>
         <p:nvSpPr>
-          <p:cNvPr id="220" name="CustomShape 1"/>
+          <p:cNvPr id="218" name="CustomShape 1"/>
           <p:cNvSpPr/>
           <p:nvPr/>
         </p:nvSpPr>
@@ -16723,7 +17425,7 @@
                 </a:uFill>
                 <a:latin typeface="Calibri Light"/>
               </a:rPr>
-              <a:t>Koolituse teemad</a:t>
+              <a:t>Päevaplaan</a:t>
             </a:r>
             <a:endParaRPr lang="en-US" sz="4400" b="0" strike="noStrike" spc="-1">
               <a:solidFill>
@@ -16741,14 +17443,14 @@
       </p:sp>
       <p:sp>
         <p:nvSpPr>
-          <p:cNvPr id="221" name="CustomShape 2"/>
+          <p:cNvPr id="219" name="CustomShape 2"/>
           <p:cNvSpPr/>
           <p:nvPr/>
         </p:nvSpPr>
         <p:spPr>
           <a:xfrm>
             <a:off x="481320" y="1825560"/>
-            <a:ext cx="11266920" cy="3372120"/>
+            <a:ext cx="11266920" cy="3888720"/>
           </a:xfrm>
           <a:prstGeom prst="rect">
             <a:avLst/>
@@ -16771,9 +17473,7 @@
           <a:fontRef idx="minor"/>
         </p:style>
         <p:txBody>
-          <a:bodyPr lIns="90000" tIns="45000" rIns="90000" bIns="45000">
-            <a:normAutofit fontScale="92500" lnSpcReduction="20000"/>
-          </a:bodyPr>
+          <a:bodyPr lIns="90000" tIns="45000" rIns="90000" bIns="45000"/>
           <a:lstStyle/>
           <a:p>
             <a:pPr marL="228600" indent="-227880">
@@ -16801,9 +17501,49 @@
                 </a:uFill>
                 <a:latin typeface="Calibri"/>
               </a:rPr>
-              <a:t>Kodulehe struktuur, selle mõju SEO-le ja koodi haldamine.</a:t>
+              <a:t>9:00 – 10:30 Koolitus</a:t>
             </a:r>
             <a:endParaRPr lang="en-US" sz="2800" b="0" strike="noStrike" spc="-1">
+              <a:solidFill>
+                <a:srgbClr val="000000"/>
+              </a:solidFill>
+              <a:uFill>
+                <a:solidFill>
+                  <a:srgbClr val="FFFFFF"/>
+                </a:solidFill>
+              </a:uFill>
+              <a:latin typeface="DejaVu Sans"/>
+            </a:endParaRPr>
+          </a:p>
+          <a:p>
+            <a:pPr marL="685800" lvl="1" indent="-227880">
+              <a:lnSpc>
+                <a:spcPct val="100000"/>
+              </a:lnSpc>
+              <a:spcBef>
+                <a:spcPts val="499"/>
+              </a:spcBef>
+              <a:buClr>
+                <a:srgbClr val="939393"/>
+              </a:buClr>
+              <a:buFont typeface="Arial"/>
+              <a:buChar char="•"/>
+            </a:pPr>
+            <a:r>
+              <a:rPr lang="en-US" sz="2400" b="0" strike="noStrike" spc="-1">
+                <a:solidFill>
+                  <a:srgbClr val="939393"/>
+                </a:solidFill>
+                <a:uFill>
+                  <a:solidFill>
+                    <a:srgbClr val="FFFFFF"/>
+                  </a:solidFill>
+                </a:uFill>
+                <a:latin typeface="Calibri"/>
+              </a:rPr>
+              <a:t>10:30 – 10:45 Paus</a:t>
+            </a:r>
+            <a:endParaRPr lang="en-US" sz="2400" b="0" strike="noStrike" spc="-1">
               <a:solidFill>
                 <a:srgbClr val="000000"/>
               </a:solidFill>
@@ -16841,9 +17581,49 @@
                 </a:uFill>
                 <a:latin typeface="Calibri"/>
               </a:rPr>
-              <a:t>Kodulehe kujundamine, animeerimine ja responsive design.</a:t>
+              <a:t>10:45 – 12:15 Koolitus</a:t>
             </a:r>
             <a:endParaRPr lang="en-US" sz="2800" b="0" strike="noStrike" spc="-1">
+              <a:solidFill>
+                <a:srgbClr val="000000"/>
+              </a:solidFill>
+              <a:uFill>
+                <a:solidFill>
+                  <a:srgbClr val="FFFFFF"/>
+                </a:solidFill>
+              </a:uFill>
+              <a:latin typeface="DejaVu Sans"/>
+            </a:endParaRPr>
+          </a:p>
+          <a:p>
+            <a:pPr marL="685800" lvl="1" indent="-227880">
+              <a:lnSpc>
+                <a:spcPct val="100000"/>
+              </a:lnSpc>
+              <a:spcBef>
+                <a:spcPts val="499"/>
+              </a:spcBef>
+              <a:buClr>
+                <a:srgbClr val="939393"/>
+              </a:buClr>
+              <a:buFont typeface="Arial"/>
+              <a:buChar char="•"/>
+            </a:pPr>
+            <a:r>
+              <a:rPr lang="en-US" sz="2400" b="0" strike="noStrike" spc="-1">
+                <a:solidFill>
+                  <a:srgbClr val="939393"/>
+                </a:solidFill>
+                <a:uFill>
+                  <a:solidFill>
+                    <a:srgbClr val="FFFFFF"/>
+                  </a:solidFill>
+                </a:uFill>
+                <a:latin typeface="Calibri"/>
+              </a:rPr>
+              <a:t>12:15 – 13:00 Lõuna</a:t>
+            </a:r>
+            <a:endParaRPr lang="en-US" sz="2400" b="0" strike="noStrike" spc="-1">
               <a:solidFill>
                 <a:srgbClr val="000000"/>
               </a:solidFill>
@@ -16881,202 +17661,7 @@
                 </a:uFill>
                 <a:latin typeface="Calibri"/>
               </a:rPr>
-              <a:t>Programeerimine Javascriptis ja kodulehe dünaamiliseks loomine.</a:t>
-            </a:r>
-            <a:endParaRPr lang="en-US" sz="2800" b="0" strike="noStrike" spc="-1">
-              <a:solidFill>
-                <a:srgbClr val="000000"/>
-              </a:solidFill>
-              <a:uFill>
-                <a:solidFill>
-                  <a:srgbClr val="FFFFFF"/>
-                </a:solidFill>
-              </a:uFill>
-              <a:latin typeface="DejaVu Sans"/>
-            </a:endParaRPr>
-          </a:p>
-          <a:p>
-            <a:pPr marL="228600" indent="-227880">
-              <a:lnSpc>
-                <a:spcPct val="90000"/>
-              </a:lnSpc>
-              <a:spcBef>
-                <a:spcPts val="1001"/>
-              </a:spcBef>
-              <a:buClr>
-                <a:srgbClr val="595959"/>
-              </a:buClr>
-              <a:buFont typeface="Arial"/>
-              <a:buChar char="•"/>
-            </a:pPr>
-            <a:r>
-              <a:rPr lang="en-US" sz="2800" b="0" strike="noStrike" spc="-1">
-                <a:solidFill>
-                  <a:srgbClr val="595959"/>
-                </a:solidFill>
-                <a:uFill>
-                  <a:solidFill>
-                    <a:srgbClr val="FFFFFF"/>
-                  </a:solidFill>
-                </a:uFill>
-                <a:latin typeface="Calibri"/>
-              </a:rPr>
-              <a:t>Web APId, nende kasutusvõimalused ja muud veebi tehnoloogiad.</a:t>
-            </a:r>
-            <a:endParaRPr lang="en-US" sz="2800" b="0" strike="noStrike" spc="-1">
-              <a:solidFill>
-                <a:srgbClr val="000000"/>
-              </a:solidFill>
-              <a:uFill>
-                <a:solidFill>
-                  <a:srgbClr val="FFFFFF"/>
-                </a:solidFill>
-              </a:uFill>
-              <a:latin typeface="DejaVu Sans"/>
-            </a:endParaRPr>
-          </a:p>
-          <a:p>
-            <a:pPr marL="228600" indent="-227880">
-              <a:lnSpc>
-                <a:spcPct val="90000"/>
-              </a:lnSpc>
-              <a:spcBef>
-                <a:spcPts val="1001"/>
-              </a:spcBef>
-              <a:buClr>
-                <a:srgbClr val="595959"/>
-              </a:buClr>
-              <a:buFont typeface="Arial"/>
-              <a:buChar char="•"/>
-            </a:pPr>
-            <a:r>
-              <a:rPr lang="en-US" sz="2800" b="0" strike="noStrike" spc="-1">
-                <a:solidFill>
-                  <a:srgbClr val="595959"/>
-                </a:solidFill>
-                <a:uFill>
-                  <a:solidFill>
-                    <a:srgbClr val="FFFFFF"/>
-                  </a:solidFill>
-                </a:uFill>
-                <a:latin typeface="Calibri"/>
-              </a:rPr>
-              <a:t>Tööriistad veebiarenduses ja lokaalse serveri ülesseadmine.</a:t>
-            </a:r>
-            <a:endParaRPr lang="en-US" sz="2800" b="0" strike="noStrike" spc="-1">
-              <a:solidFill>
-                <a:srgbClr val="000000"/>
-              </a:solidFill>
-              <a:uFill>
-                <a:solidFill>
-                  <a:srgbClr val="FFFFFF"/>
-                </a:solidFill>
-              </a:uFill>
-              <a:latin typeface="DejaVu Sans"/>
-            </a:endParaRPr>
-          </a:p>
-          <a:p>
-            <a:pPr marL="228600" indent="-227880">
-              <a:lnSpc>
-                <a:spcPct val="90000"/>
-              </a:lnSpc>
-              <a:spcBef>
-                <a:spcPts val="1001"/>
-              </a:spcBef>
-              <a:buClr>
-                <a:srgbClr val="595959"/>
-              </a:buClr>
-              <a:buFont typeface="Arial"/>
-              <a:buChar char="•"/>
-            </a:pPr>
-            <a:r>
-              <a:rPr lang="en-US" sz="2800" b="0" strike="noStrike" spc="-1">
-                <a:solidFill>
-                  <a:srgbClr val="595959"/>
-                </a:solidFill>
-                <a:uFill>
-                  <a:solidFill>
-                    <a:srgbClr val="FFFFFF"/>
-                  </a:solidFill>
-                </a:uFill>
-                <a:latin typeface="Calibri"/>
-              </a:rPr>
-              <a:t>Kaasaaegne front-end arendus ja testimine.</a:t>
-            </a:r>
-            <a:endParaRPr lang="en-US" sz="2800" b="0" strike="noStrike" spc="-1">
-              <a:solidFill>
-                <a:srgbClr val="000000"/>
-              </a:solidFill>
-              <a:uFill>
-                <a:solidFill>
-                  <a:srgbClr val="FFFFFF"/>
-                </a:solidFill>
-              </a:uFill>
-              <a:latin typeface="DejaVu Sans"/>
-            </a:endParaRPr>
-          </a:p>
-          <a:p>
-            <a:pPr marL="228600" indent="-227880">
-              <a:lnSpc>
-                <a:spcPct val="90000"/>
-              </a:lnSpc>
-              <a:spcBef>
-                <a:spcPts val="1001"/>
-              </a:spcBef>
-              <a:buClr>
-                <a:srgbClr val="595959"/>
-              </a:buClr>
-              <a:buFont typeface="Arial"/>
-              <a:buChar char="•"/>
-            </a:pPr>
-            <a:r>
-              <a:rPr lang="en-US" sz="2800" b="0" strike="noStrike" spc="-1">
-                <a:solidFill>
-                  <a:srgbClr val="595959"/>
-                </a:solidFill>
-                <a:uFill>
-                  <a:solidFill>
-                    <a:srgbClr val="FFFFFF"/>
-                  </a:solidFill>
-                </a:uFill>
-                <a:latin typeface="Calibri"/>
-              </a:rPr>
-              <a:t>Veebi- ja tarkvaraarenduse metoodikad ja IT ettevõtete struktuurid.</a:t>
-            </a:r>
-            <a:endParaRPr lang="en-US" sz="2800" b="0" strike="noStrike" spc="-1">
-              <a:solidFill>
-                <a:srgbClr val="000000"/>
-              </a:solidFill>
-              <a:uFill>
-                <a:solidFill>
-                  <a:srgbClr val="FFFFFF"/>
-                </a:solidFill>
-              </a:uFill>
-              <a:latin typeface="DejaVu Sans"/>
-            </a:endParaRPr>
-          </a:p>
-          <a:p>
-            <a:pPr>
-              <a:lnSpc>
-                <a:spcPct val="100000"/>
-              </a:lnSpc>
-              <a:spcBef>
-                <a:spcPts val="1001"/>
-              </a:spcBef>
-            </a:pPr>
-            <a:r>
-              <a:rPr lang="en-US" sz="2800" b="0" strike="noStrike" spc="-1">
-                <a:solidFill>
-                  <a:srgbClr val="595959"/>
-                </a:solidFill>
-                <a:uFill>
-                  <a:solidFill>
-                    <a:srgbClr val="FFFFFF"/>
-                  </a:solidFill>
-                </a:uFill>
-                <a:latin typeface="Calibri"/>
-              </a:rPr>
-              <a:t>Märge: 3 ja 6 on 2-3 korda mahukamad kui teised.</a:t>
+              <a:t>13:00 – 14:30 Koolitus</a:t>
             </a:r>
             <a:endParaRPr lang="en-US" sz="2800" b="0" strike="noStrike" spc="-1">
               <a:solidFill>
@@ -17146,14 +17731,14 @@
       </p:grpSpPr>
       <p:sp>
         <p:nvSpPr>
-          <p:cNvPr id="222" name="CustomShape 1"/>
+          <p:cNvPr id="220" name="CustomShape 1"/>
           <p:cNvSpPr/>
           <p:nvPr/>
         </p:nvSpPr>
         <p:spPr>
           <a:xfrm>
-            <a:off x="589680" y="365040"/>
-            <a:ext cx="11158560" cy="1324800"/>
+            <a:off x="481320" y="365040"/>
+            <a:ext cx="11266920" cy="1324800"/>
           </a:xfrm>
           <a:prstGeom prst="rect">
             <a:avLst/>
@@ -17196,7 +17781,7 @@
                 </a:uFill>
                 <a:latin typeface="Calibri Light"/>
               </a:rPr>
-              <a:t>Kodukord</a:t>
+              <a:t>Koolituse teemad</a:t>
             </a:r>
             <a:endParaRPr lang="en-US" sz="4400" b="0" strike="noStrike" spc="-1">
               <a:solidFill>
@@ -17214,14 +17799,14 @@
       </p:sp>
       <p:sp>
         <p:nvSpPr>
-          <p:cNvPr id="223" name="CustomShape 2"/>
+          <p:cNvPr id="221" name="CustomShape 2"/>
           <p:cNvSpPr/>
           <p:nvPr/>
         </p:nvSpPr>
         <p:spPr>
           <a:xfrm>
-            <a:off x="589680" y="1825560"/>
-            <a:ext cx="11158560" cy="4143600"/>
+            <a:off x="481320" y="1825560"/>
+            <a:ext cx="11266920" cy="3372120"/>
           </a:xfrm>
           <a:prstGeom prst="rect">
             <a:avLst/>
@@ -17244,7 +17829,9 @@
           <a:fontRef idx="minor"/>
         </p:style>
         <p:txBody>
-          <a:bodyPr lIns="90000" tIns="45000" rIns="90000" bIns="45000"/>
+          <a:bodyPr lIns="90000" tIns="45000" rIns="90000" bIns="45000">
+            <a:normAutofit fontScale="92500" lnSpcReduction="20000"/>
+          </a:bodyPr>
           <a:lstStyle/>
           <a:p>
             <a:pPr marL="228600" indent="-227880">
@@ -17272,7 +17859,7 @@
                 </a:uFill>
                 <a:latin typeface="Calibri"/>
               </a:rPr>
-              <a:t>Joogid ja näksimist</a:t>
+              <a:t>Kodulehe struktuur, selle mõju SEO-le ja koodi haldamine.</a:t>
             </a:r>
             <a:endParaRPr lang="en-US" sz="2800" b="0" strike="noStrike" spc="-1">
               <a:solidFill>
@@ -17312,7 +17899,7 @@
                 </a:uFill>
                 <a:latin typeface="Calibri"/>
               </a:rPr>
-              <a:t>Tualetid</a:t>
+              <a:t>Kodulehe kujundamine, animeerimine ja responsive design.</a:t>
             </a:r>
             <a:endParaRPr lang="en-US" sz="2800" b="0" strike="noStrike" spc="-1">
               <a:solidFill>
@@ -17352,7 +17939,7 @@
                 </a:uFill>
                 <a:latin typeface="Calibri"/>
               </a:rPr>
-              <a:t>Suitsetamine</a:t>
+              <a:t>Programeerimine Javascriptis ja kodulehe dünaamiliseks loomine.</a:t>
             </a:r>
             <a:endParaRPr lang="en-US" sz="2800" b="0" strike="noStrike" spc="-1">
               <a:solidFill>
@@ -17392,7 +17979,7 @@
                 </a:uFill>
                 <a:latin typeface="Calibri"/>
               </a:rPr>
-              <a:t>Mobiiltelefonid</a:t>
+              <a:t>Web APId, nende kasutusvõimalused ja muud veebi tehnoloogiad.</a:t>
             </a:r>
             <a:endParaRPr lang="en-US" sz="2800" b="0" strike="noStrike" spc="-1">
               <a:solidFill>
@@ -17432,7 +18019,7 @@
                 </a:uFill>
                 <a:latin typeface="Calibri"/>
               </a:rPr>
-              <a:t>Küsimused</a:t>
+              <a:t>Tööriistad veebiarenduses ja lokaalse serveri ülesseadmine.</a:t>
             </a:r>
             <a:endParaRPr lang="en-US" sz="2800" b="0" strike="noStrike" spc="-1">
               <a:solidFill>
@@ -17472,29 +18059,8 @@
                 </a:uFill>
                 <a:latin typeface="Calibri"/>
               </a:rPr>
-              <a:t>Lõuna</a:t>
+              <a:t>Kaasaaegne front-end arendus ja testimine.</a:t>
             </a:r>
-            <a:endParaRPr lang="en-US" sz="2800" b="0" strike="noStrike" spc="-1">
-              <a:solidFill>
-                <a:srgbClr val="000000"/>
-              </a:solidFill>
-              <a:uFill>
-                <a:solidFill>
-                  <a:srgbClr val="FFFFFF"/>
-                </a:solidFill>
-              </a:uFill>
-              <a:latin typeface="DejaVu Sans"/>
-            </a:endParaRPr>
-          </a:p>
-          <a:p>
-            <a:pPr>
-              <a:lnSpc>
-                <a:spcPct val="90000"/>
-              </a:lnSpc>
-              <a:spcBef>
-                <a:spcPts val="1001"/>
-              </a:spcBef>
-            </a:pPr>
             <a:endParaRPr lang="en-US" sz="2800" b="0" strike="noStrike" spc="-1">
               <a:solidFill>
                 <a:srgbClr val="000000"/>
@@ -17533,7 +18099,7 @@
                 </a:uFill>
                 <a:latin typeface="Calibri"/>
               </a:rPr>
-              <a:t>NB! Autoga tulijad – kas autonr sai parkimissüsteemi sisestatud?</a:t>
+              <a:t>Veebi- ja tarkvaraarenduse metoodikad ja IT ettevõtete struktuurid.</a:t>
             </a:r>
             <a:endParaRPr lang="en-US" sz="2800" b="0" strike="noStrike" spc="-1">
               <a:solidFill>
@@ -17550,12 +18116,26 @@
           <a:p>
             <a:pPr>
               <a:lnSpc>
-                <a:spcPct val="90000"/>
+                <a:spcPct val="100000"/>
               </a:lnSpc>
               <a:spcBef>
                 <a:spcPts val="1001"/>
               </a:spcBef>
             </a:pPr>
+            <a:r>
+              <a:rPr lang="en-US" sz="2800" b="0" strike="noStrike" spc="-1">
+                <a:solidFill>
+                  <a:srgbClr val="595959"/>
+                </a:solidFill>
+                <a:uFill>
+                  <a:solidFill>
+                    <a:srgbClr val="FFFFFF"/>
+                  </a:solidFill>
+                </a:uFill>
+                <a:latin typeface="Calibri"/>
+              </a:rPr>
+              <a:t>Märge: 3 ja 6 on 2-3 korda mahukamad kui teised.</a:t>
+            </a:r>
             <a:endParaRPr lang="en-US" sz="2800" b="0" strike="noStrike" spc="-1">
               <a:solidFill>
                 <a:srgbClr val="000000"/>

--- a/Front_end_koolitus.pptx
+++ b/Front_end_koolitus.pptx
@@ -17087,7 +17087,7 @@
                 </a:uFill>
                 <a:latin typeface="Calibri"/>
               </a:rPr>
-              <a:t>Tuuli </a:t>
+              <a:t>Terje </a:t>
             </a:r>
             <a:endParaRPr lang="en-US" sz="2800" b="0" strike="noStrike" spc="-1" dirty="0">
               <a:solidFill>
@@ -17183,7 +17183,7 @@
                 </a:uFill>
                 <a:latin typeface="Calibri"/>
               </a:rPr>
-              <a:t>Interaktsioonidisain, autorvahendid</a:t>
+              <a:t>MS Office</a:t>
             </a:r>
             <a:endParaRPr lang="en-US" sz="2800" b="0" strike="noStrike" spc="-1" dirty="0">
               <a:solidFill>
@@ -17300,7 +17300,21 @@
                 </a:uFill>
                 <a:latin typeface="Calibri"/>
               </a:rPr>
-              <a:t>veebilehe loomne</a:t>
+              <a:t>veebilehe </a:t>
+            </a:r>
+            <a:r>
+              <a:rPr lang="et-EE" sz="2800" b="0" strike="noStrike" spc="-1" smtClean="0">
+                <a:solidFill>
+                  <a:srgbClr val="595959"/>
+                </a:solidFill>
+                <a:uFill>
+                  <a:solidFill>
+                    <a:srgbClr val="FFFFFF"/>
+                  </a:solidFill>
+                </a:uFill>
+                <a:latin typeface="Calibri"/>
+              </a:rPr>
+              <a:t>loomine</a:t>
             </a:r>
             <a:endParaRPr lang="en-US" sz="2800" b="0" strike="noStrike" spc="-1" dirty="0">
               <a:solidFill>

--- a/Front_end_koolitus.pptx
+++ b/Front_end_koolitus.pptx
@@ -9,21 +9,22 @@
     <p:sldMasterId id="2147483700" r:id="rId5"/>
   </p:sldMasterIdLst>
   <p:notesMasterIdLst>
-    <p:notesMasterId r:id="rId18"/>
+    <p:notesMasterId r:id="rId19"/>
   </p:notesMasterIdLst>
   <p:sldIdLst>
     <p:sldId id="256" r:id="rId6"/>
     <p:sldId id="257" r:id="rId7"/>
     <p:sldId id="258" r:id="rId8"/>
     <p:sldId id="259" r:id="rId9"/>
-    <p:sldId id="260" r:id="rId10"/>
-    <p:sldId id="266" r:id="rId11"/>
-    <p:sldId id="267" r:id="rId12"/>
-    <p:sldId id="261" r:id="rId13"/>
-    <p:sldId id="262" r:id="rId14"/>
-    <p:sldId id="263" r:id="rId15"/>
-    <p:sldId id="264" r:id="rId16"/>
-    <p:sldId id="265" r:id="rId17"/>
+    <p:sldId id="268" r:id="rId10"/>
+    <p:sldId id="260" r:id="rId11"/>
+    <p:sldId id="266" r:id="rId12"/>
+    <p:sldId id="267" r:id="rId13"/>
+    <p:sldId id="261" r:id="rId14"/>
+    <p:sldId id="262" r:id="rId15"/>
+    <p:sldId id="263" r:id="rId16"/>
+    <p:sldId id="264" r:id="rId17"/>
+    <p:sldId id="265" r:id="rId18"/>
   </p:sldIdLst>
   <p:sldSz cx="12192000" cy="6858000"/>
   <p:notesSz cx="6858000" cy="9144000"/>
@@ -714,7 +715,7 @@
                 <a:latin typeface="+mn-lt"/>
                 <a:ea typeface="+mn-ea"/>
               </a:rPr>
-              <a:t>11</a:t>
+              <a:t>12</a:t>
             </a:fld>
             <a:endParaRPr lang="en-US" sz="1200" b="0" strike="noStrike" spc="-1">
               <a:solidFill>
@@ -1131,7 +1132,7 @@
                 <a:latin typeface="+mn-lt"/>
                 <a:ea typeface="+mn-ea"/>
               </a:rPr>
-              <a:t>5</a:t>
+              <a:t>6</a:t>
             </a:fld>
             <a:endParaRPr lang="en-US" sz="1200" b="0" strike="noStrike" spc="-1">
               <a:solidFill>
@@ -1270,7 +1271,7 @@
                 <a:latin typeface="+mn-lt"/>
                 <a:ea typeface="+mn-ea"/>
               </a:rPr>
-              <a:t>6</a:t>
+              <a:t>7</a:t>
             </a:fld>
             <a:endParaRPr lang="en-US" sz="1200" b="0" strike="noStrike" spc="-1">
               <a:solidFill>
@@ -1409,7 +1410,7 @@
                 <a:latin typeface="+mn-lt"/>
                 <a:ea typeface="+mn-ea"/>
               </a:rPr>
-              <a:t>7</a:t>
+              <a:t>8</a:t>
             </a:fld>
             <a:endParaRPr lang="en-US" sz="1200" b="0" strike="noStrike" spc="-1">
               <a:solidFill>
@@ -1548,7 +1549,7 @@
                 <a:latin typeface="+mn-lt"/>
                 <a:ea typeface="+mn-ea"/>
               </a:rPr>
-              <a:t>8</a:t>
+              <a:t>9</a:t>
             </a:fld>
             <a:endParaRPr lang="en-US" sz="1200" b="0" strike="noStrike" spc="-1">
               <a:solidFill>
@@ -1687,7 +1688,7 @@
                 <a:latin typeface="+mn-lt"/>
                 <a:ea typeface="+mn-ea"/>
               </a:rPr>
-              <a:t>9</a:t>
+              <a:t>10</a:t>
             </a:fld>
             <a:endParaRPr lang="en-US" sz="1200" b="0" strike="noStrike" spc="-1">
               <a:solidFill>
@@ -1874,7 +1875,7 @@
                 <a:latin typeface="+mn-lt"/>
                 <a:ea typeface="+mn-ea"/>
               </a:rPr>
-              <a:t>10</a:t>
+              <a:t>11</a:t>
             </a:fld>
             <a:endParaRPr lang="en-US" sz="1200" b="0" strike="noStrike" spc="-1">
               <a:solidFill>
@@ -13995,14 +13996,14 @@
       </p:grpSpPr>
       <p:sp>
         <p:nvSpPr>
-          <p:cNvPr id="222" name="CustomShape 1"/>
+          <p:cNvPr id="220" name="CustomShape 1"/>
           <p:cNvSpPr/>
           <p:nvPr/>
         </p:nvSpPr>
         <p:spPr>
           <a:xfrm>
-            <a:off x="589680" y="365040"/>
-            <a:ext cx="11158560" cy="1324800"/>
+            <a:off x="481320" y="365040"/>
+            <a:ext cx="11266920" cy="1324800"/>
           </a:xfrm>
           <a:prstGeom prst="rect">
             <a:avLst/>
@@ -14045,7 +14046,7 @@
                 </a:uFill>
                 <a:latin typeface="Calibri Light"/>
               </a:rPr>
-              <a:t>Kodukord</a:t>
+              <a:t>Koolituse teemad</a:t>
             </a:r>
             <a:endParaRPr lang="en-US" sz="4400" b="0" strike="noStrike" spc="-1">
               <a:solidFill>
@@ -14063,14 +14064,14 @@
       </p:sp>
       <p:sp>
         <p:nvSpPr>
-          <p:cNvPr id="223" name="CustomShape 2"/>
+          <p:cNvPr id="221" name="CustomShape 2"/>
           <p:cNvSpPr/>
           <p:nvPr/>
         </p:nvSpPr>
         <p:spPr>
           <a:xfrm>
-            <a:off x="589680" y="1825560"/>
-            <a:ext cx="11158560" cy="4143600"/>
+            <a:off x="481320" y="1825560"/>
+            <a:ext cx="11266920" cy="3372120"/>
           </a:xfrm>
           <a:prstGeom prst="rect">
             <a:avLst/>
@@ -14093,7 +14094,9 @@
           <a:fontRef idx="minor"/>
         </p:style>
         <p:txBody>
-          <a:bodyPr lIns="90000" tIns="45000" rIns="90000" bIns="45000"/>
+          <a:bodyPr lIns="90000" tIns="45000" rIns="90000" bIns="45000">
+            <a:normAutofit fontScale="92500" lnSpcReduction="20000"/>
+          </a:bodyPr>
           <a:lstStyle/>
           <a:p>
             <a:pPr marL="228600" indent="-227880">
@@ -14121,7 +14124,7 @@
                 </a:uFill>
                 <a:latin typeface="Calibri"/>
               </a:rPr>
-              <a:t>Joogid ja näksimist</a:t>
+              <a:t>Kodulehe struktuur, selle mõju SEO-le ja koodi haldamine.</a:t>
             </a:r>
             <a:endParaRPr lang="en-US" sz="2800" b="0" strike="noStrike" spc="-1">
               <a:solidFill>
@@ -14161,7 +14164,7 @@
                 </a:uFill>
                 <a:latin typeface="Calibri"/>
               </a:rPr>
-              <a:t>Tualetid</a:t>
+              <a:t>Kodulehe kujundamine, animeerimine ja responsive design.</a:t>
             </a:r>
             <a:endParaRPr lang="en-US" sz="2800" b="0" strike="noStrike" spc="-1">
               <a:solidFill>
@@ -14201,7 +14204,7 @@
                 </a:uFill>
                 <a:latin typeface="Calibri"/>
               </a:rPr>
-              <a:t>Suitsetamine</a:t>
+              <a:t>Programeerimine Javascriptis ja kodulehe dünaamiliseks loomine.</a:t>
             </a:r>
             <a:endParaRPr lang="en-US" sz="2800" b="0" strike="noStrike" spc="-1">
               <a:solidFill>
@@ -14241,7 +14244,7 @@
                 </a:uFill>
                 <a:latin typeface="Calibri"/>
               </a:rPr>
-              <a:t>Mobiiltelefonid</a:t>
+              <a:t>Web APId, nende kasutusvõimalused ja muud veebi tehnoloogiad.</a:t>
             </a:r>
             <a:endParaRPr lang="en-US" sz="2800" b="0" strike="noStrike" spc="-1">
               <a:solidFill>
@@ -14281,7 +14284,7 @@
                 </a:uFill>
                 <a:latin typeface="Calibri"/>
               </a:rPr>
-              <a:t>Küsimused</a:t>
+              <a:t>Tööriistad veebiarenduses ja lokaalse serveri ülesseadmine.</a:t>
             </a:r>
             <a:endParaRPr lang="en-US" sz="2800" b="0" strike="noStrike" spc="-1">
               <a:solidFill>
@@ -14321,29 +14324,8 @@
                 </a:uFill>
                 <a:latin typeface="Calibri"/>
               </a:rPr>
-              <a:t>Lõuna</a:t>
+              <a:t>Kaasaaegne front-end arendus ja testimine.</a:t>
             </a:r>
-            <a:endParaRPr lang="en-US" sz="2800" b="0" strike="noStrike" spc="-1">
-              <a:solidFill>
-                <a:srgbClr val="000000"/>
-              </a:solidFill>
-              <a:uFill>
-                <a:solidFill>
-                  <a:srgbClr val="FFFFFF"/>
-                </a:solidFill>
-              </a:uFill>
-              <a:latin typeface="DejaVu Sans"/>
-            </a:endParaRPr>
-          </a:p>
-          <a:p>
-            <a:pPr>
-              <a:lnSpc>
-                <a:spcPct val="90000"/>
-              </a:lnSpc>
-              <a:spcBef>
-                <a:spcPts val="1001"/>
-              </a:spcBef>
-            </a:pPr>
             <a:endParaRPr lang="en-US" sz="2800" b="0" strike="noStrike" spc="-1">
               <a:solidFill>
                 <a:srgbClr val="000000"/>
@@ -14382,7 +14364,7 @@
                 </a:uFill>
                 <a:latin typeface="Calibri"/>
               </a:rPr>
-              <a:t>NB! Autoga tulijad – kas autonr sai parkimissüsteemi sisestatud?</a:t>
+              <a:t>Veebi- ja tarkvaraarenduse metoodikad ja IT ettevõtete struktuurid.</a:t>
             </a:r>
             <a:endParaRPr lang="en-US" sz="2800" b="0" strike="noStrike" spc="-1">
               <a:solidFill>
@@ -14399,12 +14381,26 @@
           <a:p>
             <a:pPr>
               <a:lnSpc>
-                <a:spcPct val="90000"/>
+                <a:spcPct val="100000"/>
               </a:lnSpc>
               <a:spcBef>
                 <a:spcPts val="1001"/>
               </a:spcBef>
             </a:pPr>
+            <a:r>
+              <a:rPr lang="en-US" sz="2800" b="0" strike="noStrike" spc="-1">
+                <a:solidFill>
+                  <a:srgbClr val="595959"/>
+                </a:solidFill>
+                <a:uFill>
+                  <a:solidFill>
+                    <a:srgbClr val="FFFFFF"/>
+                  </a:solidFill>
+                </a:uFill>
+                <a:latin typeface="Calibri"/>
+              </a:rPr>
+              <a:t>Märge: 3 ja 6 on 2-3 korda mahukamad kui teised.</a:t>
+            </a:r>
             <a:endParaRPr lang="en-US" sz="2800" b="0" strike="noStrike" spc="-1">
               <a:solidFill>
                 <a:srgbClr val="000000"/>
@@ -14473,14 +14469,14 @@
       </p:grpSpPr>
       <p:sp>
         <p:nvSpPr>
-          <p:cNvPr id="224" name="CustomShape 1"/>
+          <p:cNvPr id="222" name="CustomShape 1"/>
           <p:cNvSpPr/>
           <p:nvPr/>
         </p:nvSpPr>
         <p:spPr>
           <a:xfrm>
             <a:off x="589680" y="365040"/>
-            <a:ext cx="11158560" cy="776160"/>
+            <a:ext cx="11158560" cy="1324800"/>
           </a:xfrm>
           <a:prstGeom prst="rect">
             <a:avLst/>
@@ -14503,9 +14499,7 @@
           <a:fontRef idx="minor"/>
         </p:style>
         <p:txBody>
-          <a:bodyPr lIns="90000" tIns="45000" rIns="90000" bIns="45000" anchor="ctr">
-            <a:normAutofit/>
-          </a:bodyPr>
+          <a:bodyPr lIns="90000" tIns="45000" rIns="90000" bIns="45000" anchor="ctr"/>
           <a:lstStyle/>
           <a:p>
             <a:pPr>
@@ -14514,7 +14508,7 @@
               </a:lnSpc>
             </a:pPr>
             <a:r>
-              <a:rPr lang="en-US" sz="3600" b="0" strike="noStrike" spc="-1">
+              <a:rPr lang="en-US" sz="4400" b="0" strike="noStrike" spc="-1">
                 <a:solidFill>
                   <a:srgbClr val="FC0D1B"/>
                 </a:solidFill>
@@ -14525,97 +14519,74 @@
                 </a:uFill>
                 <a:latin typeface="Calibri Light"/>
               </a:rPr>
-              <a:t>Lõuna restoranis Viktoria või Dvigatel või Sketch House</a:t>
+              <a:t>Kodukord</a:t>
             </a:r>
-            <a:endParaRPr lang="en-US" sz="3600" b="0" strike="noStrike" spc="-1">
-              <a:solidFill>
-                <a:srgbClr val="000000"/>
-              </a:solidFill>
-              <a:uFill>
-                <a:solidFill>
-                  <a:srgbClr val="FFFFFF"/>
-                </a:solidFill>
-              </a:uFill>
-              <a:latin typeface="DejaVu Sans"/>
-            </a:endParaRPr>
-          </a:p>
-        </p:txBody>
-      </p:sp>
-      <p:pic>
-        <p:nvPicPr>
-          <p:cNvPr id="225" name="Pilt 2"/>
-          <p:cNvPicPr/>
+            <a:endParaRPr lang="en-US" sz="4400" b="0" strike="noStrike" spc="-1">
+              <a:solidFill>
+                <a:srgbClr val="000000"/>
+              </a:solidFill>
+              <a:uFill>
+                <a:solidFill>
+                  <a:srgbClr val="FFFFFF"/>
+                </a:solidFill>
+              </a:uFill>
+              <a:latin typeface="DejaVu Sans"/>
+            </a:endParaRPr>
+          </a:p>
+        </p:txBody>
+      </p:sp>
+      <p:sp>
+        <p:nvSpPr>
+          <p:cNvPr id="223" name="CustomShape 2"/>
+          <p:cNvSpPr/>
           <p:nvPr/>
-        </p:nvPicPr>
-        <p:blipFill>
-          <a:blip r:embed="rId3"/>
-          <a:srcRect l="14341" t="24666" r="9019" b="11113"/>
-          <a:stretch/>
-        </p:blipFill>
-        <p:spPr>
-          <a:xfrm>
-            <a:off x="1279800" y="1309320"/>
-            <a:ext cx="9520920" cy="4776480"/>
-          </a:xfrm>
-          <a:prstGeom prst="rect">
-            <a:avLst/>
-          </a:prstGeom>
+        </p:nvSpPr>
+        <p:spPr>
+          <a:xfrm>
+            <a:off x="589680" y="1825560"/>
+            <a:ext cx="11158560" cy="4143600"/>
+          </a:xfrm>
+          <a:prstGeom prst="rect">
+            <a:avLst/>
+          </a:prstGeom>
+          <a:noFill/>
           <a:ln>
             <a:noFill/>
           </a:ln>
         </p:spPr>
-      </p:pic>
-      <p:sp>
-        <p:nvSpPr>
-          <p:cNvPr id="226" name="CustomShape 2"/>
-          <p:cNvSpPr/>
-          <p:nvPr/>
-        </p:nvSpPr>
-        <p:spPr>
-          <a:xfrm>
-            <a:off x="6159600" y="3406320"/>
-            <a:ext cx="1130760" cy="547920"/>
-          </a:xfrm>
-          <a:prstGeom prst="wedgeEllipseCallout">
-            <a:avLst>
-              <a:gd name="adj1" fmla="val -62247"/>
-              <a:gd name="adj2" fmla="val 62500"/>
-            </a:avLst>
-          </a:prstGeom>
-          <a:solidFill>
-            <a:srgbClr val="FF0000"/>
-          </a:solidFill>
-          <a:ln>
-            <a:round/>
-          </a:ln>
-        </p:spPr>
         <p:style>
-          <a:lnRef idx="2">
-            <a:schemeClr val="accent1">
-              <a:shade val="50000"/>
-            </a:schemeClr>
+          <a:lnRef idx="0">
+            <a:scrgbClr r="0" g="0" b="0"/>
           </a:lnRef>
-          <a:fillRef idx="1">
-            <a:schemeClr val="accent1"/>
+          <a:fillRef idx="0">
+            <a:scrgbClr r="0" g="0" b="0"/>
           </a:fillRef>
           <a:effectRef idx="0">
-            <a:schemeClr val="accent1"/>
+            <a:scrgbClr r="0" g="0" b="0"/>
           </a:effectRef>
           <a:fontRef idx="minor"/>
         </p:style>
         <p:txBody>
-          <a:bodyPr lIns="90000" tIns="45000" rIns="90000" bIns="45000" anchor="ctr"/>
-          <a:lstStyle/>
-          <a:p>
-            <a:pPr algn="ctr">
+          <a:bodyPr lIns="90000" tIns="45000" rIns="90000" bIns="45000"/>
+          <a:lstStyle/>
+          <a:p>
+            <a:pPr marL="228600" indent="-227880">
               <a:lnSpc>
-                <a:spcPct val="100000"/>
+                <a:spcPct val="90000"/>
               </a:lnSpc>
+              <a:spcBef>
+                <a:spcPts val="1001"/>
+              </a:spcBef>
+              <a:buClr>
+                <a:srgbClr val="595959"/>
+              </a:buClr>
+              <a:buFont typeface="Arial"/>
+              <a:buChar char="•"/>
             </a:pPr>
             <a:r>
-              <a:rPr lang="en-US" sz="1350" b="0" strike="noStrike" spc="-1">
-                <a:solidFill>
-                  <a:srgbClr val="FFFFFF"/>
+              <a:rPr lang="en-US" sz="2800" b="0" strike="noStrike" spc="-1">
+                <a:solidFill>
+                  <a:srgbClr val="595959"/>
                 </a:solidFill>
                 <a:uFill>
                   <a:solidFill>
@@ -14623,75 +14594,39 @@
                   </a:solidFill>
                 </a:uFill>
                 <a:latin typeface="Calibri"/>
-                <a:ea typeface="DejaVu Sans"/>
               </a:rPr>
-              <a:t>Viktoria</a:t>
+              <a:t>Joogid ja näksimist</a:t>
             </a:r>
-            <a:endParaRPr lang="en-US" sz="1350" b="0" strike="noStrike" spc="-1">
-              <a:solidFill>
-                <a:srgbClr val="000000"/>
-              </a:solidFill>
-              <a:uFill>
-                <a:solidFill>
-                  <a:srgbClr val="FFFFFF"/>
-                </a:solidFill>
-              </a:uFill>
-              <a:latin typeface="DejaVu Sans"/>
-            </a:endParaRPr>
-          </a:p>
-        </p:txBody>
-      </p:sp>
-      <p:sp>
-        <p:nvSpPr>
-          <p:cNvPr id="227" name="CustomShape 3"/>
-          <p:cNvSpPr/>
-          <p:nvPr/>
-        </p:nvSpPr>
-        <p:spPr>
-          <a:xfrm>
-            <a:off x="6886440" y="4414680"/>
-            <a:ext cx="1130760" cy="547920"/>
-          </a:xfrm>
-          <a:prstGeom prst="wedgeEllipseCallout">
-            <a:avLst>
-              <a:gd name="adj1" fmla="val -62247"/>
-              <a:gd name="adj2" fmla="val 62500"/>
-            </a:avLst>
-          </a:prstGeom>
-          <a:solidFill>
-            <a:srgbClr val="FF0000"/>
-          </a:solidFill>
-          <a:ln>
-            <a:round/>
-          </a:ln>
-        </p:spPr>
-        <p:style>
-          <a:lnRef idx="2">
-            <a:schemeClr val="accent1">
-              <a:shade val="50000"/>
-            </a:schemeClr>
-          </a:lnRef>
-          <a:fillRef idx="1">
-            <a:schemeClr val="accent1"/>
-          </a:fillRef>
-          <a:effectRef idx="0">
-            <a:schemeClr val="accent1"/>
-          </a:effectRef>
-          <a:fontRef idx="minor"/>
-        </p:style>
-        <p:txBody>
-          <a:bodyPr lIns="90000" tIns="45000" rIns="90000" bIns="45000" anchor="ctr"/>
-          <a:lstStyle/>
-          <a:p>
-            <a:pPr algn="ctr">
+            <a:endParaRPr lang="en-US" sz="2800" b="0" strike="noStrike" spc="-1">
+              <a:solidFill>
+                <a:srgbClr val="000000"/>
+              </a:solidFill>
+              <a:uFill>
+                <a:solidFill>
+                  <a:srgbClr val="FFFFFF"/>
+                </a:solidFill>
+              </a:uFill>
+              <a:latin typeface="DejaVu Sans"/>
+            </a:endParaRPr>
+          </a:p>
+          <a:p>
+            <a:pPr marL="228600" indent="-227880">
               <a:lnSpc>
-                <a:spcPct val="100000"/>
+                <a:spcPct val="90000"/>
               </a:lnSpc>
+              <a:spcBef>
+                <a:spcPts val="1001"/>
+              </a:spcBef>
+              <a:buClr>
+                <a:srgbClr val="595959"/>
+              </a:buClr>
+              <a:buFont typeface="Arial"/>
+              <a:buChar char="•"/>
             </a:pPr>
             <a:r>
-              <a:rPr lang="en-US" sz="1350" b="0" strike="noStrike" spc="-1">
-                <a:solidFill>
-                  <a:srgbClr val="FFFFFF"/>
+              <a:rPr lang="en-US" sz="2800" b="0" strike="noStrike" spc="-1">
+                <a:solidFill>
+                  <a:srgbClr val="595959"/>
                 </a:solidFill>
                 <a:uFill>
                   <a:solidFill>
@@ -14699,72 +14634,39 @@
                   </a:solidFill>
                 </a:uFill>
                 <a:latin typeface="Calibri"/>
-                <a:ea typeface="DejaVu Sans"/>
               </a:rPr>
-              <a:t>IT Koolitus</a:t>
+              <a:t>Tualetid</a:t>
             </a:r>
-            <a:endParaRPr lang="en-US" sz="1350" b="0" strike="noStrike" spc="-1">
-              <a:solidFill>
-                <a:srgbClr val="000000"/>
-              </a:solidFill>
-              <a:uFill>
-                <a:solidFill>
-                  <a:srgbClr val="FFFFFF"/>
-                </a:solidFill>
-              </a:uFill>
-              <a:latin typeface="DejaVu Sans"/>
-            </a:endParaRPr>
-          </a:p>
-        </p:txBody>
-      </p:sp>
-      <p:sp>
-        <p:nvSpPr>
-          <p:cNvPr id="228" name="CustomShape 4"/>
-          <p:cNvSpPr/>
-          <p:nvPr/>
-        </p:nvSpPr>
-        <p:spPr>
-          <a:xfrm>
-            <a:off x="2211840" y="3343320"/>
-            <a:ext cx="1290960" cy="673560"/>
-          </a:xfrm>
-          <a:prstGeom prst="ellipse">
-            <a:avLst/>
-          </a:prstGeom>
-          <a:solidFill>
-            <a:srgbClr val="FF0000"/>
-          </a:solidFill>
-          <a:ln>
-            <a:round/>
-          </a:ln>
-        </p:spPr>
-        <p:style>
-          <a:lnRef idx="2">
-            <a:schemeClr val="accent1">
-              <a:shade val="50000"/>
-            </a:schemeClr>
-          </a:lnRef>
-          <a:fillRef idx="1">
-            <a:schemeClr val="accent1"/>
-          </a:fillRef>
-          <a:effectRef idx="0">
-            <a:schemeClr val="accent1"/>
-          </a:effectRef>
-          <a:fontRef idx="minor"/>
-        </p:style>
-        <p:txBody>
-          <a:bodyPr lIns="90000" tIns="45000" rIns="90000" bIns="45000" anchor="ctr"/>
-          <a:lstStyle/>
-          <a:p>
-            <a:pPr algn="ctr">
+            <a:endParaRPr lang="en-US" sz="2800" b="0" strike="noStrike" spc="-1">
+              <a:solidFill>
+                <a:srgbClr val="000000"/>
+              </a:solidFill>
+              <a:uFill>
+                <a:solidFill>
+                  <a:srgbClr val="FFFFFF"/>
+                </a:solidFill>
+              </a:uFill>
+              <a:latin typeface="DejaVu Sans"/>
+            </a:endParaRPr>
+          </a:p>
+          <a:p>
+            <a:pPr marL="228600" indent="-227880">
               <a:lnSpc>
-                <a:spcPct val="100000"/>
+                <a:spcPct val="90000"/>
               </a:lnSpc>
+              <a:spcBef>
+                <a:spcPts val="1001"/>
+              </a:spcBef>
+              <a:buClr>
+                <a:srgbClr val="595959"/>
+              </a:buClr>
+              <a:buFont typeface="Arial"/>
+              <a:buChar char="•"/>
             </a:pPr>
             <a:r>
-              <a:rPr lang="en-US" sz="1350" b="0" strike="noStrike" spc="-1">
-                <a:solidFill>
-                  <a:srgbClr val="FFFFFF"/>
+              <a:rPr lang="en-US" sz="2800" b="0" strike="noStrike" spc="-1">
+                <a:solidFill>
+                  <a:srgbClr val="595959"/>
                 </a:solidFill>
                 <a:uFill>
                   <a:solidFill>
@@ -14772,75 +14674,39 @@
                   </a:solidFill>
                 </a:uFill>
                 <a:latin typeface="Calibri"/>
-                <a:ea typeface="DejaVu Sans"/>
               </a:rPr>
-              <a:t>Ülemiste keskus</a:t>
+              <a:t>Suitsetamine</a:t>
             </a:r>
-            <a:endParaRPr lang="en-US" sz="1350" b="0" strike="noStrike" spc="-1">
-              <a:solidFill>
-                <a:srgbClr val="000000"/>
-              </a:solidFill>
-              <a:uFill>
-                <a:solidFill>
-                  <a:srgbClr val="FFFFFF"/>
-                </a:solidFill>
-              </a:uFill>
-              <a:latin typeface="DejaVu Sans"/>
-            </a:endParaRPr>
-          </a:p>
-        </p:txBody>
-      </p:sp>
-      <p:sp>
-        <p:nvSpPr>
-          <p:cNvPr id="229" name="CustomShape 5"/>
-          <p:cNvSpPr/>
-          <p:nvPr/>
-        </p:nvSpPr>
-        <p:spPr>
-          <a:xfrm>
-            <a:off x="7808760" y="3519000"/>
-            <a:ext cx="1130760" cy="547920"/>
-          </a:xfrm>
-          <a:prstGeom prst="wedgeEllipseCallout">
-            <a:avLst>
-              <a:gd name="adj1" fmla="val -62247"/>
-              <a:gd name="adj2" fmla="val 62500"/>
-            </a:avLst>
-          </a:prstGeom>
-          <a:solidFill>
-            <a:srgbClr val="FF0000"/>
-          </a:solidFill>
-          <a:ln>
-            <a:round/>
-          </a:ln>
-        </p:spPr>
-        <p:style>
-          <a:lnRef idx="2">
-            <a:schemeClr val="accent1">
-              <a:shade val="50000"/>
-            </a:schemeClr>
-          </a:lnRef>
-          <a:fillRef idx="1">
-            <a:schemeClr val="accent1"/>
-          </a:fillRef>
-          <a:effectRef idx="0">
-            <a:schemeClr val="accent1"/>
-          </a:effectRef>
-          <a:fontRef idx="minor"/>
-        </p:style>
-        <p:txBody>
-          <a:bodyPr lIns="90000" tIns="45000" rIns="90000" bIns="45000" anchor="ctr"/>
-          <a:lstStyle/>
-          <a:p>
-            <a:pPr algn="ctr">
+            <a:endParaRPr lang="en-US" sz="2800" b="0" strike="noStrike" spc="-1">
+              <a:solidFill>
+                <a:srgbClr val="000000"/>
+              </a:solidFill>
+              <a:uFill>
+                <a:solidFill>
+                  <a:srgbClr val="FFFFFF"/>
+                </a:solidFill>
+              </a:uFill>
+              <a:latin typeface="DejaVu Sans"/>
+            </a:endParaRPr>
+          </a:p>
+          <a:p>
+            <a:pPr marL="228600" indent="-227880">
               <a:lnSpc>
-                <a:spcPct val="100000"/>
+                <a:spcPct val="90000"/>
               </a:lnSpc>
+              <a:spcBef>
+                <a:spcPts val="1001"/>
+              </a:spcBef>
+              <a:buClr>
+                <a:srgbClr val="595959"/>
+              </a:buClr>
+              <a:buFont typeface="Arial"/>
+              <a:buChar char="•"/>
             </a:pPr>
             <a:r>
-              <a:rPr lang="en-US" sz="1350" b="0" strike="noStrike" spc="-1">
-                <a:solidFill>
-                  <a:srgbClr val="FFFFFF"/>
+              <a:rPr lang="en-US" sz="2800" b="0" strike="noStrike" spc="-1">
+                <a:solidFill>
+                  <a:srgbClr val="595959"/>
                 </a:solidFill>
                 <a:uFill>
                   <a:solidFill>
@@ -14848,75 +14714,39 @@
                   </a:solidFill>
                 </a:uFill>
                 <a:latin typeface="Calibri"/>
-                <a:ea typeface="DejaVu Sans"/>
               </a:rPr>
-              <a:t>Dvigatel</a:t>
+              <a:t>Mobiiltelefonid</a:t>
             </a:r>
-            <a:endParaRPr lang="en-US" sz="1350" b="0" strike="noStrike" spc="-1">
-              <a:solidFill>
-                <a:srgbClr val="000000"/>
-              </a:solidFill>
-              <a:uFill>
-                <a:solidFill>
-                  <a:srgbClr val="FFFFFF"/>
-                </a:solidFill>
-              </a:uFill>
-              <a:latin typeface="DejaVu Sans"/>
-            </a:endParaRPr>
-          </a:p>
-        </p:txBody>
-      </p:sp>
-      <p:sp>
-        <p:nvSpPr>
-          <p:cNvPr id="230" name="CustomShape 6"/>
-          <p:cNvSpPr/>
-          <p:nvPr/>
-        </p:nvSpPr>
-        <p:spPr>
-          <a:xfrm>
-            <a:off x="7104960" y="2121120"/>
-            <a:ext cx="1130760" cy="547920"/>
-          </a:xfrm>
-          <a:prstGeom prst="wedgeEllipseCallout">
-            <a:avLst>
-              <a:gd name="adj1" fmla="val -63930"/>
-              <a:gd name="adj2" fmla="val -46875"/>
-            </a:avLst>
-          </a:prstGeom>
-          <a:solidFill>
-            <a:srgbClr val="FF0000"/>
-          </a:solidFill>
-          <a:ln>
-            <a:round/>
-          </a:ln>
-        </p:spPr>
-        <p:style>
-          <a:lnRef idx="2">
-            <a:schemeClr val="accent1">
-              <a:shade val="50000"/>
-            </a:schemeClr>
-          </a:lnRef>
-          <a:fillRef idx="1">
-            <a:schemeClr val="accent1"/>
-          </a:fillRef>
-          <a:effectRef idx="0">
-            <a:schemeClr val="accent1"/>
-          </a:effectRef>
-          <a:fontRef idx="minor"/>
-        </p:style>
-        <p:txBody>
-          <a:bodyPr lIns="90000" tIns="45000" rIns="90000" bIns="45000" anchor="ctr"/>
-          <a:lstStyle/>
-          <a:p>
-            <a:pPr algn="ctr">
+            <a:endParaRPr lang="en-US" sz="2800" b="0" strike="noStrike" spc="-1">
+              <a:solidFill>
+                <a:srgbClr val="000000"/>
+              </a:solidFill>
+              <a:uFill>
+                <a:solidFill>
+                  <a:srgbClr val="FFFFFF"/>
+                </a:solidFill>
+              </a:uFill>
+              <a:latin typeface="DejaVu Sans"/>
+            </a:endParaRPr>
+          </a:p>
+          <a:p>
+            <a:pPr marL="228600" indent="-227880">
               <a:lnSpc>
-                <a:spcPct val="100000"/>
+                <a:spcPct val="90000"/>
               </a:lnSpc>
+              <a:spcBef>
+                <a:spcPts val="1001"/>
+              </a:spcBef>
+              <a:buClr>
+                <a:srgbClr val="595959"/>
+              </a:buClr>
+              <a:buFont typeface="Arial"/>
+              <a:buChar char="•"/>
             </a:pPr>
             <a:r>
-              <a:rPr lang="en-US" sz="1350" b="0" strike="noStrike" spc="-1">
-                <a:solidFill>
-                  <a:srgbClr val="FFFFFF"/>
+              <a:rPr lang="en-US" sz="2800" b="0" strike="noStrike" spc="-1">
+                <a:solidFill>
+                  <a:srgbClr val="595959"/>
                 </a:solidFill>
                 <a:uFill>
                   <a:solidFill>
@@ -14924,11 +14754,132 @@
                   </a:solidFill>
                 </a:uFill>
                 <a:latin typeface="Calibri"/>
-                <a:ea typeface="DejaVu Sans"/>
               </a:rPr>
-              <a:t>Scetch House</a:t>
+              <a:t>Küsimused</a:t>
             </a:r>
-            <a:endParaRPr lang="en-US" sz="1350" b="0" strike="noStrike" spc="-1">
+            <a:endParaRPr lang="en-US" sz="2800" b="0" strike="noStrike" spc="-1">
+              <a:solidFill>
+                <a:srgbClr val="000000"/>
+              </a:solidFill>
+              <a:uFill>
+                <a:solidFill>
+                  <a:srgbClr val="FFFFFF"/>
+                </a:solidFill>
+              </a:uFill>
+              <a:latin typeface="DejaVu Sans"/>
+            </a:endParaRPr>
+          </a:p>
+          <a:p>
+            <a:pPr marL="228600" indent="-227880">
+              <a:lnSpc>
+                <a:spcPct val="90000"/>
+              </a:lnSpc>
+              <a:spcBef>
+                <a:spcPts val="1001"/>
+              </a:spcBef>
+              <a:buClr>
+                <a:srgbClr val="595959"/>
+              </a:buClr>
+              <a:buFont typeface="Arial"/>
+              <a:buChar char="•"/>
+            </a:pPr>
+            <a:r>
+              <a:rPr lang="en-US" sz="2800" b="0" strike="noStrike" spc="-1">
+                <a:solidFill>
+                  <a:srgbClr val="595959"/>
+                </a:solidFill>
+                <a:uFill>
+                  <a:solidFill>
+                    <a:srgbClr val="FFFFFF"/>
+                  </a:solidFill>
+                </a:uFill>
+                <a:latin typeface="Calibri"/>
+              </a:rPr>
+              <a:t>Lõuna</a:t>
+            </a:r>
+            <a:endParaRPr lang="en-US" sz="2800" b="0" strike="noStrike" spc="-1">
+              <a:solidFill>
+                <a:srgbClr val="000000"/>
+              </a:solidFill>
+              <a:uFill>
+                <a:solidFill>
+                  <a:srgbClr val="FFFFFF"/>
+                </a:solidFill>
+              </a:uFill>
+              <a:latin typeface="DejaVu Sans"/>
+            </a:endParaRPr>
+          </a:p>
+          <a:p>
+            <a:pPr>
+              <a:lnSpc>
+                <a:spcPct val="90000"/>
+              </a:lnSpc>
+              <a:spcBef>
+                <a:spcPts val="1001"/>
+              </a:spcBef>
+            </a:pPr>
+            <a:endParaRPr lang="en-US" sz="2800" b="0" strike="noStrike" spc="-1">
+              <a:solidFill>
+                <a:srgbClr val="000000"/>
+              </a:solidFill>
+              <a:uFill>
+                <a:solidFill>
+                  <a:srgbClr val="FFFFFF"/>
+                </a:solidFill>
+              </a:uFill>
+              <a:latin typeface="DejaVu Sans"/>
+            </a:endParaRPr>
+          </a:p>
+          <a:p>
+            <a:pPr marL="228600" indent="-227880">
+              <a:lnSpc>
+                <a:spcPct val="90000"/>
+              </a:lnSpc>
+              <a:spcBef>
+                <a:spcPts val="1001"/>
+              </a:spcBef>
+              <a:buClr>
+                <a:srgbClr val="595959"/>
+              </a:buClr>
+              <a:buFont typeface="Arial"/>
+              <a:buChar char="•"/>
+            </a:pPr>
+            <a:r>
+              <a:rPr lang="en-US" sz="2800" b="0" strike="noStrike" spc="-1">
+                <a:solidFill>
+                  <a:srgbClr val="595959"/>
+                </a:solidFill>
+                <a:uFill>
+                  <a:solidFill>
+                    <a:srgbClr val="FFFFFF"/>
+                  </a:solidFill>
+                </a:uFill>
+                <a:latin typeface="Calibri"/>
+              </a:rPr>
+              <a:t>NB! Autoga tulijad – kas autonr sai parkimissüsteemi sisestatud?</a:t>
+            </a:r>
+            <a:endParaRPr lang="en-US" sz="2800" b="0" strike="noStrike" spc="-1">
+              <a:solidFill>
+                <a:srgbClr val="000000"/>
+              </a:solidFill>
+              <a:uFill>
+                <a:solidFill>
+                  <a:srgbClr val="FFFFFF"/>
+                </a:solidFill>
+              </a:uFill>
+              <a:latin typeface="DejaVu Sans"/>
+            </a:endParaRPr>
+          </a:p>
+          <a:p>
+            <a:pPr>
+              <a:lnSpc>
+                <a:spcPct val="90000"/>
+              </a:lnSpc>
+              <a:spcBef>
+                <a:spcPts val="1001"/>
+              </a:spcBef>
+            </a:pPr>
+            <a:endParaRPr lang="en-US" sz="2800" b="0" strike="noStrike" spc="-1">
               <a:solidFill>
                 <a:srgbClr val="000000"/>
               </a:solidFill>
@@ -14996,6 +14947,529 @@
       </p:grpSpPr>
       <p:sp>
         <p:nvSpPr>
+          <p:cNvPr id="224" name="CustomShape 1"/>
+          <p:cNvSpPr/>
+          <p:nvPr/>
+        </p:nvSpPr>
+        <p:spPr>
+          <a:xfrm>
+            <a:off x="589680" y="365040"/>
+            <a:ext cx="11158560" cy="776160"/>
+          </a:xfrm>
+          <a:prstGeom prst="rect">
+            <a:avLst/>
+          </a:prstGeom>
+          <a:noFill/>
+          <a:ln>
+            <a:noFill/>
+          </a:ln>
+        </p:spPr>
+        <p:style>
+          <a:lnRef idx="0">
+            <a:scrgbClr r="0" g="0" b="0"/>
+          </a:lnRef>
+          <a:fillRef idx="0">
+            <a:scrgbClr r="0" g="0" b="0"/>
+          </a:fillRef>
+          <a:effectRef idx="0">
+            <a:scrgbClr r="0" g="0" b="0"/>
+          </a:effectRef>
+          <a:fontRef idx="minor"/>
+        </p:style>
+        <p:txBody>
+          <a:bodyPr lIns="90000" tIns="45000" rIns="90000" bIns="45000" anchor="ctr">
+            <a:normAutofit/>
+          </a:bodyPr>
+          <a:lstStyle/>
+          <a:p>
+            <a:pPr>
+              <a:lnSpc>
+                <a:spcPct val="90000"/>
+              </a:lnSpc>
+            </a:pPr>
+            <a:r>
+              <a:rPr lang="en-US" sz="3600" b="0" strike="noStrike" spc="-1">
+                <a:solidFill>
+                  <a:srgbClr val="FC0D1B"/>
+                </a:solidFill>
+                <a:uFill>
+                  <a:solidFill>
+                    <a:srgbClr val="FFFFFF"/>
+                  </a:solidFill>
+                </a:uFill>
+                <a:latin typeface="Calibri Light"/>
+              </a:rPr>
+              <a:t>Lõuna restoranis Viktoria või Dvigatel või Sketch House</a:t>
+            </a:r>
+            <a:endParaRPr lang="en-US" sz="3600" b="0" strike="noStrike" spc="-1">
+              <a:solidFill>
+                <a:srgbClr val="000000"/>
+              </a:solidFill>
+              <a:uFill>
+                <a:solidFill>
+                  <a:srgbClr val="FFFFFF"/>
+                </a:solidFill>
+              </a:uFill>
+              <a:latin typeface="DejaVu Sans"/>
+            </a:endParaRPr>
+          </a:p>
+        </p:txBody>
+      </p:sp>
+      <p:pic>
+        <p:nvPicPr>
+          <p:cNvPr id="225" name="Pilt 2"/>
+          <p:cNvPicPr/>
+          <p:nvPr/>
+        </p:nvPicPr>
+        <p:blipFill>
+          <a:blip r:embed="rId3"/>
+          <a:srcRect l="14341" t="24666" r="9019" b="11113"/>
+          <a:stretch/>
+        </p:blipFill>
+        <p:spPr>
+          <a:xfrm>
+            <a:off x="1279800" y="1309320"/>
+            <a:ext cx="9520920" cy="4776480"/>
+          </a:xfrm>
+          <a:prstGeom prst="rect">
+            <a:avLst/>
+          </a:prstGeom>
+          <a:ln>
+            <a:noFill/>
+          </a:ln>
+        </p:spPr>
+      </p:pic>
+      <p:sp>
+        <p:nvSpPr>
+          <p:cNvPr id="226" name="CustomShape 2"/>
+          <p:cNvSpPr/>
+          <p:nvPr/>
+        </p:nvSpPr>
+        <p:spPr>
+          <a:xfrm>
+            <a:off x="6159600" y="3406320"/>
+            <a:ext cx="1130760" cy="547920"/>
+          </a:xfrm>
+          <a:prstGeom prst="wedgeEllipseCallout">
+            <a:avLst>
+              <a:gd name="adj1" fmla="val -62247"/>
+              <a:gd name="adj2" fmla="val 62500"/>
+            </a:avLst>
+          </a:prstGeom>
+          <a:solidFill>
+            <a:srgbClr val="FF0000"/>
+          </a:solidFill>
+          <a:ln>
+            <a:round/>
+          </a:ln>
+        </p:spPr>
+        <p:style>
+          <a:lnRef idx="2">
+            <a:schemeClr val="accent1">
+              <a:shade val="50000"/>
+            </a:schemeClr>
+          </a:lnRef>
+          <a:fillRef idx="1">
+            <a:schemeClr val="accent1"/>
+          </a:fillRef>
+          <a:effectRef idx="0">
+            <a:schemeClr val="accent1"/>
+          </a:effectRef>
+          <a:fontRef idx="minor"/>
+        </p:style>
+        <p:txBody>
+          <a:bodyPr lIns="90000" tIns="45000" rIns="90000" bIns="45000" anchor="ctr"/>
+          <a:lstStyle/>
+          <a:p>
+            <a:pPr algn="ctr">
+              <a:lnSpc>
+                <a:spcPct val="100000"/>
+              </a:lnSpc>
+            </a:pPr>
+            <a:r>
+              <a:rPr lang="en-US" sz="1350" b="0" strike="noStrike" spc="-1">
+                <a:solidFill>
+                  <a:srgbClr val="FFFFFF"/>
+                </a:solidFill>
+                <a:uFill>
+                  <a:solidFill>
+                    <a:srgbClr val="FFFFFF"/>
+                  </a:solidFill>
+                </a:uFill>
+                <a:latin typeface="Calibri"/>
+                <a:ea typeface="DejaVu Sans"/>
+              </a:rPr>
+              <a:t>Viktoria</a:t>
+            </a:r>
+            <a:endParaRPr lang="en-US" sz="1350" b="0" strike="noStrike" spc="-1">
+              <a:solidFill>
+                <a:srgbClr val="000000"/>
+              </a:solidFill>
+              <a:uFill>
+                <a:solidFill>
+                  <a:srgbClr val="FFFFFF"/>
+                </a:solidFill>
+              </a:uFill>
+              <a:latin typeface="DejaVu Sans"/>
+            </a:endParaRPr>
+          </a:p>
+        </p:txBody>
+      </p:sp>
+      <p:sp>
+        <p:nvSpPr>
+          <p:cNvPr id="227" name="CustomShape 3"/>
+          <p:cNvSpPr/>
+          <p:nvPr/>
+        </p:nvSpPr>
+        <p:spPr>
+          <a:xfrm>
+            <a:off x="6886440" y="4414680"/>
+            <a:ext cx="1130760" cy="547920"/>
+          </a:xfrm>
+          <a:prstGeom prst="wedgeEllipseCallout">
+            <a:avLst>
+              <a:gd name="adj1" fmla="val -62247"/>
+              <a:gd name="adj2" fmla="val 62500"/>
+            </a:avLst>
+          </a:prstGeom>
+          <a:solidFill>
+            <a:srgbClr val="FF0000"/>
+          </a:solidFill>
+          <a:ln>
+            <a:round/>
+          </a:ln>
+        </p:spPr>
+        <p:style>
+          <a:lnRef idx="2">
+            <a:schemeClr val="accent1">
+              <a:shade val="50000"/>
+            </a:schemeClr>
+          </a:lnRef>
+          <a:fillRef idx="1">
+            <a:schemeClr val="accent1"/>
+          </a:fillRef>
+          <a:effectRef idx="0">
+            <a:schemeClr val="accent1"/>
+          </a:effectRef>
+          <a:fontRef idx="minor"/>
+        </p:style>
+        <p:txBody>
+          <a:bodyPr lIns="90000" tIns="45000" rIns="90000" bIns="45000" anchor="ctr"/>
+          <a:lstStyle/>
+          <a:p>
+            <a:pPr algn="ctr">
+              <a:lnSpc>
+                <a:spcPct val="100000"/>
+              </a:lnSpc>
+            </a:pPr>
+            <a:r>
+              <a:rPr lang="en-US" sz="1350" b="0" strike="noStrike" spc="-1">
+                <a:solidFill>
+                  <a:srgbClr val="FFFFFF"/>
+                </a:solidFill>
+                <a:uFill>
+                  <a:solidFill>
+                    <a:srgbClr val="FFFFFF"/>
+                  </a:solidFill>
+                </a:uFill>
+                <a:latin typeface="Calibri"/>
+                <a:ea typeface="DejaVu Sans"/>
+              </a:rPr>
+              <a:t>IT Koolitus</a:t>
+            </a:r>
+            <a:endParaRPr lang="en-US" sz="1350" b="0" strike="noStrike" spc="-1">
+              <a:solidFill>
+                <a:srgbClr val="000000"/>
+              </a:solidFill>
+              <a:uFill>
+                <a:solidFill>
+                  <a:srgbClr val="FFFFFF"/>
+                </a:solidFill>
+              </a:uFill>
+              <a:latin typeface="DejaVu Sans"/>
+            </a:endParaRPr>
+          </a:p>
+        </p:txBody>
+      </p:sp>
+      <p:sp>
+        <p:nvSpPr>
+          <p:cNvPr id="228" name="CustomShape 4"/>
+          <p:cNvSpPr/>
+          <p:nvPr/>
+        </p:nvSpPr>
+        <p:spPr>
+          <a:xfrm>
+            <a:off x="2211840" y="3343320"/>
+            <a:ext cx="1290960" cy="673560"/>
+          </a:xfrm>
+          <a:prstGeom prst="ellipse">
+            <a:avLst/>
+          </a:prstGeom>
+          <a:solidFill>
+            <a:srgbClr val="FF0000"/>
+          </a:solidFill>
+          <a:ln>
+            <a:round/>
+          </a:ln>
+        </p:spPr>
+        <p:style>
+          <a:lnRef idx="2">
+            <a:schemeClr val="accent1">
+              <a:shade val="50000"/>
+            </a:schemeClr>
+          </a:lnRef>
+          <a:fillRef idx="1">
+            <a:schemeClr val="accent1"/>
+          </a:fillRef>
+          <a:effectRef idx="0">
+            <a:schemeClr val="accent1"/>
+          </a:effectRef>
+          <a:fontRef idx="minor"/>
+        </p:style>
+        <p:txBody>
+          <a:bodyPr lIns="90000" tIns="45000" rIns="90000" bIns="45000" anchor="ctr"/>
+          <a:lstStyle/>
+          <a:p>
+            <a:pPr algn="ctr">
+              <a:lnSpc>
+                <a:spcPct val="100000"/>
+              </a:lnSpc>
+            </a:pPr>
+            <a:r>
+              <a:rPr lang="en-US" sz="1350" b="0" strike="noStrike" spc="-1">
+                <a:solidFill>
+                  <a:srgbClr val="FFFFFF"/>
+                </a:solidFill>
+                <a:uFill>
+                  <a:solidFill>
+                    <a:srgbClr val="FFFFFF"/>
+                  </a:solidFill>
+                </a:uFill>
+                <a:latin typeface="Calibri"/>
+                <a:ea typeface="DejaVu Sans"/>
+              </a:rPr>
+              <a:t>Ülemiste keskus</a:t>
+            </a:r>
+            <a:endParaRPr lang="en-US" sz="1350" b="0" strike="noStrike" spc="-1">
+              <a:solidFill>
+                <a:srgbClr val="000000"/>
+              </a:solidFill>
+              <a:uFill>
+                <a:solidFill>
+                  <a:srgbClr val="FFFFFF"/>
+                </a:solidFill>
+              </a:uFill>
+              <a:latin typeface="DejaVu Sans"/>
+            </a:endParaRPr>
+          </a:p>
+        </p:txBody>
+      </p:sp>
+      <p:sp>
+        <p:nvSpPr>
+          <p:cNvPr id="229" name="CustomShape 5"/>
+          <p:cNvSpPr/>
+          <p:nvPr/>
+        </p:nvSpPr>
+        <p:spPr>
+          <a:xfrm>
+            <a:off x="7808760" y="3519000"/>
+            <a:ext cx="1130760" cy="547920"/>
+          </a:xfrm>
+          <a:prstGeom prst="wedgeEllipseCallout">
+            <a:avLst>
+              <a:gd name="adj1" fmla="val -62247"/>
+              <a:gd name="adj2" fmla="val 62500"/>
+            </a:avLst>
+          </a:prstGeom>
+          <a:solidFill>
+            <a:srgbClr val="FF0000"/>
+          </a:solidFill>
+          <a:ln>
+            <a:round/>
+          </a:ln>
+        </p:spPr>
+        <p:style>
+          <a:lnRef idx="2">
+            <a:schemeClr val="accent1">
+              <a:shade val="50000"/>
+            </a:schemeClr>
+          </a:lnRef>
+          <a:fillRef idx="1">
+            <a:schemeClr val="accent1"/>
+          </a:fillRef>
+          <a:effectRef idx="0">
+            <a:schemeClr val="accent1"/>
+          </a:effectRef>
+          <a:fontRef idx="minor"/>
+        </p:style>
+        <p:txBody>
+          <a:bodyPr lIns="90000" tIns="45000" rIns="90000" bIns="45000" anchor="ctr"/>
+          <a:lstStyle/>
+          <a:p>
+            <a:pPr algn="ctr">
+              <a:lnSpc>
+                <a:spcPct val="100000"/>
+              </a:lnSpc>
+            </a:pPr>
+            <a:r>
+              <a:rPr lang="en-US" sz="1350" b="0" strike="noStrike" spc="-1">
+                <a:solidFill>
+                  <a:srgbClr val="FFFFFF"/>
+                </a:solidFill>
+                <a:uFill>
+                  <a:solidFill>
+                    <a:srgbClr val="FFFFFF"/>
+                  </a:solidFill>
+                </a:uFill>
+                <a:latin typeface="Calibri"/>
+                <a:ea typeface="DejaVu Sans"/>
+              </a:rPr>
+              <a:t>Dvigatel</a:t>
+            </a:r>
+            <a:endParaRPr lang="en-US" sz="1350" b="0" strike="noStrike" spc="-1">
+              <a:solidFill>
+                <a:srgbClr val="000000"/>
+              </a:solidFill>
+              <a:uFill>
+                <a:solidFill>
+                  <a:srgbClr val="FFFFFF"/>
+                </a:solidFill>
+              </a:uFill>
+              <a:latin typeface="DejaVu Sans"/>
+            </a:endParaRPr>
+          </a:p>
+        </p:txBody>
+      </p:sp>
+      <p:sp>
+        <p:nvSpPr>
+          <p:cNvPr id="230" name="CustomShape 6"/>
+          <p:cNvSpPr/>
+          <p:nvPr/>
+        </p:nvSpPr>
+        <p:spPr>
+          <a:xfrm>
+            <a:off x="7104960" y="2121120"/>
+            <a:ext cx="1130760" cy="547920"/>
+          </a:xfrm>
+          <a:prstGeom prst="wedgeEllipseCallout">
+            <a:avLst>
+              <a:gd name="adj1" fmla="val -63930"/>
+              <a:gd name="adj2" fmla="val -46875"/>
+            </a:avLst>
+          </a:prstGeom>
+          <a:solidFill>
+            <a:srgbClr val="FF0000"/>
+          </a:solidFill>
+          <a:ln>
+            <a:round/>
+          </a:ln>
+        </p:spPr>
+        <p:style>
+          <a:lnRef idx="2">
+            <a:schemeClr val="accent1">
+              <a:shade val="50000"/>
+            </a:schemeClr>
+          </a:lnRef>
+          <a:fillRef idx="1">
+            <a:schemeClr val="accent1"/>
+          </a:fillRef>
+          <a:effectRef idx="0">
+            <a:schemeClr val="accent1"/>
+          </a:effectRef>
+          <a:fontRef idx="minor"/>
+        </p:style>
+        <p:txBody>
+          <a:bodyPr lIns="90000" tIns="45000" rIns="90000" bIns="45000" anchor="ctr"/>
+          <a:lstStyle/>
+          <a:p>
+            <a:pPr algn="ctr">
+              <a:lnSpc>
+                <a:spcPct val="100000"/>
+              </a:lnSpc>
+            </a:pPr>
+            <a:r>
+              <a:rPr lang="en-US" sz="1350" b="0" strike="noStrike" spc="-1">
+                <a:solidFill>
+                  <a:srgbClr val="FFFFFF"/>
+                </a:solidFill>
+                <a:uFill>
+                  <a:solidFill>
+                    <a:srgbClr val="FFFFFF"/>
+                  </a:solidFill>
+                </a:uFill>
+                <a:latin typeface="Calibri"/>
+                <a:ea typeface="DejaVu Sans"/>
+              </a:rPr>
+              <a:t>Scetch House</a:t>
+            </a:r>
+            <a:endParaRPr lang="en-US" sz="1350" b="0" strike="noStrike" spc="-1">
+              <a:solidFill>
+                <a:srgbClr val="000000"/>
+              </a:solidFill>
+              <a:uFill>
+                <a:solidFill>
+                  <a:srgbClr val="FFFFFF"/>
+                </a:solidFill>
+              </a:uFill>
+              <a:latin typeface="DejaVu Sans"/>
+            </a:endParaRPr>
+          </a:p>
+        </p:txBody>
+      </p:sp>
+    </p:spTree>
+  </p:cSld>
+  <p:clrMapOvr>
+    <a:masterClrMapping/>
+  </p:clrMapOvr>
+  <p:timing>
+    <p:tnLst>
+      <p:par>
+        <p:cTn id="1" dur="indefinite" restart="never" nodeType="tmRoot">
+          <p:childTnLst>
+            <p:seq>
+              <p:cTn id="2" nodeType="mainSeq"/>
+              <p:prevCondLst>
+                <p:cond evt="onPrev" delay="0">
+                  <p:tgtEl>
+                    <p:sldTgt/>
+                  </p:tgtEl>
+                </p:cond>
+              </p:prevCondLst>
+              <p:nextCondLst>
+                <p:cond evt="onNext" delay="0">
+                  <p:tgtEl>
+                    <p:sldTgt/>
+                  </p:tgtEl>
+                </p:cond>
+              </p:nextCondLst>
+            </p:seq>
+          </p:childTnLst>
+        </p:cTn>
+      </p:par>
+    </p:tnLst>
+  </p:timing>
+</p:sld>
+</file>
+
+<file path=ppt/slides/slide13.xml><?xml version="1.0" encoding="utf-8"?>
+<p:sld xmlns:a="http://schemas.openxmlformats.org/drawingml/2006/main" xmlns:r="http://schemas.openxmlformats.org/officeDocument/2006/relationships" xmlns:p="http://schemas.openxmlformats.org/presentationml/2006/main">
+  <p:cSld>
+    <p:spTree>
+      <p:nvGrpSpPr>
+        <p:cNvPr id="1" name=""/>
+        <p:cNvGrpSpPr/>
+        <p:nvPr/>
+      </p:nvGrpSpPr>
+      <p:grpSpPr>
+        <a:xfrm>
+          <a:off x="0" y="0"/>
+          <a:ext cx="0" cy="0"/>
+          <a:chOff x="0" y="0"/>
+          <a:chExt cx="0" cy="0"/>
+        </a:xfrm>
+      </p:grpSpPr>
+      <p:sp>
+        <p:nvSpPr>
           <p:cNvPr id="231" name="CustomShape 1"/>
           <p:cNvSpPr/>
           <p:nvPr/>
@@ -16102,46 +16576,21 @@
       </p:grpSpPr>
       <p:sp>
         <p:nvSpPr>
-          <p:cNvPr id="216" name="CustomShape 1"/>
-          <p:cNvSpPr/>
-          <p:nvPr/>
-        </p:nvSpPr>
-        <p:spPr>
-          <a:xfrm>
-            <a:off x="481320" y="365040"/>
-            <a:ext cx="11266920" cy="1324800"/>
-          </a:xfrm>
-          <a:prstGeom prst="rect">
-            <a:avLst/>
-          </a:prstGeom>
-          <a:noFill/>
-          <a:ln>
-            <a:noFill/>
-          </a:ln>
-        </p:spPr>
-        <p:style>
-          <a:lnRef idx="0">
-            <a:scrgbClr r="0" g="0" b="0"/>
-          </a:lnRef>
-          <a:fillRef idx="0">
-            <a:scrgbClr r="0" g="0" b="0"/>
-          </a:fillRef>
-          <a:effectRef idx="0">
-            <a:scrgbClr r="0" g="0" b="0"/>
-          </a:effectRef>
-          <a:fontRef idx="minor"/>
-        </p:style>
-        <p:txBody>
-          <a:bodyPr lIns="90000" tIns="45000" rIns="90000" bIns="45000" anchor="ctr"/>
-          <a:lstStyle/>
-          <a:p>
-            <a:pPr>
-              <a:lnSpc>
-                <a:spcPct val="90000"/>
-              </a:lnSpc>
-            </a:pPr>
+          <p:cNvPr id="2" name="Title 1"/>
+          <p:cNvSpPr>
+            <a:spLocks noGrp="1"/>
+          </p:cNvSpPr>
+          <p:nvPr>
+            <p:ph type="title"/>
+          </p:nvPr>
+        </p:nvSpPr>
+        <p:spPr/>
+        <p:txBody>
+          <a:bodyPr/>
+          <a:lstStyle/>
+          <a:p>
             <a:r>
-              <a:rPr lang="en-US" sz="4400" b="0" strike="noStrike" spc="-1">
+              <a:rPr lang="en-US" spc="-1" dirty="0" err="1">
                 <a:solidFill>
                   <a:srgbClr val="FC0D1B"/>
                 </a:solidFill>
@@ -16152,61 +16601,83 @@
                 </a:uFill>
                 <a:latin typeface="Calibri Light"/>
               </a:rPr>
-              <a:t>Saame tuttavaks</a:t>
+              <a:t>Saame</a:t>
             </a:r>
-            <a:endParaRPr lang="en-US" sz="4400" b="0" strike="noStrike" spc="-1">
-              <a:solidFill>
-                <a:srgbClr val="000000"/>
-              </a:solidFill>
-              <a:uFill>
-                <a:solidFill>
-                  <a:srgbClr val="FFFFFF"/>
-                </a:solidFill>
-              </a:uFill>
-              <a:latin typeface="DejaVu Sans"/>
-            </a:endParaRPr>
-          </a:p>
-        </p:txBody>
-      </p:sp>
-      <p:sp>
-        <p:nvSpPr>
-          <p:cNvPr id="217" name="CustomShape 2"/>
-          <p:cNvSpPr/>
-          <p:nvPr/>
-        </p:nvSpPr>
-        <p:spPr>
-          <a:xfrm>
-            <a:off x="481320" y="1825560"/>
-            <a:ext cx="11266920" cy="3372120"/>
-          </a:xfrm>
-          <a:prstGeom prst="rect">
-            <a:avLst/>
-          </a:prstGeom>
-          <a:noFill/>
-          <a:ln>
-            <a:noFill/>
-          </a:ln>
-        </p:spPr>
-        <p:style>
-          <a:lnRef idx="0">
-            <a:scrgbClr r="0" g="0" b="0"/>
-          </a:lnRef>
-          <a:fillRef idx="0">
-            <a:scrgbClr r="0" g="0" b="0"/>
-          </a:fillRef>
-          <a:effectRef idx="0">
-            <a:scrgbClr r="0" g="0" b="0"/>
-          </a:effectRef>
-          <a:fontRef idx="minor"/>
-        </p:style>
-        <p:txBody>
-          <a:bodyPr lIns="90000" tIns="45000" rIns="90000" bIns="45000"/>
+            <a:r>
+              <a:rPr lang="en-US" spc="-1" dirty="0">
+                <a:solidFill>
+                  <a:srgbClr val="FC0D1B"/>
+                </a:solidFill>
+                <a:uFill>
+                  <a:solidFill>
+                    <a:srgbClr val="FFFFFF"/>
+                  </a:solidFill>
+                </a:uFill>
+                <a:latin typeface="Calibri Light"/>
+              </a:rPr>
+              <a:t> </a:t>
+            </a:r>
+            <a:r>
+              <a:rPr lang="en-US" spc="-1" dirty="0" err="1">
+                <a:solidFill>
+                  <a:srgbClr val="FC0D1B"/>
+                </a:solidFill>
+                <a:uFill>
+                  <a:solidFill>
+                    <a:srgbClr val="FFFFFF"/>
+                  </a:solidFill>
+                </a:uFill>
+                <a:latin typeface="Calibri Light"/>
+              </a:rPr>
+              <a:t>tuttavaks</a:t>
+            </a:r>
+            <a:r>
+              <a:rPr lang="en-US" spc="-1" dirty="0">
+                <a:solidFill>
+                  <a:srgbClr val="000000"/>
+                </a:solidFill>
+                <a:uFill>
+                  <a:solidFill>
+                    <a:srgbClr val="FFFFFF"/>
+                  </a:solidFill>
+                </a:uFill>
+                <a:latin typeface="DejaVu Sans"/>
+              </a:rPr>
+              <a:t/>
+            </a:r>
+            <a:br>
+              <a:rPr lang="en-US" spc="-1" dirty="0">
+                <a:solidFill>
+                  <a:srgbClr val="000000"/>
+                </a:solidFill>
+                <a:uFill>
+                  <a:solidFill>
+                    <a:srgbClr val="FFFFFF"/>
+                  </a:solidFill>
+                </a:uFill>
+                <a:latin typeface="DejaVu Sans"/>
+              </a:rPr>
+            </a:br>
+            <a:endParaRPr lang="et-EE" dirty="0"/>
+          </a:p>
+        </p:txBody>
+      </p:sp>
+      <p:sp>
+        <p:nvSpPr>
+          <p:cNvPr id="3" name="Subtitle 2"/>
+          <p:cNvSpPr>
+            <a:spLocks noGrp="1"/>
+          </p:cNvSpPr>
+          <p:nvPr>
+            <p:ph type="subTitle"/>
+          </p:nvPr>
+        </p:nvSpPr>
+        <p:spPr/>
+        <p:txBody>
+          <a:bodyPr/>
           <a:lstStyle/>
           <a:p>
             <a:pPr marL="720">
-              <a:lnSpc>
-                <a:spcPct val="90000"/>
-              </a:lnSpc>
               <a:spcBef>
                 <a:spcPts val="1001"/>
               </a:spcBef>
@@ -16215,7 +16686,7 @@
               </a:buClr>
             </a:pPr>
             <a:r>
-              <a:rPr lang="en-US" sz="2800" b="0" strike="noStrike" spc="-1" dirty="0" err="1" smtClean="0">
+              <a:rPr lang="en-US" spc="-1" dirty="0" err="1">
                 <a:solidFill>
                   <a:srgbClr val="595959"/>
                 </a:solidFill>
@@ -16229,7 +16700,7 @@
               <a:t>Nimi</a:t>
             </a:r>
             <a:r>
-              <a:rPr lang="en-US" sz="2800" b="0" strike="noStrike" spc="-1" dirty="0" smtClean="0">
+              <a:rPr lang="en-US" spc="-1" dirty="0">
                 <a:solidFill>
                   <a:srgbClr val="595959"/>
                 </a:solidFill>
@@ -16240,10 +16711,10 @@
                 </a:uFill>
                 <a:latin typeface="Calibri"/>
               </a:rPr>
-              <a:t>: Mona-</a:t>
+              <a:t>: </a:t>
             </a:r>
             <a:r>
-              <a:rPr lang="en-US" sz="2800" b="0" strike="noStrike" spc="-1" dirty="0" err="1" smtClean="0">
+              <a:rPr lang="en-US" spc="-1" dirty="0" smtClean="0">
                 <a:solidFill>
                   <a:srgbClr val="595959"/>
                 </a:solidFill>
@@ -16254,25 +16725,144 @@
                 </a:uFill>
                 <a:latin typeface="Calibri"/>
               </a:rPr>
-              <a:t>Liisa</a:t>
+              <a:t>Henry;</a:t>
             </a:r>
-            <a:endParaRPr lang="en-US" sz="2800" b="0" strike="noStrike" spc="-1" dirty="0">
-              <a:solidFill>
-                <a:srgbClr val="000000"/>
-              </a:solidFill>
-              <a:uFill>
-                <a:solidFill>
-                  <a:srgbClr val="FFFFFF"/>
-                </a:solidFill>
-              </a:uFill>
-              <a:latin typeface="DejaVu Sans"/>
-            </a:endParaRPr>
-          </a:p>
-          <a:p>
-            <a:pPr marL="228600" indent="-227880">
-              <a:lnSpc>
-                <a:spcPct val="90000"/>
-              </a:lnSpc>
+          </a:p>
+          <a:p>
+            <a:pPr marL="720">
+              <a:spcBef>
+                <a:spcPts val="1001"/>
+              </a:spcBef>
+              <a:buClr>
+                <a:srgbClr val="595959"/>
+              </a:buClr>
+            </a:pPr>
+            <a:r>
+              <a:rPr lang="en-US" spc="-1" dirty="0" err="1" smtClean="0">
+                <a:solidFill>
+                  <a:srgbClr val="595959"/>
+                </a:solidFill>
+                <a:uFill>
+                  <a:solidFill>
+                    <a:srgbClr val="FFFFFF"/>
+                  </a:solidFill>
+                </a:uFill>
+                <a:latin typeface="Calibri"/>
+              </a:rPr>
+              <a:t>Varasem</a:t>
+            </a:r>
+            <a:r>
+              <a:rPr lang="en-US" spc="-1" dirty="0" smtClean="0">
+                <a:solidFill>
+                  <a:srgbClr val="595959"/>
+                </a:solidFill>
+                <a:uFill>
+                  <a:solidFill>
+                    <a:srgbClr val="FFFFFF"/>
+                  </a:solidFill>
+                </a:uFill>
+                <a:latin typeface="Calibri"/>
+              </a:rPr>
+              <a:t> </a:t>
+            </a:r>
+            <a:r>
+              <a:rPr lang="en-US" spc="-1" dirty="0" err="1" smtClean="0">
+                <a:solidFill>
+                  <a:srgbClr val="595959"/>
+                </a:solidFill>
+                <a:uFill>
+                  <a:solidFill>
+                    <a:srgbClr val="FFFFFF"/>
+                  </a:solidFill>
+                </a:uFill>
+                <a:latin typeface="Calibri"/>
+              </a:rPr>
+              <a:t>kogemus</a:t>
+            </a:r>
+            <a:r>
+              <a:rPr lang="en-US" spc="-1" dirty="0" smtClean="0">
+                <a:solidFill>
+                  <a:srgbClr val="595959"/>
+                </a:solidFill>
+                <a:uFill>
+                  <a:solidFill>
+                    <a:srgbClr val="FFFFFF"/>
+                  </a:solidFill>
+                </a:uFill>
+                <a:latin typeface="Calibri"/>
+              </a:rPr>
+              <a:t>: </a:t>
+            </a:r>
+            <a:r>
+              <a:rPr lang="en-US" spc="-1" dirty="0" err="1" smtClean="0">
+                <a:solidFill>
+                  <a:srgbClr val="595959"/>
+                </a:solidFill>
+                <a:uFill>
+                  <a:solidFill>
+                    <a:srgbClr val="FFFFFF"/>
+                  </a:solidFill>
+                </a:uFill>
+                <a:latin typeface="Calibri"/>
+              </a:rPr>
+              <a:t>avalik</a:t>
+            </a:r>
+            <a:r>
+              <a:rPr lang="en-US" spc="-1" dirty="0" smtClean="0">
+                <a:solidFill>
+                  <a:srgbClr val="595959"/>
+                </a:solidFill>
+                <a:uFill>
+                  <a:solidFill>
+                    <a:srgbClr val="FFFFFF"/>
+                  </a:solidFill>
+                </a:uFill>
+                <a:latin typeface="Calibri"/>
+              </a:rPr>
+              <a:t> </a:t>
+            </a:r>
+            <a:r>
+              <a:rPr lang="en-US" spc="-1" dirty="0" err="1" smtClean="0">
+                <a:solidFill>
+                  <a:srgbClr val="595959"/>
+                </a:solidFill>
+                <a:uFill>
+                  <a:solidFill>
+                    <a:srgbClr val="FFFFFF"/>
+                  </a:solidFill>
+                </a:uFill>
+                <a:latin typeface="Calibri"/>
+              </a:rPr>
+              <a:t>sektor</a:t>
+            </a:r>
+            <a:r>
+              <a:rPr lang="en-US" spc="-1" dirty="0" smtClean="0">
+                <a:solidFill>
+                  <a:srgbClr val="595959"/>
+                </a:solidFill>
+                <a:uFill>
+                  <a:solidFill>
+                    <a:srgbClr val="FFFFFF"/>
+                  </a:solidFill>
+                </a:uFill>
+                <a:latin typeface="Calibri"/>
+              </a:rPr>
+              <a:t>;</a:t>
+            </a:r>
+            <a:endParaRPr lang="en-US" spc="-1" dirty="0">
+              <a:solidFill>
+                <a:srgbClr val="000000"/>
+              </a:solidFill>
+              <a:uFill>
+                <a:solidFill>
+                  <a:srgbClr val="FFFFFF"/>
+                </a:solidFill>
+              </a:uFill>
+              <a:latin typeface="DejaVu Sans"/>
+            </a:endParaRPr>
+          </a:p>
+          <a:p>
+            <a:pPr indent="-227880">
               <a:spcBef>
                 <a:spcPts val="1001"/>
               </a:spcBef>
@@ -16283,7 +16873,7 @@
               <a:buChar char="•"/>
             </a:pPr>
             <a:r>
-              <a:rPr lang="en-US" sz="2800" b="0" strike="noStrike" spc="-1" dirty="0" err="1">
+              <a:rPr lang="en-US" spc="-1" dirty="0" err="1" smtClean="0">
                 <a:solidFill>
                   <a:srgbClr val="595959"/>
                 </a:solidFill>
@@ -16294,10 +16884,38 @@
                 </a:uFill>
                 <a:latin typeface="Calibri"/>
               </a:rPr>
-              <a:t>Varasem</a:t>
+              <a:t>Ootused</a:t>
             </a:r>
             <a:r>
-              <a:rPr lang="en-US" sz="2800" b="0" strike="noStrike" spc="-1" dirty="0">
+              <a:rPr lang="en-US" spc="-1" dirty="0" smtClean="0">
+                <a:solidFill>
+                  <a:srgbClr val="595959"/>
+                </a:solidFill>
+                <a:uFill>
+                  <a:solidFill>
+                    <a:srgbClr val="FFFFFF"/>
+                  </a:solidFill>
+                </a:uFill>
+                <a:latin typeface="Calibri"/>
+              </a:rPr>
+              <a:t>: </a:t>
+            </a:r>
+            <a:r>
+              <a:rPr lang="en-US" spc="-1" dirty="0" err="1" smtClean="0">
+                <a:solidFill>
+                  <a:srgbClr val="595959"/>
+                </a:solidFill>
+                <a:uFill>
+                  <a:solidFill>
+                    <a:srgbClr val="FFFFFF"/>
+                  </a:solidFill>
+                </a:uFill>
+                <a:latin typeface="Calibri"/>
+              </a:rPr>
+              <a:t>kinnistada</a:t>
+            </a:r>
+            <a:r>
+              <a:rPr lang="en-US" spc="-1" dirty="0" smtClean="0">
                 <a:solidFill>
                   <a:srgbClr val="595959"/>
                 </a:solidFill>
@@ -16311,7 +16929,7 @@
               <a:t> </a:t>
             </a:r>
             <a:r>
-              <a:rPr lang="en-US" sz="2800" b="0" strike="noStrike" spc="-1" dirty="0" err="1" smtClean="0">
+              <a:rPr lang="en-US" spc="-1" dirty="0" err="1" smtClean="0">
                 <a:solidFill>
                   <a:srgbClr val="595959"/>
                 </a:solidFill>
@@ -16322,10 +16940,10 @@
                 </a:uFill>
                 <a:latin typeface="Calibri"/>
               </a:rPr>
-              <a:t>kogemus</a:t>
+              <a:t>teadmise</a:t>
             </a:r>
             <a:r>
-              <a:rPr lang="en-US" sz="2800" b="0" strike="noStrike" spc="-1" dirty="0" smtClean="0">
+              <a:rPr lang="en-US" spc="-1" dirty="0" smtClean="0">
                 <a:solidFill>
                   <a:srgbClr val="595959"/>
                 </a:solidFill>
@@ -16336,57 +16954,10 @@
                 </a:uFill>
                 <a:latin typeface="Calibri"/>
               </a:rPr>
-              <a:t>: SQL basic, C++ basic</a:t>
+              <a:t> </a:t>
             </a:r>
-            <a:endParaRPr lang="en-US" sz="2800" b="0" strike="noStrike" spc="-1" dirty="0">
-              <a:solidFill>
-                <a:srgbClr val="000000"/>
-              </a:solidFill>
-              <a:uFill>
-                <a:solidFill>
-                  <a:srgbClr val="FFFFFF"/>
-                </a:solidFill>
-              </a:uFill>
-              <a:latin typeface="DejaVu Sans"/>
-            </a:endParaRPr>
-          </a:p>
-          <a:p>
-            <a:pPr>
-              <a:lnSpc>
-                <a:spcPct val="90000"/>
-              </a:lnSpc>
-              <a:spcBef>
-                <a:spcPts val="1001"/>
-              </a:spcBef>
-            </a:pPr>
-            <a:endParaRPr lang="en-US" sz="2800" b="0" strike="noStrike" spc="-1" dirty="0">
-              <a:solidFill>
-                <a:srgbClr val="000000"/>
-              </a:solidFill>
-              <a:uFill>
-                <a:solidFill>
-                  <a:srgbClr val="FFFFFF"/>
-                </a:solidFill>
-              </a:uFill>
-              <a:latin typeface="DejaVu Sans"/>
-            </a:endParaRPr>
-          </a:p>
-          <a:p>
-            <a:pPr marL="228600" indent="-227880">
-              <a:lnSpc>
-                <a:spcPct val="90000"/>
-              </a:lnSpc>
-              <a:spcBef>
-                <a:spcPts val="1001"/>
-              </a:spcBef>
-              <a:buClr>
-                <a:srgbClr val="595959"/>
-              </a:buClr>
-              <a:buFont typeface="Arial"/>
-              <a:buChar char="•"/>
-            </a:pPr>
             <a:r>
-              <a:rPr lang="en-US" sz="2800" b="0" strike="noStrike" spc="-1" dirty="0" err="1" smtClean="0">
+              <a:rPr lang="en-US" spc="-1" dirty="0" err="1" smtClean="0">
                 <a:solidFill>
                   <a:srgbClr val="595959"/>
                 </a:solidFill>
@@ -16397,10 +16968,10 @@
                 </a:uFill>
                 <a:latin typeface="Calibri"/>
               </a:rPr>
-              <a:t>Ootused</a:t>
+              <a:t>ja</a:t>
             </a:r>
             <a:r>
-              <a:rPr lang="en-US" sz="2800" b="0" strike="noStrike" spc="-1" dirty="0" smtClean="0">
+              <a:rPr lang="en-US" spc="-1" dirty="0" smtClean="0">
                 <a:solidFill>
                   <a:srgbClr val="595959"/>
                 </a:solidFill>
@@ -16411,10 +16982,10 @@
                 </a:uFill>
                 <a:latin typeface="Calibri"/>
               </a:rPr>
-              <a:t> web </a:t>
+              <a:t> </a:t>
             </a:r>
             <a:r>
-              <a:rPr lang="en-US" sz="2800" b="0" strike="noStrike" spc="-1" smtClean="0">
+              <a:rPr lang="en-US" spc="-1" dirty="0" err="1" smtClean="0">
                 <a:solidFill>
                   <a:srgbClr val="595959"/>
                 </a:solidFill>
@@ -16425,54 +16996,64 @@
                 </a:uFill>
                 <a:latin typeface="Calibri"/>
               </a:rPr>
-              <a:t>kasutusmugavus</a:t>
+              <a:t>laiendada</a:t>
             </a:r>
-            <a:endParaRPr lang="en-US" sz="2800" b="0" strike="noStrike" spc="-1" dirty="0">
-              <a:solidFill>
-                <a:srgbClr val="000000"/>
-              </a:solidFill>
-              <a:uFill>
-                <a:solidFill>
-                  <a:srgbClr val="FFFFFF"/>
-                </a:solidFill>
-              </a:uFill>
-              <a:latin typeface="DejaVu Sans"/>
-            </a:endParaRPr>
+            <a:r>
+              <a:rPr lang="en-US" spc="-1" dirty="0" smtClean="0">
+                <a:solidFill>
+                  <a:srgbClr val="595959"/>
+                </a:solidFill>
+                <a:uFill>
+                  <a:solidFill>
+                    <a:srgbClr val="FFFFFF"/>
+                  </a:solidFill>
+                </a:uFill>
+                <a:latin typeface="Calibri"/>
+              </a:rPr>
+              <a:t> HMTL, CSS, JavaScript </a:t>
+            </a:r>
+            <a:r>
+              <a:rPr lang="en-US" spc="-1" dirty="0" err="1" smtClean="0">
+                <a:solidFill>
+                  <a:srgbClr val="595959"/>
+                </a:solidFill>
+                <a:uFill>
+                  <a:solidFill>
+                    <a:srgbClr val="FFFFFF"/>
+                  </a:solidFill>
+                </a:uFill>
+                <a:latin typeface="Calibri"/>
+              </a:rPr>
+              <a:t>oskusi</a:t>
+            </a:r>
+            <a:r>
+              <a:rPr lang="en-US" spc="-1" smtClean="0">
+                <a:solidFill>
+                  <a:srgbClr val="595959"/>
+                </a:solidFill>
+                <a:uFill>
+                  <a:solidFill>
+                    <a:srgbClr val="FFFFFF"/>
+                  </a:solidFill>
+                </a:uFill>
+                <a:latin typeface="Calibri"/>
+              </a:rPr>
+              <a:t>;</a:t>
+            </a:r>
+            <a:endParaRPr lang="et-EE" dirty="0"/>
           </a:p>
         </p:txBody>
       </p:sp>
     </p:spTree>
+    <p:extLst>
+      <p:ext uri="{BB962C8B-B14F-4D97-AF65-F5344CB8AC3E}">
+        <p14:creationId xmlns:p14="http://schemas.microsoft.com/office/powerpoint/2010/main" val="2670244549"/>
+      </p:ext>
+    </p:extLst>
   </p:cSld>
   <p:clrMapOvr>
     <a:masterClrMapping/>
   </p:clrMapOvr>
-  <p:timing>
-    <p:tnLst>
-      <p:par>
-        <p:cTn id="1" dur="indefinite" restart="never" nodeType="tmRoot">
-          <p:childTnLst>
-            <p:seq>
-              <p:cTn id="2" nodeType="mainSeq"/>
-              <p:prevCondLst>
-                <p:cond evt="onPrev" delay="0">
-                  <p:tgtEl>
-                    <p:sldTgt/>
-                  </p:tgtEl>
-                </p:cond>
-              </p:prevCondLst>
-              <p:nextCondLst>
-                <p:cond evt="onNext" delay="0">
-                  <p:tgtEl>
-                    <p:sldTgt/>
-                  </p:tgtEl>
-                </p:cond>
-              </p:nextCondLst>
-            </p:seq>
-          </p:childTnLst>
-        </p:cTn>
-      </p:par>
-    </p:tnLst>
-  </p:timing>
 </p:sld>
 </file>
 
@@ -16534,7 +17115,7 @@
               </a:lnSpc>
             </a:pPr>
             <a:r>
-              <a:rPr lang="en-US" sz="4400" b="0" strike="noStrike" spc="-1">
+              <a:rPr lang="en-US" sz="4400" b="0" strike="noStrike" spc="-1" dirty="0" err="1">
                 <a:solidFill>
                   <a:srgbClr val="FC0D1B"/>
                 </a:solidFill>
@@ -16545,9 +17126,37 @@
                 </a:uFill>
                 <a:latin typeface="Calibri Light"/>
               </a:rPr>
-              <a:t>Saame tuttavaks</a:t>
+              <a:t>Saame</a:t>
             </a:r>
-            <a:endParaRPr lang="en-US" sz="4400" b="0" strike="noStrike" spc="-1">
+            <a:r>
+              <a:rPr lang="en-US" sz="4400" b="0" strike="noStrike" spc="-1" dirty="0">
+                <a:solidFill>
+                  <a:srgbClr val="FC0D1B"/>
+                </a:solidFill>
+                <a:uFill>
+                  <a:solidFill>
+                    <a:srgbClr val="FFFFFF"/>
+                  </a:solidFill>
+                </a:uFill>
+                <a:latin typeface="Calibri Light"/>
+              </a:rPr>
+              <a:t> </a:t>
+            </a:r>
+            <a:r>
+              <a:rPr lang="en-US" sz="4400" b="0" strike="noStrike" spc="-1" dirty="0" err="1">
+                <a:solidFill>
+                  <a:srgbClr val="FC0D1B"/>
+                </a:solidFill>
+                <a:uFill>
+                  <a:solidFill>
+                    <a:srgbClr val="FFFFFF"/>
+                  </a:solidFill>
+                </a:uFill>
+                <a:latin typeface="Calibri Light"/>
+              </a:rPr>
+              <a:t>tuttavaks</a:t>
+            </a:r>
+            <a:endParaRPr lang="en-US" sz="4400" b="0" strike="noStrike" spc="-1" dirty="0">
               <a:solidFill>
                 <a:srgbClr val="000000"/>
               </a:solidFill>
@@ -16633,10 +17242,10 @@
                 </a:uFill>
                 <a:latin typeface="Calibri"/>
               </a:rPr>
-              <a:t>: </a:t>
+              <a:t>: Mona-</a:t>
             </a:r>
             <a:r>
-              <a:rPr lang="et-EE" sz="2800" b="0" strike="noStrike" spc="-1" dirty="0" smtClean="0">
+              <a:rPr lang="en-US" sz="2800" b="0" strike="noStrike" spc="-1" dirty="0" err="1" smtClean="0">
                 <a:solidFill>
                   <a:srgbClr val="595959"/>
                 </a:solidFill>
@@ -16647,7 +17256,7 @@
                 </a:uFill>
                 <a:latin typeface="Calibri"/>
               </a:rPr>
-              <a:t>Tuuli </a:t>
+              <a:t>Liisa</a:t>
             </a:r>
             <a:endParaRPr lang="en-US" sz="2800" b="0" strike="noStrike" spc="-1" dirty="0">
               <a:solidFill>
@@ -16729,21 +17338,7 @@
                 </a:uFill>
                 <a:latin typeface="Calibri"/>
               </a:rPr>
-              <a:t>: </a:t>
-            </a:r>
-            <a:r>
-              <a:rPr lang="et-EE" sz="2800" b="0" strike="noStrike" spc="-1" dirty="0" smtClean="0">
-                <a:solidFill>
-                  <a:srgbClr val="595959"/>
-                </a:solidFill>
-                <a:uFill>
-                  <a:solidFill>
-                    <a:srgbClr val="FFFFFF"/>
-                  </a:solidFill>
-                </a:uFill>
-                <a:latin typeface="Calibri"/>
-              </a:rPr>
-              <a:t>Interaktsioonidisain, autorvahendid</a:t>
+              <a:t>: SQL basic, C++ basic</a:t>
             </a:r>
             <a:endParaRPr lang="en-US" sz="2800" b="0" strike="noStrike" spc="-1" dirty="0">
               <a:solidFill>
@@ -16834,34 +17429,6 @@
               </a:rPr>
               <a:t>kasutusmugavus</a:t>
             </a:r>
-            <a:r>
-              <a:rPr lang="et-EE" sz="2800" b="0" strike="noStrike" spc="-1" dirty="0" smtClean="0">
-                <a:solidFill>
-                  <a:srgbClr val="595959"/>
-                </a:solidFill>
-                <a:uFill>
-                  <a:solidFill>
-                    <a:srgbClr val="FFFFFF"/>
-                  </a:solidFill>
-                </a:uFill>
-                <a:latin typeface="Calibri"/>
-              </a:rPr>
-              <a:t>, </a:t>
-            </a:r>
-            <a:r>
-              <a:rPr lang="et-EE" sz="2800" b="0" strike="noStrike" spc="-1" smtClean="0">
-                <a:solidFill>
-                  <a:srgbClr val="595959"/>
-                </a:solidFill>
-                <a:uFill>
-                  <a:solidFill>
-                    <a:srgbClr val="FFFFFF"/>
-                  </a:solidFill>
-                </a:uFill>
-                <a:latin typeface="Calibri"/>
-              </a:rPr>
-              <a:t>veebilehe loomne</a:t>
-            </a:r>
             <a:endParaRPr lang="en-US" sz="2800" b="0" strike="noStrike" spc="-1" dirty="0">
               <a:solidFill>
                 <a:srgbClr val="000000"/>
@@ -16877,11 +17444,6 @@
         </p:txBody>
       </p:sp>
     </p:spTree>
-    <p:extLst>
-      <p:ext uri="{BB962C8B-B14F-4D97-AF65-F5344CB8AC3E}">
-        <p14:creationId xmlns:p14="http://schemas.microsoft.com/office/powerpoint/2010/main" val="3637243231"/>
-      </p:ext>
-    </p:extLst>
   </p:cSld>
   <p:clrMapOvr>
     <a:masterClrMapping/>
@@ -17087,7 +17649,7 @@
                 </a:uFill>
                 <a:latin typeface="Calibri"/>
               </a:rPr>
-              <a:t>Terje </a:t>
+              <a:t>Tuuli </a:t>
             </a:r>
             <a:endParaRPr lang="en-US" sz="2800" b="0" strike="noStrike" spc="-1" dirty="0">
               <a:solidFill>
@@ -17183,7 +17745,7 @@
                 </a:uFill>
                 <a:latin typeface="Calibri"/>
               </a:rPr>
-              <a:t>MS Office</a:t>
+              <a:t>Interaktsioonidisain, autorvahendid</a:t>
             </a:r>
             <a:endParaRPr lang="en-US" sz="2800" b="0" strike="noStrike" spc="-1" dirty="0">
               <a:solidFill>
@@ -17300,21 +17862,7 @@
                 </a:uFill>
                 <a:latin typeface="Calibri"/>
               </a:rPr>
-              <a:t>veebilehe </a:t>
-            </a:r>
-            <a:r>
-              <a:rPr lang="et-EE" sz="2800" b="0" strike="noStrike" spc="-1" smtClean="0">
-                <a:solidFill>
-                  <a:srgbClr val="595959"/>
-                </a:solidFill>
-                <a:uFill>
-                  <a:solidFill>
-                    <a:srgbClr val="FFFFFF"/>
-                  </a:solidFill>
-                </a:uFill>
-                <a:latin typeface="Calibri"/>
-              </a:rPr>
-              <a:t>loomine</a:t>
+              <a:t>veebilehe loomne</a:t>
             </a:r>
             <a:endParaRPr lang="en-US" sz="2800" b="0" strike="noStrike" spc="-1" dirty="0">
               <a:solidFill>
@@ -17333,7 +17881,7 @@
     </p:spTree>
     <p:extLst>
       <p:ext uri="{BB962C8B-B14F-4D97-AF65-F5344CB8AC3E}">
-        <p14:creationId xmlns:p14="http://schemas.microsoft.com/office/powerpoint/2010/main" val="1947543668"/>
+        <p14:creationId xmlns:p14="http://schemas.microsoft.com/office/powerpoint/2010/main" val="3637243231"/>
       </p:ext>
     </p:extLst>
   </p:cSld>
@@ -17389,7 +17937,7 @@
       </p:grpSpPr>
       <p:sp>
         <p:nvSpPr>
-          <p:cNvPr id="218" name="CustomShape 1"/>
+          <p:cNvPr id="216" name="CustomShape 1"/>
           <p:cNvSpPr/>
           <p:nvPr/>
         </p:nvSpPr>
@@ -17439,7 +17987,7 @@
                 </a:uFill>
                 <a:latin typeface="Calibri Light"/>
               </a:rPr>
-              <a:t>Päevaplaan</a:t>
+              <a:t>Saame tuttavaks</a:t>
             </a:r>
             <a:endParaRPr lang="en-US" sz="4400" b="0" strike="noStrike" spc="-1">
               <a:solidFill>
@@ -17457,14 +18005,14 @@
       </p:sp>
       <p:sp>
         <p:nvSpPr>
-          <p:cNvPr id="219" name="CustomShape 2"/>
+          <p:cNvPr id="217" name="CustomShape 2"/>
           <p:cNvSpPr/>
           <p:nvPr/>
         </p:nvSpPr>
         <p:spPr>
           <a:xfrm>
             <a:off x="481320" y="1825560"/>
-            <a:ext cx="11266920" cy="3888720"/>
+            <a:ext cx="11266920" cy="3372120"/>
           </a:xfrm>
           <a:prstGeom prst="rect">
             <a:avLst/>
@@ -17489,6 +18037,72 @@
         <p:txBody>
           <a:bodyPr lIns="90000" tIns="45000" rIns="90000" bIns="45000"/>
           <a:lstStyle/>
+          <a:p>
+            <a:pPr marL="720">
+              <a:lnSpc>
+                <a:spcPct val="90000"/>
+              </a:lnSpc>
+              <a:spcBef>
+                <a:spcPts val="1001"/>
+              </a:spcBef>
+              <a:buClr>
+                <a:srgbClr val="595959"/>
+              </a:buClr>
+            </a:pPr>
+            <a:r>
+              <a:rPr lang="en-US" sz="2800" b="0" strike="noStrike" spc="-1" dirty="0" err="1" smtClean="0">
+                <a:solidFill>
+                  <a:srgbClr val="595959"/>
+                </a:solidFill>
+                <a:uFill>
+                  <a:solidFill>
+                    <a:srgbClr val="FFFFFF"/>
+                  </a:solidFill>
+                </a:uFill>
+                <a:latin typeface="Calibri"/>
+              </a:rPr>
+              <a:t>Nimi</a:t>
+            </a:r>
+            <a:r>
+              <a:rPr lang="en-US" sz="2800" b="0" strike="noStrike" spc="-1" dirty="0" smtClean="0">
+                <a:solidFill>
+                  <a:srgbClr val="595959"/>
+                </a:solidFill>
+                <a:uFill>
+                  <a:solidFill>
+                    <a:srgbClr val="FFFFFF"/>
+                  </a:solidFill>
+                </a:uFill>
+                <a:latin typeface="Calibri"/>
+              </a:rPr>
+              <a:t>: </a:t>
+            </a:r>
+            <a:r>
+              <a:rPr lang="et-EE" sz="2800" b="0" strike="noStrike" spc="-1" dirty="0" smtClean="0">
+                <a:solidFill>
+                  <a:srgbClr val="595959"/>
+                </a:solidFill>
+                <a:uFill>
+                  <a:solidFill>
+                    <a:srgbClr val="FFFFFF"/>
+                  </a:solidFill>
+                </a:uFill>
+                <a:latin typeface="Calibri"/>
+              </a:rPr>
+              <a:t>Terje </a:t>
+            </a:r>
+            <a:endParaRPr lang="en-US" sz="2800" b="0" strike="noStrike" spc="-1" dirty="0">
+              <a:solidFill>
+                <a:srgbClr val="000000"/>
+              </a:solidFill>
+              <a:uFill>
+                <a:solidFill>
+                  <a:srgbClr val="FFFFFF"/>
+                </a:solidFill>
+              </a:uFill>
+              <a:latin typeface="DejaVu Sans"/>
+            </a:endParaRPr>
+          </a:p>
           <a:p>
             <a:pPr marL="228600" indent="-227880">
               <a:lnSpc>
@@ -17504,7 +18118,7 @@
               <a:buChar char="•"/>
             </a:pPr>
             <a:r>
-              <a:rPr lang="en-US" sz="2800" b="0" strike="noStrike" spc="-1">
+              <a:rPr lang="en-US" sz="2800" b="0" strike="noStrike" spc="-1" dirty="0" err="1">
                 <a:solidFill>
                   <a:srgbClr val="595959"/>
                 </a:solidFill>
@@ -17515,38 +18129,12 @@
                 </a:uFill>
                 <a:latin typeface="Calibri"/>
               </a:rPr>
-              <a:t>9:00 – 10:30 Koolitus</a:t>
+              <a:t>Varasem</a:t>
             </a:r>
-            <a:endParaRPr lang="en-US" sz="2800" b="0" strike="noStrike" spc="-1">
-              <a:solidFill>
-                <a:srgbClr val="000000"/>
-              </a:solidFill>
-              <a:uFill>
-                <a:solidFill>
-                  <a:srgbClr val="FFFFFF"/>
-                </a:solidFill>
-              </a:uFill>
-              <a:latin typeface="DejaVu Sans"/>
-            </a:endParaRPr>
-          </a:p>
-          <a:p>
-            <a:pPr marL="685800" lvl="1" indent="-227880">
-              <a:lnSpc>
-                <a:spcPct val="100000"/>
-              </a:lnSpc>
-              <a:spcBef>
-                <a:spcPts val="499"/>
-              </a:spcBef>
-              <a:buClr>
-                <a:srgbClr val="939393"/>
-              </a:buClr>
-              <a:buFont typeface="Arial"/>
-              <a:buChar char="•"/>
-            </a:pPr>
             <a:r>
-              <a:rPr lang="en-US" sz="2400" b="0" strike="noStrike" spc="-1">
-                <a:solidFill>
-                  <a:srgbClr val="939393"/>
+              <a:rPr lang="en-US" sz="2800" b="0" strike="noStrike" spc="-1" dirty="0">
+                <a:solidFill>
+                  <a:srgbClr val="595959"/>
                 </a:solidFill>
                 <a:uFill>
                   <a:solidFill>
@@ -17555,9 +18143,72 @@
                 </a:uFill>
                 <a:latin typeface="Calibri"/>
               </a:rPr>
-              <a:t>10:30 – 10:45 Paus</a:t>
+              <a:t> </a:t>
             </a:r>
-            <a:endParaRPr lang="en-US" sz="2400" b="0" strike="noStrike" spc="-1">
+            <a:r>
+              <a:rPr lang="en-US" sz="2800" b="0" strike="noStrike" spc="-1" dirty="0" err="1" smtClean="0">
+                <a:solidFill>
+                  <a:srgbClr val="595959"/>
+                </a:solidFill>
+                <a:uFill>
+                  <a:solidFill>
+                    <a:srgbClr val="FFFFFF"/>
+                  </a:solidFill>
+                </a:uFill>
+                <a:latin typeface="Calibri"/>
+              </a:rPr>
+              <a:t>kogemus</a:t>
+            </a:r>
+            <a:r>
+              <a:rPr lang="en-US" sz="2800" b="0" strike="noStrike" spc="-1" dirty="0" smtClean="0">
+                <a:solidFill>
+                  <a:srgbClr val="595959"/>
+                </a:solidFill>
+                <a:uFill>
+                  <a:solidFill>
+                    <a:srgbClr val="FFFFFF"/>
+                  </a:solidFill>
+                </a:uFill>
+                <a:latin typeface="Calibri"/>
+              </a:rPr>
+              <a:t>: </a:t>
+            </a:r>
+            <a:r>
+              <a:rPr lang="et-EE" sz="2800" b="0" strike="noStrike" spc="-1" dirty="0" smtClean="0">
+                <a:solidFill>
+                  <a:srgbClr val="595959"/>
+                </a:solidFill>
+                <a:uFill>
+                  <a:solidFill>
+                    <a:srgbClr val="FFFFFF"/>
+                  </a:solidFill>
+                </a:uFill>
+                <a:latin typeface="Calibri"/>
+              </a:rPr>
+              <a:t>MS Office</a:t>
+            </a:r>
+            <a:endParaRPr lang="en-US" sz="2800" b="0" strike="noStrike" spc="-1" dirty="0">
+              <a:solidFill>
+                <a:srgbClr val="000000"/>
+              </a:solidFill>
+              <a:uFill>
+                <a:solidFill>
+                  <a:srgbClr val="FFFFFF"/>
+                </a:solidFill>
+              </a:uFill>
+              <a:latin typeface="DejaVu Sans"/>
+            </a:endParaRPr>
+          </a:p>
+          <a:p>
+            <a:pPr>
+              <a:lnSpc>
+                <a:spcPct val="90000"/>
+              </a:lnSpc>
+              <a:spcBef>
+                <a:spcPts val="1001"/>
+              </a:spcBef>
+            </a:pPr>
+            <a:endParaRPr lang="en-US" sz="2800" b="0" strike="noStrike" spc="-1" dirty="0">
               <a:solidFill>
                 <a:srgbClr val="000000"/>
               </a:solidFill>
@@ -17584,7 +18235,7 @@
               <a:buChar char="•"/>
             </a:pPr>
             <a:r>
-              <a:rPr lang="en-US" sz="2800" b="0" strike="noStrike" spc="-1">
+              <a:rPr lang="en-US" sz="2800" b="0" strike="noStrike" spc="-1" dirty="0" err="1" smtClean="0">
                 <a:solidFill>
                   <a:srgbClr val="595959"/>
                 </a:solidFill>
@@ -17595,38 +18246,12 @@
                 </a:uFill>
                 <a:latin typeface="Calibri"/>
               </a:rPr>
-              <a:t>10:45 – 12:15 Koolitus</a:t>
+              <a:t>Ootused</a:t>
             </a:r>
-            <a:endParaRPr lang="en-US" sz="2800" b="0" strike="noStrike" spc="-1">
-              <a:solidFill>
-                <a:srgbClr val="000000"/>
-              </a:solidFill>
-              <a:uFill>
-                <a:solidFill>
-                  <a:srgbClr val="FFFFFF"/>
-                </a:solidFill>
-              </a:uFill>
-              <a:latin typeface="DejaVu Sans"/>
-            </a:endParaRPr>
-          </a:p>
-          <a:p>
-            <a:pPr marL="685800" lvl="1" indent="-227880">
-              <a:lnSpc>
-                <a:spcPct val="100000"/>
-              </a:lnSpc>
-              <a:spcBef>
-                <a:spcPts val="499"/>
-              </a:spcBef>
-              <a:buClr>
-                <a:srgbClr val="939393"/>
-              </a:buClr>
-              <a:buFont typeface="Arial"/>
-              <a:buChar char="•"/>
-            </a:pPr>
             <a:r>
-              <a:rPr lang="en-US" sz="2400" b="0" strike="noStrike" spc="-1">
-                <a:solidFill>
-                  <a:srgbClr val="939393"/>
+              <a:rPr lang="en-US" sz="2800" b="0" strike="noStrike" spc="-1" dirty="0" smtClean="0">
+                <a:solidFill>
+                  <a:srgbClr val="595959"/>
                 </a:solidFill>
                 <a:uFill>
                   <a:solidFill>
@@ -17635,36 +18260,10 @@
                 </a:uFill>
                 <a:latin typeface="Calibri"/>
               </a:rPr>
-              <a:t>12:15 – 13:00 Lõuna</a:t>
+              <a:t> web </a:t>
             </a:r>
-            <a:endParaRPr lang="en-US" sz="2400" b="0" strike="noStrike" spc="-1">
-              <a:solidFill>
-                <a:srgbClr val="000000"/>
-              </a:solidFill>
-              <a:uFill>
-                <a:solidFill>
-                  <a:srgbClr val="FFFFFF"/>
-                </a:solidFill>
-              </a:uFill>
-              <a:latin typeface="DejaVu Sans"/>
-            </a:endParaRPr>
-          </a:p>
-          <a:p>
-            <a:pPr marL="228600" indent="-227880">
-              <a:lnSpc>
-                <a:spcPct val="90000"/>
-              </a:lnSpc>
-              <a:spcBef>
-                <a:spcPts val="1001"/>
-              </a:spcBef>
-              <a:buClr>
-                <a:srgbClr val="595959"/>
-              </a:buClr>
-              <a:buFont typeface="Arial"/>
-              <a:buChar char="•"/>
-            </a:pPr>
             <a:r>
-              <a:rPr lang="en-US" sz="2800" b="0" strike="noStrike" spc="-1">
+              <a:rPr lang="en-US" sz="2800" b="0" strike="noStrike" spc="-1" dirty="0" err="1" smtClean="0">
                 <a:solidFill>
                   <a:srgbClr val="595959"/>
                 </a:solidFill>
@@ -17675,9 +18274,37 @@
                 </a:uFill>
                 <a:latin typeface="Calibri"/>
               </a:rPr>
-              <a:t>13:00 – 14:30 Koolitus</a:t>
+              <a:t>kasutusmugavus</a:t>
             </a:r>
-            <a:endParaRPr lang="en-US" sz="2800" b="0" strike="noStrike" spc="-1">
+            <a:r>
+              <a:rPr lang="et-EE" sz="2800" b="0" strike="noStrike" spc="-1" dirty="0" smtClean="0">
+                <a:solidFill>
+                  <a:srgbClr val="595959"/>
+                </a:solidFill>
+                <a:uFill>
+                  <a:solidFill>
+                    <a:srgbClr val="FFFFFF"/>
+                  </a:solidFill>
+                </a:uFill>
+                <a:latin typeface="Calibri"/>
+              </a:rPr>
+              <a:t>, </a:t>
+            </a:r>
+            <a:r>
+              <a:rPr lang="et-EE" sz="2800" b="0" strike="noStrike" spc="-1" smtClean="0">
+                <a:solidFill>
+                  <a:srgbClr val="595959"/>
+                </a:solidFill>
+                <a:uFill>
+                  <a:solidFill>
+                    <a:srgbClr val="FFFFFF"/>
+                  </a:solidFill>
+                </a:uFill>
+                <a:latin typeface="Calibri"/>
+              </a:rPr>
+              <a:t>veebilehe loomine</a:t>
+            </a:r>
+            <a:endParaRPr lang="en-US" sz="2800" b="0" strike="noStrike" spc="-1" dirty="0">
               <a:solidFill>
                 <a:srgbClr val="000000"/>
               </a:solidFill>
@@ -17692,6 +18319,11 @@
         </p:txBody>
       </p:sp>
     </p:spTree>
+    <p:extLst>
+      <p:ext uri="{BB962C8B-B14F-4D97-AF65-F5344CB8AC3E}">
+        <p14:creationId xmlns:p14="http://schemas.microsoft.com/office/powerpoint/2010/main" val="1947543668"/>
+      </p:ext>
+    </p:extLst>
   </p:cSld>
   <p:clrMapOvr>
     <a:masterClrMapping/>
@@ -17745,7 +18377,7 @@
       </p:grpSpPr>
       <p:sp>
         <p:nvSpPr>
-          <p:cNvPr id="220" name="CustomShape 1"/>
+          <p:cNvPr id="218" name="CustomShape 1"/>
           <p:cNvSpPr/>
           <p:nvPr/>
         </p:nvSpPr>
@@ -17795,7 +18427,7 @@
                 </a:uFill>
                 <a:latin typeface="Calibri Light"/>
               </a:rPr>
-              <a:t>Koolituse teemad</a:t>
+              <a:t>Päevaplaan</a:t>
             </a:r>
             <a:endParaRPr lang="en-US" sz="4400" b="0" strike="noStrike" spc="-1">
               <a:solidFill>
@@ -17813,14 +18445,14 @@
       </p:sp>
       <p:sp>
         <p:nvSpPr>
-          <p:cNvPr id="221" name="CustomShape 2"/>
+          <p:cNvPr id="219" name="CustomShape 2"/>
           <p:cNvSpPr/>
           <p:nvPr/>
         </p:nvSpPr>
         <p:spPr>
           <a:xfrm>
             <a:off x="481320" y="1825560"/>
-            <a:ext cx="11266920" cy="3372120"/>
+            <a:ext cx="11266920" cy="3888720"/>
           </a:xfrm>
           <a:prstGeom prst="rect">
             <a:avLst/>
@@ -17843,9 +18475,7 @@
           <a:fontRef idx="minor"/>
         </p:style>
         <p:txBody>
-          <a:bodyPr lIns="90000" tIns="45000" rIns="90000" bIns="45000">
-            <a:normAutofit fontScale="92500" lnSpcReduction="20000"/>
-          </a:bodyPr>
+          <a:bodyPr lIns="90000" tIns="45000" rIns="90000" bIns="45000"/>
           <a:lstStyle/>
           <a:p>
             <a:pPr marL="228600" indent="-227880">
@@ -17873,9 +18503,49 @@
                 </a:uFill>
                 <a:latin typeface="Calibri"/>
               </a:rPr>
-              <a:t>Kodulehe struktuur, selle mõju SEO-le ja koodi haldamine.</a:t>
+              <a:t>9:00 – 10:30 Koolitus</a:t>
             </a:r>
             <a:endParaRPr lang="en-US" sz="2800" b="0" strike="noStrike" spc="-1">
+              <a:solidFill>
+                <a:srgbClr val="000000"/>
+              </a:solidFill>
+              <a:uFill>
+                <a:solidFill>
+                  <a:srgbClr val="FFFFFF"/>
+                </a:solidFill>
+              </a:uFill>
+              <a:latin typeface="DejaVu Sans"/>
+            </a:endParaRPr>
+          </a:p>
+          <a:p>
+            <a:pPr marL="685800" lvl="1" indent="-227880">
+              <a:lnSpc>
+                <a:spcPct val="100000"/>
+              </a:lnSpc>
+              <a:spcBef>
+                <a:spcPts val="499"/>
+              </a:spcBef>
+              <a:buClr>
+                <a:srgbClr val="939393"/>
+              </a:buClr>
+              <a:buFont typeface="Arial"/>
+              <a:buChar char="•"/>
+            </a:pPr>
+            <a:r>
+              <a:rPr lang="en-US" sz="2400" b="0" strike="noStrike" spc="-1">
+                <a:solidFill>
+                  <a:srgbClr val="939393"/>
+                </a:solidFill>
+                <a:uFill>
+                  <a:solidFill>
+                    <a:srgbClr val="FFFFFF"/>
+                  </a:solidFill>
+                </a:uFill>
+                <a:latin typeface="Calibri"/>
+              </a:rPr>
+              <a:t>10:30 – 10:45 Paus</a:t>
+            </a:r>
+            <a:endParaRPr lang="en-US" sz="2400" b="0" strike="noStrike" spc="-1">
               <a:solidFill>
                 <a:srgbClr val="000000"/>
               </a:solidFill>
@@ -17913,9 +18583,49 @@
                 </a:uFill>
                 <a:latin typeface="Calibri"/>
               </a:rPr>
-              <a:t>Kodulehe kujundamine, animeerimine ja responsive design.</a:t>
+              <a:t>10:45 – 12:15 Koolitus</a:t>
             </a:r>
             <a:endParaRPr lang="en-US" sz="2800" b="0" strike="noStrike" spc="-1">
+              <a:solidFill>
+                <a:srgbClr val="000000"/>
+              </a:solidFill>
+              <a:uFill>
+                <a:solidFill>
+                  <a:srgbClr val="FFFFFF"/>
+                </a:solidFill>
+              </a:uFill>
+              <a:latin typeface="DejaVu Sans"/>
+            </a:endParaRPr>
+          </a:p>
+          <a:p>
+            <a:pPr marL="685800" lvl="1" indent="-227880">
+              <a:lnSpc>
+                <a:spcPct val="100000"/>
+              </a:lnSpc>
+              <a:spcBef>
+                <a:spcPts val="499"/>
+              </a:spcBef>
+              <a:buClr>
+                <a:srgbClr val="939393"/>
+              </a:buClr>
+              <a:buFont typeface="Arial"/>
+              <a:buChar char="•"/>
+            </a:pPr>
+            <a:r>
+              <a:rPr lang="en-US" sz="2400" b="0" strike="noStrike" spc="-1">
+                <a:solidFill>
+                  <a:srgbClr val="939393"/>
+                </a:solidFill>
+                <a:uFill>
+                  <a:solidFill>
+                    <a:srgbClr val="FFFFFF"/>
+                  </a:solidFill>
+                </a:uFill>
+                <a:latin typeface="Calibri"/>
+              </a:rPr>
+              <a:t>12:15 – 13:00 Lõuna</a:t>
+            </a:r>
+            <a:endParaRPr lang="en-US" sz="2400" b="0" strike="noStrike" spc="-1">
               <a:solidFill>
                 <a:srgbClr val="000000"/>
               </a:solidFill>
@@ -17953,202 +18663,7 @@
                 </a:uFill>
                 <a:latin typeface="Calibri"/>
               </a:rPr>
-              <a:t>Programeerimine Javascriptis ja kodulehe dünaamiliseks loomine.</a:t>
-            </a:r>
-            <a:endParaRPr lang="en-US" sz="2800" b="0" strike="noStrike" spc="-1">
-              <a:solidFill>
-                <a:srgbClr val="000000"/>
-              </a:solidFill>
-              <a:uFill>
-                <a:solidFill>
-                  <a:srgbClr val="FFFFFF"/>
-                </a:solidFill>
-              </a:uFill>
-              <a:latin typeface="DejaVu Sans"/>
-            </a:endParaRPr>
-          </a:p>
-          <a:p>
-            <a:pPr marL="228600" indent="-227880">
-              <a:lnSpc>
-                <a:spcPct val="90000"/>
-              </a:lnSpc>
-              <a:spcBef>
-                <a:spcPts val="1001"/>
-              </a:spcBef>
-              <a:buClr>
-                <a:srgbClr val="595959"/>
-              </a:buClr>
-              <a:buFont typeface="Arial"/>
-              <a:buChar char="•"/>
-            </a:pPr>
-            <a:r>
-              <a:rPr lang="en-US" sz="2800" b="0" strike="noStrike" spc="-1">
-                <a:solidFill>
-                  <a:srgbClr val="595959"/>
-                </a:solidFill>
-                <a:uFill>
-                  <a:solidFill>
-                    <a:srgbClr val="FFFFFF"/>
-                  </a:solidFill>
-                </a:uFill>
-                <a:latin typeface="Calibri"/>
-              </a:rPr>
-              <a:t>Web APId, nende kasutusvõimalused ja muud veebi tehnoloogiad.</a:t>
-            </a:r>
-            <a:endParaRPr lang="en-US" sz="2800" b="0" strike="noStrike" spc="-1">
-              <a:solidFill>
-                <a:srgbClr val="000000"/>
-              </a:solidFill>
-              <a:uFill>
-                <a:solidFill>
-                  <a:srgbClr val="FFFFFF"/>
-                </a:solidFill>
-              </a:uFill>
-              <a:latin typeface="DejaVu Sans"/>
-            </a:endParaRPr>
-          </a:p>
-          <a:p>
-            <a:pPr marL="228600" indent="-227880">
-              <a:lnSpc>
-                <a:spcPct val="90000"/>
-              </a:lnSpc>
-              <a:spcBef>
-                <a:spcPts val="1001"/>
-              </a:spcBef>
-              <a:buClr>
-                <a:srgbClr val="595959"/>
-              </a:buClr>
-              <a:buFont typeface="Arial"/>
-              <a:buChar char="•"/>
-            </a:pPr>
-            <a:r>
-              <a:rPr lang="en-US" sz="2800" b="0" strike="noStrike" spc="-1">
-                <a:solidFill>
-                  <a:srgbClr val="595959"/>
-                </a:solidFill>
-                <a:uFill>
-                  <a:solidFill>
-                    <a:srgbClr val="FFFFFF"/>
-                  </a:solidFill>
-                </a:uFill>
-                <a:latin typeface="Calibri"/>
-              </a:rPr>
-              <a:t>Tööriistad veebiarenduses ja lokaalse serveri ülesseadmine.</a:t>
-            </a:r>
-            <a:endParaRPr lang="en-US" sz="2800" b="0" strike="noStrike" spc="-1">
-              <a:solidFill>
-                <a:srgbClr val="000000"/>
-              </a:solidFill>
-              <a:uFill>
-                <a:solidFill>
-                  <a:srgbClr val="FFFFFF"/>
-                </a:solidFill>
-              </a:uFill>
-              <a:latin typeface="DejaVu Sans"/>
-            </a:endParaRPr>
-          </a:p>
-          <a:p>
-            <a:pPr marL="228600" indent="-227880">
-              <a:lnSpc>
-                <a:spcPct val="90000"/>
-              </a:lnSpc>
-              <a:spcBef>
-                <a:spcPts val="1001"/>
-              </a:spcBef>
-              <a:buClr>
-                <a:srgbClr val="595959"/>
-              </a:buClr>
-              <a:buFont typeface="Arial"/>
-              <a:buChar char="•"/>
-            </a:pPr>
-            <a:r>
-              <a:rPr lang="en-US" sz="2800" b="0" strike="noStrike" spc="-1">
-                <a:solidFill>
-                  <a:srgbClr val="595959"/>
-                </a:solidFill>
-                <a:uFill>
-                  <a:solidFill>
-                    <a:srgbClr val="FFFFFF"/>
-                  </a:solidFill>
-                </a:uFill>
-                <a:latin typeface="Calibri"/>
-              </a:rPr>
-              <a:t>Kaasaaegne front-end arendus ja testimine.</a:t>
-            </a:r>
-            <a:endParaRPr lang="en-US" sz="2800" b="0" strike="noStrike" spc="-1">
-              <a:solidFill>
-                <a:srgbClr val="000000"/>
-              </a:solidFill>
-              <a:uFill>
-                <a:solidFill>
-                  <a:srgbClr val="FFFFFF"/>
-                </a:solidFill>
-              </a:uFill>
-              <a:latin typeface="DejaVu Sans"/>
-            </a:endParaRPr>
-          </a:p>
-          <a:p>
-            <a:pPr marL="228600" indent="-227880">
-              <a:lnSpc>
-                <a:spcPct val="90000"/>
-              </a:lnSpc>
-              <a:spcBef>
-                <a:spcPts val="1001"/>
-              </a:spcBef>
-              <a:buClr>
-                <a:srgbClr val="595959"/>
-              </a:buClr>
-              <a:buFont typeface="Arial"/>
-              <a:buChar char="•"/>
-            </a:pPr>
-            <a:r>
-              <a:rPr lang="en-US" sz="2800" b="0" strike="noStrike" spc="-1">
-                <a:solidFill>
-                  <a:srgbClr val="595959"/>
-                </a:solidFill>
-                <a:uFill>
-                  <a:solidFill>
-                    <a:srgbClr val="FFFFFF"/>
-                  </a:solidFill>
-                </a:uFill>
-                <a:latin typeface="Calibri"/>
-              </a:rPr>
-              <a:t>Veebi- ja tarkvaraarenduse metoodikad ja IT ettevõtete struktuurid.</a:t>
-            </a:r>
-            <a:endParaRPr lang="en-US" sz="2800" b="0" strike="noStrike" spc="-1">
-              <a:solidFill>
-                <a:srgbClr val="000000"/>
-              </a:solidFill>
-              <a:uFill>
-                <a:solidFill>
-                  <a:srgbClr val="FFFFFF"/>
-                </a:solidFill>
-              </a:uFill>
-              <a:latin typeface="DejaVu Sans"/>
-            </a:endParaRPr>
-          </a:p>
-          <a:p>
-            <a:pPr>
-              <a:lnSpc>
-                <a:spcPct val="100000"/>
-              </a:lnSpc>
-              <a:spcBef>
-                <a:spcPts val="1001"/>
-              </a:spcBef>
-            </a:pPr>
-            <a:r>
-              <a:rPr lang="en-US" sz="2800" b="0" strike="noStrike" spc="-1">
-                <a:solidFill>
-                  <a:srgbClr val="595959"/>
-                </a:solidFill>
-                <a:uFill>
-                  <a:solidFill>
-                    <a:srgbClr val="FFFFFF"/>
-                  </a:solidFill>
-                </a:uFill>
-                <a:latin typeface="Calibri"/>
-              </a:rPr>
-              <a:t>Märge: 3 ja 6 on 2-3 korda mahukamad kui teised.</a:t>
+              <a:t>13:00 – 14:30 Koolitus</a:t>
             </a:r>
             <a:endParaRPr lang="en-US" sz="2800" b="0" strike="noStrike" spc="-1">
               <a:solidFill>

--- a/Front_end_koolitus.pptx
+++ b/Front_end_koolitus.pptx
@@ -3,28 +3,27 @@
 <p:presentation xmlns:a="http://schemas.openxmlformats.org/drawingml/2006/main" xmlns:r="http://schemas.openxmlformats.org/officeDocument/2006/relationships" xmlns:p="http://schemas.openxmlformats.org/presentationml/2006/main">
   <p:sldMasterIdLst>
     <p:sldMasterId id="2147483648" r:id="rId1"/>
-    <p:sldMasterId id="2147483661" r:id="rId2"/>
-    <p:sldMasterId id="2147483674" r:id="rId3"/>
-    <p:sldMasterId id="2147483687" r:id="rId4"/>
-    <p:sldMasterId id="2147483700" r:id="rId5"/>
+    <p:sldMasterId id="2147483674" r:id="rId2"/>
+    <p:sldMasterId id="2147483687" r:id="rId3"/>
+    <p:sldMasterId id="2147483700" r:id="rId4"/>
   </p:sldMasterIdLst>
   <p:notesMasterIdLst>
-    <p:notesMasterId r:id="rId19"/>
+    <p:notesMasterId r:id="rId18"/>
   </p:notesMasterIdLst>
   <p:sldIdLst>
-    <p:sldId id="256" r:id="rId6"/>
-    <p:sldId id="257" r:id="rId7"/>
-    <p:sldId id="258" r:id="rId8"/>
-    <p:sldId id="259" r:id="rId9"/>
-    <p:sldId id="268" r:id="rId10"/>
-    <p:sldId id="260" r:id="rId11"/>
-    <p:sldId id="266" r:id="rId12"/>
-    <p:sldId id="267" r:id="rId13"/>
-    <p:sldId id="261" r:id="rId14"/>
-    <p:sldId id="262" r:id="rId15"/>
-    <p:sldId id="263" r:id="rId16"/>
-    <p:sldId id="264" r:id="rId17"/>
-    <p:sldId id="265" r:id="rId18"/>
+    <p:sldId id="256" r:id="rId5"/>
+    <p:sldId id="257" r:id="rId6"/>
+    <p:sldId id="258" r:id="rId7"/>
+    <p:sldId id="259" r:id="rId8"/>
+    <p:sldId id="268" r:id="rId9"/>
+    <p:sldId id="260" r:id="rId10"/>
+    <p:sldId id="266" r:id="rId11"/>
+    <p:sldId id="267" r:id="rId12"/>
+    <p:sldId id="261" r:id="rId13"/>
+    <p:sldId id="262" r:id="rId14"/>
+    <p:sldId id="263" r:id="rId15"/>
+    <p:sldId id="264" r:id="rId16"/>
+    <p:sldId id="265" r:id="rId17"/>
   </p:sldIdLst>
   <p:sldSz cx="12192000" cy="6858000"/>
   <p:notesSz cx="6858000" cy="9144000"/>
@@ -2630,7 +2629,7 @@
       </p:grpSpPr>
       <p:sp>
         <p:nvSpPr>
-          <p:cNvPr id="45" name="PlaceHolder 1"/>
+          <p:cNvPr id="85" name="PlaceHolder 1"/>
           <p:cNvSpPr>
             <a:spLocks noGrp="1"/>
           </p:cNvSpPr>
@@ -2668,7 +2667,7 @@
       </p:sp>
       <p:sp>
         <p:nvSpPr>
-          <p:cNvPr id="46" name="PlaceHolder 2"/>
+          <p:cNvPr id="86" name="PlaceHolder 2"/>
           <p:cNvSpPr>
             <a:spLocks noGrp="1"/>
           </p:cNvSpPr>
@@ -2731,7 +2730,7 @@
       </p:grpSpPr>
       <p:sp>
         <p:nvSpPr>
-          <p:cNvPr id="47" name="PlaceHolder 1"/>
+          <p:cNvPr id="87" name="PlaceHolder 1"/>
           <p:cNvSpPr>
             <a:spLocks noGrp="1"/>
           </p:cNvSpPr>
@@ -2769,7 +2768,7 @@
       </p:sp>
       <p:sp>
         <p:nvSpPr>
-          <p:cNvPr id="48" name="PlaceHolder 2"/>
+          <p:cNvPr id="88" name="PlaceHolder 2"/>
           <p:cNvSpPr>
             <a:spLocks noGrp="1"/>
           </p:cNvSpPr>
@@ -2833,7 +2832,7 @@
       </p:grpSpPr>
       <p:sp>
         <p:nvSpPr>
-          <p:cNvPr id="49" name="PlaceHolder 1"/>
+          <p:cNvPr id="89" name="PlaceHolder 1"/>
           <p:cNvSpPr>
             <a:spLocks noGrp="1"/>
           </p:cNvSpPr>
@@ -2871,7 +2870,7 @@
       </p:sp>
       <p:sp>
         <p:nvSpPr>
-          <p:cNvPr id="50" name="PlaceHolder 2"/>
+          <p:cNvPr id="90" name="PlaceHolder 2"/>
           <p:cNvSpPr>
             <a:spLocks noGrp="1"/>
           </p:cNvSpPr>
@@ -2910,7 +2909,7 @@
       </p:sp>
       <p:sp>
         <p:nvSpPr>
-          <p:cNvPr id="51" name="PlaceHolder 3"/>
+          <p:cNvPr id="91" name="PlaceHolder 3"/>
           <p:cNvSpPr>
             <a:spLocks noGrp="1"/>
           </p:cNvSpPr>
@@ -2974,7 +2973,7 @@
       </p:grpSpPr>
       <p:sp>
         <p:nvSpPr>
-          <p:cNvPr id="52" name="PlaceHolder 1"/>
+          <p:cNvPr id="92" name="PlaceHolder 1"/>
           <p:cNvSpPr>
             <a:spLocks noGrp="1"/>
           </p:cNvSpPr>
@@ -3037,7 +3036,7 @@
       </p:grpSpPr>
       <p:sp>
         <p:nvSpPr>
-          <p:cNvPr id="53" name="PlaceHolder 1"/>
+          <p:cNvPr id="93" name="PlaceHolder 1"/>
           <p:cNvSpPr>
             <a:spLocks noGrp="1"/>
           </p:cNvSpPr>
@@ -3100,7 +3099,7 @@
       </p:grpSpPr>
       <p:sp>
         <p:nvSpPr>
-          <p:cNvPr id="54" name="PlaceHolder 1"/>
+          <p:cNvPr id="94" name="PlaceHolder 1"/>
           <p:cNvSpPr>
             <a:spLocks noGrp="1"/>
           </p:cNvSpPr>
@@ -3138,7 +3137,7 @@
       </p:sp>
       <p:sp>
         <p:nvSpPr>
-          <p:cNvPr id="55" name="PlaceHolder 2"/>
+          <p:cNvPr id="95" name="PlaceHolder 2"/>
           <p:cNvSpPr>
             <a:spLocks noGrp="1"/>
           </p:cNvSpPr>
@@ -3177,7 +3176,7 @@
       </p:sp>
       <p:sp>
         <p:nvSpPr>
-          <p:cNvPr id="56" name="PlaceHolder 3"/>
+          <p:cNvPr id="96" name="PlaceHolder 3"/>
           <p:cNvSpPr>
             <a:spLocks noGrp="1"/>
           </p:cNvSpPr>
@@ -3216,7 +3215,7 @@
       </p:sp>
       <p:sp>
         <p:nvSpPr>
-          <p:cNvPr id="57" name="PlaceHolder 4"/>
+          <p:cNvPr id="97" name="PlaceHolder 4"/>
           <p:cNvSpPr>
             <a:spLocks noGrp="1"/>
           </p:cNvSpPr>
@@ -3381,7 +3380,7 @@
       </p:grpSpPr>
       <p:sp>
         <p:nvSpPr>
-          <p:cNvPr id="58" name="PlaceHolder 1"/>
+          <p:cNvPr id="98" name="PlaceHolder 1"/>
           <p:cNvSpPr>
             <a:spLocks noGrp="1"/>
           </p:cNvSpPr>
@@ -3419,7 +3418,7 @@
       </p:sp>
       <p:sp>
         <p:nvSpPr>
-          <p:cNvPr id="59" name="PlaceHolder 2"/>
+          <p:cNvPr id="99" name="PlaceHolder 2"/>
           <p:cNvSpPr>
             <a:spLocks noGrp="1"/>
           </p:cNvSpPr>
@@ -3458,7 +3457,7 @@
       </p:sp>
       <p:sp>
         <p:nvSpPr>
-          <p:cNvPr id="60" name="PlaceHolder 3"/>
+          <p:cNvPr id="100" name="PlaceHolder 3"/>
           <p:cNvSpPr>
             <a:spLocks noGrp="1"/>
           </p:cNvSpPr>
@@ -3497,7 +3496,7 @@
       </p:sp>
       <p:sp>
         <p:nvSpPr>
-          <p:cNvPr id="61" name="PlaceHolder 4"/>
+          <p:cNvPr id="101" name="PlaceHolder 4"/>
           <p:cNvSpPr>
             <a:spLocks noGrp="1"/>
           </p:cNvSpPr>
@@ -3561,7 +3560,7 @@
       </p:grpSpPr>
       <p:sp>
         <p:nvSpPr>
-          <p:cNvPr id="62" name="PlaceHolder 1"/>
+          <p:cNvPr id="102" name="PlaceHolder 1"/>
           <p:cNvSpPr>
             <a:spLocks noGrp="1"/>
           </p:cNvSpPr>
@@ -3599,7 +3598,7 @@
       </p:sp>
       <p:sp>
         <p:nvSpPr>
-          <p:cNvPr id="63" name="PlaceHolder 2"/>
+          <p:cNvPr id="103" name="PlaceHolder 2"/>
           <p:cNvSpPr>
             <a:spLocks noGrp="1"/>
           </p:cNvSpPr>
@@ -3638,7 +3637,7 @@
       </p:sp>
       <p:sp>
         <p:nvSpPr>
-          <p:cNvPr id="64" name="PlaceHolder 3"/>
+          <p:cNvPr id="104" name="PlaceHolder 3"/>
           <p:cNvSpPr>
             <a:spLocks noGrp="1"/>
           </p:cNvSpPr>
@@ -3677,7 +3676,7 @@
       </p:sp>
       <p:sp>
         <p:nvSpPr>
-          <p:cNvPr id="65" name="PlaceHolder 4"/>
+          <p:cNvPr id="105" name="PlaceHolder 4"/>
           <p:cNvSpPr>
             <a:spLocks noGrp="1"/>
           </p:cNvSpPr>
@@ -3741,7 +3740,7 @@
       </p:grpSpPr>
       <p:sp>
         <p:nvSpPr>
-          <p:cNvPr id="66" name="PlaceHolder 1"/>
+          <p:cNvPr id="106" name="PlaceHolder 1"/>
           <p:cNvSpPr>
             <a:spLocks noGrp="1"/>
           </p:cNvSpPr>
@@ -3779,7 +3778,7 @@
       </p:sp>
       <p:sp>
         <p:nvSpPr>
-          <p:cNvPr id="67" name="PlaceHolder 2"/>
+          <p:cNvPr id="107" name="PlaceHolder 2"/>
           <p:cNvSpPr>
             <a:spLocks noGrp="1"/>
           </p:cNvSpPr>
@@ -3818,7 +3817,7 @@
       </p:sp>
       <p:sp>
         <p:nvSpPr>
-          <p:cNvPr id="68" name="PlaceHolder 3"/>
+          <p:cNvPr id="108" name="PlaceHolder 3"/>
           <p:cNvSpPr>
             <a:spLocks noGrp="1"/>
           </p:cNvSpPr>
@@ -3882,7 +3881,7 @@
       </p:grpSpPr>
       <p:sp>
         <p:nvSpPr>
-          <p:cNvPr id="69" name="PlaceHolder 1"/>
+          <p:cNvPr id="109" name="PlaceHolder 1"/>
           <p:cNvSpPr>
             <a:spLocks noGrp="1"/>
           </p:cNvSpPr>
@@ -3920,7 +3919,7 @@
       </p:sp>
       <p:sp>
         <p:nvSpPr>
-          <p:cNvPr id="70" name="PlaceHolder 2"/>
+          <p:cNvPr id="110" name="PlaceHolder 2"/>
           <p:cNvSpPr>
             <a:spLocks noGrp="1"/>
           </p:cNvSpPr>
@@ -3959,7 +3958,7 @@
       </p:sp>
       <p:sp>
         <p:nvSpPr>
-          <p:cNvPr id="71" name="PlaceHolder 3"/>
+          <p:cNvPr id="111" name="PlaceHolder 3"/>
           <p:cNvSpPr>
             <a:spLocks noGrp="1"/>
           </p:cNvSpPr>
@@ -3998,7 +3997,7 @@
       </p:sp>
       <p:sp>
         <p:nvSpPr>
-          <p:cNvPr id="72" name="PlaceHolder 4"/>
+          <p:cNvPr id="112" name="PlaceHolder 4"/>
           <p:cNvSpPr>
             <a:spLocks noGrp="1"/>
           </p:cNvSpPr>
@@ -4037,7 +4036,7 @@
       </p:sp>
       <p:sp>
         <p:nvSpPr>
-          <p:cNvPr id="73" name="PlaceHolder 5"/>
+          <p:cNvPr id="113" name="PlaceHolder 5"/>
           <p:cNvSpPr>
             <a:spLocks noGrp="1"/>
           </p:cNvSpPr>
@@ -4101,7 +4100,7 @@
       </p:grpSpPr>
       <p:sp>
         <p:nvSpPr>
-          <p:cNvPr id="74" name="PlaceHolder 1"/>
+          <p:cNvPr id="114" name="PlaceHolder 1"/>
           <p:cNvSpPr>
             <a:spLocks noGrp="1"/>
           </p:cNvSpPr>
@@ -4139,7 +4138,7 @@
       </p:sp>
       <p:sp>
         <p:nvSpPr>
-          <p:cNvPr id="75" name="PlaceHolder 2"/>
+          <p:cNvPr id="115" name="PlaceHolder 2"/>
           <p:cNvSpPr>
             <a:spLocks noGrp="1"/>
           </p:cNvSpPr>
@@ -4178,7 +4177,7 @@
       </p:sp>
       <p:sp>
         <p:nvSpPr>
-          <p:cNvPr id="76" name="PlaceHolder 3"/>
+          <p:cNvPr id="116" name="PlaceHolder 3"/>
           <p:cNvSpPr>
             <a:spLocks noGrp="1"/>
           </p:cNvSpPr>
@@ -4217,7 +4216,7 @@
       </p:sp>
       <p:sp>
         <p:nvSpPr>
-          <p:cNvPr id="77" name="PlaceHolder 4"/>
+          <p:cNvPr id="117" name="PlaceHolder 4"/>
           <p:cNvSpPr>
             <a:spLocks noGrp="1"/>
           </p:cNvSpPr>
@@ -4256,7 +4255,7 @@
       </p:sp>
       <p:sp>
         <p:nvSpPr>
-          <p:cNvPr id="78" name="PlaceHolder 5"/>
+          <p:cNvPr id="118" name="PlaceHolder 5"/>
           <p:cNvSpPr>
             <a:spLocks noGrp="1"/>
           </p:cNvSpPr>
@@ -4295,7 +4294,7 @@
       </p:sp>
       <p:sp>
         <p:nvSpPr>
-          <p:cNvPr id="79" name="PlaceHolder 6"/>
+          <p:cNvPr id="119" name="PlaceHolder 6"/>
           <p:cNvSpPr>
             <a:spLocks noGrp="1"/>
           </p:cNvSpPr>
@@ -4334,7 +4333,7 @@
       </p:sp>
       <p:sp>
         <p:nvSpPr>
-          <p:cNvPr id="80" name="PlaceHolder 7"/>
+          <p:cNvPr id="120" name="PlaceHolder 7"/>
           <p:cNvSpPr>
             <a:spLocks noGrp="1"/>
           </p:cNvSpPr>
@@ -4423,7 +4422,7 @@
       </p:grpSpPr>
       <p:sp>
         <p:nvSpPr>
-          <p:cNvPr id="85" name="PlaceHolder 1"/>
+          <p:cNvPr id="125" name="PlaceHolder 1"/>
           <p:cNvSpPr>
             <a:spLocks noGrp="1"/>
           </p:cNvSpPr>
@@ -4461,7 +4460,7 @@
       </p:sp>
       <p:sp>
         <p:nvSpPr>
-          <p:cNvPr id="86" name="PlaceHolder 2"/>
+          <p:cNvPr id="126" name="PlaceHolder 2"/>
           <p:cNvSpPr>
             <a:spLocks noGrp="1"/>
           </p:cNvSpPr>
@@ -4524,7 +4523,7 @@
       </p:grpSpPr>
       <p:sp>
         <p:nvSpPr>
-          <p:cNvPr id="87" name="PlaceHolder 1"/>
+          <p:cNvPr id="127" name="PlaceHolder 1"/>
           <p:cNvSpPr>
             <a:spLocks noGrp="1"/>
           </p:cNvSpPr>
@@ -4562,7 +4561,7 @@
       </p:sp>
       <p:sp>
         <p:nvSpPr>
-          <p:cNvPr id="88" name="PlaceHolder 2"/>
+          <p:cNvPr id="128" name="PlaceHolder 2"/>
           <p:cNvSpPr>
             <a:spLocks noGrp="1"/>
           </p:cNvSpPr>
@@ -4626,7 +4625,7 @@
       </p:grpSpPr>
       <p:sp>
         <p:nvSpPr>
-          <p:cNvPr id="89" name="PlaceHolder 1"/>
+          <p:cNvPr id="129" name="PlaceHolder 1"/>
           <p:cNvSpPr>
             <a:spLocks noGrp="1"/>
           </p:cNvSpPr>
@@ -4664,7 +4663,7 @@
       </p:sp>
       <p:sp>
         <p:nvSpPr>
-          <p:cNvPr id="90" name="PlaceHolder 2"/>
+          <p:cNvPr id="130" name="PlaceHolder 2"/>
           <p:cNvSpPr>
             <a:spLocks noGrp="1"/>
           </p:cNvSpPr>
@@ -4703,7 +4702,7 @@
       </p:sp>
       <p:sp>
         <p:nvSpPr>
-          <p:cNvPr id="91" name="PlaceHolder 3"/>
+          <p:cNvPr id="131" name="PlaceHolder 3"/>
           <p:cNvSpPr>
             <a:spLocks noGrp="1"/>
           </p:cNvSpPr>
@@ -4767,7 +4766,7 @@
       </p:grpSpPr>
       <p:sp>
         <p:nvSpPr>
-          <p:cNvPr id="92" name="PlaceHolder 1"/>
+          <p:cNvPr id="132" name="PlaceHolder 1"/>
           <p:cNvSpPr>
             <a:spLocks noGrp="1"/>
           </p:cNvSpPr>
@@ -4932,7 +4931,7 @@
       </p:grpSpPr>
       <p:sp>
         <p:nvSpPr>
-          <p:cNvPr id="93" name="PlaceHolder 1"/>
+          <p:cNvPr id="133" name="PlaceHolder 1"/>
           <p:cNvSpPr>
             <a:spLocks noGrp="1"/>
           </p:cNvSpPr>
@@ -4995,7 +4994,7 @@
       </p:grpSpPr>
       <p:sp>
         <p:nvSpPr>
-          <p:cNvPr id="94" name="PlaceHolder 1"/>
+          <p:cNvPr id="134" name="PlaceHolder 1"/>
           <p:cNvSpPr>
             <a:spLocks noGrp="1"/>
           </p:cNvSpPr>
@@ -5033,7 +5032,7 @@
       </p:sp>
       <p:sp>
         <p:nvSpPr>
-          <p:cNvPr id="95" name="PlaceHolder 2"/>
+          <p:cNvPr id="135" name="PlaceHolder 2"/>
           <p:cNvSpPr>
             <a:spLocks noGrp="1"/>
           </p:cNvSpPr>
@@ -5072,7 +5071,7 @@
       </p:sp>
       <p:sp>
         <p:nvSpPr>
-          <p:cNvPr id="96" name="PlaceHolder 3"/>
+          <p:cNvPr id="136" name="PlaceHolder 3"/>
           <p:cNvSpPr>
             <a:spLocks noGrp="1"/>
           </p:cNvSpPr>
@@ -5111,7 +5110,7 @@
       </p:sp>
       <p:sp>
         <p:nvSpPr>
-          <p:cNvPr id="97" name="PlaceHolder 4"/>
+          <p:cNvPr id="137" name="PlaceHolder 4"/>
           <p:cNvSpPr>
             <a:spLocks noGrp="1"/>
           </p:cNvSpPr>
@@ -5175,7 +5174,7 @@
       </p:grpSpPr>
       <p:sp>
         <p:nvSpPr>
-          <p:cNvPr id="98" name="PlaceHolder 1"/>
+          <p:cNvPr id="138" name="PlaceHolder 1"/>
           <p:cNvSpPr>
             <a:spLocks noGrp="1"/>
           </p:cNvSpPr>
@@ -5213,7 +5212,7 @@
       </p:sp>
       <p:sp>
         <p:nvSpPr>
-          <p:cNvPr id="99" name="PlaceHolder 2"/>
+          <p:cNvPr id="139" name="PlaceHolder 2"/>
           <p:cNvSpPr>
             <a:spLocks noGrp="1"/>
           </p:cNvSpPr>
@@ -5252,7 +5251,7 @@
       </p:sp>
       <p:sp>
         <p:nvSpPr>
-          <p:cNvPr id="100" name="PlaceHolder 3"/>
+          <p:cNvPr id="140" name="PlaceHolder 3"/>
           <p:cNvSpPr>
             <a:spLocks noGrp="1"/>
           </p:cNvSpPr>
@@ -5291,7 +5290,7 @@
       </p:sp>
       <p:sp>
         <p:nvSpPr>
-          <p:cNvPr id="101" name="PlaceHolder 4"/>
+          <p:cNvPr id="141" name="PlaceHolder 4"/>
           <p:cNvSpPr>
             <a:spLocks noGrp="1"/>
           </p:cNvSpPr>
@@ -5355,7 +5354,7 @@
       </p:grpSpPr>
       <p:sp>
         <p:nvSpPr>
-          <p:cNvPr id="102" name="PlaceHolder 1"/>
+          <p:cNvPr id="142" name="PlaceHolder 1"/>
           <p:cNvSpPr>
             <a:spLocks noGrp="1"/>
           </p:cNvSpPr>
@@ -5393,7 +5392,7 @@
       </p:sp>
       <p:sp>
         <p:nvSpPr>
-          <p:cNvPr id="103" name="PlaceHolder 2"/>
+          <p:cNvPr id="143" name="PlaceHolder 2"/>
           <p:cNvSpPr>
             <a:spLocks noGrp="1"/>
           </p:cNvSpPr>
@@ -5432,7 +5431,7 @@
       </p:sp>
       <p:sp>
         <p:nvSpPr>
-          <p:cNvPr id="104" name="PlaceHolder 3"/>
+          <p:cNvPr id="144" name="PlaceHolder 3"/>
           <p:cNvSpPr>
             <a:spLocks noGrp="1"/>
           </p:cNvSpPr>
@@ -5471,7 +5470,7 @@
       </p:sp>
       <p:sp>
         <p:nvSpPr>
-          <p:cNvPr id="105" name="PlaceHolder 4"/>
+          <p:cNvPr id="145" name="PlaceHolder 4"/>
           <p:cNvSpPr>
             <a:spLocks noGrp="1"/>
           </p:cNvSpPr>
@@ -5535,7 +5534,7 @@
       </p:grpSpPr>
       <p:sp>
         <p:nvSpPr>
-          <p:cNvPr id="106" name="PlaceHolder 1"/>
+          <p:cNvPr id="146" name="PlaceHolder 1"/>
           <p:cNvSpPr>
             <a:spLocks noGrp="1"/>
           </p:cNvSpPr>
@@ -5573,7 +5572,7 @@
       </p:sp>
       <p:sp>
         <p:nvSpPr>
-          <p:cNvPr id="107" name="PlaceHolder 2"/>
+          <p:cNvPr id="147" name="PlaceHolder 2"/>
           <p:cNvSpPr>
             <a:spLocks noGrp="1"/>
           </p:cNvSpPr>
@@ -5612,7 +5611,7 @@
       </p:sp>
       <p:sp>
         <p:nvSpPr>
-          <p:cNvPr id="108" name="PlaceHolder 3"/>
+          <p:cNvPr id="148" name="PlaceHolder 3"/>
           <p:cNvSpPr>
             <a:spLocks noGrp="1"/>
           </p:cNvSpPr>
@@ -5676,7 +5675,7 @@
       </p:grpSpPr>
       <p:sp>
         <p:nvSpPr>
-          <p:cNvPr id="109" name="PlaceHolder 1"/>
+          <p:cNvPr id="149" name="PlaceHolder 1"/>
           <p:cNvSpPr>
             <a:spLocks noGrp="1"/>
           </p:cNvSpPr>
@@ -5714,7 +5713,7 @@
       </p:sp>
       <p:sp>
         <p:nvSpPr>
-          <p:cNvPr id="110" name="PlaceHolder 2"/>
+          <p:cNvPr id="150" name="PlaceHolder 2"/>
           <p:cNvSpPr>
             <a:spLocks noGrp="1"/>
           </p:cNvSpPr>
@@ -5753,7 +5752,7 @@
       </p:sp>
       <p:sp>
         <p:nvSpPr>
-          <p:cNvPr id="111" name="PlaceHolder 3"/>
+          <p:cNvPr id="151" name="PlaceHolder 3"/>
           <p:cNvSpPr>
             <a:spLocks noGrp="1"/>
           </p:cNvSpPr>
@@ -5792,7 +5791,7 @@
       </p:sp>
       <p:sp>
         <p:nvSpPr>
-          <p:cNvPr id="112" name="PlaceHolder 4"/>
+          <p:cNvPr id="152" name="PlaceHolder 4"/>
           <p:cNvSpPr>
             <a:spLocks noGrp="1"/>
           </p:cNvSpPr>
@@ -5831,7 +5830,7 @@
       </p:sp>
       <p:sp>
         <p:nvSpPr>
-          <p:cNvPr id="113" name="PlaceHolder 5"/>
+          <p:cNvPr id="153" name="PlaceHolder 5"/>
           <p:cNvSpPr>
             <a:spLocks noGrp="1"/>
           </p:cNvSpPr>
@@ -5895,7 +5894,7 @@
       </p:grpSpPr>
       <p:sp>
         <p:nvSpPr>
-          <p:cNvPr id="114" name="PlaceHolder 1"/>
+          <p:cNvPr id="154" name="PlaceHolder 1"/>
           <p:cNvSpPr>
             <a:spLocks noGrp="1"/>
           </p:cNvSpPr>
@@ -5933,7 +5932,7 @@
       </p:sp>
       <p:sp>
         <p:nvSpPr>
-          <p:cNvPr id="115" name="PlaceHolder 2"/>
+          <p:cNvPr id="155" name="PlaceHolder 2"/>
           <p:cNvSpPr>
             <a:spLocks noGrp="1"/>
           </p:cNvSpPr>
@@ -5972,7 +5971,7 @@
       </p:sp>
       <p:sp>
         <p:nvSpPr>
-          <p:cNvPr id="116" name="PlaceHolder 3"/>
+          <p:cNvPr id="156" name="PlaceHolder 3"/>
           <p:cNvSpPr>
             <a:spLocks noGrp="1"/>
           </p:cNvSpPr>
@@ -6011,7 +6010,7 @@
       </p:sp>
       <p:sp>
         <p:nvSpPr>
-          <p:cNvPr id="117" name="PlaceHolder 4"/>
+          <p:cNvPr id="157" name="PlaceHolder 4"/>
           <p:cNvSpPr>
             <a:spLocks noGrp="1"/>
           </p:cNvSpPr>
@@ -6050,7 +6049,7 @@
       </p:sp>
       <p:sp>
         <p:nvSpPr>
-          <p:cNvPr id="118" name="PlaceHolder 5"/>
+          <p:cNvPr id="158" name="PlaceHolder 5"/>
           <p:cNvSpPr>
             <a:spLocks noGrp="1"/>
           </p:cNvSpPr>
@@ -6089,7 +6088,7 @@
       </p:sp>
       <p:sp>
         <p:nvSpPr>
-          <p:cNvPr id="119" name="PlaceHolder 6"/>
+          <p:cNvPr id="159" name="PlaceHolder 6"/>
           <p:cNvSpPr>
             <a:spLocks noGrp="1"/>
           </p:cNvSpPr>
@@ -6128,7 +6127,7 @@
       </p:sp>
       <p:sp>
         <p:nvSpPr>
-          <p:cNvPr id="120" name="PlaceHolder 7"/>
+          <p:cNvPr id="160" name="PlaceHolder 7"/>
           <p:cNvSpPr>
             <a:spLocks noGrp="1"/>
           </p:cNvSpPr>
@@ -6217,7 +6216,7 @@
       </p:grpSpPr>
       <p:sp>
         <p:nvSpPr>
-          <p:cNvPr id="125" name="PlaceHolder 1"/>
+          <p:cNvPr id="167" name="PlaceHolder 1"/>
           <p:cNvSpPr>
             <a:spLocks noGrp="1"/>
           </p:cNvSpPr>
@@ -6255,7 +6254,7 @@
       </p:sp>
       <p:sp>
         <p:nvSpPr>
-          <p:cNvPr id="126" name="PlaceHolder 2"/>
+          <p:cNvPr id="168" name="PlaceHolder 2"/>
           <p:cNvSpPr>
             <a:spLocks noGrp="1"/>
           </p:cNvSpPr>
@@ -6318,7 +6317,7 @@
       </p:grpSpPr>
       <p:sp>
         <p:nvSpPr>
-          <p:cNvPr id="127" name="PlaceHolder 1"/>
+          <p:cNvPr id="169" name="PlaceHolder 1"/>
           <p:cNvSpPr>
             <a:spLocks noGrp="1"/>
           </p:cNvSpPr>
@@ -6356,7 +6355,7 @@
       </p:sp>
       <p:sp>
         <p:nvSpPr>
-          <p:cNvPr id="128" name="PlaceHolder 2"/>
+          <p:cNvPr id="170" name="PlaceHolder 2"/>
           <p:cNvSpPr>
             <a:spLocks noGrp="1"/>
           </p:cNvSpPr>
@@ -6561,7 +6560,7 @@
       </p:grpSpPr>
       <p:sp>
         <p:nvSpPr>
-          <p:cNvPr id="129" name="PlaceHolder 1"/>
+          <p:cNvPr id="171" name="PlaceHolder 1"/>
           <p:cNvSpPr>
             <a:spLocks noGrp="1"/>
           </p:cNvSpPr>
@@ -6599,7 +6598,7 @@
       </p:sp>
       <p:sp>
         <p:nvSpPr>
-          <p:cNvPr id="130" name="PlaceHolder 2"/>
+          <p:cNvPr id="172" name="PlaceHolder 2"/>
           <p:cNvSpPr>
             <a:spLocks noGrp="1"/>
           </p:cNvSpPr>
@@ -6638,7 +6637,7 @@
       </p:sp>
       <p:sp>
         <p:nvSpPr>
-          <p:cNvPr id="131" name="PlaceHolder 3"/>
+          <p:cNvPr id="173" name="PlaceHolder 3"/>
           <p:cNvSpPr>
             <a:spLocks noGrp="1"/>
           </p:cNvSpPr>
@@ -6702,7 +6701,7 @@
       </p:grpSpPr>
       <p:sp>
         <p:nvSpPr>
-          <p:cNvPr id="132" name="PlaceHolder 1"/>
+          <p:cNvPr id="174" name="PlaceHolder 1"/>
           <p:cNvSpPr>
             <a:spLocks noGrp="1"/>
           </p:cNvSpPr>
@@ -6765,7 +6764,7 @@
       </p:grpSpPr>
       <p:sp>
         <p:nvSpPr>
-          <p:cNvPr id="133" name="PlaceHolder 1"/>
+          <p:cNvPr id="175" name="PlaceHolder 1"/>
           <p:cNvSpPr>
             <a:spLocks noGrp="1"/>
           </p:cNvSpPr>
@@ -6828,7 +6827,7 @@
       </p:grpSpPr>
       <p:sp>
         <p:nvSpPr>
-          <p:cNvPr id="134" name="PlaceHolder 1"/>
+          <p:cNvPr id="176" name="PlaceHolder 1"/>
           <p:cNvSpPr>
             <a:spLocks noGrp="1"/>
           </p:cNvSpPr>
@@ -6866,7 +6865,7 @@
       </p:sp>
       <p:sp>
         <p:nvSpPr>
-          <p:cNvPr id="135" name="PlaceHolder 2"/>
+          <p:cNvPr id="177" name="PlaceHolder 2"/>
           <p:cNvSpPr>
             <a:spLocks noGrp="1"/>
           </p:cNvSpPr>
@@ -6905,7 +6904,7 @@
       </p:sp>
       <p:sp>
         <p:nvSpPr>
-          <p:cNvPr id="136" name="PlaceHolder 3"/>
+          <p:cNvPr id="178" name="PlaceHolder 3"/>
           <p:cNvSpPr>
             <a:spLocks noGrp="1"/>
           </p:cNvSpPr>
@@ -6944,7 +6943,7 @@
       </p:sp>
       <p:sp>
         <p:nvSpPr>
-          <p:cNvPr id="137" name="PlaceHolder 4"/>
+          <p:cNvPr id="179" name="PlaceHolder 4"/>
           <p:cNvSpPr>
             <a:spLocks noGrp="1"/>
           </p:cNvSpPr>
@@ -7008,7 +7007,7 @@
       </p:grpSpPr>
       <p:sp>
         <p:nvSpPr>
-          <p:cNvPr id="138" name="PlaceHolder 1"/>
+          <p:cNvPr id="180" name="PlaceHolder 1"/>
           <p:cNvSpPr>
             <a:spLocks noGrp="1"/>
           </p:cNvSpPr>
@@ -7046,7 +7045,7 @@
       </p:sp>
       <p:sp>
         <p:nvSpPr>
-          <p:cNvPr id="139" name="PlaceHolder 2"/>
+          <p:cNvPr id="181" name="PlaceHolder 2"/>
           <p:cNvSpPr>
             <a:spLocks noGrp="1"/>
           </p:cNvSpPr>
@@ -7085,7 +7084,7 @@
       </p:sp>
       <p:sp>
         <p:nvSpPr>
-          <p:cNvPr id="140" name="PlaceHolder 3"/>
+          <p:cNvPr id="182" name="PlaceHolder 3"/>
           <p:cNvSpPr>
             <a:spLocks noGrp="1"/>
           </p:cNvSpPr>
@@ -7124,7 +7123,7 @@
       </p:sp>
       <p:sp>
         <p:nvSpPr>
-          <p:cNvPr id="141" name="PlaceHolder 4"/>
+          <p:cNvPr id="183" name="PlaceHolder 4"/>
           <p:cNvSpPr>
             <a:spLocks noGrp="1"/>
           </p:cNvSpPr>
@@ -7188,7 +7187,7 @@
       </p:grpSpPr>
       <p:sp>
         <p:nvSpPr>
-          <p:cNvPr id="142" name="PlaceHolder 1"/>
+          <p:cNvPr id="184" name="PlaceHolder 1"/>
           <p:cNvSpPr>
             <a:spLocks noGrp="1"/>
           </p:cNvSpPr>
@@ -7226,7 +7225,7 @@
       </p:sp>
       <p:sp>
         <p:nvSpPr>
-          <p:cNvPr id="143" name="PlaceHolder 2"/>
+          <p:cNvPr id="185" name="PlaceHolder 2"/>
           <p:cNvSpPr>
             <a:spLocks noGrp="1"/>
           </p:cNvSpPr>
@@ -7265,7 +7264,7 @@
       </p:sp>
       <p:sp>
         <p:nvSpPr>
-          <p:cNvPr id="144" name="PlaceHolder 3"/>
+          <p:cNvPr id="186" name="PlaceHolder 3"/>
           <p:cNvSpPr>
             <a:spLocks noGrp="1"/>
           </p:cNvSpPr>
@@ -7304,7 +7303,7 @@
       </p:sp>
       <p:sp>
         <p:nvSpPr>
-          <p:cNvPr id="145" name="PlaceHolder 4"/>
+          <p:cNvPr id="187" name="PlaceHolder 4"/>
           <p:cNvSpPr>
             <a:spLocks noGrp="1"/>
           </p:cNvSpPr>
@@ -7368,7 +7367,7 @@
       </p:grpSpPr>
       <p:sp>
         <p:nvSpPr>
-          <p:cNvPr id="146" name="PlaceHolder 1"/>
+          <p:cNvPr id="188" name="PlaceHolder 1"/>
           <p:cNvSpPr>
             <a:spLocks noGrp="1"/>
           </p:cNvSpPr>
@@ -7406,7 +7405,7 @@
       </p:sp>
       <p:sp>
         <p:nvSpPr>
-          <p:cNvPr id="147" name="PlaceHolder 2"/>
+          <p:cNvPr id="189" name="PlaceHolder 2"/>
           <p:cNvSpPr>
             <a:spLocks noGrp="1"/>
           </p:cNvSpPr>
@@ -7445,7 +7444,7 @@
       </p:sp>
       <p:sp>
         <p:nvSpPr>
-          <p:cNvPr id="148" name="PlaceHolder 3"/>
+          <p:cNvPr id="190" name="PlaceHolder 3"/>
           <p:cNvSpPr>
             <a:spLocks noGrp="1"/>
           </p:cNvSpPr>
@@ -7509,7 +7508,7 @@
       </p:grpSpPr>
       <p:sp>
         <p:nvSpPr>
-          <p:cNvPr id="149" name="PlaceHolder 1"/>
+          <p:cNvPr id="191" name="PlaceHolder 1"/>
           <p:cNvSpPr>
             <a:spLocks noGrp="1"/>
           </p:cNvSpPr>
@@ -7547,7 +7546,7 @@
       </p:sp>
       <p:sp>
         <p:nvSpPr>
-          <p:cNvPr id="150" name="PlaceHolder 2"/>
+          <p:cNvPr id="192" name="PlaceHolder 2"/>
           <p:cNvSpPr>
             <a:spLocks noGrp="1"/>
           </p:cNvSpPr>
@@ -7586,7 +7585,7 @@
       </p:sp>
       <p:sp>
         <p:nvSpPr>
-          <p:cNvPr id="151" name="PlaceHolder 3"/>
+          <p:cNvPr id="193" name="PlaceHolder 3"/>
           <p:cNvSpPr>
             <a:spLocks noGrp="1"/>
           </p:cNvSpPr>
@@ -7625,7 +7624,7 @@
       </p:sp>
       <p:sp>
         <p:nvSpPr>
-          <p:cNvPr id="152" name="PlaceHolder 4"/>
+          <p:cNvPr id="194" name="PlaceHolder 4"/>
           <p:cNvSpPr>
             <a:spLocks noGrp="1"/>
           </p:cNvSpPr>
@@ -7664,7 +7663,7 @@
       </p:sp>
       <p:sp>
         <p:nvSpPr>
-          <p:cNvPr id="153" name="PlaceHolder 5"/>
+          <p:cNvPr id="195" name="PlaceHolder 5"/>
           <p:cNvSpPr>
             <a:spLocks noGrp="1"/>
           </p:cNvSpPr>
@@ -7728,7 +7727,7 @@
       </p:grpSpPr>
       <p:sp>
         <p:nvSpPr>
-          <p:cNvPr id="154" name="PlaceHolder 1"/>
+          <p:cNvPr id="196" name="PlaceHolder 1"/>
           <p:cNvSpPr>
             <a:spLocks noGrp="1"/>
           </p:cNvSpPr>
@@ -7766,7 +7765,7 @@
       </p:sp>
       <p:sp>
         <p:nvSpPr>
-          <p:cNvPr id="155" name="PlaceHolder 2"/>
+          <p:cNvPr id="197" name="PlaceHolder 2"/>
           <p:cNvSpPr>
             <a:spLocks noGrp="1"/>
           </p:cNvSpPr>
@@ -7805,7 +7804,7 @@
       </p:sp>
       <p:sp>
         <p:nvSpPr>
-          <p:cNvPr id="156" name="PlaceHolder 3"/>
+          <p:cNvPr id="198" name="PlaceHolder 3"/>
           <p:cNvSpPr>
             <a:spLocks noGrp="1"/>
           </p:cNvSpPr>
@@ -7844,7 +7843,7 @@
       </p:sp>
       <p:sp>
         <p:nvSpPr>
-          <p:cNvPr id="157" name="PlaceHolder 4"/>
+          <p:cNvPr id="199" name="PlaceHolder 4"/>
           <p:cNvSpPr>
             <a:spLocks noGrp="1"/>
           </p:cNvSpPr>
@@ -7883,7 +7882,7 @@
       </p:sp>
       <p:sp>
         <p:nvSpPr>
-          <p:cNvPr id="158" name="PlaceHolder 5"/>
+          <p:cNvPr id="200" name="PlaceHolder 5"/>
           <p:cNvSpPr>
             <a:spLocks noGrp="1"/>
           </p:cNvSpPr>
@@ -7922,7 +7921,7 @@
       </p:sp>
       <p:sp>
         <p:nvSpPr>
-          <p:cNvPr id="159" name="PlaceHolder 6"/>
+          <p:cNvPr id="201" name="PlaceHolder 6"/>
           <p:cNvSpPr>
             <a:spLocks noGrp="1"/>
           </p:cNvSpPr>
@@ -7961,7 +7960,7 @@
       </p:sp>
       <p:sp>
         <p:nvSpPr>
-          <p:cNvPr id="160" name="PlaceHolder 7"/>
+          <p:cNvPr id="202" name="PlaceHolder 7"/>
           <p:cNvSpPr>
             <a:spLocks noGrp="1"/>
           </p:cNvSpPr>
@@ -7998,31 +7997,6 @@
           </a:p>
         </p:txBody>
       </p:sp>
-    </p:spTree>
-  </p:cSld>
-  <p:clrMapOvr>
-    <a:masterClrMapping/>
-  </p:clrMapOvr>
-</p:sldLayout>
-</file>
-
-<file path=ppt/slideLayouts/slideLayout49.xml><?xml version="1.0" encoding="utf-8"?>
-<p:sldLayout xmlns:a="http://schemas.openxmlformats.org/drawingml/2006/main" xmlns:r="http://schemas.openxmlformats.org/officeDocument/2006/relationships" xmlns:p="http://schemas.openxmlformats.org/presentationml/2006/main" type="blank" preserve="1">
-  <p:cSld name="Blank Slide">
-    <p:spTree>
-      <p:nvGrpSpPr>
-        <p:cNvPr id="1" name=""/>
-        <p:cNvGrpSpPr/>
-        <p:nvPr/>
-      </p:nvGrpSpPr>
-      <p:grpSpPr>
-        <a:xfrm>
-          <a:off x="0" y="0"/>
-          <a:ext cx="0" cy="0"/>
-          <a:chOff x="0" y="0"/>
-          <a:chExt cx="0" cy="0"/>
-        </a:xfrm>
-      </p:grpSpPr>
     </p:spTree>
   </p:cSld>
   <p:clrMapOvr>
@@ -8094,1376 +8068,6 @@
 </p:sldLayout>
 </file>
 
-<file path=ppt/slideLayouts/slideLayout50.xml><?xml version="1.0" encoding="utf-8"?>
-<p:sldLayout xmlns:a="http://schemas.openxmlformats.org/drawingml/2006/main" xmlns:r="http://schemas.openxmlformats.org/officeDocument/2006/relationships" xmlns:p="http://schemas.openxmlformats.org/presentationml/2006/main" type="tx" preserve="1">
-  <p:cSld name="Title Slide">
-    <p:spTree>
-      <p:nvGrpSpPr>
-        <p:cNvPr id="1" name=""/>
-        <p:cNvGrpSpPr/>
-        <p:nvPr/>
-      </p:nvGrpSpPr>
-      <p:grpSpPr>
-        <a:xfrm>
-          <a:off x="0" y="0"/>
-          <a:ext cx="0" cy="0"/>
-          <a:chOff x="0" y="0"/>
-          <a:chExt cx="0" cy="0"/>
-        </a:xfrm>
-      </p:grpSpPr>
-      <p:sp>
-        <p:nvSpPr>
-          <p:cNvPr id="167" name="PlaceHolder 1"/>
-          <p:cNvSpPr>
-            <a:spLocks noGrp="1"/>
-          </p:cNvSpPr>
-          <p:nvPr>
-            <p:ph type="title"/>
-          </p:nvPr>
-        </p:nvSpPr>
-        <p:spPr>
-          <a:xfrm>
-            <a:off x="609480" y="273600"/>
-            <a:ext cx="10972440" cy="1144800"/>
-          </a:xfrm>
-          <a:prstGeom prst="rect">
-            <a:avLst/>
-          </a:prstGeom>
-        </p:spPr>
-        <p:txBody>
-          <a:bodyPr lIns="0" tIns="0" rIns="0" bIns="0" anchor="ctr"/>
-          <a:lstStyle/>
-          <a:p>
-            <a:pPr algn="ctr"/>
-            <a:endParaRPr lang="en-US" sz="4400" b="0" strike="noStrike" spc="-1">
-              <a:solidFill>
-                <a:srgbClr val="000000"/>
-              </a:solidFill>
-              <a:uFill>
-                <a:solidFill>
-                  <a:srgbClr val="FFFFFF"/>
-                </a:solidFill>
-              </a:uFill>
-              <a:latin typeface="DejaVu Sans"/>
-            </a:endParaRPr>
-          </a:p>
-        </p:txBody>
-      </p:sp>
-      <p:sp>
-        <p:nvSpPr>
-          <p:cNvPr id="168" name="PlaceHolder 2"/>
-          <p:cNvSpPr>
-            <a:spLocks noGrp="1"/>
-          </p:cNvSpPr>
-          <p:nvPr>
-            <p:ph type="subTitle"/>
-          </p:nvPr>
-        </p:nvSpPr>
-        <p:spPr>
-          <a:xfrm>
-            <a:off x="609480" y="1604520"/>
-            <a:ext cx="10972440" cy="3977280"/>
-          </a:xfrm>
-          <a:prstGeom prst="rect">
-            <a:avLst/>
-          </a:prstGeom>
-        </p:spPr>
-        <p:txBody>
-          <a:bodyPr lIns="0" tIns="0" rIns="0" bIns="0" anchor="ctr"/>
-          <a:lstStyle/>
-          <a:p>
-            <a:pPr algn="ctr"/>
-            <a:endParaRPr lang="en-US" sz="3200" b="0" strike="noStrike" spc="-1">
-              <a:solidFill>
-                <a:srgbClr val="000000"/>
-              </a:solidFill>
-              <a:uFill>
-                <a:solidFill>
-                  <a:srgbClr val="FFFFFF"/>
-                </a:solidFill>
-              </a:uFill>
-              <a:latin typeface="DejaVu Sans"/>
-            </a:endParaRPr>
-          </a:p>
-        </p:txBody>
-      </p:sp>
-    </p:spTree>
-  </p:cSld>
-  <p:clrMapOvr>
-    <a:masterClrMapping/>
-  </p:clrMapOvr>
-</p:sldLayout>
-</file>
-
-<file path=ppt/slideLayouts/slideLayout51.xml><?xml version="1.0" encoding="utf-8"?>
-<p:sldLayout xmlns:a="http://schemas.openxmlformats.org/drawingml/2006/main" xmlns:r="http://schemas.openxmlformats.org/officeDocument/2006/relationships" xmlns:p="http://schemas.openxmlformats.org/presentationml/2006/main" type="obj" preserve="1">
-  <p:cSld name="Title, Content">
-    <p:spTree>
-      <p:nvGrpSpPr>
-        <p:cNvPr id="1" name=""/>
-        <p:cNvGrpSpPr/>
-        <p:nvPr/>
-      </p:nvGrpSpPr>
-      <p:grpSpPr>
-        <a:xfrm>
-          <a:off x="0" y="0"/>
-          <a:ext cx="0" cy="0"/>
-          <a:chOff x="0" y="0"/>
-          <a:chExt cx="0" cy="0"/>
-        </a:xfrm>
-      </p:grpSpPr>
-      <p:sp>
-        <p:nvSpPr>
-          <p:cNvPr id="169" name="PlaceHolder 1"/>
-          <p:cNvSpPr>
-            <a:spLocks noGrp="1"/>
-          </p:cNvSpPr>
-          <p:nvPr>
-            <p:ph type="title"/>
-          </p:nvPr>
-        </p:nvSpPr>
-        <p:spPr>
-          <a:xfrm>
-            <a:off x="609480" y="273600"/>
-            <a:ext cx="10972440" cy="1144800"/>
-          </a:xfrm>
-          <a:prstGeom prst="rect">
-            <a:avLst/>
-          </a:prstGeom>
-        </p:spPr>
-        <p:txBody>
-          <a:bodyPr lIns="0" tIns="0" rIns="0" bIns="0" anchor="ctr"/>
-          <a:lstStyle/>
-          <a:p>
-            <a:pPr algn="ctr"/>
-            <a:endParaRPr lang="en-US" sz="4400" b="0" strike="noStrike" spc="-1">
-              <a:solidFill>
-                <a:srgbClr val="000000"/>
-              </a:solidFill>
-              <a:uFill>
-                <a:solidFill>
-                  <a:srgbClr val="FFFFFF"/>
-                </a:solidFill>
-              </a:uFill>
-              <a:latin typeface="DejaVu Sans"/>
-            </a:endParaRPr>
-          </a:p>
-        </p:txBody>
-      </p:sp>
-      <p:sp>
-        <p:nvSpPr>
-          <p:cNvPr id="170" name="PlaceHolder 2"/>
-          <p:cNvSpPr>
-            <a:spLocks noGrp="1"/>
-          </p:cNvSpPr>
-          <p:nvPr>
-            <p:ph type="body"/>
-          </p:nvPr>
-        </p:nvSpPr>
-        <p:spPr>
-          <a:xfrm>
-            <a:off x="609480" y="1604520"/>
-            <a:ext cx="10972440" cy="3977280"/>
-          </a:xfrm>
-          <a:prstGeom prst="rect">
-            <a:avLst/>
-          </a:prstGeom>
-        </p:spPr>
-        <p:txBody>
-          <a:bodyPr lIns="0" tIns="0" rIns="0" bIns="0">
-            <a:normAutofit/>
-          </a:bodyPr>
-          <a:lstStyle/>
-          <a:p>
-            <a:endParaRPr lang="en-US" sz="3200" b="0" strike="noStrike" spc="-1">
-              <a:solidFill>
-                <a:srgbClr val="000000"/>
-              </a:solidFill>
-              <a:uFill>
-                <a:solidFill>
-                  <a:srgbClr val="FFFFFF"/>
-                </a:solidFill>
-              </a:uFill>
-              <a:latin typeface="DejaVu Sans"/>
-            </a:endParaRPr>
-          </a:p>
-        </p:txBody>
-      </p:sp>
-    </p:spTree>
-  </p:cSld>
-  <p:clrMapOvr>
-    <a:masterClrMapping/>
-  </p:clrMapOvr>
-</p:sldLayout>
-</file>
-
-<file path=ppt/slideLayouts/slideLayout52.xml><?xml version="1.0" encoding="utf-8"?>
-<p:sldLayout xmlns:a="http://schemas.openxmlformats.org/drawingml/2006/main" xmlns:r="http://schemas.openxmlformats.org/officeDocument/2006/relationships" xmlns:p="http://schemas.openxmlformats.org/presentationml/2006/main" type="twoObj" preserve="1">
-  <p:cSld name="Title, 2 Content">
-    <p:spTree>
-      <p:nvGrpSpPr>
-        <p:cNvPr id="1" name=""/>
-        <p:cNvGrpSpPr/>
-        <p:nvPr/>
-      </p:nvGrpSpPr>
-      <p:grpSpPr>
-        <a:xfrm>
-          <a:off x="0" y="0"/>
-          <a:ext cx="0" cy="0"/>
-          <a:chOff x="0" y="0"/>
-          <a:chExt cx="0" cy="0"/>
-        </a:xfrm>
-      </p:grpSpPr>
-      <p:sp>
-        <p:nvSpPr>
-          <p:cNvPr id="171" name="PlaceHolder 1"/>
-          <p:cNvSpPr>
-            <a:spLocks noGrp="1"/>
-          </p:cNvSpPr>
-          <p:nvPr>
-            <p:ph type="title"/>
-          </p:nvPr>
-        </p:nvSpPr>
-        <p:spPr>
-          <a:xfrm>
-            <a:off x="609480" y="273600"/>
-            <a:ext cx="10972440" cy="1144800"/>
-          </a:xfrm>
-          <a:prstGeom prst="rect">
-            <a:avLst/>
-          </a:prstGeom>
-        </p:spPr>
-        <p:txBody>
-          <a:bodyPr lIns="0" tIns="0" rIns="0" bIns="0" anchor="ctr"/>
-          <a:lstStyle/>
-          <a:p>
-            <a:pPr algn="ctr"/>
-            <a:endParaRPr lang="en-US" sz="4400" b="0" strike="noStrike" spc="-1">
-              <a:solidFill>
-                <a:srgbClr val="000000"/>
-              </a:solidFill>
-              <a:uFill>
-                <a:solidFill>
-                  <a:srgbClr val="FFFFFF"/>
-                </a:solidFill>
-              </a:uFill>
-              <a:latin typeface="DejaVu Sans"/>
-            </a:endParaRPr>
-          </a:p>
-        </p:txBody>
-      </p:sp>
-      <p:sp>
-        <p:nvSpPr>
-          <p:cNvPr id="172" name="PlaceHolder 2"/>
-          <p:cNvSpPr>
-            <a:spLocks noGrp="1"/>
-          </p:cNvSpPr>
-          <p:nvPr>
-            <p:ph type="body"/>
-          </p:nvPr>
-        </p:nvSpPr>
-        <p:spPr>
-          <a:xfrm>
-            <a:off x="609480" y="1604520"/>
-            <a:ext cx="5354280" cy="3977280"/>
-          </a:xfrm>
-          <a:prstGeom prst="rect">
-            <a:avLst/>
-          </a:prstGeom>
-        </p:spPr>
-        <p:txBody>
-          <a:bodyPr lIns="0" tIns="0" rIns="0" bIns="0">
-            <a:normAutofit/>
-          </a:bodyPr>
-          <a:lstStyle/>
-          <a:p>
-            <a:endParaRPr lang="en-US" sz="3200" b="0" strike="noStrike" spc="-1">
-              <a:solidFill>
-                <a:srgbClr val="000000"/>
-              </a:solidFill>
-              <a:uFill>
-                <a:solidFill>
-                  <a:srgbClr val="FFFFFF"/>
-                </a:solidFill>
-              </a:uFill>
-              <a:latin typeface="DejaVu Sans"/>
-            </a:endParaRPr>
-          </a:p>
-        </p:txBody>
-      </p:sp>
-      <p:sp>
-        <p:nvSpPr>
-          <p:cNvPr id="173" name="PlaceHolder 3"/>
-          <p:cNvSpPr>
-            <a:spLocks noGrp="1"/>
-          </p:cNvSpPr>
-          <p:nvPr>
-            <p:ph type="body"/>
-          </p:nvPr>
-        </p:nvSpPr>
-        <p:spPr>
-          <a:xfrm>
-            <a:off x="6231960" y="1604520"/>
-            <a:ext cx="5354280" cy="3977280"/>
-          </a:xfrm>
-          <a:prstGeom prst="rect">
-            <a:avLst/>
-          </a:prstGeom>
-        </p:spPr>
-        <p:txBody>
-          <a:bodyPr lIns="0" tIns="0" rIns="0" bIns="0">
-            <a:normAutofit/>
-          </a:bodyPr>
-          <a:lstStyle/>
-          <a:p>
-            <a:endParaRPr lang="en-US" sz="3200" b="0" strike="noStrike" spc="-1">
-              <a:solidFill>
-                <a:srgbClr val="000000"/>
-              </a:solidFill>
-              <a:uFill>
-                <a:solidFill>
-                  <a:srgbClr val="FFFFFF"/>
-                </a:solidFill>
-              </a:uFill>
-              <a:latin typeface="DejaVu Sans"/>
-            </a:endParaRPr>
-          </a:p>
-        </p:txBody>
-      </p:sp>
-    </p:spTree>
-  </p:cSld>
-  <p:clrMapOvr>
-    <a:masterClrMapping/>
-  </p:clrMapOvr>
-</p:sldLayout>
-</file>
-
-<file path=ppt/slideLayouts/slideLayout53.xml><?xml version="1.0" encoding="utf-8"?>
-<p:sldLayout xmlns:a="http://schemas.openxmlformats.org/drawingml/2006/main" xmlns:r="http://schemas.openxmlformats.org/officeDocument/2006/relationships" xmlns:p="http://schemas.openxmlformats.org/presentationml/2006/main" type="titleOnly" preserve="1">
-  <p:cSld name="Title Only">
-    <p:spTree>
-      <p:nvGrpSpPr>
-        <p:cNvPr id="1" name=""/>
-        <p:cNvGrpSpPr/>
-        <p:nvPr/>
-      </p:nvGrpSpPr>
-      <p:grpSpPr>
-        <a:xfrm>
-          <a:off x="0" y="0"/>
-          <a:ext cx="0" cy="0"/>
-          <a:chOff x="0" y="0"/>
-          <a:chExt cx="0" cy="0"/>
-        </a:xfrm>
-      </p:grpSpPr>
-      <p:sp>
-        <p:nvSpPr>
-          <p:cNvPr id="174" name="PlaceHolder 1"/>
-          <p:cNvSpPr>
-            <a:spLocks noGrp="1"/>
-          </p:cNvSpPr>
-          <p:nvPr>
-            <p:ph type="title"/>
-          </p:nvPr>
-        </p:nvSpPr>
-        <p:spPr>
-          <a:xfrm>
-            <a:off x="609480" y="273600"/>
-            <a:ext cx="10972440" cy="1144800"/>
-          </a:xfrm>
-          <a:prstGeom prst="rect">
-            <a:avLst/>
-          </a:prstGeom>
-        </p:spPr>
-        <p:txBody>
-          <a:bodyPr lIns="0" tIns="0" rIns="0" bIns="0" anchor="ctr"/>
-          <a:lstStyle/>
-          <a:p>
-            <a:pPr algn="ctr"/>
-            <a:endParaRPr lang="en-US" sz="4400" b="0" strike="noStrike" spc="-1">
-              <a:solidFill>
-                <a:srgbClr val="000000"/>
-              </a:solidFill>
-              <a:uFill>
-                <a:solidFill>
-                  <a:srgbClr val="FFFFFF"/>
-                </a:solidFill>
-              </a:uFill>
-              <a:latin typeface="DejaVu Sans"/>
-            </a:endParaRPr>
-          </a:p>
-        </p:txBody>
-      </p:sp>
-    </p:spTree>
-  </p:cSld>
-  <p:clrMapOvr>
-    <a:masterClrMapping/>
-  </p:clrMapOvr>
-</p:sldLayout>
-</file>
-
-<file path=ppt/slideLayouts/slideLayout54.xml><?xml version="1.0" encoding="utf-8"?>
-<p:sldLayout xmlns:a="http://schemas.openxmlformats.org/drawingml/2006/main" xmlns:r="http://schemas.openxmlformats.org/officeDocument/2006/relationships" xmlns:p="http://schemas.openxmlformats.org/presentationml/2006/main" type="objOnly" preserve="1">
-  <p:cSld name="Centered Text">
-    <p:spTree>
-      <p:nvGrpSpPr>
-        <p:cNvPr id="1" name=""/>
-        <p:cNvGrpSpPr/>
-        <p:nvPr/>
-      </p:nvGrpSpPr>
-      <p:grpSpPr>
-        <a:xfrm>
-          <a:off x="0" y="0"/>
-          <a:ext cx="0" cy="0"/>
-          <a:chOff x="0" y="0"/>
-          <a:chExt cx="0" cy="0"/>
-        </a:xfrm>
-      </p:grpSpPr>
-      <p:sp>
-        <p:nvSpPr>
-          <p:cNvPr id="175" name="PlaceHolder 1"/>
-          <p:cNvSpPr>
-            <a:spLocks noGrp="1"/>
-          </p:cNvSpPr>
-          <p:nvPr>
-            <p:ph type="subTitle"/>
-          </p:nvPr>
-        </p:nvSpPr>
-        <p:spPr>
-          <a:xfrm>
-            <a:off x="609480" y="273600"/>
-            <a:ext cx="10972440" cy="5307840"/>
-          </a:xfrm>
-          <a:prstGeom prst="rect">
-            <a:avLst/>
-          </a:prstGeom>
-        </p:spPr>
-        <p:txBody>
-          <a:bodyPr lIns="0" tIns="0" rIns="0" bIns="0" anchor="ctr"/>
-          <a:lstStyle/>
-          <a:p>
-            <a:pPr algn="ctr"/>
-            <a:endParaRPr lang="en-US" sz="3200" b="0" strike="noStrike" spc="-1">
-              <a:solidFill>
-                <a:srgbClr val="000000"/>
-              </a:solidFill>
-              <a:uFill>
-                <a:solidFill>
-                  <a:srgbClr val="FFFFFF"/>
-                </a:solidFill>
-              </a:uFill>
-              <a:latin typeface="DejaVu Sans"/>
-            </a:endParaRPr>
-          </a:p>
-        </p:txBody>
-      </p:sp>
-    </p:spTree>
-  </p:cSld>
-  <p:clrMapOvr>
-    <a:masterClrMapping/>
-  </p:clrMapOvr>
-</p:sldLayout>
-</file>
-
-<file path=ppt/slideLayouts/slideLayout55.xml><?xml version="1.0" encoding="utf-8"?>
-<p:sldLayout xmlns:a="http://schemas.openxmlformats.org/drawingml/2006/main" xmlns:r="http://schemas.openxmlformats.org/officeDocument/2006/relationships" xmlns:p="http://schemas.openxmlformats.org/presentationml/2006/main" type="twoObjAndObj" preserve="1">
-  <p:cSld name="Title, 2 Content and Content">
-    <p:spTree>
-      <p:nvGrpSpPr>
-        <p:cNvPr id="1" name=""/>
-        <p:cNvGrpSpPr/>
-        <p:nvPr/>
-      </p:nvGrpSpPr>
-      <p:grpSpPr>
-        <a:xfrm>
-          <a:off x="0" y="0"/>
-          <a:ext cx="0" cy="0"/>
-          <a:chOff x="0" y="0"/>
-          <a:chExt cx="0" cy="0"/>
-        </a:xfrm>
-      </p:grpSpPr>
-      <p:sp>
-        <p:nvSpPr>
-          <p:cNvPr id="176" name="PlaceHolder 1"/>
-          <p:cNvSpPr>
-            <a:spLocks noGrp="1"/>
-          </p:cNvSpPr>
-          <p:nvPr>
-            <p:ph type="title"/>
-          </p:nvPr>
-        </p:nvSpPr>
-        <p:spPr>
-          <a:xfrm>
-            <a:off x="609480" y="273600"/>
-            <a:ext cx="10972440" cy="1144800"/>
-          </a:xfrm>
-          <a:prstGeom prst="rect">
-            <a:avLst/>
-          </a:prstGeom>
-        </p:spPr>
-        <p:txBody>
-          <a:bodyPr lIns="0" tIns="0" rIns="0" bIns="0" anchor="ctr"/>
-          <a:lstStyle/>
-          <a:p>
-            <a:pPr algn="ctr"/>
-            <a:endParaRPr lang="en-US" sz="4400" b="0" strike="noStrike" spc="-1">
-              <a:solidFill>
-                <a:srgbClr val="000000"/>
-              </a:solidFill>
-              <a:uFill>
-                <a:solidFill>
-                  <a:srgbClr val="FFFFFF"/>
-                </a:solidFill>
-              </a:uFill>
-              <a:latin typeface="DejaVu Sans"/>
-            </a:endParaRPr>
-          </a:p>
-        </p:txBody>
-      </p:sp>
-      <p:sp>
-        <p:nvSpPr>
-          <p:cNvPr id="177" name="PlaceHolder 2"/>
-          <p:cNvSpPr>
-            <a:spLocks noGrp="1"/>
-          </p:cNvSpPr>
-          <p:nvPr>
-            <p:ph type="body"/>
-          </p:nvPr>
-        </p:nvSpPr>
-        <p:spPr>
-          <a:xfrm>
-            <a:off x="609480" y="1604520"/>
-            <a:ext cx="5354280" cy="1896840"/>
-          </a:xfrm>
-          <a:prstGeom prst="rect">
-            <a:avLst/>
-          </a:prstGeom>
-        </p:spPr>
-        <p:txBody>
-          <a:bodyPr lIns="0" tIns="0" rIns="0" bIns="0">
-            <a:normAutofit/>
-          </a:bodyPr>
-          <a:lstStyle/>
-          <a:p>
-            <a:endParaRPr lang="en-US" sz="3200" b="0" strike="noStrike" spc="-1">
-              <a:solidFill>
-                <a:srgbClr val="000000"/>
-              </a:solidFill>
-              <a:uFill>
-                <a:solidFill>
-                  <a:srgbClr val="FFFFFF"/>
-                </a:solidFill>
-              </a:uFill>
-              <a:latin typeface="DejaVu Sans"/>
-            </a:endParaRPr>
-          </a:p>
-        </p:txBody>
-      </p:sp>
-      <p:sp>
-        <p:nvSpPr>
-          <p:cNvPr id="178" name="PlaceHolder 3"/>
-          <p:cNvSpPr>
-            <a:spLocks noGrp="1"/>
-          </p:cNvSpPr>
-          <p:nvPr>
-            <p:ph type="body"/>
-          </p:nvPr>
-        </p:nvSpPr>
-        <p:spPr>
-          <a:xfrm>
-            <a:off x="609480" y="3682080"/>
-            <a:ext cx="5354280" cy="1896840"/>
-          </a:xfrm>
-          <a:prstGeom prst="rect">
-            <a:avLst/>
-          </a:prstGeom>
-        </p:spPr>
-        <p:txBody>
-          <a:bodyPr lIns="0" tIns="0" rIns="0" bIns="0">
-            <a:normAutofit/>
-          </a:bodyPr>
-          <a:lstStyle/>
-          <a:p>
-            <a:endParaRPr lang="en-US" sz="3200" b="0" strike="noStrike" spc="-1">
-              <a:solidFill>
-                <a:srgbClr val="000000"/>
-              </a:solidFill>
-              <a:uFill>
-                <a:solidFill>
-                  <a:srgbClr val="FFFFFF"/>
-                </a:solidFill>
-              </a:uFill>
-              <a:latin typeface="DejaVu Sans"/>
-            </a:endParaRPr>
-          </a:p>
-        </p:txBody>
-      </p:sp>
-      <p:sp>
-        <p:nvSpPr>
-          <p:cNvPr id="179" name="PlaceHolder 4"/>
-          <p:cNvSpPr>
-            <a:spLocks noGrp="1"/>
-          </p:cNvSpPr>
-          <p:nvPr>
-            <p:ph type="body"/>
-          </p:nvPr>
-        </p:nvSpPr>
-        <p:spPr>
-          <a:xfrm>
-            <a:off x="6231960" y="1604520"/>
-            <a:ext cx="5354280" cy="3977280"/>
-          </a:xfrm>
-          <a:prstGeom prst="rect">
-            <a:avLst/>
-          </a:prstGeom>
-        </p:spPr>
-        <p:txBody>
-          <a:bodyPr lIns="0" tIns="0" rIns="0" bIns="0">
-            <a:normAutofit/>
-          </a:bodyPr>
-          <a:lstStyle/>
-          <a:p>
-            <a:endParaRPr lang="en-US" sz="3200" b="0" strike="noStrike" spc="-1">
-              <a:solidFill>
-                <a:srgbClr val="000000"/>
-              </a:solidFill>
-              <a:uFill>
-                <a:solidFill>
-                  <a:srgbClr val="FFFFFF"/>
-                </a:solidFill>
-              </a:uFill>
-              <a:latin typeface="DejaVu Sans"/>
-            </a:endParaRPr>
-          </a:p>
-        </p:txBody>
-      </p:sp>
-    </p:spTree>
-  </p:cSld>
-  <p:clrMapOvr>
-    <a:masterClrMapping/>
-  </p:clrMapOvr>
-</p:sldLayout>
-</file>
-
-<file path=ppt/slideLayouts/slideLayout56.xml><?xml version="1.0" encoding="utf-8"?>
-<p:sldLayout xmlns:a="http://schemas.openxmlformats.org/drawingml/2006/main" xmlns:r="http://schemas.openxmlformats.org/officeDocument/2006/relationships" xmlns:p="http://schemas.openxmlformats.org/presentationml/2006/main" type="objAndTwoObj" preserve="1">
-  <p:cSld name="Title Content and 2 Content">
-    <p:spTree>
-      <p:nvGrpSpPr>
-        <p:cNvPr id="1" name=""/>
-        <p:cNvGrpSpPr/>
-        <p:nvPr/>
-      </p:nvGrpSpPr>
-      <p:grpSpPr>
-        <a:xfrm>
-          <a:off x="0" y="0"/>
-          <a:ext cx="0" cy="0"/>
-          <a:chOff x="0" y="0"/>
-          <a:chExt cx="0" cy="0"/>
-        </a:xfrm>
-      </p:grpSpPr>
-      <p:sp>
-        <p:nvSpPr>
-          <p:cNvPr id="180" name="PlaceHolder 1"/>
-          <p:cNvSpPr>
-            <a:spLocks noGrp="1"/>
-          </p:cNvSpPr>
-          <p:nvPr>
-            <p:ph type="title"/>
-          </p:nvPr>
-        </p:nvSpPr>
-        <p:spPr>
-          <a:xfrm>
-            <a:off x="609480" y="273600"/>
-            <a:ext cx="10972440" cy="1144800"/>
-          </a:xfrm>
-          <a:prstGeom prst="rect">
-            <a:avLst/>
-          </a:prstGeom>
-        </p:spPr>
-        <p:txBody>
-          <a:bodyPr lIns="0" tIns="0" rIns="0" bIns="0" anchor="ctr"/>
-          <a:lstStyle/>
-          <a:p>
-            <a:pPr algn="ctr"/>
-            <a:endParaRPr lang="en-US" sz="4400" b="0" strike="noStrike" spc="-1">
-              <a:solidFill>
-                <a:srgbClr val="000000"/>
-              </a:solidFill>
-              <a:uFill>
-                <a:solidFill>
-                  <a:srgbClr val="FFFFFF"/>
-                </a:solidFill>
-              </a:uFill>
-              <a:latin typeface="DejaVu Sans"/>
-            </a:endParaRPr>
-          </a:p>
-        </p:txBody>
-      </p:sp>
-      <p:sp>
-        <p:nvSpPr>
-          <p:cNvPr id="181" name="PlaceHolder 2"/>
-          <p:cNvSpPr>
-            <a:spLocks noGrp="1"/>
-          </p:cNvSpPr>
-          <p:nvPr>
-            <p:ph type="body"/>
-          </p:nvPr>
-        </p:nvSpPr>
-        <p:spPr>
-          <a:xfrm>
-            <a:off x="609480" y="1604520"/>
-            <a:ext cx="5354280" cy="3977280"/>
-          </a:xfrm>
-          <a:prstGeom prst="rect">
-            <a:avLst/>
-          </a:prstGeom>
-        </p:spPr>
-        <p:txBody>
-          <a:bodyPr lIns="0" tIns="0" rIns="0" bIns="0">
-            <a:normAutofit/>
-          </a:bodyPr>
-          <a:lstStyle/>
-          <a:p>
-            <a:endParaRPr lang="en-US" sz="3200" b="0" strike="noStrike" spc="-1">
-              <a:solidFill>
-                <a:srgbClr val="000000"/>
-              </a:solidFill>
-              <a:uFill>
-                <a:solidFill>
-                  <a:srgbClr val="FFFFFF"/>
-                </a:solidFill>
-              </a:uFill>
-              <a:latin typeface="DejaVu Sans"/>
-            </a:endParaRPr>
-          </a:p>
-        </p:txBody>
-      </p:sp>
-      <p:sp>
-        <p:nvSpPr>
-          <p:cNvPr id="182" name="PlaceHolder 3"/>
-          <p:cNvSpPr>
-            <a:spLocks noGrp="1"/>
-          </p:cNvSpPr>
-          <p:nvPr>
-            <p:ph type="body"/>
-          </p:nvPr>
-        </p:nvSpPr>
-        <p:spPr>
-          <a:xfrm>
-            <a:off x="6231960" y="1604520"/>
-            <a:ext cx="5354280" cy="1896840"/>
-          </a:xfrm>
-          <a:prstGeom prst="rect">
-            <a:avLst/>
-          </a:prstGeom>
-        </p:spPr>
-        <p:txBody>
-          <a:bodyPr lIns="0" tIns="0" rIns="0" bIns="0">
-            <a:normAutofit/>
-          </a:bodyPr>
-          <a:lstStyle/>
-          <a:p>
-            <a:endParaRPr lang="en-US" sz="3200" b="0" strike="noStrike" spc="-1">
-              <a:solidFill>
-                <a:srgbClr val="000000"/>
-              </a:solidFill>
-              <a:uFill>
-                <a:solidFill>
-                  <a:srgbClr val="FFFFFF"/>
-                </a:solidFill>
-              </a:uFill>
-              <a:latin typeface="DejaVu Sans"/>
-            </a:endParaRPr>
-          </a:p>
-        </p:txBody>
-      </p:sp>
-      <p:sp>
-        <p:nvSpPr>
-          <p:cNvPr id="183" name="PlaceHolder 4"/>
-          <p:cNvSpPr>
-            <a:spLocks noGrp="1"/>
-          </p:cNvSpPr>
-          <p:nvPr>
-            <p:ph type="body"/>
-          </p:nvPr>
-        </p:nvSpPr>
-        <p:spPr>
-          <a:xfrm>
-            <a:off x="6231960" y="3682080"/>
-            <a:ext cx="5354280" cy="1896840"/>
-          </a:xfrm>
-          <a:prstGeom prst="rect">
-            <a:avLst/>
-          </a:prstGeom>
-        </p:spPr>
-        <p:txBody>
-          <a:bodyPr lIns="0" tIns="0" rIns="0" bIns="0">
-            <a:normAutofit/>
-          </a:bodyPr>
-          <a:lstStyle/>
-          <a:p>
-            <a:endParaRPr lang="en-US" sz="3200" b="0" strike="noStrike" spc="-1">
-              <a:solidFill>
-                <a:srgbClr val="000000"/>
-              </a:solidFill>
-              <a:uFill>
-                <a:solidFill>
-                  <a:srgbClr val="FFFFFF"/>
-                </a:solidFill>
-              </a:uFill>
-              <a:latin typeface="DejaVu Sans"/>
-            </a:endParaRPr>
-          </a:p>
-        </p:txBody>
-      </p:sp>
-    </p:spTree>
-  </p:cSld>
-  <p:clrMapOvr>
-    <a:masterClrMapping/>
-  </p:clrMapOvr>
-</p:sldLayout>
-</file>
-
-<file path=ppt/slideLayouts/slideLayout57.xml><?xml version="1.0" encoding="utf-8"?>
-<p:sldLayout xmlns:a="http://schemas.openxmlformats.org/drawingml/2006/main" xmlns:r="http://schemas.openxmlformats.org/officeDocument/2006/relationships" xmlns:p="http://schemas.openxmlformats.org/presentationml/2006/main" type="twoObjOverTx" preserve="1">
-  <p:cSld name="Title, 2 Content over Content">
-    <p:spTree>
-      <p:nvGrpSpPr>
-        <p:cNvPr id="1" name=""/>
-        <p:cNvGrpSpPr/>
-        <p:nvPr/>
-      </p:nvGrpSpPr>
-      <p:grpSpPr>
-        <a:xfrm>
-          <a:off x="0" y="0"/>
-          <a:ext cx="0" cy="0"/>
-          <a:chOff x="0" y="0"/>
-          <a:chExt cx="0" cy="0"/>
-        </a:xfrm>
-      </p:grpSpPr>
-      <p:sp>
-        <p:nvSpPr>
-          <p:cNvPr id="184" name="PlaceHolder 1"/>
-          <p:cNvSpPr>
-            <a:spLocks noGrp="1"/>
-          </p:cNvSpPr>
-          <p:nvPr>
-            <p:ph type="title"/>
-          </p:nvPr>
-        </p:nvSpPr>
-        <p:spPr>
-          <a:xfrm>
-            <a:off x="609480" y="273600"/>
-            <a:ext cx="10972440" cy="1144800"/>
-          </a:xfrm>
-          <a:prstGeom prst="rect">
-            <a:avLst/>
-          </a:prstGeom>
-        </p:spPr>
-        <p:txBody>
-          <a:bodyPr lIns="0" tIns="0" rIns="0" bIns="0" anchor="ctr"/>
-          <a:lstStyle/>
-          <a:p>
-            <a:pPr algn="ctr"/>
-            <a:endParaRPr lang="en-US" sz="4400" b="0" strike="noStrike" spc="-1">
-              <a:solidFill>
-                <a:srgbClr val="000000"/>
-              </a:solidFill>
-              <a:uFill>
-                <a:solidFill>
-                  <a:srgbClr val="FFFFFF"/>
-                </a:solidFill>
-              </a:uFill>
-              <a:latin typeface="DejaVu Sans"/>
-            </a:endParaRPr>
-          </a:p>
-        </p:txBody>
-      </p:sp>
-      <p:sp>
-        <p:nvSpPr>
-          <p:cNvPr id="185" name="PlaceHolder 2"/>
-          <p:cNvSpPr>
-            <a:spLocks noGrp="1"/>
-          </p:cNvSpPr>
-          <p:nvPr>
-            <p:ph type="body"/>
-          </p:nvPr>
-        </p:nvSpPr>
-        <p:spPr>
-          <a:xfrm>
-            <a:off x="609480" y="1604520"/>
-            <a:ext cx="5354280" cy="1896840"/>
-          </a:xfrm>
-          <a:prstGeom prst="rect">
-            <a:avLst/>
-          </a:prstGeom>
-        </p:spPr>
-        <p:txBody>
-          <a:bodyPr lIns="0" tIns="0" rIns="0" bIns="0">
-            <a:normAutofit/>
-          </a:bodyPr>
-          <a:lstStyle/>
-          <a:p>
-            <a:endParaRPr lang="en-US" sz="3200" b="0" strike="noStrike" spc="-1">
-              <a:solidFill>
-                <a:srgbClr val="000000"/>
-              </a:solidFill>
-              <a:uFill>
-                <a:solidFill>
-                  <a:srgbClr val="FFFFFF"/>
-                </a:solidFill>
-              </a:uFill>
-              <a:latin typeface="DejaVu Sans"/>
-            </a:endParaRPr>
-          </a:p>
-        </p:txBody>
-      </p:sp>
-      <p:sp>
-        <p:nvSpPr>
-          <p:cNvPr id="186" name="PlaceHolder 3"/>
-          <p:cNvSpPr>
-            <a:spLocks noGrp="1"/>
-          </p:cNvSpPr>
-          <p:nvPr>
-            <p:ph type="body"/>
-          </p:nvPr>
-        </p:nvSpPr>
-        <p:spPr>
-          <a:xfrm>
-            <a:off x="6231960" y="1604520"/>
-            <a:ext cx="5354280" cy="1896840"/>
-          </a:xfrm>
-          <a:prstGeom prst="rect">
-            <a:avLst/>
-          </a:prstGeom>
-        </p:spPr>
-        <p:txBody>
-          <a:bodyPr lIns="0" tIns="0" rIns="0" bIns="0">
-            <a:normAutofit/>
-          </a:bodyPr>
-          <a:lstStyle/>
-          <a:p>
-            <a:endParaRPr lang="en-US" sz="3200" b="0" strike="noStrike" spc="-1">
-              <a:solidFill>
-                <a:srgbClr val="000000"/>
-              </a:solidFill>
-              <a:uFill>
-                <a:solidFill>
-                  <a:srgbClr val="FFFFFF"/>
-                </a:solidFill>
-              </a:uFill>
-              <a:latin typeface="DejaVu Sans"/>
-            </a:endParaRPr>
-          </a:p>
-        </p:txBody>
-      </p:sp>
-      <p:sp>
-        <p:nvSpPr>
-          <p:cNvPr id="187" name="PlaceHolder 4"/>
-          <p:cNvSpPr>
-            <a:spLocks noGrp="1"/>
-          </p:cNvSpPr>
-          <p:nvPr>
-            <p:ph type="body"/>
-          </p:nvPr>
-        </p:nvSpPr>
-        <p:spPr>
-          <a:xfrm>
-            <a:off x="609480" y="3682080"/>
-            <a:ext cx="10972440" cy="1896840"/>
-          </a:xfrm>
-          <a:prstGeom prst="rect">
-            <a:avLst/>
-          </a:prstGeom>
-        </p:spPr>
-        <p:txBody>
-          <a:bodyPr lIns="0" tIns="0" rIns="0" bIns="0">
-            <a:normAutofit/>
-          </a:bodyPr>
-          <a:lstStyle/>
-          <a:p>
-            <a:endParaRPr lang="en-US" sz="3200" b="0" strike="noStrike" spc="-1">
-              <a:solidFill>
-                <a:srgbClr val="000000"/>
-              </a:solidFill>
-              <a:uFill>
-                <a:solidFill>
-                  <a:srgbClr val="FFFFFF"/>
-                </a:solidFill>
-              </a:uFill>
-              <a:latin typeface="DejaVu Sans"/>
-            </a:endParaRPr>
-          </a:p>
-        </p:txBody>
-      </p:sp>
-    </p:spTree>
-  </p:cSld>
-  <p:clrMapOvr>
-    <a:masterClrMapping/>
-  </p:clrMapOvr>
-</p:sldLayout>
-</file>
-
-<file path=ppt/slideLayouts/slideLayout58.xml><?xml version="1.0" encoding="utf-8"?>
-<p:sldLayout xmlns:a="http://schemas.openxmlformats.org/drawingml/2006/main" xmlns:r="http://schemas.openxmlformats.org/officeDocument/2006/relationships" xmlns:p="http://schemas.openxmlformats.org/presentationml/2006/main" type="objOverTx" preserve="1">
-  <p:cSld name="Title, Content over Content">
-    <p:spTree>
-      <p:nvGrpSpPr>
-        <p:cNvPr id="1" name=""/>
-        <p:cNvGrpSpPr/>
-        <p:nvPr/>
-      </p:nvGrpSpPr>
-      <p:grpSpPr>
-        <a:xfrm>
-          <a:off x="0" y="0"/>
-          <a:ext cx="0" cy="0"/>
-          <a:chOff x="0" y="0"/>
-          <a:chExt cx="0" cy="0"/>
-        </a:xfrm>
-      </p:grpSpPr>
-      <p:sp>
-        <p:nvSpPr>
-          <p:cNvPr id="188" name="PlaceHolder 1"/>
-          <p:cNvSpPr>
-            <a:spLocks noGrp="1"/>
-          </p:cNvSpPr>
-          <p:nvPr>
-            <p:ph type="title"/>
-          </p:nvPr>
-        </p:nvSpPr>
-        <p:spPr>
-          <a:xfrm>
-            <a:off x="609480" y="273600"/>
-            <a:ext cx="10972440" cy="1144800"/>
-          </a:xfrm>
-          <a:prstGeom prst="rect">
-            <a:avLst/>
-          </a:prstGeom>
-        </p:spPr>
-        <p:txBody>
-          <a:bodyPr lIns="0" tIns="0" rIns="0" bIns="0" anchor="ctr"/>
-          <a:lstStyle/>
-          <a:p>
-            <a:pPr algn="ctr"/>
-            <a:endParaRPr lang="en-US" sz="4400" b="0" strike="noStrike" spc="-1">
-              <a:solidFill>
-                <a:srgbClr val="000000"/>
-              </a:solidFill>
-              <a:uFill>
-                <a:solidFill>
-                  <a:srgbClr val="FFFFFF"/>
-                </a:solidFill>
-              </a:uFill>
-              <a:latin typeface="DejaVu Sans"/>
-            </a:endParaRPr>
-          </a:p>
-        </p:txBody>
-      </p:sp>
-      <p:sp>
-        <p:nvSpPr>
-          <p:cNvPr id="189" name="PlaceHolder 2"/>
-          <p:cNvSpPr>
-            <a:spLocks noGrp="1"/>
-          </p:cNvSpPr>
-          <p:nvPr>
-            <p:ph type="body"/>
-          </p:nvPr>
-        </p:nvSpPr>
-        <p:spPr>
-          <a:xfrm>
-            <a:off x="609480" y="1604520"/>
-            <a:ext cx="10972440" cy="1896840"/>
-          </a:xfrm>
-          <a:prstGeom prst="rect">
-            <a:avLst/>
-          </a:prstGeom>
-        </p:spPr>
-        <p:txBody>
-          <a:bodyPr lIns="0" tIns="0" rIns="0" bIns="0">
-            <a:normAutofit/>
-          </a:bodyPr>
-          <a:lstStyle/>
-          <a:p>
-            <a:endParaRPr lang="en-US" sz="3200" b="0" strike="noStrike" spc="-1">
-              <a:solidFill>
-                <a:srgbClr val="000000"/>
-              </a:solidFill>
-              <a:uFill>
-                <a:solidFill>
-                  <a:srgbClr val="FFFFFF"/>
-                </a:solidFill>
-              </a:uFill>
-              <a:latin typeface="DejaVu Sans"/>
-            </a:endParaRPr>
-          </a:p>
-        </p:txBody>
-      </p:sp>
-      <p:sp>
-        <p:nvSpPr>
-          <p:cNvPr id="190" name="PlaceHolder 3"/>
-          <p:cNvSpPr>
-            <a:spLocks noGrp="1"/>
-          </p:cNvSpPr>
-          <p:nvPr>
-            <p:ph type="body"/>
-          </p:nvPr>
-        </p:nvSpPr>
-        <p:spPr>
-          <a:xfrm>
-            <a:off x="609480" y="3682080"/>
-            <a:ext cx="10972440" cy="1896840"/>
-          </a:xfrm>
-          <a:prstGeom prst="rect">
-            <a:avLst/>
-          </a:prstGeom>
-        </p:spPr>
-        <p:txBody>
-          <a:bodyPr lIns="0" tIns="0" rIns="0" bIns="0">
-            <a:normAutofit/>
-          </a:bodyPr>
-          <a:lstStyle/>
-          <a:p>
-            <a:endParaRPr lang="en-US" sz="3200" b="0" strike="noStrike" spc="-1">
-              <a:solidFill>
-                <a:srgbClr val="000000"/>
-              </a:solidFill>
-              <a:uFill>
-                <a:solidFill>
-                  <a:srgbClr val="FFFFFF"/>
-                </a:solidFill>
-              </a:uFill>
-              <a:latin typeface="DejaVu Sans"/>
-            </a:endParaRPr>
-          </a:p>
-        </p:txBody>
-      </p:sp>
-    </p:spTree>
-  </p:cSld>
-  <p:clrMapOvr>
-    <a:masterClrMapping/>
-  </p:clrMapOvr>
-</p:sldLayout>
-</file>
-
-<file path=ppt/slideLayouts/slideLayout59.xml><?xml version="1.0" encoding="utf-8"?>
-<p:sldLayout xmlns:a="http://schemas.openxmlformats.org/drawingml/2006/main" xmlns:r="http://schemas.openxmlformats.org/officeDocument/2006/relationships" xmlns:p="http://schemas.openxmlformats.org/presentationml/2006/main" type="fourObj" preserve="1">
-  <p:cSld name="Title, 4 Content">
-    <p:spTree>
-      <p:nvGrpSpPr>
-        <p:cNvPr id="1" name=""/>
-        <p:cNvGrpSpPr/>
-        <p:nvPr/>
-      </p:nvGrpSpPr>
-      <p:grpSpPr>
-        <a:xfrm>
-          <a:off x="0" y="0"/>
-          <a:ext cx="0" cy="0"/>
-          <a:chOff x="0" y="0"/>
-          <a:chExt cx="0" cy="0"/>
-        </a:xfrm>
-      </p:grpSpPr>
-      <p:sp>
-        <p:nvSpPr>
-          <p:cNvPr id="191" name="PlaceHolder 1"/>
-          <p:cNvSpPr>
-            <a:spLocks noGrp="1"/>
-          </p:cNvSpPr>
-          <p:nvPr>
-            <p:ph type="title"/>
-          </p:nvPr>
-        </p:nvSpPr>
-        <p:spPr>
-          <a:xfrm>
-            <a:off x="609480" y="273600"/>
-            <a:ext cx="10972440" cy="1144800"/>
-          </a:xfrm>
-          <a:prstGeom prst="rect">
-            <a:avLst/>
-          </a:prstGeom>
-        </p:spPr>
-        <p:txBody>
-          <a:bodyPr lIns="0" tIns="0" rIns="0" bIns="0" anchor="ctr"/>
-          <a:lstStyle/>
-          <a:p>
-            <a:pPr algn="ctr"/>
-            <a:endParaRPr lang="en-US" sz="4400" b="0" strike="noStrike" spc="-1">
-              <a:solidFill>
-                <a:srgbClr val="000000"/>
-              </a:solidFill>
-              <a:uFill>
-                <a:solidFill>
-                  <a:srgbClr val="FFFFFF"/>
-                </a:solidFill>
-              </a:uFill>
-              <a:latin typeface="DejaVu Sans"/>
-            </a:endParaRPr>
-          </a:p>
-        </p:txBody>
-      </p:sp>
-      <p:sp>
-        <p:nvSpPr>
-          <p:cNvPr id="192" name="PlaceHolder 2"/>
-          <p:cNvSpPr>
-            <a:spLocks noGrp="1"/>
-          </p:cNvSpPr>
-          <p:nvPr>
-            <p:ph type="body"/>
-          </p:nvPr>
-        </p:nvSpPr>
-        <p:spPr>
-          <a:xfrm>
-            <a:off x="609480" y="1604520"/>
-            <a:ext cx="5354280" cy="1896840"/>
-          </a:xfrm>
-          <a:prstGeom prst="rect">
-            <a:avLst/>
-          </a:prstGeom>
-        </p:spPr>
-        <p:txBody>
-          <a:bodyPr lIns="0" tIns="0" rIns="0" bIns="0">
-            <a:normAutofit/>
-          </a:bodyPr>
-          <a:lstStyle/>
-          <a:p>
-            <a:endParaRPr lang="en-US" sz="3200" b="0" strike="noStrike" spc="-1">
-              <a:solidFill>
-                <a:srgbClr val="000000"/>
-              </a:solidFill>
-              <a:uFill>
-                <a:solidFill>
-                  <a:srgbClr val="FFFFFF"/>
-                </a:solidFill>
-              </a:uFill>
-              <a:latin typeface="DejaVu Sans"/>
-            </a:endParaRPr>
-          </a:p>
-        </p:txBody>
-      </p:sp>
-      <p:sp>
-        <p:nvSpPr>
-          <p:cNvPr id="193" name="PlaceHolder 3"/>
-          <p:cNvSpPr>
-            <a:spLocks noGrp="1"/>
-          </p:cNvSpPr>
-          <p:nvPr>
-            <p:ph type="body"/>
-          </p:nvPr>
-        </p:nvSpPr>
-        <p:spPr>
-          <a:xfrm>
-            <a:off x="6231960" y="1604520"/>
-            <a:ext cx="5354280" cy="1896840"/>
-          </a:xfrm>
-          <a:prstGeom prst="rect">
-            <a:avLst/>
-          </a:prstGeom>
-        </p:spPr>
-        <p:txBody>
-          <a:bodyPr lIns="0" tIns="0" rIns="0" bIns="0">
-            <a:normAutofit/>
-          </a:bodyPr>
-          <a:lstStyle/>
-          <a:p>
-            <a:endParaRPr lang="en-US" sz="3200" b="0" strike="noStrike" spc="-1">
-              <a:solidFill>
-                <a:srgbClr val="000000"/>
-              </a:solidFill>
-              <a:uFill>
-                <a:solidFill>
-                  <a:srgbClr val="FFFFFF"/>
-                </a:solidFill>
-              </a:uFill>
-              <a:latin typeface="DejaVu Sans"/>
-            </a:endParaRPr>
-          </a:p>
-        </p:txBody>
-      </p:sp>
-      <p:sp>
-        <p:nvSpPr>
-          <p:cNvPr id="194" name="PlaceHolder 4"/>
-          <p:cNvSpPr>
-            <a:spLocks noGrp="1"/>
-          </p:cNvSpPr>
-          <p:nvPr>
-            <p:ph type="body"/>
-          </p:nvPr>
-        </p:nvSpPr>
-        <p:spPr>
-          <a:xfrm>
-            <a:off x="6231960" y="3682080"/>
-            <a:ext cx="5354280" cy="1896840"/>
-          </a:xfrm>
-          <a:prstGeom prst="rect">
-            <a:avLst/>
-          </a:prstGeom>
-        </p:spPr>
-        <p:txBody>
-          <a:bodyPr lIns="0" tIns="0" rIns="0" bIns="0">
-            <a:normAutofit/>
-          </a:bodyPr>
-          <a:lstStyle/>
-          <a:p>
-            <a:endParaRPr lang="en-US" sz="3200" b="0" strike="noStrike" spc="-1">
-              <a:solidFill>
-                <a:srgbClr val="000000"/>
-              </a:solidFill>
-              <a:uFill>
-                <a:solidFill>
-                  <a:srgbClr val="FFFFFF"/>
-                </a:solidFill>
-              </a:uFill>
-              <a:latin typeface="DejaVu Sans"/>
-            </a:endParaRPr>
-          </a:p>
-        </p:txBody>
-      </p:sp>
-      <p:sp>
-        <p:nvSpPr>
-          <p:cNvPr id="195" name="PlaceHolder 5"/>
-          <p:cNvSpPr>
-            <a:spLocks noGrp="1"/>
-          </p:cNvSpPr>
-          <p:nvPr>
-            <p:ph type="body"/>
-          </p:nvPr>
-        </p:nvSpPr>
-        <p:spPr>
-          <a:xfrm>
-            <a:off x="609480" y="3682080"/>
-            <a:ext cx="5354280" cy="1896840"/>
-          </a:xfrm>
-          <a:prstGeom prst="rect">
-            <a:avLst/>
-          </a:prstGeom>
-        </p:spPr>
-        <p:txBody>
-          <a:bodyPr lIns="0" tIns="0" rIns="0" bIns="0">
-            <a:normAutofit/>
-          </a:bodyPr>
-          <a:lstStyle/>
-          <a:p>
-            <a:endParaRPr lang="en-US" sz="3200" b="0" strike="noStrike" spc="-1">
-              <a:solidFill>
-                <a:srgbClr val="000000"/>
-              </a:solidFill>
-              <a:uFill>
-                <a:solidFill>
-                  <a:srgbClr val="FFFFFF"/>
-                </a:solidFill>
-              </a:uFill>
-              <a:latin typeface="DejaVu Sans"/>
-            </a:endParaRPr>
-          </a:p>
-        </p:txBody>
-      </p:sp>
-    </p:spTree>
-  </p:cSld>
-  <p:clrMapOvr>
-    <a:masterClrMapping/>
-  </p:clrMapOvr>
-</p:sldLayout>
-</file>
-
 <file path=ppt/slideLayouts/slideLayout6.xml><?xml version="1.0" encoding="utf-8"?>
 <p:sldLayout xmlns:a="http://schemas.openxmlformats.org/drawingml/2006/main" xmlns:r="http://schemas.openxmlformats.org/officeDocument/2006/relationships" xmlns:p="http://schemas.openxmlformats.org/presentationml/2006/main" type="objOnly" preserve="1">
   <p:cSld name="Centered Text">
@@ -9505,303 +8109,6 @@
           <a:lstStyle/>
           <a:p>
             <a:pPr algn="ctr"/>
-            <a:endParaRPr lang="en-US" sz="3200" b="0" strike="noStrike" spc="-1">
-              <a:solidFill>
-                <a:srgbClr val="000000"/>
-              </a:solidFill>
-              <a:uFill>
-                <a:solidFill>
-                  <a:srgbClr val="FFFFFF"/>
-                </a:solidFill>
-              </a:uFill>
-              <a:latin typeface="DejaVu Sans"/>
-            </a:endParaRPr>
-          </a:p>
-        </p:txBody>
-      </p:sp>
-    </p:spTree>
-  </p:cSld>
-  <p:clrMapOvr>
-    <a:masterClrMapping/>
-  </p:clrMapOvr>
-</p:sldLayout>
-</file>
-
-<file path=ppt/slideLayouts/slideLayout60.xml><?xml version="1.0" encoding="utf-8"?>
-<p:sldLayout xmlns:a="http://schemas.openxmlformats.org/drawingml/2006/main" xmlns:r="http://schemas.openxmlformats.org/officeDocument/2006/relationships" xmlns:p="http://schemas.openxmlformats.org/presentationml/2006/main" type="blank" preserve="1">
-  <p:cSld name="Title, 6 Content">
-    <p:spTree>
-      <p:nvGrpSpPr>
-        <p:cNvPr id="1" name=""/>
-        <p:cNvGrpSpPr/>
-        <p:nvPr/>
-      </p:nvGrpSpPr>
-      <p:grpSpPr>
-        <a:xfrm>
-          <a:off x="0" y="0"/>
-          <a:ext cx="0" cy="0"/>
-          <a:chOff x="0" y="0"/>
-          <a:chExt cx="0" cy="0"/>
-        </a:xfrm>
-      </p:grpSpPr>
-      <p:sp>
-        <p:nvSpPr>
-          <p:cNvPr id="196" name="PlaceHolder 1"/>
-          <p:cNvSpPr>
-            <a:spLocks noGrp="1"/>
-          </p:cNvSpPr>
-          <p:nvPr>
-            <p:ph type="title"/>
-          </p:nvPr>
-        </p:nvSpPr>
-        <p:spPr>
-          <a:xfrm>
-            <a:off x="609480" y="273600"/>
-            <a:ext cx="10972440" cy="1144800"/>
-          </a:xfrm>
-          <a:prstGeom prst="rect">
-            <a:avLst/>
-          </a:prstGeom>
-        </p:spPr>
-        <p:txBody>
-          <a:bodyPr lIns="0" tIns="0" rIns="0" bIns="0" anchor="ctr"/>
-          <a:lstStyle/>
-          <a:p>
-            <a:pPr algn="ctr"/>
-            <a:endParaRPr lang="en-US" sz="4400" b="0" strike="noStrike" spc="-1">
-              <a:solidFill>
-                <a:srgbClr val="000000"/>
-              </a:solidFill>
-              <a:uFill>
-                <a:solidFill>
-                  <a:srgbClr val="FFFFFF"/>
-                </a:solidFill>
-              </a:uFill>
-              <a:latin typeface="DejaVu Sans"/>
-            </a:endParaRPr>
-          </a:p>
-        </p:txBody>
-      </p:sp>
-      <p:sp>
-        <p:nvSpPr>
-          <p:cNvPr id="197" name="PlaceHolder 2"/>
-          <p:cNvSpPr>
-            <a:spLocks noGrp="1"/>
-          </p:cNvSpPr>
-          <p:nvPr>
-            <p:ph type="body"/>
-          </p:nvPr>
-        </p:nvSpPr>
-        <p:spPr>
-          <a:xfrm>
-            <a:off x="609480" y="1604520"/>
-            <a:ext cx="3533040" cy="1896840"/>
-          </a:xfrm>
-          <a:prstGeom prst="rect">
-            <a:avLst/>
-          </a:prstGeom>
-        </p:spPr>
-        <p:txBody>
-          <a:bodyPr lIns="0" tIns="0" rIns="0" bIns="0">
-            <a:normAutofit/>
-          </a:bodyPr>
-          <a:lstStyle/>
-          <a:p>
-            <a:endParaRPr lang="en-US" sz="3200" b="0" strike="noStrike" spc="-1">
-              <a:solidFill>
-                <a:srgbClr val="000000"/>
-              </a:solidFill>
-              <a:uFill>
-                <a:solidFill>
-                  <a:srgbClr val="FFFFFF"/>
-                </a:solidFill>
-              </a:uFill>
-              <a:latin typeface="DejaVu Sans"/>
-            </a:endParaRPr>
-          </a:p>
-        </p:txBody>
-      </p:sp>
-      <p:sp>
-        <p:nvSpPr>
-          <p:cNvPr id="198" name="PlaceHolder 3"/>
-          <p:cNvSpPr>
-            <a:spLocks noGrp="1"/>
-          </p:cNvSpPr>
-          <p:nvPr>
-            <p:ph type="body"/>
-          </p:nvPr>
-        </p:nvSpPr>
-        <p:spPr>
-          <a:xfrm>
-            <a:off x="4319640" y="1604520"/>
-            <a:ext cx="3533040" cy="1896840"/>
-          </a:xfrm>
-          <a:prstGeom prst="rect">
-            <a:avLst/>
-          </a:prstGeom>
-        </p:spPr>
-        <p:txBody>
-          <a:bodyPr lIns="0" tIns="0" rIns="0" bIns="0">
-            <a:normAutofit/>
-          </a:bodyPr>
-          <a:lstStyle/>
-          <a:p>
-            <a:endParaRPr lang="en-US" sz="3200" b="0" strike="noStrike" spc="-1">
-              <a:solidFill>
-                <a:srgbClr val="000000"/>
-              </a:solidFill>
-              <a:uFill>
-                <a:solidFill>
-                  <a:srgbClr val="FFFFFF"/>
-                </a:solidFill>
-              </a:uFill>
-              <a:latin typeface="DejaVu Sans"/>
-            </a:endParaRPr>
-          </a:p>
-        </p:txBody>
-      </p:sp>
-      <p:sp>
-        <p:nvSpPr>
-          <p:cNvPr id="199" name="PlaceHolder 4"/>
-          <p:cNvSpPr>
-            <a:spLocks noGrp="1"/>
-          </p:cNvSpPr>
-          <p:nvPr>
-            <p:ph type="body"/>
-          </p:nvPr>
-        </p:nvSpPr>
-        <p:spPr>
-          <a:xfrm>
-            <a:off x="8029800" y="1604520"/>
-            <a:ext cx="3533040" cy="1896840"/>
-          </a:xfrm>
-          <a:prstGeom prst="rect">
-            <a:avLst/>
-          </a:prstGeom>
-        </p:spPr>
-        <p:txBody>
-          <a:bodyPr lIns="0" tIns="0" rIns="0" bIns="0">
-            <a:normAutofit/>
-          </a:bodyPr>
-          <a:lstStyle/>
-          <a:p>
-            <a:endParaRPr lang="en-US" sz="3200" b="0" strike="noStrike" spc="-1">
-              <a:solidFill>
-                <a:srgbClr val="000000"/>
-              </a:solidFill>
-              <a:uFill>
-                <a:solidFill>
-                  <a:srgbClr val="FFFFFF"/>
-                </a:solidFill>
-              </a:uFill>
-              <a:latin typeface="DejaVu Sans"/>
-            </a:endParaRPr>
-          </a:p>
-        </p:txBody>
-      </p:sp>
-      <p:sp>
-        <p:nvSpPr>
-          <p:cNvPr id="200" name="PlaceHolder 5"/>
-          <p:cNvSpPr>
-            <a:spLocks noGrp="1"/>
-          </p:cNvSpPr>
-          <p:nvPr>
-            <p:ph type="body"/>
-          </p:nvPr>
-        </p:nvSpPr>
-        <p:spPr>
-          <a:xfrm>
-            <a:off x="8029800" y="3682080"/>
-            <a:ext cx="3533040" cy="1896840"/>
-          </a:xfrm>
-          <a:prstGeom prst="rect">
-            <a:avLst/>
-          </a:prstGeom>
-        </p:spPr>
-        <p:txBody>
-          <a:bodyPr lIns="0" tIns="0" rIns="0" bIns="0">
-            <a:normAutofit/>
-          </a:bodyPr>
-          <a:lstStyle/>
-          <a:p>
-            <a:endParaRPr lang="en-US" sz="3200" b="0" strike="noStrike" spc="-1">
-              <a:solidFill>
-                <a:srgbClr val="000000"/>
-              </a:solidFill>
-              <a:uFill>
-                <a:solidFill>
-                  <a:srgbClr val="FFFFFF"/>
-                </a:solidFill>
-              </a:uFill>
-              <a:latin typeface="DejaVu Sans"/>
-            </a:endParaRPr>
-          </a:p>
-        </p:txBody>
-      </p:sp>
-      <p:sp>
-        <p:nvSpPr>
-          <p:cNvPr id="201" name="PlaceHolder 6"/>
-          <p:cNvSpPr>
-            <a:spLocks noGrp="1"/>
-          </p:cNvSpPr>
-          <p:nvPr>
-            <p:ph type="body"/>
-          </p:nvPr>
-        </p:nvSpPr>
-        <p:spPr>
-          <a:xfrm>
-            <a:off x="4319640" y="3682080"/>
-            <a:ext cx="3533040" cy="1896840"/>
-          </a:xfrm>
-          <a:prstGeom prst="rect">
-            <a:avLst/>
-          </a:prstGeom>
-        </p:spPr>
-        <p:txBody>
-          <a:bodyPr lIns="0" tIns="0" rIns="0" bIns="0">
-            <a:normAutofit/>
-          </a:bodyPr>
-          <a:lstStyle/>
-          <a:p>
-            <a:endParaRPr lang="en-US" sz="3200" b="0" strike="noStrike" spc="-1">
-              <a:solidFill>
-                <a:srgbClr val="000000"/>
-              </a:solidFill>
-              <a:uFill>
-                <a:solidFill>
-                  <a:srgbClr val="FFFFFF"/>
-                </a:solidFill>
-              </a:uFill>
-              <a:latin typeface="DejaVu Sans"/>
-            </a:endParaRPr>
-          </a:p>
-        </p:txBody>
-      </p:sp>
-      <p:sp>
-        <p:nvSpPr>
-          <p:cNvPr id="202" name="PlaceHolder 7"/>
-          <p:cNvSpPr>
-            <a:spLocks noGrp="1"/>
-          </p:cNvSpPr>
-          <p:nvPr>
-            <p:ph type="body"/>
-          </p:nvPr>
-        </p:nvSpPr>
-        <p:spPr>
-          <a:xfrm>
-            <a:off x="609480" y="3682080"/>
-            <a:ext cx="3533040" cy="1896840"/>
-          </a:xfrm>
-          <a:prstGeom prst="rect">
-            <a:avLst/>
-          </a:prstGeom>
-        </p:spPr>
-        <p:txBody>
-          <a:bodyPr lIns="0" tIns="0" rIns="0" bIns="0">
-            <a:normAutofit/>
-          </a:bodyPr>
-          <a:lstStyle/>
-          <a:p>
             <a:endParaRPr lang="en-US" sz="3200" b="0" strike="noStrike" spc="-1">
               <a:solidFill>
                 <a:srgbClr val="000000"/>
@@ -11057,7 +9364,7 @@
       </p:grpSpPr>
       <p:pic>
         <p:nvPicPr>
-          <p:cNvPr id="41" name="Picture 4"/>
+          <p:cNvPr id="81" name="Picture 4"/>
           <p:cNvPicPr/>
           <p:nvPr/>
         </p:nvPicPr>
@@ -11081,7 +9388,7 @@
       </p:pic>
       <p:sp>
         <p:nvSpPr>
-          <p:cNvPr id="42" name="CustomShape 1"/>
+          <p:cNvPr id="82" name="CustomShape 1"/>
           <p:cNvSpPr/>
           <p:nvPr/>
         </p:nvSpPr>
@@ -11120,7 +9427,7 @@
       </p:sp>
       <p:sp>
         <p:nvSpPr>
-          <p:cNvPr id="43" name="PlaceHolder 2"/>
+          <p:cNvPr id="83" name="PlaceHolder 2"/>
           <p:cNvSpPr>
             <a:spLocks noGrp="1"/>
           </p:cNvSpPr>
@@ -11161,7 +9468,7 @@
       </p:sp>
       <p:sp>
         <p:nvSpPr>
-          <p:cNvPr id="44" name="PlaceHolder 3"/>
+          <p:cNvPr id="84" name="PlaceHolder 3"/>
           <p:cNvSpPr>
             <a:spLocks noGrp="1"/>
           </p:cNvSpPr>
@@ -11378,18 +9685,18 @@
   </p:cSld>
   <p:clrMap bg1="lt1" tx1="dk1" bg2="lt2" tx2="dk2" accent1="accent1" accent2="accent2" accent3="accent3" accent4="accent4" accent5="accent5" accent6="accent6" hlink="hlink" folHlink="folHlink"/>
   <p:sldLayoutIdLst>
-    <p:sldLayoutId id="2147483662" r:id="rId1"/>
-    <p:sldLayoutId id="2147483663" r:id="rId2"/>
-    <p:sldLayoutId id="2147483664" r:id="rId3"/>
-    <p:sldLayoutId id="2147483665" r:id="rId4"/>
-    <p:sldLayoutId id="2147483666" r:id="rId5"/>
-    <p:sldLayoutId id="2147483667" r:id="rId6"/>
-    <p:sldLayoutId id="2147483668" r:id="rId7"/>
-    <p:sldLayoutId id="2147483669" r:id="rId8"/>
-    <p:sldLayoutId id="2147483670" r:id="rId9"/>
-    <p:sldLayoutId id="2147483671" r:id="rId10"/>
-    <p:sldLayoutId id="2147483672" r:id="rId11"/>
-    <p:sldLayoutId id="2147483673" r:id="rId12"/>
+    <p:sldLayoutId id="2147483675" r:id="rId1"/>
+    <p:sldLayoutId id="2147483676" r:id="rId2"/>
+    <p:sldLayoutId id="2147483677" r:id="rId3"/>
+    <p:sldLayoutId id="2147483678" r:id="rId4"/>
+    <p:sldLayoutId id="2147483679" r:id="rId5"/>
+    <p:sldLayoutId id="2147483680" r:id="rId6"/>
+    <p:sldLayoutId id="2147483681" r:id="rId7"/>
+    <p:sldLayoutId id="2147483682" r:id="rId8"/>
+    <p:sldLayoutId id="2147483683" r:id="rId9"/>
+    <p:sldLayoutId id="2147483684" r:id="rId10"/>
+    <p:sldLayoutId id="2147483685" r:id="rId11"/>
+    <p:sldLayoutId id="2147483686" r:id="rId12"/>
   </p:sldLayoutIdLst>
   <p:txStyles>
     <p:titleStyle>
@@ -11701,650 +10008,6 @@
       </p:grpSpPr>
       <p:pic>
         <p:nvPicPr>
-          <p:cNvPr id="81" name="Picture 4"/>
-          <p:cNvPicPr/>
-          <p:nvPr/>
-        </p:nvPicPr>
-        <p:blipFill>
-          <a:blip r:embed="rId14"/>
-          <a:srcRect l="55387" b="60092"/>
-          <a:stretch/>
-        </p:blipFill>
-        <p:spPr>
-          <a:xfrm>
-            <a:off x="79920" y="1837800"/>
-            <a:ext cx="7936560" cy="5019480"/>
-          </a:xfrm>
-          <a:prstGeom prst="rect">
-            <a:avLst/>
-          </a:prstGeom>
-          <a:ln>
-            <a:noFill/>
-          </a:ln>
-        </p:spPr>
-      </p:pic>
-      <p:sp>
-        <p:nvSpPr>
-          <p:cNvPr id="82" name="CustomShape 1"/>
-          <p:cNvSpPr/>
-          <p:nvPr/>
-        </p:nvSpPr>
-        <p:spPr>
-          <a:xfrm>
-            <a:off x="-24120" y="0"/>
-            <a:ext cx="102240" cy="6857280"/>
-          </a:xfrm>
-          <a:prstGeom prst="rect">
-            <a:avLst/>
-          </a:prstGeom>
-          <a:solidFill>
-            <a:srgbClr val="FC0D1B"/>
-          </a:solidFill>
-          <a:ln>
-            <a:solidFill>
-              <a:srgbClr val="FC0D1B"/>
-            </a:solidFill>
-            <a:round/>
-          </a:ln>
-        </p:spPr>
-        <p:style>
-          <a:lnRef idx="2">
-            <a:schemeClr val="accent1">
-              <a:shade val="50000"/>
-            </a:schemeClr>
-          </a:lnRef>
-          <a:fillRef idx="1">
-            <a:schemeClr val="accent1"/>
-          </a:fillRef>
-          <a:effectRef idx="0">
-            <a:schemeClr val="accent1"/>
-          </a:effectRef>
-          <a:fontRef idx="minor"/>
-        </p:style>
-      </p:sp>
-      <p:sp>
-        <p:nvSpPr>
-          <p:cNvPr id="83" name="PlaceHolder 2"/>
-          <p:cNvSpPr>
-            <a:spLocks noGrp="1"/>
-          </p:cNvSpPr>
-          <p:nvPr>
-            <p:ph type="title"/>
-          </p:nvPr>
-        </p:nvSpPr>
-        <p:spPr>
-          <a:xfrm>
-            <a:off x="609480" y="273600"/>
-            <a:ext cx="10972440" cy="1144800"/>
-          </a:xfrm>
-          <a:prstGeom prst="rect">
-            <a:avLst/>
-          </a:prstGeom>
-        </p:spPr>
-        <p:txBody>
-          <a:bodyPr lIns="0" tIns="0" rIns="0" bIns="0" anchor="ctr"/>
-          <a:lstStyle/>
-          <a:p>
-            <a:pPr algn="ctr"/>
-            <a:r>
-              <a:rPr lang="en-US" sz="4400" b="0" strike="noStrike" spc="-1">
-                <a:solidFill>
-                  <a:srgbClr val="000000"/>
-                </a:solidFill>
-                <a:uFill>
-                  <a:solidFill>
-                    <a:srgbClr val="FFFFFF"/>
-                  </a:solidFill>
-                </a:uFill>
-                <a:latin typeface="DejaVu Sans"/>
-              </a:rPr>
-              <a:t>Click to edit the title text format</a:t>
-            </a:r>
-          </a:p>
-        </p:txBody>
-      </p:sp>
-      <p:sp>
-        <p:nvSpPr>
-          <p:cNvPr id="84" name="PlaceHolder 3"/>
-          <p:cNvSpPr>
-            <a:spLocks noGrp="1"/>
-          </p:cNvSpPr>
-          <p:nvPr>
-            <p:ph type="body"/>
-          </p:nvPr>
-        </p:nvSpPr>
-        <p:spPr>
-          <a:xfrm>
-            <a:off x="609480" y="1604520"/>
-            <a:ext cx="10972440" cy="3977280"/>
-          </a:xfrm>
-          <a:prstGeom prst="rect">
-            <a:avLst/>
-          </a:prstGeom>
-        </p:spPr>
-        <p:txBody>
-          <a:bodyPr lIns="0" tIns="0" rIns="0" bIns="0">
-            <a:normAutofit/>
-          </a:bodyPr>
-          <a:lstStyle/>
-          <a:p>
-            <a:pPr marL="432000" indent="-324000">
-              <a:spcBef>
-                <a:spcPts val="1417"/>
-              </a:spcBef>
-              <a:buClr>
-                <a:srgbClr val="000000"/>
-              </a:buClr>
-              <a:buSzPct val="45000"/>
-              <a:buFont typeface="Wingdings" charset="2"/>
-              <a:buChar char=""/>
-            </a:pPr>
-            <a:r>
-              <a:rPr lang="en-US" sz="3200" b="0" strike="noStrike" spc="-1">
-                <a:solidFill>
-                  <a:srgbClr val="000000"/>
-                </a:solidFill>
-                <a:uFill>
-                  <a:solidFill>
-                    <a:srgbClr val="FFFFFF"/>
-                  </a:solidFill>
-                </a:uFill>
-                <a:latin typeface="DejaVu Sans"/>
-              </a:rPr>
-              <a:t>Click to edit the outline text format</a:t>
-            </a:r>
-          </a:p>
-          <a:p>
-            <a:pPr marL="864000" lvl="1" indent="-324000">
-              <a:spcBef>
-                <a:spcPts val="1134"/>
-              </a:spcBef>
-              <a:buClr>
-                <a:srgbClr val="000000"/>
-              </a:buClr>
-              <a:buSzPct val="75000"/>
-              <a:buFont typeface="Symbol" charset="2"/>
-              <a:buChar char=""/>
-            </a:pPr>
-            <a:r>
-              <a:rPr lang="en-US" sz="2800" b="0" strike="noStrike" spc="-1">
-                <a:solidFill>
-                  <a:srgbClr val="000000"/>
-                </a:solidFill>
-                <a:uFill>
-                  <a:solidFill>
-                    <a:srgbClr val="FFFFFF"/>
-                  </a:solidFill>
-                </a:uFill>
-                <a:latin typeface="DejaVu Sans"/>
-              </a:rPr>
-              <a:t>Second Outline Level</a:t>
-            </a:r>
-          </a:p>
-          <a:p>
-            <a:pPr marL="1296000" lvl="2" indent="-288000">
-              <a:spcBef>
-                <a:spcPts val="850"/>
-              </a:spcBef>
-              <a:buClr>
-                <a:srgbClr val="000000"/>
-              </a:buClr>
-              <a:buSzPct val="45000"/>
-              <a:buFont typeface="Wingdings" charset="2"/>
-              <a:buChar char=""/>
-            </a:pPr>
-            <a:r>
-              <a:rPr lang="en-US" sz="2400" b="0" strike="noStrike" spc="-1">
-                <a:solidFill>
-                  <a:srgbClr val="000000"/>
-                </a:solidFill>
-                <a:uFill>
-                  <a:solidFill>
-                    <a:srgbClr val="FFFFFF"/>
-                  </a:solidFill>
-                </a:uFill>
-                <a:latin typeface="DejaVu Sans"/>
-              </a:rPr>
-              <a:t>Third Outline Level</a:t>
-            </a:r>
-          </a:p>
-          <a:p>
-            <a:pPr marL="1728000" lvl="3" indent="-216000">
-              <a:spcBef>
-                <a:spcPts val="567"/>
-              </a:spcBef>
-              <a:buClr>
-                <a:srgbClr val="000000"/>
-              </a:buClr>
-              <a:buSzPct val="75000"/>
-              <a:buFont typeface="Symbol" charset="2"/>
-              <a:buChar char=""/>
-            </a:pPr>
-            <a:r>
-              <a:rPr lang="en-US" sz="2000" b="0" strike="noStrike" spc="-1">
-                <a:solidFill>
-                  <a:srgbClr val="000000"/>
-                </a:solidFill>
-                <a:uFill>
-                  <a:solidFill>
-                    <a:srgbClr val="FFFFFF"/>
-                  </a:solidFill>
-                </a:uFill>
-                <a:latin typeface="DejaVu Sans"/>
-              </a:rPr>
-              <a:t>Fourth Outline Level</a:t>
-            </a:r>
-          </a:p>
-          <a:p>
-            <a:pPr marL="2160000" lvl="4" indent="-216000">
-              <a:spcBef>
-                <a:spcPts val="283"/>
-              </a:spcBef>
-              <a:buClr>
-                <a:srgbClr val="000000"/>
-              </a:buClr>
-              <a:buSzPct val="45000"/>
-              <a:buFont typeface="Wingdings" charset="2"/>
-              <a:buChar char=""/>
-            </a:pPr>
-            <a:r>
-              <a:rPr lang="en-US" sz="2000" b="0" strike="noStrike" spc="-1">
-                <a:solidFill>
-                  <a:srgbClr val="000000"/>
-                </a:solidFill>
-                <a:uFill>
-                  <a:solidFill>
-                    <a:srgbClr val="FFFFFF"/>
-                  </a:solidFill>
-                </a:uFill>
-                <a:latin typeface="DejaVu Sans"/>
-              </a:rPr>
-              <a:t>Fifth Outline Level</a:t>
-            </a:r>
-          </a:p>
-          <a:p>
-            <a:pPr marL="2592000" lvl="5" indent="-216000">
-              <a:spcBef>
-                <a:spcPts val="283"/>
-              </a:spcBef>
-              <a:buClr>
-                <a:srgbClr val="000000"/>
-              </a:buClr>
-              <a:buSzPct val="45000"/>
-              <a:buFont typeface="Wingdings" charset="2"/>
-              <a:buChar char=""/>
-            </a:pPr>
-            <a:r>
-              <a:rPr lang="en-US" sz="2000" b="0" strike="noStrike" spc="-1">
-                <a:solidFill>
-                  <a:srgbClr val="000000"/>
-                </a:solidFill>
-                <a:uFill>
-                  <a:solidFill>
-                    <a:srgbClr val="FFFFFF"/>
-                  </a:solidFill>
-                </a:uFill>
-                <a:latin typeface="DejaVu Sans"/>
-              </a:rPr>
-              <a:t>Sixth Outline Level</a:t>
-            </a:r>
-          </a:p>
-          <a:p>
-            <a:pPr marL="3024000" lvl="6" indent="-216000">
-              <a:spcBef>
-                <a:spcPts val="283"/>
-              </a:spcBef>
-              <a:buClr>
-                <a:srgbClr val="000000"/>
-              </a:buClr>
-              <a:buSzPct val="45000"/>
-              <a:buFont typeface="Wingdings" charset="2"/>
-              <a:buChar char=""/>
-            </a:pPr>
-            <a:r>
-              <a:rPr lang="en-US" sz="2000" b="0" strike="noStrike" spc="-1">
-                <a:solidFill>
-                  <a:srgbClr val="000000"/>
-                </a:solidFill>
-                <a:uFill>
-                  <a:solidFill>
-                    <a:srgbClr val="FFFFFF"/>
-                  </a:solidFill>
-                </a:uFill>
-                <a:latin typeface="DejaVu Sans"/>
-              </a:rPr>
-              <a:t>Seventh Outline Level</a:t>
-            </a:r>
-          </a:p>
-        </p:txBody>
-      </p:sp>
-    </p:spTree>
-  </p:cSld>
-  <p:clrMap bg1="lt1" tx1="dk1" bg2="lt2" tx2="dk2" accent1="accent1" accent2="accent2" accent3="accent3" accent4="accent4" accent5="accent5" accent6="accent6" hlink="hlink" folHlink="folHlink"/>
-  <p:sldLayoutIdLst>
-    <p:sldLayoutId id="2147483675" r:id="rId1"/>
-    <p:sldLayoutId id="2147483676" r:id="rId2"/>
-    <p:sldLayoutId id="2147483677" r:id="rId3"/>
-    <p:sldLayoutId id="2147483678" r:id="rId4"/>
-    <p:sldLayoutId id="2147483679" r:id="rId5"/>
-    <p:sldLayoutId id="2147483680" r:id="rId6"/>
-    <p:sldLayoutId id="2147483681" r:id="rId7"/>
-    <p:sldLayoutId id="2147483682" r:id="rId8"/>
-    <p:sldLayoutId id="2147483683" r:id="rId9"/>
-    <p:sldLayoutId id="2147483684" r:id="rId10"/>
-    <p:sldLayoutId id="2147483685" r:id="rId11"/>
-    <p:sldLayoutId id="2147483686" r:id="rId12"/>
-  </p:sldLayoutIdLst>
-  <p:txStyles>
-    <p:titleStyle>
-      <a:lvl1pPr algn="l" defTabSz="914400" rtl="0" eaLnBrk="1" latinLnBrk="0" hangingPunct="1">
-        <a:lnSpc>
-          <a:spcPct val="90000"/>
-        </a:lnSpc>
-        <a:spcBef>
-          <a:spcPct val="0"/>
-        </a:spcBef>
-        <a:buNone/>
-        <a:defRPr sz="4400" kern="1200">
-          <a:solidFill>
-            <a:schemeClr val="tx1"/>
-          </a:solidFill>
-          <a:latin typeface="+mj-lt"/>
-          <a:ea typeface="+mj-ea"/>
-          <a:cs typeface="+mj-cs"/>
-        </a:defRPr>
-      </a:lvl1pPr>
-    </p:titleStyle>
-    <p:bodyStyle>
-      <a:lvl1pPr marL="228600" indent="-228600" algn="l" defTabSz="914400" rtl="0" eaLnBrk="1" latinLnBrk="0" hangingPunct="1">
-        <a:lnSpc>
-          <a:spcPct val="90000"/>
-        </a:lnSpc>
-        <a:spcBef>
-          <a:spcPts val="1000"/>
-        </a:spcBef>
-        <a:buFont typeface="Arial" panose="020B0604020202020204" pitchFamily="34" charset="0"/>
-        <a:buChar char="•"/>
-        <a:defRPr sz="2800" kern="1200">
-          <a:solidFill>
-            <a:schemeClr val="tx1"/>
-          </a:solidFill>
-          <a:latin typeface="+mn-lt"/>
-          <a:ea typeface="+mn-ea"/>
-          <a:cs typeface="+mn-cs"/>
-        </a:defRPr>
-      </a:lvl1pPr>
-      <a:lvl2pPr marL="685800" indent="-228600" algn="l" defTabSz="914400" rtl="0" eaLnBrk="1" latinLnBrk="0" hangingPunct="1">
-        <a:lnSpc>
-          <a:spcPct val="90000"/>
-        </a:lnSpc>
-        <a:spcBef>
-          <a:spcPts val="500"/>
-        </a:spcBef>
-        <a:buFont typeface="Arial" panose="020B0604020202020204" pitchFamily="34" charset="0"/>
-        <a:buChar char="•"/>
-        <a:defRPr sz="2400" kern="1200">
-          <a:solidFill>
-            <a:schemeClr val="tx1"/>
-          </a:solidFill>
-          <a:latin typeface="+mn-lt"/>
-          <a:ea typeface="+mn-ea"/>
-          <a:cs typeface="+mn-cs"/>
-        </a:defRPr>
-      </a:lvl2pPr>
-      <a:lvl3pPr marL="1143000" indent="-228600" algn="l" defTabSz="914400" rtl="0" eaLnBrk="1" latinLnBrk="0" hangingPunct="1">
-        <a:lnSpc>
-          <a:spcPct val="90000"/>
-        </a:lnSpc>
-        <a:spcBef>
-          <a:spcPts val="500"/>
-        </a:spcBef>
-        <a:buFont typeface="Arial" panose="020B0604020202020204" pitchFamily="34" charset="0"/>
-        <a:buChar char="•"/>
-        <a:defRPr sz="2000" kern="1200">
-          <a:solidFill>
-            <a:schemeClr val="tx1"/>
-          </a:solidFill>
-          <a:latin typeface="+mn-lt"/>
-          <a:ea typeface="+mn-ea"/>
-          <a:cs typeface="+mn-cs"/>
-        </a:defRPr>
-      </a:lvl3pPr>
-      <a:lvl4pPr marL="1600200" indent="-228600" algn="l" defTabSz="914400" rtl="0" eaLnBrk="1" latinLnBrk="0" hangingPunct="1">
-        <a:lnSpc>
-          <a:spcPct val="90000"/>
-        </a:lnSpc>
-        <a:spcBef>
-          <a:spcPts val="500"/>
-        </a:spcBef>
-        <a:buFont typeface="Arial" panose="020B0604020202020204" pitchFamily="34" charset="0"/>
-        <a:buChar char="•"/>
-        <a:defRPr sz="1800" kern="1200">
-          <a:solidFill>
-            <a:schemeClr val="tx1"/>
-          </a:solidFill>
-          <a:latin typeface="+mn-lt"/>
-          <a:ea typeface="+mn-ea"/>
-          <a:cs typeface="+mn-cs"/>
-        </a:defRPr>
-      </a:lvl4pPr>
-      <a:lvl5pPr marL="2057400" indent="-228600" algn="l" defTabSz="914400" rtl="0" eaLnBrk="1" latinLnBrk="0" hangingPunct="1">
-        <a:lnSpc>
-          <a:spcPct val="90000"/>
-        </a:lnSpc>
-        <a:spcBef>
-          <a:spcPts val="500"/>
-        </a:spcBef>
-        <a:buFont typeface="Arial" panose="020B0604020202020204" pitchFamily="34" charset="0"/>
-        <a:buChar char="•"/>
-        <a:defRPr sz="1800" kern="1200">
-          <a:solidFill>
-            <a:schemeClr val="tx1"/>
-          </a:solidFill>
-          <a:latin typeface="+mn-lt"/>
-          <a:ea typeface="+mn-ea"/>
-          <a:cs typeface="+mn-cs"/>
-        </a:defRPr>
-      </a:lvl5pPr>
-      <a:lvl6pPr marL="2514600" indent="-228600" algn="l" defTabSz="914400" rtl="0" eaLnBrk="1" latinLnBrk="0" hangingPunct="1">
-        <a:lnSpc>
-          <a:spcPct val="90000"/>
-        </a:lnSpc>
-        <a:spcBef>
-          <a:spcPts val="500"/>
-        </a:spcBef>
-        <a:buFont typeface="Arial" panose="020B0604020202020204" pitchFamily="34" charset="0"/>
-        <a:buChar char="•"/>
-        <a:defRPr sz="1800" kern="1200">
-          <a:solidFill>
-            <a:schemeClr val="tx1"/>
-          </a:solidFill>
-          <a:latin typeface="+mn-lt"/>
-          <a:ea typeface="+mn-ea"/>
-          <a:cs typeface="+mn-cs"/>
-        </a:defRPr>
-      </a:lvl6pPr>
-      <a:lvl7pPr marL="2971800" indent="-228600" algn="l" defTabSz="914400" rtl="0" eaLnBrk="1" latinLnBrk="0" hangingPunct="1">
-        <a:lnSpc>
-          <a:spcPct val="90000"/>
-        </a:lnSpc>
-        <a:spcBef>
-          <a:spcPts val="500"/>
-        </a:spcBef>
-        <a:buFont typeface="Arial" panose="020B0604020202020204" pitchFamily="34" charset="0"/>
-        <a:buChar char="•"/>
-        <a:defRPr sz="1800" kern="1200">
-          <a:solidFill>
-            <a:schemeClr val="tx1"/>
-          </a:solidFill>
-          <a:latin typeface="+mn-lt"/>
-          <a:ea typeface="+mn-ea"/>
-          <a:cs typeface="+mn-cs"/>
-        </a:defRPr>
-      </a:lvl7pPr>
-      <a:lvl8pPr marL="3429000" indent="-228600" algn="l" defTabSz="914400" rtl="0" eaLnBrk="1" latinLnBrk="0" hangingPunct="1">
-        <a:lnSpc>
-          <a:spcPct val="90000"/>
-        </a:lnSpc>
-        <a:spcBef>
-          <a:spcPts val="500"/>
-        </a:spcBef>
-        <a:buFont typeface="Arial" panose="020B0604020202020204" pitchFamily="34" charset="0"/>
-        <a:buChar char="•"/>
-        <a:defRPr sz="1800" kern="1200">
-          <a:solidFill>
-            <a:schemeClr val="tx1"/>
-          </a:solidFill>
-          <a:latin typeface="+mn-lt"/>
-          <a:ea typeface="+mn-ea"/>
-          <a:cs typeface="+mn-cs"/>
-        </a:defRPr>
-      </a:lvl8pPr>
-      <a:lvl9pPr marL="3886200" indent="-228600" algn="l" defTabSz="914400" rtl="0" eaLnBrk="1" latinLnBrk="0" hangingPunct="1">
-        <a:lnSpc>
-          <a:spcPct val="90000"/>
-        </a:lnSpc>
-        <a:spcBef>
-          <a:spcPts val="500"/>
-        </a:spcBef>
-        <a:buFont typeface="Arial" panose="020B0604020202020204" pitchFamily="34" charset="0"/>
-        <a:buChar char="•"/>
-        <a:defRPr sz="1800" kern="1200">
-          <a:solidFill>
-            <a:schemeClr val="tx1"/>
-          </a:solidFill>
-          <a:latin typeface="+mn-lt"/>
-          <a:ea typeface="+mn-ea"/>
-          <a:cs typeface="+mn-cs"/>
-        </a:defRPr>
-      </a:lvl9pPr>
-    </p:bodyStyle>
-    <p:otherStyle>
-      <a:defPPr>
-        <a:defRPr lang="et-EE"/>
-      </a:defPPr>
-      <a:lvl1pPr marL="0" algn="l" defTabSz="914400" rtl="0" eaLnBrk="1" latinLnBrk="0" hangingPunct="1">
-        <a:defRPr sz="1800" kern="1200">
-          <a:solidFill>
-            <a:schemeClr val="tx1"/>
-          </a:solidFill>
-          <a:latin typeface="+mn-lt"/>
-          <a:ea typeface="+mn-ea"/>
-          <a:cs typeface="+mn-cs"/>
-        </a:defRPr>
-      </a:lvl1pPr>
-      <a:lvl2pPr marL="457200" algn="l" defTabSz="914400" rtl="0" eaLnBrk="1" latinLnBrk="0" hangingPunct="1">
-        <a:defRPr sz="1800" kern="1200">
-          <a:solidFill>
-            <a:schemeClr val="tx1"/>
-          </a:solidFill>
-          <a:latin typeface="+mn-lt"/>
-          <a:ea typeface="+mn-ea"/>
-          <a:cs typeface="+mn-cs"/>
-        </a:defRPr>
-      </a:lvl2pPr>
-      <a:lvl3pPr marL="914400" algn="l" defTabSz="914400" rtl="0" eaLnBrk="1" latinLnBrk="0" hangingPunct="1">
-        <a:defRPr sz="1800" kern="1200">
-          <a:solidFill>
-            <a:schemeClr val="tx1"/>
-          </a:solidFill>
-          <a:latin typeface="+mn-lt"/>
-          <a:ea typeface="+mn-ea"/>
-          <a:cs typeface="+mn-cs"/>
-        </a:defRPr>
-      </a:lvl3pPr>
-      <a:lvl4pPr marL="1371600" algn="l" defTabSz="914400" rtl="0" eaLnBrk="1" latinLnBrk="0" hangingPunct="1">
-        <a:defRPr sz="1800" kern="1200">
-          <a:solidFill>
-            <a:schemeClr val="tx1"/>
-          </a:solidFill>
-          <a:latin typeface="+mn-lt"/>
-          <a:ea typeface="+mn-ea"/>
-          <a:cs typeface="+mn-cs"/>
-        </a:defRPr>
-      </a:lvl4pPr>
-      <a:lvl5pPr marL="1828800" algn="l" defTabSz="914400" rtl="0" eaLnBrk="1" latinLnBrk="0" hangingPunct="1">
-        <a:defRPr sz="1800" kern="1200">
-          <a:solidFill>
-            <a:schemeClr val="tx1"/>
-          </a:solidFill>
-          <a:latin typeface="+mn-lt"/>
-          <a:ea typeface="+mn-ea"/>
-          <a:cs typeface="+mn-cs"/>
-        </a:defRPr>
-      </a:lvl5pPr>
-      <a:lvl6pPr marL="2286000" algn="l" defTabSz="914400" rtl="0" eaLnBrk="1" latinLnBrk="0" hangingPunct="1">
-        <a:defRPr sz="1800" kern="1200">
-          <a:solidFill>
-            <a:schemeClr val="tx1"/>
-          </a:solidFill>
-          <a:latin typeface="+mn-lt"/>
-          <a:ea typeface="+mn-ea"/>
-          <a:cs typeface="+mn-cs"/>
-        </a:defRPr>
-      </a:lvl6pPr>
-      <a:lvl7pPr marL="2743200" algn="l" defTabSz="914400" rtl="0" eaLnBrk="1" latinLnBrk="0" hangingPunct="1">
-        <a:defRPr sz="1800" kern="1200">
-          <a:solidFill>
-            <a:schemeClr val="tx1"/>
-          </a:solidFill>
-          <a:latin typeface="+mn-lt"/>
-          <a:ea typeface="+mn-ea"/>
-          <a:cs typeface="+mn-cs"/>
-        </a:defRPr>
-      </a:lvl7pPr>
-      <a:lvl8pPr marL="3200400" algn="l" defTabSz="914400" rtl="0" eaLnBrk="1" latinLnBrk="0" hangingPunct="1">
-        <a:defRPr sz="1800" kern="1200">
-          <a:solidFill>
-            <a:schemeClr val="tx1"/>
-          </a:solidFill>
-          <a:latin typeface="+mn-lt"/>
-          <a:ea typeface="+mn-ea"/>
-          <a:cs typeface="+mn-cs"/>
-        </a:defRPr>
-      </a:lvl8pPr>
-      <a:lvl9pPr marL="3657600" algn="l" defTabSz="914400" rtl="0" eaLnBrk="1" latinLnBrk="0" hangingPunct="1">
-        <a:defRPr sz="1800" kern="1200">
-          <a:solidFill>
-            <a:schemeClr val="tx1"/>
-          </a:solidFill>
-          <a:latin typeface="+mn-lt"/>
-          <a:ea typeface="+mn-ea"/>
-          <a:cs typeface="+mn-cs"/>
-        </a:defRPr>
-      </a:lvl9pPr>
-    </p:otherStyle>
-  </p:txStyles>
-</p:sldMaster>
-</file>
-
-<file path=ppt/slideMasters/slideMaster4.xml><?xml version="1.0" encoding="utf-8"?>
-<p:sldMaster xmlns:a="http://schemas.openxmlformats.org/drawingml/2006/main" xmlns:r="http://schemas.openxmlformats.org/officeDocument/2006/relationships" xmlns:p="http://schemas.openxmlformats.org/presentationml/2006/main">
-  <p:cSld>
-    <p:bg>
-      <p:bgPr>
-        <a:solidFill>
-          <a:srgbClr val="FFFFFF"/>
-        </a:solidFill>
-        <a:effectLst/>
-      </p:bgPr>
-    </p:bg>
-    <p:spTree>
-      <p:nvGrpSpPr>
-        <p:cNvPr id="1" name=""/>
-        <p:cNvGrpSpPr/>
-        <p:nvPr/>
-      </p:nvGrpSpPr>
-      <p:grpSpPr>
-        <a:xfrm>
-          <a:off x="0" y="0"/>
-          <a:ext cx="0" cy="0"/>
-          <a:chOff x="0" y="0"/>
-          <a:chExt cx="0" cy="0"/>
-        </a:xfrm>
-      </p:grpSpPr>
-      <p:pic>
-        <p:nvPicPr>
           <p:cNvPr id="121" name="Picture 4"/>
           <p:cNvPicPr/>
           <p:nvPr/>
@@ -12961,7 +10624,7 @@
 </p:sldMaster>
 </file>
 
-<file path=ppt/slideMasters/slideMaster5.xml><?xml version="1.0" encoding="utf-8"?>
+<file path=ppt/slideMasters/slideMaster4.xml><?xml version="1.0" encoding="utf-8"?>
 <p:sldMaster xmlns:a="http://schemas.openxmlformats.org/drawingml/2006/main" xmlns:r="http://schemas.openxmlformats.org/officeDocument/2006/relationships" xmlns:p="http://schemas.openxmlformats.org/presentationml/2006/main">
   <p:cSld>
     <p:bg>
@@ -16576,94 +14239,6 @@
       </p:grpSpPr>
       <p:sp>
         <p:nvSpPr>
-          <p:cNvPr id="2" name="Title 1"/>
-          <p:cNvSpPr>
-            <a:spLocks noGrp="1"/>
-          </p:cNvSpPr>
-          <p:nvPr>
-            <p:ph type="title"/>
-          </p:nvPr>
-        </p:nvSpPr>
-        <p:spPr/>
-        <p:txBody>
-          <a:bodyPr/>
-          <a:lstStyle/>
-          <a:p>
-            <a:r>
-              <a:rPr lang="en-US" spc="-1" dirty="0" err="1">
-                <a:solidFill>
-                  <a:srgbClr val="FC0D1B"/>
-                </a:solidFill>
-                <a:uFill>
-                  <a:solidFill>
-                    <a:srgbClr val="FFFFFF"/>
-                  </a:solidFill>
-                </a:uFill>
-                <a:latin typeface="Calibri Light"/>
-              </a:rPr>
-              <a:t>Saame</a:t>
-            </a:r>
-            <a:r>
-              <a:rPr lang="en-US" spc="-1" dirty="0">
-                <a:solidFill>
-                  <a:srgbClr val="FC0D1B"/>
-                </a:solidFill>
-                <a:uFill>
-                  <a:solidFill>
-                    <a:srgbClr val="FFFFFF"/>
-                  </a:solidFill>
-                </a:uFill>
-                <a:latin typeface="Calibri Light"/>
-              </a:rPr>
-              <a:t> </a:t>
-            </a:r>
-            <a:r>
-              <a:rPr lang="en-US" spc="-1" dirty="0" err="1">
-                <a:solidFill>
-                  <a:srgbClr val="FC0D1B"/>
-                </a:solidFill>
-                <a:uFill>
-                  <a:solidFill>
-                    <a:srgbClr val="FFFFFF"/>
-                  </a:solidFill>
-                </a:uFill>
-                <a:latin typeface="Calibri Light"/>
-              </a:rPr>
-              <a:t>tuttavaks</a:t>
-            </a:r>
-            <a:r>
-              <a:rPr lang="en-US" spc="-1" dirty="0">
-                <a:solidFill>
-                  <a:srgbClr val="000000"/>
-                </a:solidFill>
-                <a:uFill>
-                  <a:solidFill>
-                    <a:srgbClr val="FFFFFF"/>
-                  </a:solidFill>
-                </a:uFill>
-                <a:latin typeface="DejaVu Sans"/>
-              </a:rPr>
-              <a:t/>
-            </a:r>
-            <a:br>
-              <a:rPr lang="en-US" spc="-1" dirty="0">
-                <a:solidFill>
-                  <a:srgbClr val="000000"/>
-                </a:solidFill>
-                <a:uFill>
-                  <a:solidFill>
-                    <a:srgbClr val="FFFFFF"/>
-                  </a:solidFill>
-                </a:uFill>
-                <a:latin typeface="DejaVu Sans"/>
-              </a:rPr>
-            </a:br>
-            <a:endParaRPr lang="et-EE" dirty="0"/>
-          </a:p>
-        </p:txBody>
-      </p:sp>
-      <p:sp>
-        <p:nvSpPr>
           <p:cNvPr id="3" name="Subtitle 2"/>
           <p:cNvSpPr>
             <a:spLocks noGrp="1"/>
@@ -17027,7 +14602,7 @@
               <a:t>oskusi</a:t>
             </a:r>
             <a:r>
-              <a:rPr lang="en-US" spc="-1" smtClean="0">
+              <a:rPr lang="en-US" spc="-1" dirty="0" smtClean="0">
                 <a:solidFill>
                   <a:srgbClr val="595959"/>
                 </a:solidFill>
@@ -17040,6 +14615,94 @@
               </a:rPr>
               <a:t>;</a:t>
             </a:r>
+            <a:endParaRPr lang="et-EE" dirty="0"/>
+          </a:p>
+        </p:txBody>
+      </p:sp>
+      <p:sp>
+        <p:nvSpPr>
+          <p:cNvPr id="2" name="Title 1"/>
+          <p:cNvSpPr>
+            <a:spLocks noGrp="1"/>
+          </p:cNvSpPr>
+          <p:nvPr>
+            <p:ph type="title"/>
+          </p:nvPr>
+        </p:nvSpPr>
+        <p:spPr/>
+        <p:txBody>
+          <a:bodyPr/>
+          <a:lstStyle/>
+          <a:p>
+            <a:r>
+              <a:rPr lang="en-US" spc="-1" dirty="0" err="1">
+                <a:solidFill>
+                  <a:srgbClr val="FC0D1B"/>
+                </a:solidFill>
+                <a:uFill>
+                  <a:solidFill>
+                    <a:srgbClr val="FFFFFF"/>
+                  </a:solidFill>
+                </a:uFill>
+                <a:latin typeface="Calibri Light"/>
+              </a:rPr>
+              <a:t>Saame</a:t>
+            </a:r>
+            <a:r>
+              <a:rPr lang="en-US" spc="-1" dirty="0">
+                <a:solidFill>
+                  <a:srgbClr val="FC0D1B"/>
+                </a:solidFill>
+                <a:uFill>
+                  <a:solidFill>
+                    <a:srgbClr val="FFFFFF"/>
+                  </a:solidFill>
+                </a:uFill>
+                <a:latin typeface="Calibri Light"/>
+              </a:rPr>
+              <a:t> </a:t>
+            </a:r>
+            <a:r>
+              <a:rPr lang="en-US" spc="-1" dirty="0" err="1">
+                <a:solidFill>
+                  <a:srgbClr val="FC0D1B"/>
+                </a:solidFill>
+                <a:uFill>
+                  <a:solidFill>
+                    <a:srgbClr val="FFFFFF"/>
+                  </a:solidFill>
+                </a:uFill>
+                <a:latin typeface="Calibri Light"/>
+              </a:rPr>
+              <a:t>tuttavaks</a:t>
+            </a:r>
+            <a:r>
+              <a:rPr lang="en-US" spc="-1" dirty="0">
+                <a:solidFill>
+                  <a:srgbClr val="000000"/>
+                </a:solidFill>
+                <a:uFill>
+                  <a:solidFill>
+                    <a:srgbClr val="FFFFFF"/>
+                  </a:solidFill>
+                </a:uFill>
+                <a:latin typeface="DejaVu Sans"/>
+              </a:rPr>
+              <a:t/>
+            </a:r>
+            <a:br>
+              <a:rPr lang="en-US" spc="-1" dirty="0">
+                <a:solidFill>
+                  <a:srgbClr val="000000"/>
+                </a:solidFill>
+                <a:uFill>
+                  <a:solidFill>
+                    <a:srgbClr val="FFFFFF"/>
+                  </a:solidFill>
+                </a:uFill>
+                <a:latin typeface="DejaVu Sans"/>
+              </a:rPr>
+            </a:br>
             <a:endParaRPr lang="et-EE" dirty="0"/>
           </a:p>
         </p:txBody>
@@ -19837,229 +17500,4 @@
   <a:objectDefaults/>
   <a:extraClrSchemeLst/>
 </a:theme>
-</file>
-
-<file path=ppt/theme/theme6.xml><?xml version="1.0" encoding="utf-8"?>
-<a:theme xmlns:a="http://schemas.openxmlformats.org/drawingml/2006/main" name="Office Theme">
-  <a:themeElements>
-    <a:clrScheme name="Office">
-      <a:dk1>
-        <a:sysClr val="windowText" lastClr="000000"/>
-      </a:dk1>
-      <a:lt1>
-        <a:sysClr val="window" lastClr="FFFFFF"/>
-      </a:lt1>
-      <a:dk2>
-        <a:srgbClr val="1F497D"/>
-      </a:dk2>
-      <a:lt2>
-        <a:srgbClr val="EEECE1"/>
-      </a:lt2>
-      <a:accent1>
-        <a:srgbClr val="4F81BD"/>
-      </a:accent1>
-      <a:accent2>
-        <a:srgbClr val="C0504D"/>
-      </a:accent2>
-      <a:accent3>
-        <a:srgbClr val="9BBB59"/>
-      </a:accent3>
-      <a:accent4>
-        <a:srgbClr val="8064A2"/>
-      </a:accent4>
-      <a:accent5>
-        <a:srgbClr val="4BACC6"/>
-      </a:accent5>
-      <a:accent6>
-        <a:srgbClr val="F79646"/>
-      </a:accent6>
-      <a:hlink>
-        <a:srgbClr val="0000FF"/>
-      </a:hlink>
-      <a:folHlink>
-        <a:srgbClr val="800080"/>
-      </a:folHlink>
-    </a:clrScheme>
-    <a:fontScheme name="Office">
-      <a:majorFont>
-        <a:latin typeface="Arial"/>
-        <a:ea typeface="DejaVu Sans"/>
-        <a:cs typeface="DejaVu Sans"/>
-      </a:majorFont>
-      <a:minorFont>
-        <a:latin typeface="Arial"/>
-        <a:ea typeface="DejaVu Sans"/>
-        <a:cs typeface="DejaVu Sans"/>
-      </a:minorFont>
-    </a:fontScheme>
-    <a:fmtScheme name="Office">
-      <a:fillStyleLst>
-        <a:solidFill>
-          <a:schemeClr val="phClr"/>
-        </a:solidFill>
-        <a:gradFill rotWithShape="1">
-          <a:gsLst>
-            <a:gs pos="0">
-              <a:schemeClr val="phClr">
-                <a:tint val="50000"/>
-                <a:satMod val="300000"/>
-              </a:schemeClr>
-            </a:gs>
-            <a:gs pos="35000">
-              <a:schemeClr val="phClr">
-                <a:tint val="37000"/>
-                <a:satMod val="300000"/>
-              </a:schemeClr>
-            </a:gs>
-            <a:gs pos="100000">
-              <a:schemeClr val="phClr">
-                <a:tint val="15000"/>
-                <a:satMod val="350000"/>
-              </a:schemeClr>
-            </a:gs>
-          </a:gsLst>
-          <a:lin ang="16200000" scaled="1"/>
-        </a:gradFill>
-        <a:gradFill rotWithShape="1">
-          <a:gsLst>
-            <a:gs pos="0">
-              <a:schemeClr val="phClr">
-                <a:shade val="51000"/>
-                <a:satMod val="130000"/>
-              </a:schemeClr>
-            </a:gs>
-            <a:gs pos="80000">
-              <a:schemeClr val="phClr">
-                <a:shade val="93000"/>
-                <a:satMod val="130000"/>
-              </a:schemeClr>
-            </a:gs>
-            <a:gs pos="100000">
-              <a:schemeClr val="phClr">
-                <a:shade val="94000"/>
-                <a:satMod val="135000"/>
-              </a:schemeClr>
-            </a:gs>
-          </a:gsLst>
-          <a:lin ang="16200000" scaled="0"/>
-        </a:gradFill>
-      </a:fillStyleLst>
-      <a:lnStyleLst>
-        <a:ln w="9525" cap="flat" cmpd="sng" algn="ctr">
-          <a:solidFill>
-            <a:schemeClr val="phClr">
-              <a:shade val="95000"/>
-              <a:satMod val="105000"/>
-            </a:schemeClr>
-          </a:solidFill>
-          <a:prstDash val="solid"/>
-        </a:ln>
-        <a:ln w="25400" cap="flat" cmpd="sng" algn="ctr">
-          <a:solidFill>
-            <a:schemeClr val="phClr"/>
-          </a:solidFill>
-          <a:prstDash val="solid"/>
-        </a:ln>
-        <a:ln w="38100" cap="flat" cmpd="sng" algn="ctr">
-          <a:solidFill>
-            <a:schemeClr val="phClr"/>
-          </a:solidFill>
-          <a:prstDash val="solid"/>
-        </a:ln>
-      </a:lnStyleLst>
-      <a:effectStyleLst>
-        <a:effectStyle>
-          <a:effectLst>
-            <a:outerShdw blurRad="40000" dist="20000" dir="5400000" rotWithShape="0">
-              <a:srgbClr val="000000">
-                <a:alpha val="38000"/>
-              </a:srgbClr>
-            </a:outerShdw>
-          </a:effectLst>
-        </a:effectStyle>
-        <a:effectStyle>
-          <a:effectLst>
-            <a:outerShdw blurRad="40000" dist="23000" dir="5400000" rotWithShape="0">
-              <a:srgbClr val="000000">
-                <a:alpha val="35000"/>
-              </a:srgbClr>
-            </a:outerShdw>
-          </a:effectLst>
-        </a:effectStyle>
-        <a:effectStyle>
-          <a:effectLst>
-            <a:outerShdw blurRad="40000" dist="23000" dir="5400000" rotWithShape="0">
-              <a:srgbClr val="000000">
-                <a:alpha val="35000"/>
-              </a:srgbClr>
-            </a:outerShdw>
-          </a:effectLst>
-          <a:scene3d>
-            <a:camera prst="orthographicFront">
-              <a:rot lat="0" lon="0" rev="0"/>
-            </a:camera>
-            <a:lightRig rig="threePt" dir="t">
-              <a:rot lat="0" lon="0" rev="1200000"/>
-            </a:lightRig>
-          </a:scene3d>
-          <a:sp3d>
-            <a:bevelT w="63500" h="25400"/>
-          </a:sp3d>
-        </a:effectStyle>
-      </a:effectStyleLst>
-      <a:bgFillStyleLst>
-        <a:solidFill>
-          <a:schemeClr val="phClr"/>
-        </a:solidFill>
-        <a:gradFill rotWithShape="1">
-          <a:gsLst>
-            <a:gs pos="0">
-              <a:schemeClr val="phClr">
-                <a:tint val="40000"/>
-                <a:satMod val="350000"/>
-              </a:schemeClr>
-            </a:gs>
-            <a:gs pos="40000">
-              <a:schemeClr val="phClr">
-                <a:tint val="45000"/>
-                <a:shade val="99000"/>
-                <a:satMod val="350000"/>
-              </a:schemeClr>
-            </a:gs>
-            <a:gs pos="100000">
-              <a:schemeClr val="phClr">
-                <a:shade val="20000"/>
-                <a:satMod val="255000"/>
-              </a:schemeClr>
-            </a:gs>
-          </a:gsLst>
-          <a:path path="circle">
-            <a:fillToRect l="50000" t="-80000" r="50000" b="180000"/>
-          </a:path>
-        </a:gradFill>
-        <a:gradFill rotWithShape="1">
-          <a:gsLst>
-            <a:gs pos="0">
-              <a:schemeClr val="phClr">
-                <a:tint val="80000"/>
-                <a:satMod val="300000"/>
-              </a:schemeClr>
-            </a:gs>
-            <a:gs pos="100000">
-              <a:schemeClr val="phClr">
-                <a:shade val="30000"/>
-                <a:satMod val="200000"/>
-              </a:schemeClr>
-            </a:gs>
-          </a:gsLst>
-          <a:path path="circle">
-            <a:fillToRect l="50000" t="50000" r="50000" b="50000"/>
-          </a:path>
-        </a:gradFill>
-      </a:bgFillStyleLst>
-    </a:fmtScheme>
-  </a:themeElements>
-  <a:objectDefaults/>
-  <a:extraClrSchemeLst/>
-</a:theme>
 </file>
--- a/Front_end_koolitus.pptx
+++ b/Front_end_koolitus.pptx
@@ -15,8 +15,8 @@
     <p:sldId id="257" r:id="rId6"/>
     <p:sldId id="258" r:id="rId7"/>
     <p:sldId id="259" r:id="rId8"/>
-    <p:sldId id="268" r:id="rId9"/>
-    <p:sldId id="260" r:id="rId10"/>
+    <p:sldId id="260" r:id="rId9"/>
+    <p:sldId id="269" r:id="rId10"/>
     <p:sldId id="266" r:id="rId11"/>
     <p:sldId id="267" r:id="rId12"/>
     <p:sldId id="261" r:id="rId13"/>
@@ -626,6 +626,193 @@
       </p:grpSpPr>
       <p:sp>
         <p:nvSpPr>
+          <p:cNvPr id="244" name="PlaceHolder 1"/>
+          <p:cNvSpPr>
+            <a:spLocks noGrp="1"/>
+          </p:cNvSpPr>
+          <p:nvPr>
+            <p:ph type="body"/>
+          </p:nvPr>
+        </p:nvSpPr>
+        <p:spPr>
+          <a:xfrm>
+            <a:off x="685800" y="4400640"/>
+            <a:ext cx="5485680" cy="3599640"/>
+          </a:xfrm>
+          <a:prstGeom prst="rect">
+            <a:avLst/>
+          </a:prstGeom>
+        </p:spPr>
+        <p:txBody>
+          <a:bodyPr lIns="0" tIns="0" rIns="0" bIns="0"/>
+          <a:lstStyle/>
+          <a:p>
+            <a:r>
+              <a:rPr lang="en-US" sz="2000" b="0" strike="noStrike" spc="-1">
+                <a:solidFill>
+                  <a:srgbClr val="000000"/>
+                </a:solidFill>
+                <a:uFill>
+                  <a:solidFill>
+                    <a:srgbClr val="FFFFFF"/>
+                  </a:solidFill>
+                </a:uFill>
+                <a:latin typeface="DejaVu Sans"/>
+              </a:rPr>
+              <a:t>Lõunasüsteem on nii, et sekretär annab igal päeval talongid Sina+õppijate arv, talongi väärtus 6 eur ja kehtib lähedalasuvates söögikohtades.</a:t>
+            </a:r>
+          </a:p>
+          <a:p>
+            <a:r>
+              <a:rPr lang="en-US" sz="2000" b="0" strike="noStrike" spc="-1">
+                <a:solidFill>
+                  <a:srgbClr val="000000"/>
+                </a:solidFill>
+                <a:uFill>
+                  <a:solidFill>
+                    <a:srgbClr val="FFFFFF"/>
+                  </a:solidFill>
+                </a:uFill>
+                <a:latin typeface="DejaVu Sans"/>
+              </a:rPr>
+              <a:t>Suitsetamise koht on väljas maja nurgas, sees kusagil suitsu teha ei saa.</a:t>
+            </a:r>
+          </a:p>
+          <a:p>
+            <a:r>
+              <a:rPr lang="en-US" sz="2000" b="0" strike="noStrike" spc="-1">
+                <a:solidFill>
+                  <a:srgbClr val="000000"/>
+                </a:solidFill>
+                <a:uFill>
+                  <a:solidFill>
+                    <a:srgbClr val="FFFFFF"/>
+                  </a:solidFill>
+                </a:uFill>
+                <a:latin typeface="DejaVu Sans"/>
+              </a:rPr>
+              <a:t>Kohvi ja snäkke võib kööginurgast igal ajal julgelt võtta palju kulub ja ok on klassi kaasa võtta.</a:t>
+            </a:r>
+          </a:p>
+          <a:p>
+            <a:r>
+              <a:rPr lang="en-US" sz="2000" b="0" strike="noStrike" spc="-1">
+                <a:solidFill>
+                  <a:srgbClr val="000000"/>
+                </a:solidFill>
+                <a:uFill>
+                  <a:solidFill>
+                    <a:srgbClr val="FFFFFF"/>
+                  </a:solidFill>
+                </a:uFill>
+                <a:latin typeface="DejaVu Sans"/>
+              </a:rPr>
+              <a:t>Parklas EP90 on parkimine tasuta, aga tuleb iga päev autonumber meie juures terminali sisestada.</a:t>
+            </a:r>
+          </a:p>
+        </p:txBody>
+      </p:sp>
+      <p:sp>
+        <p:nvSpPr>
+          <p:cNvPr id="245" name="CustomShape 2"/>
+          <p:cNvSpPr/>
+          <p:nvPr/>
+        </p:nvSpPr>
+        <p:spPr>
+          <a:xfrm>
+            <a:off x="3884760" y="8685360"/>
+            <a:ext cx="2971080" cy="457920"/>
+          </a:xfrm>
+          <a:prstGeom prst="rect">
+            <a:avLst/>
+          </a:prstGeom>
+          <a:noFill/>
+          <a:ln>
+            <a:noFill/>
+          </a:ln>
+        </p:spPr>
+        <p:style>
+          <a:lnRef idx="0">
+            <a:scrgbClr r="0" g="0" b="0"/>
+          </a:lnRef>
+          <a:fillRef idx="0">
+            <a:scrgbClr r="0" g="0" b="0"/>
+          </a:fillRef>
+          <a:effectRef idx="0">
+            <a:scrgbClr r="0" g="0" b="0"/>
+          </a:effectRef>
+          <a:fontRef idx="minor"/>
+        </p:style>
+        <p:txBody>
+          <a:bodyPr lIns="90000" tIns="45000" rIns="90000" bIns="45000" anchor="b"/>
+          <a:lstStyle/>
+          <a:p>
+            <a:pPr algn="r">
+              <a:lnSpc>
+                <a:spcPct val="100000"/>
+              </a:lnSpc>
+            </a:pPr>
+            <a:fld id="{DDFC10E9-96C9-4E54-B1BA-C96A8B01ED7C}" type="slidenum">
+              <a:rPr lang="en-US" sz="1200" b="0" strike="noStrike" spc="-1">
+                <a:solidFill>
+                  <a:srgbClr val="000000"/>
+                </a:solidFill>
+                <a:uFill>
+                  <a:solidFill>
+                    <a:srgbClr val="FFFFFF"/>
+                  </a:solidFill>
+                </a:uFill>
+                <a:latin typeface="+mn-lt"/>
+                <a:ea typeface="+mn-ea"/>
+              </a:rPr>
+              <a:t>11</a:t>
+            </a:fld>
+            <a:endParaRPr lang="en-US" sz="1200" b="0" strike="noStrike" spc="-1">
+              <a:solidFill>
+                <a:srgbClr val="000000"/>
+              </a:solidFill>
+              <a:uFill>
+                <a:solidFill>
+                  <a:srgbClr val="FFFFFF"/>
+                </a:solidFill>
+              </a:uFill>
+              <a:latin typeface="DejaVu Sans"/>
+            </a:endParaRPr>
+          </a:p>
+        </p:txBody>
+      </p:sp>
+    </p:spTree>
+    <p:extLst>
+      <p:ext uri="{BB962C8B-B14F-4D97-AF65-F5344CB8AC3E}">
+        <p14:creationId xmlns:p14="http://schemas.microsoft.com/office/powerpoint/2010/main" val="371318902"/>
+      </p:ext>
+    </p:extLst>
+  </p:cSld>
+  <p:clrMapOvr>
+    <a:masterClrMapping/>
+  </p:clrMapOvr>
+</p:notes>
+</file>
+
+<file path=ppt/notesSlides/notesSlide11.xml><?xml version="1.0" encoding="utf-8"?>
+<p:notes xmlns:a="http://schemas.openxmlformats.org/drawingml/2006/main" xmlns:r="http://schemas.openxmlformats.org/officeDocument/2006/relationships" xmlns:p="http://schemas.openxmlformats.org/presentationml/2006/main">
+  <p:cSld>
+    <p:spTree>
+      <p:nvGrpSpPr>
+        <p:cNvPr id="1" name=""/>
+        <p:cNvGrpSpPr/>
+        <p:nvPr/>
+      </p:nvGrpSpPr>
+      <p:grpSpPr>
+        <a:xfrm>
+          <a:off x="0" y="0"/>
+          <a:ext cx="0" cy="0"/>
+          <a:chOff x="0" y="0"/>
+          <a:chExt cx="0" cy="0"/>
+        </a:xfrm>
+      </p:grpSpPr>
+      <p:sp>
+        <p:nvSpPr>
           <p:cNvPr id="246" name="PlaceHolder 1"/>
           <p:cNvSpPr>
             <a:spLocks noGrp="1"/>
@@ -1131,7 +1318,7 @@
                 <a:latin typeface="+mn-lt"/>
                 <a:ea typeface="+mn-ea"/>
               </a:rPr>
-              <a:t>6</a:t>
+              <a:t>5</a:t>
             </a:fld>
             <a:endParaRPr lang="en-US" sz="1200" b="0" strike="noStrike" spc="-1">
               <a:solidFill>
@@ -1270,7 +1457,7 @@
                 <a:latin typeface="+mn-lt"/>
                 <a:ea typeface="+mn-ea"/>
               </a:rPr>
-              <a:t>7</a:t>
+              <a:t>6</a:t>
             </a:fld>
             <a:endParaRPr lang="en-US" sz="1200" b="0" strike="noStrike" spc="-1">
               <a:solidFill>
@@ -1289,7 +1476,7 @@
     </p:spTree>
     <p:extLst>
       <p:ext uri="{BB962C8B-B14F-4D97-AF65-F5344CB8AC3E}">
-        <p14:creationId xmlns:p14="http://schemas.microsoft.com/office/powerpoint/2010/main" val="3535457683"/>
+        <p14:creationId xmlns:p14="http://schemas.microsoft.com/office/powerpoint/2010/main" val="3978290949"/>
       </p:ext>
     </p:extLst>
   </p:cSld>
@@ -1409,7 +1596,7 @@
                 <a:latin typeface="+mn-lt"/>
                 <a:ea typeface="+mn-ea"/>
               </a:rPr>
-              <a:t>8</a:t>
+              <a:t>7</a:t>
             </a:fld>
             <a:endParaRPr lang="en-US" sz="1200" b="0" strike="noStrike" spc="-1">
               <a:solidFill>
@@ -1428,7 +1615,7 @@
     </p:spTree>
     <p:extLst>
       <p:ext uri="{BB962C8B-B14F-4D97-AF65-F5344CB8AC3E}">
-        <p14:creationId xmlns:p14="http://schemas.microsoft.com/office/powerpoint/2010/main" val="1537415598"/>
+        <p14:creationId xmlns:p14="http://schemas.microsoft.com/office/powerpoint/2010/main" val="3535457683"/>
       </p:ext>
     </p:extLst>
   </p:cSld>
@@ -1457,7 +1644,7 @@
       </p:grpSpPr>
       <p:sp>
         <p:nvSpPr>
-          <p:cNvPr id="240" name="PlaceHolder 1"/>
+          <p:cNvPr id="238" name="PlaceHolder 1"/>
           <p:cNvSpPr>
             <a:spLocks noGrp="1"/>
           </p:cNvSpPr>
@@ -1490,14 +1677,14 @@
                 </a:uFill>
                 <a:latin typeface="DejaVu Sans"/>
               </a:rPr>
-              <a:t>Hetkel slaidil meie nö vaikimisi päevaplaan</a:t>
+              <a:t>Koht, kus annad sõna osalejale – millist infot neilt enne koolituse algust soovid</a:t>
             </a:r>
           </a:p>
         </p:txBody>
       </p:sp>
       <p:sp>
         <p:nvSpPr>
-          <p:cNvPr id="241" name="CustomShape 2"/>
+          <p:cNvPr id="239" name="CustomShape 2"/>
           <p:cNvSpPr/>
           <p:nvPr/>
         </p:nvSpPr>
@@ -1535,7 +1722,7 @@
                 <a:spcPct val="100000"/>
               </a:lnSpc>
             </a:pPr>
-            <a:fld id="{9A65CC69-6773-42CC-A584-C943A68AD7F4}" type="slidenum">
+            <a:fld id="{359CF65B-057D-467C-8418-0E38A90564D0}" type="slidenum">
               <a:rPr lang="en-US" sz="1200" b="0" strike="noStrike" spc="-1">
                 <a:solidFill>
                   <a:srgbClr val="000000"/>
@@ -1548,7 +1735,7 @@
                 <a:latin typeface="+mn-lt"/>
                 <a:ea typeface="+mn-ea"/>
               </a:rPr>
-              <a:t>9</a:t>
+              <a:t>8</a:t>
             </a:fld>
             <a:endParaRPr lang="en-US" sz="1200" b="0" strike="noStrike" spc="-1">
               <a:solidFill>
@@ -1567,7 +1754,7 @@
     </p:spTree>
     <p:extLst>
       <p:ext uri="{BB962C8B-B14F-4D97-AF65-F5344CB8AC3E}">
-        <p14:creationId xmlns:p14="http://schemas.microsoft.com/office/powerpoint/2010/main" val="392307661"/>
+        <p14:creationId xmlns:p14="http://schemas.microsoft.com/office/powerpoint/2010/main" val="1537415598"/>
       </p:ext>
     </p:extLst>
   </p:cSld>
@@ -1596,7 +1783,7 @@
       </p:grpSpPr>
       <p:sp>
         <p:nvSpPr>
-          <p:cNvPr id="242" name="PlaceHolder 1"/>
+          <p:cNvPr id="240" name="PlaceHolder 1"/>
           <p:cNvSpPr>
             <a:spLocks noGrp="1"/>
           </p:cNvSpPr>
@@ -1629,14 +1816,14 @@
                 </a:uFill>
                 <a:latin typeface="DejaVu Sans"/>
               </a:rPr>
-              <a:t>Põgusalt koolituse teemad, mida koolitusel käsitletakse.</a:t>
+              <a:t>Hetkel slaidil meie nö vaikimisi päevaplaan</a:t>
             </a:r>
           </a:p>
         </p:txBody>
       </p:sp>
       <p:sp>
         <p:nvSpPr>
-          <p:cNvPr id="243" name="CustomShape 2"/>
+          <p:cNvPr id="241" name="CustomShape 2"/>
           <p:cNvSpPr/>
           <p:nvPr/>
         </p:nvSpPr>
@@ -1674,7 +1861,7 @@
                 <a:spcPct val="100000"/>
               </a:lnSpc>
             </a:pPr>
-            <a:fld id="{BA1D8E63-3816-4B55-8AF3-CA0E0432D9BF}" type="slidenum">
+            <a:fld id="{9A65CC69-6773-42CC-A584-C943A68AD7F4}" type="slidenum">
               <a:rPr lang="en-US" sz="1200" b="0" strike="noStrike" spc="-1">
                 <a:solidFill>
                   <a:srgbClr val="000000"/>
@@ -1687,7 +1874,7 @@
                 <a:latin typeface="+mn-lt"/>
                 <a:ea typeface="+mn-ea"/>
               </a:rPr>
-              <a:t>10</a:t>
+              <a:t>9</a:t>
             </a:fld>
             <a:endParaRPr lang="en-US" sz="1200" b="0" strike="noStrike" spc="-1">
               <a:solidFill>
@@ -1706,7 +1893,7 @@
     </p:spTree>
     <p:extLst>
       <p:ext uri="{BB962C8B-B14F-4D97-AF65-F5344CB8AC3E}">
-        <p14:creationId xmlns:p14="http://schemas.microsoft.com/office/powerpoint/2010/main" val="193537136"/>
+        <p14:creationId xmlns:p14="http://schemas.microsoft.com/office/powerpoint/2010/main" val="392307661"/>
       </p:ext>
     </p:extLst>
   </p:cSld>
@@ -1735,7 +1922,7 @@
       </p:grpSpPr>
       <p:sp>
         <p:nvSpPr>
-          <p:cNvPr id="244" name="PlaceHolder 1"/>
+          <p:cNvPr id="242" name="PlaceHolder 1"/>
           <p:cNvSpPr>
             <a:spLocks noGrp="1"/>
           </p:cNvSpPr>
@@ -1768,62 +1955,14 @@
                 </a:uFill>
                 <a:latin typeface="DejaVu Sans"/>
               </a:rPr>
-              <a:t>Lõunasüsteem on nii, et sekretär annab igal päeval talongid Sina+õppijate arv, talongi väärtus 6 eur ja kehtib lähedalasuvates söögikohtades.</a:t>
+              <a:t>Põgusalt koolituse teemad, mida koolitusel käsitletakse.</a:t>
             </a:r>
           </a:p>
-          <a:p>
-            <a:r>
-              <a:rPr lang="en-US" sz="2000" b="0" strike="noStrike" spc="-1">
-                <a:solidFill>
-                  <a:srgbClr val="000000"/>
-                </a:solidFill>
-                <a:uFill>
-                  <a:solidFill>
-                    <a:srgbClr val="FFFFFF"/>
-                  </a:solidFill>
-                </a:uFill>
-                <a:latin typeface="DejaVu Sans"/>
-              </a:rPr>
-              <a:t>Suitsetamise koht on väljas maja nurgas, sees kusagil suitsu teha ei saa.</a:t>
-            </a:r>
-          </a:p>
-          <a:p>
-            <a:r>
-              <a:rPr lang="en-US" sz="2000" b="0" strike="noStrike" spc="-1">
-                <a:solidFill>
-                  <a:srgbClr val="000000"/>
-                </a:solidFill>
-                <a:uFill>
-                  <a:solidFill>
-                    <a:srgbClr val="FFFFFF"/>
-                  </a:solidFill>
-                </a:uFill>
-                <a:latin typeface="DejaVu Sans"/>
-              </a:rPr>
-              <a:t>Kohvi ja snäkke võib kööginurgast igal ajal julgelt võtta palju kulub ja ok on klassi kaasa võtta.</a:t>
-            </a:r>
-          </a:p>
-          <a:p>
-            <a:r>
-              <a:rPr lang="en-US" sz="2000" b="0" strike="noStrike" spc="-1">
-                <a:solidFill>
-                  <a:srgbClr val="000000"/>
-                </a:solidFill>
-                <a:uFill>
-                  <a:solidFill>
-                    <a:srgbClr val="FFFFFF"/>
-                  </a:solidFill>
-                </a:uFill>
-                <a:latin typeface="DejaVu Sans"/>
-              </a:rPr>
-              <a:t>Parklas EP90 on parkimine tasuta, aga tuleb iga päev autonumber meie juures terminali sisestada.</a:t>
-            </a:r>
-          </a:p>
-        </p:txBody>
-      </p:sp>
-      <p:sp>
-        <p:nvSpPr>
-          <p:cNvPr id="245" name="CustomShape 2"/>
+        </p:txBody>
+      </p:sp>
+      <p:sp>
+        <p:nvSpPr>
+          <p:cNvPr id="243" name="CustomShape 2"/>
           <p:cNvSpPr/>
           <p:nvPr/>
         </p:nvSpPr>
@@ -1861,7 +2000,7 @@
                 <a:spcPct val="100000"/>
               </a:lnSpc>
             </a:pPr>
-            <a:fld id="{DDFC10E9-96C9-4E54-B1BA-C96A8B01ED7C}" type="slidenum">
+            <a:fld id="{BA1D8E63-3816-4B55-8AF3-CA0E0432D9BF}" type="slidenum">
               <a:rPr lang="en-US" sz="1200" b="0" strike="noStrike" spc="-1">
                 <a:solidFill>
                   <a:srgbClr val="000000"/>
@@ -1874,7 +2013,7 @@
                 <a:latin typeface="+mn-lt"/>
                 <a:ea typeface="+mn-ea"/>
               </a:rPr>
-              <a:t>11</a:t>
+              <a:t>10</a:t>
             </a:fld>
             <a:endParaRPr lang="en-US" sz="1200" b="0" strike="noStrike" spc="-1">
               <a:solidFill>
@@ -1893,7 +2032,7 @@
     </p:spTree>
     <p:extLst>
       <p:ext uri="{BB962C8B-B14F-4D97-AF65-F5344CB8AC3E}">
-        <p14:creationId xmlns:p14="http://schemas.microsoft.com/office/powerpoint/2010/main" val="371318902"/>
+        <p14:creationId xmlns:p14="http://schemas.microsoft.com/office/powerpoint/2010/main" val="193537136"/>
       </p:ext>
     </p:extLst>
   </p:cSld>
@@ -10767,9 +10906,6 @@
               </a:rPr>
               <a:t> info@koolitus.ee</a:t>
             </a:r>
-            <a:r>
-              <a:t/>
-            </a:r>
             <a:br/>
             <a:r>
               <a:rPr lang="en-US" sz="2400" b="0" strike="noStrike" spc="-1">
@@ -13945,7 +14081,7 @@
               <a:buChar char="•"/>
             </a:pPr>
             <a:r>
-              <a:rPr lang="en-US" sz="2800" b="0" strike="noStrike" spc="-1" dirty="0" err="1" smtClean="0">
+              <a:rPr lang="en-US" sz="2800" b="0" strike="noStrike" spc="-1" dirty="0" err="1">
                 <a:solidFill>
                   <a:srgbClr val="595959"/>
                 </a:solidFill>
@@ -13959,7 +14095,7 @@
               <a:t>Nimi</a:t>
             </a:r>
             <a:r>
-              <a:rPr lang="en-US" sz="2800" b="0" strike="noStrike" spc="-1" dirty="0" smtClean="0">
+              <a:rPr lang="en-US" sz="2800" b="0" strike="noStrike" spc="-1" dirty="0">
                 <a:solidFill>
                   <a:srgbClr val="595959"/>
                 </a:solidFill>
@@ -13973,7 +14109,7 @@
               <a:t>: Rain </a:t>
             </a:r>
             <a:r>
-              <a:rPr lang="en-US" sz="2800" b="0" strike="noStrike" spc="-1" dirty="0" err="1" smtClean="0">
+              <a:rPr lang="en-US" sz="2800" b="0" strike="noStrike" spc="-1" dirty="0" err="1">
                 <a:solidFill>
                   <a:srgbClr val="595959"/>
                 </a:solidFill>
@@ -14041,7 +14177,7 @@
               <a:t> </a:t>
             </a:r>
             <a:r>
-              <a:rPr lang="en-US" sz="2800" b="0" strike="noStrike" spc="-1" dirty="0" err="1" smtClean="0">
+              <a:rPr lang="en-US" sz="2800" b="0" strike="noStrike" spc="-1" dirty="0" err="1">
                 <a:solidFill>
                   <a:srgbClr val="595959"/>
                 </a:solidFill>
@@ -14055,7 +14191,7 @@
               <a:t>kogemus</a:t>
             </a:r>
             <a:r>
-              <a:rPr lang="en-US" sz="2800" b="0" strike="noStrike" spc="-1" dirty="0" smtClean="0">
+              <a:rPr lang="en-US" sz="2800" b="0" strike="noStrike" spc="-1" dirty="0">
                 <a:solidFill>
                   <a:srgbClr val="595959"/>
                 </a:solidFill>
@@ -14069,7 +14205,7 @@
               <a:t>: </a:t>
             </a:r>
             <a:r>
-              <a:rPr lang="en-US" sz="2800" b="0" strike="noStrike" spc="-1" dirty="0" err="1" smtClean="0">
+              <a:rPr lang="en-US" sz="2800" b="0" strike="noStrike" spc="-1" dirty="0" err="1">
                 <a:solidFill>
                   <a:srgbClr val="595959"/>
                 </a:solidFill>
@@ -14130,7 +14266,7 @@
               <a:buChar char="•"/>
             </a:pPr>
             <a:r>
-              <a:rPr lang="en-US" sz="2800" b="0" strike="noStrike" spc="-1" dirty="0" err="1" smtClean="0">
+              <a:rPr lang="en-US" sz="2800" b="0" strike="noStrike" spc="-1" dirty="0" err="1">
                 <a:solidFill>
                   <a:srgbClr val="595959"/>
                 </a:solidFill>
@@ -14144,7 +14280,7 @@
               <a:t>Ootused</a:t>
             </a:r>
             <a:r>
-              <a:rPr lang="en-US" sz="2800" b="0" strike="noStrike" spc="-1" dirty="0" smtClean="0">
+              <a:rPr lang="en-US" sz="2800" b="0" strike="noStrike" spc="-1" dirty="0">
                 <a:solidFill>
                   <a:srgbClr val="595959"/>
                 </a:solidFill>
@@ -14158,7 +14294,7 @@
               <a:t>: </a:t>
             </a:r>
             <a:r>
-              <a:rPr lang="en-US" sz="2800" b="0" strike="noStrike" spc="-1" smtClean="0">
+              <a:rPr lang="en-US" sz="2800" b="0" strike="noStrike" spc="-1">
                 <a:solidFill>
                   <a:srgbClr val="595959"/>
                 </a:solidFill>
@@ -14239,17 +14375,133 @@
       </p:grpSpPr>
       <p:sp>
         <p:nvSpPr>
-          <p:cNvPr id="3" name="Subtitle 2"/>
-          <p:cNvSpPr>
-            <a:spLocks noGrp="1"/>
-          </p:cNvSpPr>
-          <p:nvPr>
-            <p:ph type="subTitle"/>
-          </p:nvPr>
-        </p:nvSpPr>
-        <p:spPr/>
-        <p:txBody>
-          <a:bodyPr/>
+          <p:cNvPr id="216" name="CustomShape 1"/>
+          <p:cNvSpPr/>
+          <p:nvPr/>
+        </p:nvSpPr>
+        <p:spPr>
+          <a:xfrm>
+            <a:off x="481320" y="365040"/>
+            <a:ext cx="11266920" cy="1324800"/>
+          </a:xfrm>
+          <a:prstGeom prst="rect">
+            <a:avLst/>
+          </a:prstGeom>
+          <a:noFill/>
+          <a:ln>
+            <a:noFill/>
+          </a:ln>
+        </p:spPr>
+        <p:style>
+          <a:lnRef idx="0">
+            <a:scrgbClr r="0" g="0" b="0"/>
+          </a:lnRef>
+          <a:fillRef idx="0">
+            <a:scrgbClr r="0" g="0" b="0"/>
+          </a:fillRef>
+          <a:effectRef idx="0">
+            <a:scrgbClr r="0" g="0" b="0"/>
+          </a:effectRef>
+          <a:fontRef idx="minor"/>
+        </p:style>
+        <p:txBody>
+          <a:bodyPr lIns="90000" tIns="45000" rIns="90000" bIns="45000" anchor="ctr"/>
+          <a:lstStyle/>
+          <a:p>
+            <a:pPr>
+              <a:lnSpc>
+                <a:spcPct val="90000"/>
+              </a:lnSpc>
+            </a:pPr>
+            <a:r>
+              <a:rPr lang="en-US" sz="4400" b="0" strike="noStrike" spc="-1" dirty="0" err="1">
+                <a:solidFill>
+                  <a:srgbClr val="FC0D1B"/>
+                </a:solidFill>
+                <a:uFill>
+                  <a:solidFill>
+                    <a:srgbClr val="FFFFFF"/>
+                  </a:solidFill>
+                </a:uFill>
+                <a:latin typeface="Calibri Light"/>
+              </a:rPr>
+              <a:t>Saame</a:t>
+            </a:r>
+            <a:r>
+              <a:rPr lang="en-US" sz="4400" b="0" strike="noStrike" spc="-1" dirty="0">
+                <a:solidFill>
+                  <a:srgbClr val="FC0D1B"/>
+                </a:solidFill>
+                <a:uFill>
+                  <a:solidFill>
+                    <a:srgbClr val="FFFFFF"/>
+                  </a:solidFill>
+                </a:uFill>
+                <a:latin typeface="Calibri Light"/>
+              </a:rPr>
+              <a:t> </a:t>
+            </a:r>
+            <a:r>
+              <a:rPr lang="en-US" sz="4400" b="0" strike="noStrike" spc="-1" dirty="0" err="1">
+                <a:solidFill>
+                  <a:srgbClr val="FC0D1B"/>
+                </a:solidFill>
+                <a:uFill>
+                  <a:solidFill>
+                    <a:srgbClr val="FFFFFF"/>
+                  </a:solidFill>
+                </a:uFill>
+                <a:latin typeface="Calibri Light"/>
+              </a:rPr>
+              <a:t>tuttavaks</a:t>
+            </a:r>
+            <a:endParaRPr lang="en-US" sz="4400" b="0" strike="noStrike" spc="-1" dirty="0">
+              <a:solidFill>
+                <a:srgbClr val="000000"/>
+              </a:solidFill>
+              <a:uFill>
+                <a:solidFill>
+                  <a:srgbClr val="FFFFFF"/>
+                </a:solidFill>
+              </a:uFill>
+              <a:latin typeface="DejaVu Sans"/>
+            </a:endParaRPr>
+          </a:p>
+        </p:txBody>
+      </p:sp>
+      <p:sp>
+        <p:nvSpPr>
+          <p:cNvPr id="217" name="CustomShape 2"/>
+          <p:cNvSpPr/>
+          <p:nvPr/>
+        </p:nvSpPr>
+        <p:spPr>
+          <a:xfrm>
+            <a:off x="481320" y="1825560"/>
+            <a:ext cx="11266920" cy="3372120"/>
+          </a:xfrm>
+          <a:prstGeom prst="rect">
+            <a:avLst/>
+          </a:prstGeom>
+          <a:noFill/>
+          <a:ln>
+            <a:noFill/>
+          </a:ln>
+        </p:spPr>
+        <p:style>
+          <a:lnRef idx="0">
+            <a:scrgbClr r="0" g="0" b="0"/>
+          </a:lnRef>
+          <a:fillRef idx="0">
+            <a:scrgbClr r="0" g="0" b="0"/>
+          </a:fillRef>
+          <a:effectRef idx="0">
+            <a:scrgbClr r="0" g="0" b="0"/>
+          </a:effectRef>
+          <a:fontRef idx="minor"/>
+        </p:style>
+        <p:txBody>
+          <a:bodyPr lIns="90000" tIns="45000" rIns="90000" bIns="45000"/>
           <a:lstStyle/>
           <a:p>
             <a:pPr marL="720">
@@ -14261,7 +14513,7 @@
               </a:buClr>
             </a:pPr>
             <a:r>
-              <a:rPr lang="en-US" spc="-1" dirty="0" err="1">
+              <a:rPr lang="en-US" sz="2800" spc="-1" dirty="0" err="1">
                 <a:solidFill>
                   <a:srgbClr val="595959"/>
                 </a:solidFill>
@@ -14275,7 +14527,7 @@
               <a:t>Nimi</a:t>
             </a:r>
             <a:r>
-              <a:rPr lang="en-US" spc="-1" dirty="0">
+              <a:rPr lang="en-US" sz="2800" spc="-1" dirty="0">
                 <a:solidFill>
                   <a:srgbClr val="595959"/>
                 </a:solidFill>
@@ -14286,21 +14538,7 @@
                 </a:uFill>
                 <a:latin typeface="Calibri"/>
               </a:rPr>
-              <a:t>: </a:t>
-            </a:r>
-            <a:r>
-              <a:rPr lang="en-US" spc="-1" dirty="0" smtClean="0">
-                <a:solidFill>
-                  <a:srgbClr val="595959"/>
-                </a:solidFill>
-                <a:uFill>
-                  <a:solidFill>
-                    <a:srgbClr val="FFFFFF"/>
-                  </a:solidFill>
-                </a:uFill>
-                <a:latin typeface="Calibri"/>
-              </a:rPr>
-              <a:t>Henry;</a:t>
+              <a:t>: Henry;</a:t>
             </a:r>
           </a:p>
           <a:p>
@@ -14313,7 +14551,7 @@
               </a:buClr>
             </a:pPr>
             <a:r>
-              <a:rPr lang="en-US" spc="-1" dirty="0" err="1" smtClean="0">
+              <a:rPr lang="en-US" sz="2800" spc="-1" dirty="0" err="1">
                 <a:solidFill>
                   <a:srgbClr val="595959"/>
                 </a:solidFill>
@@ -14327,7 +14565,7 @@
               <a:t>Varasem</a:t>
             </a:r>
             <a:r>
-              <a:rPr lang="en-US" spc="-1" dirty="0" smtClean="0">
+              <a:rPr lang="en-US" sz="2800" spc="-1" dirty="0">
                 <a:solidFill>
                   <a:srgbClr val="595959"/>
                 </a:solidFill>
@@ -14341,7 +14579,7 @@
               <a:t> </a:t>
             </a:r>
             <a:r>
-              <a:rPr lang="en-US" spc="-1" dirty="0" err="1" smtClean="0">
+              <a:rPr lang="en-US" sz="2800" spc="-1" dirty="0" err="1">
                 <a:solidFill>
                   <a:srgbClr val="595959"/>
                 </a:solidFill>
@@ -14355,7 +14593,7 @@
               <a:t>kogemus</a:t>
             </a:r>
             <a:r>
-              <a:rPr lang="en-US" spc="-1" dirty="0" smtClean="0">
+              <a:rPr lang="en-US" sz="2800" spc="-1" dirty="0">
                 <a:solidFill>
                   <a:srgbClr val="595959"/>
                 </a:solidFill>
@@ -14369,7 +14607,7 @@
               <a:t>: </a:t>
             </a:r>
             <a:r>
-              <a:rPr lang="en-US" spc="-1" dirty="0" err="1" smtClean="0">
+              <a:rPr lang="en-US" sz="2800" spc="-1" dirty="0" err="1">
                 <a:solidFill>
                   <a:srgbClr val="595959"/>
                 </a:solidFill>
@@ -14383,7 +14621,7 @@
               <a:t>avalik</a:t>
             </a:r>
             <a:r>
-              <a:rPr lang="en-US" spc="-1" dirty="0" smtClean="0">
+              <a:rPr lang="en-US" sz="2800" spc="-1" dirty="0">
                 <a:solidFill>
                   <a:srgbClr val="595959"/>
                 </a:solidFill>
@@ -14397,7 +14635,7 @@
               <a:t> </a:t>
             </a:r>
             <a:r>
-              <a:rPr lang="en-US" spc="-1" dirty="0" err="1" smtClean="0">
+              <a:rPr lang="en-US" sz="2800" spc="-1" dirty="0" err="1">
                 <a:solidFill>
                   <a:srgbClr val="595959"/>
                 </a:solidFill>
@@ -14411,7 +14649,7 @@
               <a:t>sektor</a:t>
             </a:r>
             <a:r>
-              <a:rPr lang="en-US" spc="-1" dirty="0" smtClean="0">
+              <a:rPr lang="en-US" sz="2800" spc="-1" dirty="0">
                 <a:solidFill>
                   <a:srgbClr val="595959"/>
                 </a:solidFill>
@@ -14424,7 +14662,7 @@
               </a:rPr>
               <a:t>;</a:t>
             </a:r>
-            <a:endParaRPr lang="en-US" spc="-1" dirty="0">
+            <a:endParaRPr lang="en-US" sz="2800" spc="-1" dirty="0">
               <a:solidFill>
                 <a:srgbClr val="000000"/>
               </a:solidFill>
@@ -14448,7 +14686,7 @@
               <a:buChar char="•"/>
             </a:pPr>
             <a:r>
-              <a:rPr lang="en-US" spc="-1" dirty="0" err="1" smtClean="0">
+              <a:rPr lang="en-US" sz="2800" spc="-1" dirty="0" err="1">
                 <a:solidFill>
                   <a:srgbClr val="595959"/>
                 </a:solidFill>
@@ -14462,7 +14700,7 @@
               <a:t>Ootused</a:t>
             </a:r>
             <a:r>
-              <a:rPr lang="en-US" spc="-1" dirty="0" smtClean="0">
+              <a:rPr lang="en-US" sz="2800" spc="-1" dirty="0">
                 <a:solidFill>
                   <a:srgbClr val="595959"/>
                 </a:solidFill>
@@ -14476,7 +14714,7 @@
               <a:t>: </a:t>
             </a:r>
             <a:r>
-              <a:rPr lang="en-US" spc="-1" dirty="0" err="1" smtClean="0">
+              <a:rPr lang="en-US" sz="2800" spc="-1" dirty="0" err="1">
                 <a:solidFill>
                   <a:srgbClr val="595959"/>
                 </a:solidFill>
@@ -14490,7 +14728,7 @@
               <a:t>kinnistada</a:t>
             </a:r>
             <a:r>
-              <a:rPr lang="en-US" spc="-1" dirty="0" smtClean="0">
+              <a:rPr lang="en-US" sz="2800" spc="-1" dirty="0">
                 <a:solidFill>
                   <a:srgbClr val="595959"/>
                 </a:solidFill>
@@ -14504,7 +14742,7 @@
               <a:t> </a:t>
             </a:r>
             <a:r>
-              <a:rPr lang="en-US" spc="-1" dirty="0" err="1" smtClean="0">
+              <a:rPr lang="en-US" sz="2800" spc="-1" dirty="0" err="1">
                 <a:solidFill>
                   <a:srgbClr val="595959"/>
                 </a:solidFill>
@@ -14518,7 +14756,7 @@
               <a:t>teadmise</a:t>
             </a:r>
             <a:r>
-              <a:rPr lang="en-US" spc="-1" dirty="0" smtClean="0">
+              <a:rPr lang="en-US" sz="2800" spc="-1" dirty="0">
                 <a:solidFill>
                   <a:srgbClr val="595959"/>
                 </a:solidFill>
@@ -14529,38 +14767,10 @@
                 </a:uFill>
                 <a:latin typeface="Calibri"/>
               </a:rPr>
-              <a:t> </a:t>
+              <a:t> ja </a:t>
             </a:r>
             <a:r>
-              <a:rPr lang="en-US" spc="-1" dirty="0" err="1" smtClean="0">
-                <a:solidFill>
-                  <a:srgbClr val="595959"/>
-                </a:solidFill>
-                <a:uFill>
-                  <a:solidFill>
-                    <a:srgbClr val="FFFFFF"/>
-                  </a:solidFill>
-                </a:uFill>
-                <a:latin typeface="Calibri"/>
-              </a:rPr>
-              <a:t>ja</a:t>
-            </a:r>
-            <a:r>
-              <a:rPr lang="en-US" spc="-1" dirty="0" smtClean="0">
-                <a:solidFill>
-                  <a:srgbClr val="595959"/>
-                </a:solidFill>
-                <a:uFill>
-                  <a:solidFill>
-                    <a:srgbClr val="FFFFFF"/>
-                  </a:solidFill>
-                </a:uFill>
-                <a:latin typeface="Calibri"/>
-              </a:rPr>
-              <a:t> </a:t>
-            </a:r>
-            <a:r>
-              <a:rPr lang="en-US" spc="-1" dirty="0" err="1" smtClean="0">
+              <a:rPr lang="en-US" sz="2800" spc="-1" dirty="0" err="1">
                 <a:solidFill>
                   <a:srgbClr val="595959"/>
                 </a:solidFill>
@@ -14574,7 +14784,7 @@
               <a:t>laiendada</a:t>
             </a:r>
             <a:r>
-              <a:rPr lang="en-US" spc="-1" dirty="0" smtClean="0">
+              <a:rPr lang="en-US" sz="2800" spc="-1" dirty="0">
                 <a:solidFill>
                   <a:srgbClr val="595959"/>
                 </a:solidFill>
@@ -14588,7 +14798,7 @@
               <a:t> HMTL, CSS, JavaScript </a:t>
             </a:r>
             <a:r>
-              <a:rPr lang="en-US" spc="-1" dirty="0" err="1" smtClean="0">
+              <a:rPr lang="en-US" sz="2800" spc="-1" dirty="0" err="1">
                 <a:solidFill>
                   <a:srgbClr val="595959"/>
                 </a:solidFill>
@@ -14602,7 +14812,7 @@
               <a:t>oskusi</a:t>
             </a:r>
             <a:r>
-              <a:rPr lang="en-US" spc="-1" dirty="0" smtClean="0">
+              <a:rPr lang="en-US" sz="2800" spc="-1" dirty="0">
                 <a:solidFill>
                   <a:srgbClr val="595959"/>
                 </a:solidFill>
@@ -14615,108 +14825,42 @@
               </a:rPr>
               <a:t>;</a:t>
             </a:r>
-            <a:endParaRPr lang="et-EE" dirty="0"/>
-          </a:p>
-        </p:txBody>
-      </p:sp>
-      <p:sp>
-        <p:nvSpPr>
-          <p:cNvPr id="2" name="Title 1"/>
-          <p:cNvSpPr>
-            <a:spLocks noGrp="1"/>
-          </p:cNvSpPr>
-          <p:nvPr>
-            <p:ph type="title"/>
-          </p:nvPr>
-        </p:nvSpPr>
-        <p:spPr/>
-        <p:txBody>
-          <a:bodyPr/>
-          <a:lstStyle/>
-          <a:p>
-            <a:r>
-              <a:rPr lang="en-US" spc="-1" dirty="0" err="1">
-                <a:solidFill>
-                  <a:srgbClr val="FC0D1B"/>
-                </a:solidFill>
-                <a:uFill>
-                  <a:solidFill>
-                    <a:srgbClr val="FFFFFF"/>
-                  </a:solidFill>
-                </a:uFill>
-                <a:latin typeface="Calibri Light"/>
-              </a:rPr>
-              <a:t>Saame</a:t>
-            </a:r>
-            <a:r>
-              <a:rPr lang="en-US" spc="-1" dirty="0">
-                <a:solidFill>
-                  <a:srgbClr val="FC0D1B"/>
-                </a:solidFill>
-                <a:uFill>
-                  <a:solidFill>
-                    <a:srgbClr val="FFFFFF"/>
-                  </a:solidFill>
-                </a:uFill>
-                <a:latin typeface="Calibri Light"/>
-              </a:rPr>
-              <a:t> </a:t>
-            </a:r>
-            <a:r>
-              <a:rPr lang="en-US" spc="-1" dirty="0" err="1">
-                <a:solidFill>
-                  <a:srgbClr val="FC0D1B"/>
-                </a:solidFill>
-                <a:uFill>
-                  <a:solidFill>
-                    <a:srgbClr val="FFFFFF"/>
-                  </a:solidFill>
-                </a:uFill>
-                <a:latin typeface="Calibri Light"/>
-              </a:rPr>
-              <a:t>tuttavaks</a:t>
-            </a:r>
-            <a:r>
-              <a:rPr lang="en-US" spc="-1" dirty="0">
-                <a:solidFill>
-                  <a:srgbClr val="000000"/>
-                </a:solidFill>
-                <a:uFill>
-                  <a:solidFill>
-                    <a:srgbClr val="FFFFFF"/>
-                  </a:solidFill>
-                </a:uFill>
-                <a:latin typeface="DejaVu Sans"/>
-              </a:rPr>
-              <a:t/>
-            </a:r>
-            <a:br>
-              <a:rPr lang="en-US" spc="-1" dirty="0">
-                <a:solidFill>
-                  <a:srgbClr val="000000"/>
-                </a:solidFill>
-                <a:uFill>
-                  <a:solidFill>
-                    <a:srgbClr val="FFFFFF"/>
-                  </a:solidFill>
-                </a:uFill>
-                <a:latin typeface="DejaVu Sans"/>
-              </a:rPr>
-            </a:br>
-            <a:endParaRPr lang="et-EE" dirty="0"/>
+            <a:endParaRPr lang="et-EE" sz="2800" dirty="0"/>
           </a:p>
         </p:txBody>
       </p:sp>
     </p:spTree>
-    <p:extLst>
-      <p:ext uri="{BB962C8B-B14F-4D97-AF65-F5344CB8AC3E}">
-        <p14:creationId xmlns:p14="http://schemas.microsoft.com/office/powerpoint/2010/main" val="2670244549"/>
-      </p:ext>
-    </p:extLst>
   </p:cSld>
   <p:clrMapOvr>
     <a:masterClrMapping/>
   </p:clrMapOvr>
+  <p:timing>
+    <p:tnLst>
+      <p:par>
+        <p:cTn id="1" dur="indefinite" restart="never" nodeType="tmRoot">
+          <p:childTnLst>
+            <p:seq>
+              <p:cTn id="2" nodeType="mainSeq"/>
+              <p:prevCondLst>
+                <p:cond evt="onPrev" delay="0">
+                  <p:tgtEl>
+                    <p:sldTgt/>
+                  </p:tgtEl>
+                </p:cond>
+              </p:prevCondLst>
+              <p:nextCondLst>
+                <p:cond evt="onNext" delay="0">
+                  <p:tgtEl>
+                    <p:sldTgt/>
+                  </p:tgtEl>
+                </p:cond>
+              </p:nextCondLst>
+            </p:seq>
+          </p:childTnLst>
+        </p:cTn>
+      </p:par>
+    </p:tnLst>
+  </p:timing>
 </p:sld>
 </file>
 
@@ -14880,7 +15024,7 @@
               </a:buClr>
             </a:pPr>
             <a:r>
-              <a:rPr lang="en-US" sz="2800" b="0" strike="noStrike" spc="-1" dirty="0" err="1" smtClean="0">
+              <a:rPr lang="en-US" sz="2800" b="0" strike="noStrike" spc="-1" dirty="0" err="1">
                 <a:solidFill>
                   <a:srgbClr val="595959"/>
                 </a:solidFill>
@@ -14894,7 +15038,7 @@
               <a:t>Nimi</a:t>
             </a:r>
             <a:r>
-              <a:rPr lang="en-US" sz="2800" b="0" strike="noStrike" spc="-1" dirty="0" smtClean="0">
+              <a:rPr lang="en-US" sz="2800" b="0" strike="noStrike" spc="-1" dirty="0">
                 <a:solidFill>
                   <a:srgbClr val="595959"/>
                 </a:solidFill>
@@ -14908,7 +15052,7 @@
               <a:t>: Mona-</a:t>
             </a:r>
             <a:r>
-              <a:rPr lang="en-US" sz="2800" b="0" strike="noStrike" spc="-1" dirty="0" err="1" smtClean="0">
+              <a:rPr lang="en-US" sz="2800" b="0" strike="noStrike" spc="-1" dirty="0" err="1">
                 <a:solidFill>
                   <a:srgbClr val="595959"/>
                 </a:solidFill>
@@ -14976,7 +15120,7 @@
               <a:t> </a:t>
             </a:r>
             <a:r>
-              <a:rPr lang="en-US" sz="2800" b="0" strike="noStrike" spc="-1" dirty="0" err="1" smtClean="0">
+              <a:rPr lang="en-US" sz="2800" b="0" strike="noStrike" spc="-1" dirty="0" err="1">
                 <a:solidFill>
                   <a:srgbClr val="595959"/>
                 </a:solidFill>
@@ -14990,7 +15134,7 @@
               <a:t>kogemus</a:t>
             </a:r>
             <a:r>
-              <a:rPr lang="en-US" sz="2800" b="0" strike="noStrike" spc="-1" dirty="0" smtClean="0">
+              <a:rPr lang="en-US" sz="2800" b="0" strike="noStrike" spc="-1" dirty="0">
                 <a:solidFill>
                   <a:srgbClr val="595959"/>
                 </a:solidFill>
@@ -15051,7 +15195,7 @@
               <a:buChar char="•"/>
             </a:pPr>
             <a:r>
-              <a:rPr lang="en-US" sz="2800" b="0" strike="noStrike" spc="-1" dirty="0" err="1" smtClean="0">
+              <a:rPr lang="en-US" sz="2800" b="0" strike="noStrike" spc="-1" dirty="0" err="1">
                 <a:solidFill>
                   <a:srgbClr val="595959"/>
                 </a:solidFill>
@@ -15065,7 +15209,7 @@
               <a:t>Ootused</a:t>
             </a:r>
             <a:r>
-              <a:rPr lang="en-US" sz="2800" b="0" strike="noStrike" spc="-1" dirty="0" smtClean="0">
+              <a:rPr lang="en-US" sz="2800" b="0" strike="noStrike" spc="-1" dirty="0">
                 <a:solidFill>
                   <a:srgbClr val="595959"/>
                 </a:solidFill>
@@ -15079,7 +15223,7 @@
               <a:t> web </a:t>
             </a:r>
             <a:r>
-              <a:rPr lang="en-US" sz="2800" b="0" strike="noStrike" spc="-1" dirty="0" err="1" smtClean="0">
+              <a:rPr lang="en-US" sz="2800" b="0" strike="noStrike" spc="-1" dirty="0" err="1">
                 <a:solidFill>
                   <a:srgbClr val="595959"/>
                 </a:solidFill>
@@ -15107,6 +15251,11 @@
         </p:txBody>
       </p:sp>
     </p:spTree>
+    <p:extLst>
+      <p:ext uri="{BB962C8B-B14F-4D97-AF65-F5344CB8AC3E}">
+        <p14:creationId xmlns:p14="http://schemas.microsoft.com/office/powerpoint/2010/main" val="2651605015"/>
+      </p:ext>
+    </p:extLst>
   </p:cSld>
   <p:clrMapOvr>
     <a:masterClrMapping/>
@@ -15273,7 +15422,7 @@
               </a:buClr>
             </a:pPr>
             <a:r>
-              <a:rPr lang="en-US" sz="2800" b="0" strike="noStrike" spc="-1" dirty="0" err="1" smtClean="0">
+              <a:rPr lang="en-US" sz="2800" b="0" strike="noStrike" spc="-1" dirty="0" err="1">
                 <a:solidFill>
                   <a:srgbClr val="595959"/>
                 </a:solidFill>
@@ -15287,7 +15436,7 @@
               <a:t>Nimi</a:t>
             </a:r>
             <a:r>
-              <a:rPr lang="en-US" sz="2800" b="0" strike="noStrike" spc="-1" dirty="0" smtClean="0">
+              <a:rPr lang="en-US" sz="2800" b="0" strike="noStrike" spc="-1" dirty="0">
                 <a:solidFill>
                   <a:srgbClr val="595959"/>
                 </a:solidFill>
@@ -15301,7 +15450,7 @@
               <a:t>: </a:t>
             </a:r>
             <a:r>
-              <a:rPr lang="et-EE" sz="2800" b="0" strike="noStrike" spc="-1" dirty="0" smtClean="0">
+              <a:rPr lang="et-EE" sz="2800" b="0" strike="noStrike" spc="-1" dirty="0">
                 <a:solidFill>
                   <a:srgbClr val="595959"/>
                 </a:solidFill>
@@ -15369,7 +15518,7 @@
               <a:t> </a:t>
             </a:r>
             <a:r>
-              <a:rPr lang="en-US" sz="2800" b="0" strike="noStrike" spc="-1" dirty="0" err="1" smtClean="0">
+              <a:rPr lang="en-US" sz="2800" b="0" strike="noStrike" spc="-1" dirty="0" err="1">
                 <a:solidFill>
                   <a:srgbClr val="595959"/>
                 </a:solidFill>
@@ -15383,7 +15532,7 @@
               <a:t>kogemus</a:t>
             </a:r>
             <a:r>
-              <a:rPr lang="en-US" sz="2800" b="0" strike="noStrike" spc="-1" dirty="0" smtClean="0">
+              <a:rPr lang="en-US" sz="2800" b="0" strike="noStrike" spc="-1" dirty="0">
                 <a:solidFill>
                   <a:srgbClr val="595959"/>
                 </a:solidFill>
@@ -15397,7 +15546,7 @@
               <a:t>: </a:t>
             </a:r>
             <a:r>
-              <a:rPr lang="et-EE" sz="2800" b="0" strike="noStrike" spc="-1" dirty="0" smtClean="0">
+              <a:rPr lang="et-EE" sz="2800" b="0" strike="noStrike" spc="-1" dirty="0">
                 <a:solidFill>
                   <a:srgbClr val="595959"/>
                 </a:solidFill>
@@ -15458,7 +15607,7 @@
               <a:buChar char="•"/>
             </a:pPr>
             <a:r>
-              <a:rPr lang="en-US" sz="2800" b="0" strike="noStrike" spc="-1" dirty="0" err="1" smtClean="0">
+              <a:rPr lang="en-US" sz="2800" b="0" strike="noStrike" spc="-1" dirty="0" err="1">
                 <a:solidFill>
                   <a:srgbClr val="595959"/>
                 </a:solidFill>
@@ -15472,7 +15621,7 @@
               <a:t>Ootused</a:t>
             </a:r>
             <a:r>
-              <a:rPr lang="en-US" sz="2800" b="0" strike="noStrike" spc="-1" dirty="0" smtClean="0">
+              <a:rPr lang="en-US" sz="2800" b="0" strike="noStrike" spc="-1" dirty="0">
                 <a:solidFill>
                   <a:srgbClr val="595959"/>
                 </a:solidFill>
@@ -15486,7 +15635,7 @@
               <a:t> web </a:t>
             </a:r>
             <a:r>
-              <a:rPr lang="en-US" sz="2800" b="0" strike="noStrike" spc="-1" dirty="0" err="1" smtClean="0">
+              <a:rPr lang="en-US" sz="2800" b="0" strike="noStrike" spc="-1" dirty="0" err="1">
                 <a:solidFill>
                   <a:srgbClr val="595959"/>
                 </a:solidFill>
@@ -15500,7 +15649,7 @@
               <a:t>kasutusmugavus</a:t>
             </a:r>
             <a:r>
-              <a:rPr lang="et-EE" sz="2800" b="0" strike="noStrike" spc="-1" dirty="0" smtClean="0">
+              <a:rPr lang="et-EE" sz="2800" b="0" strike="noStrike" spc="-1" dirty="0">
                 <a:solidFill>
                   <a:srgbClr val="595959"/>
                 </a:solidFill>
@@ -15514,7 +15663,7 @@
               <a:t>, </a:t>
             </a:r>
             <a:r>
-              <a:rPr lang="et-EE" sz="2800" b="0" strike="noStrike" spc="-1" smtClean="0">
+              <a:rPr lang="et-EE" sz="2800" b="0" strike="noStrike" spc="-1">
                 <a:solidFill>
                   <a:srgbClr val="595959"/>
                 </a:solidFill>
@@ -15713,7 +15862,7 @@
               </a:buClr>
             </a:pPr>
             <a:r>
-              <a:rPr lang="en-US" sz="2800" b="0" strike="noStrike" spc="-1" dirty="0" err="1" smtClean="0">
+              <a:rPr lang="en-US" sz="2800" b="0" strike="noStrike" spc="-1" dirty="0" err="1">
                 <a:solidFill>
                   <a:srgbClr val="595959"/>
                 </a:solidFill>
@@ -15727,7 +15876,7 @@
               <a:t>Nimi</a:t>
             </a:r>
             <a:r>
-              <a:rPr lang="en-US" sz="2800" b="0" strike="noStrike" spc="-1" dirty="0" smtClean="0">
+              <a:rPr lang="en-US" sz="2800" b="0" strike="noStrike" spc="-1" dirty="0">
                 <a:solidFill>
                   <a:srgbClr val="595959"/>
                 </a:solidFill>
@@ -15741,7 +15890,7 @@
               <a:t>: </a:t>
             </a:r>
             <a:r>
-              <a:rPr lang="et-EE" sz="2800" b="0" strike="noStrike" spc="-1" dirty="0" smtClean="0">
+              <a:rPr lang="et-EE" sz="2800" b="0" strike="noStrike" spc="-1" dirty="0">
                 <a:solidFill>
                   <a:srgbClr val="595959"/>
                 </a:solidFill>
@@ -15809,7 +15958,7 @@
               <a:t> </a:t>
             </a:r>
             <a:r>
-              <a:rPr lang="en-US" sz="2800" b="0" strike="noStrike" spc="-1" dirty="0" err="1" smtClean="0">
+              <a:rPr lang="en-US" sz="2800" b="0" strike="noStrike" spc="-1" dirty="0" err="1">
                 <a:solidFill>
                   <a:srgbClr val="595959"/>
                 </a:solidFill>
@@ -15823,7 +15972,7 @@
               <a:t>kogemus</a:t>
             </a:r>
             <a:r>
-              <a:rPr lang="en-US" sz="2800" b="0" strike="noStrike" spc="-1" dirty="0" smtClean="0">
+              <a:rPr lang="en-US" sz="2800" b="0" strike="noStrike" spc="-1" dirty="0">
                 <a:solidFill>
                   <a:srgbClr val="595959"/>
                 </a:solidFill>
@@ -15837,7 +15986,7 @@
               <a:t>: </a:t>
             </a:r>
             <a:r>
-              <a:rPr lang="et-EE" sz="2800" b="0" strike="noStrike" spc="-1" dirty="0" smtClean="0">
+              <a:rPr lang="et-EE" sz="2800" b="0" strike="noStrike" spc="-1" dirty="0">
                 <a:solidFill>
                   <a:srgbClr val="595959"/>
                 </a:solidFill>
@@ -15898,7 +16047,7 @@
               <a:buChar char="•"/>
             </a:pPr>
             <a:r>
-              <a:rPr lang="en-US" sz="2800" b="0" strike="noStrike" spc="-1" dirty="0" err="1" smtClean="0">
+              <a:rPr lang="en-US" sz="2800" b="0" strike="noStrike" spc="-1" dirty="0" err="1">
                 <a:solidFill>
                   <a:srgbClr val="595959"/>
                 </a:solidFill>
@@ -15912,7 +16061,7 @@
               <a:t>Ootused</a:t>
             </a:r>
             <a:r>
-              <a:rPr lang="en-US" sz="2800" b="0" strike="noStrike" spc="-1" dirty="0" smtClean="0">
+              <a:rPr lang="en-US" sz="2800" b="0" strike="noStrike" spc="-1" dirty="0">
                 <a:solidFill>
                   <a:srgbClr val="595959"/>
                 </a:solidFill>
@@ -15926,7 +16075,7 @@
               <a:t> web </a:t>
             </a:r>
             <a:r>
-              <a:rPr lang="en-US" sz="2800" b="0" strike="noStrike" spc="-1" dirty="0" err="1" smtClean="0">
+              <a:rPr lang="en-US" sz="2800" b="0" strike="noStrike" spc="-1" dirty="0" err="1">
                 <a:solidFill>
                   <a:srgbClr val="595959"/>
                 </a:solidFill>
@@ -15940,7 +16089,7 @@
               <a:t>kasutusmugavus</a:t>
             </a:r>
             <a:r>
-              <a:rPr lang="et-EE" sz="2800" b="0" strike="noStrike" spc="-1" dirty="0" smtClean="0">
+              <a:rPr lang="et-EE" sz="2800" b="0" strike="noStrike" spc="-1" dirty="0">
                 <a:solidFill>
                   <a:srgbClr val="595959"/>
                 </a:solidFill>
@@ -15954,7 +16103,7 @@
               <a:t>, </a:t>
             </a:r>
             <a:r>
-              <a:rPr lang="et-EE" sz="2800" b="0" strike="noStrike" spc="-1" smtClean="0">
+              <a:rPr lang="et-EE" sz="2800" b="0" strike="noStrike" spc="-1">
                 <a:solidFill>
                   <a:srgbClr val="595959"/>
                 </a:solidFill>
